--- a/Presentation_easypay.pptx
+++ b/Presentation_easypay.pptx
@@ -5,21 +5,27 @@
     <p:sldMasterId id="2147483648" r:id="rId1"/>
   </p:sldMasterIdLst>
   <p:notesMasterIdLst>
-    <p:notesMasterId r:id="rId14"/>
+    <p:notesMasterId r:id="rId20"/>
   </p:notesMasterIdLst>
   <p:sldIdLst>
     <p:sldId id="257" r:id="rId2"/>
     <p:sldId id="258" r:id="rId3"/>
-    <p:sldId id="259" r:id="rId4"/>
-    <p:sldId id="268" r:id="rId5"/>
-    <p:sldId id="260" r:id="rId6"/>
-    <p:sldId id="261" r:id="rId7"/>
-    <p:sldId id="262" r:id="rId8"/>
-    <p:sldId id="263" r:id="rId9"/>
-    <p:sldId id="264" r:id="rId10"/>
-    <p:sldId id="265" r:id="rId11"/>
-    <p:sldId id="266" r:id="rId12"/>
-    <p:sldId id="267" r:id="rId13"/>
+    <p:sldId id="270" r:id="rId4"/>
+    <p:sldId id="261" r:id="rId5"/>
+    <p:sldId id="269" r:id="rId6"/>
+    <p:sldId id="276" r:id="rId7"/>
+    <p:sldId id="271" r:id="rId8"/>
+    <p:sldId id="274" r:id="rId9"/>
+    <p:sldId id="277" r:id="rId10"/>
+    <p:sldId id="272" r:id="rId11"/>
+    <p:sldId id="275" r:id="rId12"/>
+    <p:sldId id="278" r:id="rId13"/>
+    <p:sldId id="268" r:id="rId14"/>
+    <p:sldId id="273" r:id="rId15"/>
+    <p:sldId id="279" r:id="rId16"/>
+    <p:sldId id="262" r:id="rId17"/>
+    <p:sldId id="266" r:id="rId18"/>
+    <p:sldId id="267" r:id="rId19"/>
   </p:sldIdLst>
   <p:sldSz cx="12192000" cy="6858000"/>
   <p:notesSz cx="6858000" cy="9144000"/>
@@ -223,7 +229,7 @@
           <a:p>
             <a:fld id="{8AF071E4-46E6-45D7-AF32-43BAB45FBBD3}" type="datetimeFigureOut">
               <a:rPr lang="ru-RU" smtClean="0"/>
-              <a:t>04.10.2017</a:t>
+              <a:t>06.10.2017</a:t>
             </a:fld>
             <a:endParaRPr lang="ru-RU"/>
           </a:p>
@@ -648,6 +654,510 @@
     </p:spTree>
     <p:extLst>
       <p:ext uri="{BB962C8B-B14F-4D97-AF65-F5344CB8AC3E}">
+        <p14:creationId xmlns:p14="http://schemas.microsoft.com/office/powerpoint/2010/main" val="579733082"/>
+      </p:ext>
+    </p:extLst>
+  </p:cSld>
+  <p:clrMapOvr>
+    <a:masterClrMapping/>
+  </p:clrMapOvr>
+</p:notes>
+</file>
+
+<file path=ppt/notesSlides/notesSlide11.xml><?xml version="1.0" encoding="utf-8"?>
+<p:notes xmlns:a="http://schemas.openxmlformats.org/drawingml/2006/main" xmlns:r="http://schemas.openxmlformats.org/officeDocument/2006/relationships" xmlns:p="http://schemas.openxmlformats.org/presentationml/2006/main">
+  <p:cSld>
+    <p:spTree>
+      <p:nvGrpSpPr>
+        <p:cNvPr id="1" name=""/>
+        <p:cNvGrpSpPr/>
+        <p:nvPr/>
+      </p:nvGrpSpPr>
+      <p:grpSpPr>
+        <a:xfrm>
+          <a:off x="0" y="0"/>
+          <a:ext cx="0" cy="0"/>
+          <a:chOff x="0" y="0"/>
+          <a:chExt cx="0" cy="0"/>
+        </a:xfrm>
+      </p:grpSpPr>
+      <p:sp>
+        <p:nvSpPr>
+          <p:cNvPr id="2" name="Образ слайда 1"/>
+          <p:cNvSpPr>
+            <a:spLocks noGrp="1" noRot="1" noChangeAspect="1"/>
+          </p:cNvSpPr>
+          <p:nvPr>
+            <p:ph type="sldImg"/>
+          </p:nvPr>
+        </p:nvSpPr>
+        <p:spPr/>
+      </p:sp>
+      <p:sp>
+        <p:nvSpPr>
+          <p:cNvPr id="3" name="Заметки 2"/>
+          <p:cNvSpPr>
+            <a:spLocks noGrp="1"/>
+          </p:cNvSpPr>
+          <p:nvPr>
+            <p:ph type="body" idx="1"/>
+          </p:nvPr>
+        </p:nvSpPr>
+        <p:spPr/>
+        <p:txBody>
+          <a:bodyPr/>
+          <a:lstStyle/>
+          <a:p>
+            <a:endParaRPr lang="ru-RU"/>
+          </a:p>
+        </p:txBody>
+      </p:sp>
+      <p:sp>
+        <p:nvSpPr>
+          <p:cNvPr id="4" name="Номер слайда 3"/>
+          <p:cNvSpPr>
+            <a:spLocks noGrp="1"/>
+          </p:cNvSpPr>
+          <p:nvPr>
+            <p:ph type="sldNum" sz="quarter" idx="10"/>
+          </p:nvPr>
+        </p:nvSpPr>
+        <p:spPr/>
+        <p:txBody>
+          <a:bodyPr/>
+          <a:lstStyle/>
+          <a:p>
+            <a:fld id="{18708D98-3156-4019-9D45-C27B744176CB}" type="slidenum">
+              <a:rPr lang="ru-RU" smtClean="0"/>
+              <a:t>12</a:t>
+            </a:fld>
+            <a:endParaRPr lang="ru-RU"/>
+          </a:p>
+        </p:txBody>
+      </p:sp>
+    </p:spTree>
+    <p:extLst>
+      <p:ext uri="{BB962C8B-B14F-4D97-AF65-F5344CB8AC3E}">
+        <p14:creationId xmlns:p14="http://schemas.microsoft.com/office/powerpoint/2010/main" val="3428299508"/>
+      </p:ext>
+    </p:extLst>
+  </p:cSld>
+  <p:clrMapOvr>
+    <a:masterClrMapping/>
+  </p:clrMapOvr>
+</p:notes>
+</file>
+
+<file path=ppt/notesSlides/notesSlide12.xml><?xml version="1.0" encoding="utf-8"?>
+<p:notes xmlns:a="http://schemas.openxmlformats.org/drawingml/2006/main" xmlns:r="http://schemas.openxmlformats.org/officeDocument/2006/relationships" xmlns:p="http://schemas.openxmlformats.org/presentationml/2006/main">
+  <p:cSld>
+    <p:spTree>
+      <p:nvGrpSpPr>
+        <p:cNvPr id="1" name=""/>
+        <p:cNvGrpSpPr/>
+        <p:nvPr/>
+      </p:nvGrpSpPr>
+      <p:grpSpPr>
+        <a:xfrm>
+          <a:off x="0" y="0"/>
+          <a:ext cx="0" cy="0"/>
+          <a:chOff x="0" y="0"/>
+          <a:chExt cx="0" cy="0"/>
+        </a:xfrm>
+      </p:grpSpPr>
+      <p:sp>
+        <p:nvSpPr>
+          <p:cNvPr id="2" name="Образ слайда 1"/>
+          <p:cNvSpPr>
+            <a:spLocks noGrp="1" noRot="1" noChangeAspect="1"/>
+          </p:cNvSpPr>
+          <p:nvPr>
+            <p:ph type="sldImg"/>
+          </p:nvPr>
+        </p:nvSpPr>
+        <p:spPr/>
+      </p:sp>
+      <p:sp>
+        <p:nvSpPr>
+          <p:cNvPr id="3" name="Заметки 2"/>
+          <p:cNvSpPr>
+            <a:spLocks noGrp="1"/>
+          </p:cNvSpPr>
+          <p:nvPr>
+            <p:ph type="body" idx="1"/>
+          </p:nvPr>
+        </p:nvSpPr>
+        <p:spPr/>
+        <p:txBody>
+          <a:bodyPr/>
+          <a:lstStyle/>
+          <a:p>
+            <a:endParaRPr lang="ru-RU"/>
+          </a:p>
+        </p:txBody>
+      </p:sp>
+      <p:sp>
+        <p:nvSpPr>
+          <p:cNvPr id="4" name="Номер слайда 3"/>
+          <p:cNvSpPr>
+            <a:spLocks noGrp="1"/>
+          </p:cNvSpPr>
+          <p:nvPr>
+            <p:ph type="sldNum" sz="quarter" idx="10"/>
+          </p:nvPr>
+        </p:nvSpPr>
+        <p:spPr/>
+        <p:txBody>
+          <a:bodyPr/>
+          <a:lstStyle/>
+          <a:p>
+            <a:fld id="{18708D98-3156-4019-9D45-C27B744176CB}" type="slidenum">
+              <a:rPr lang="ru-RU" smtClean="0"/>
+              <a:t>13</a:t>
+            </a:fld>
+            <a:endParaRPr lang="ru-RU"/>
+          </a:p>
+        </p:txBody>
+      </p:sp>
+    </p:spTree>
+    <p:extLst>
+      <p:ext uri="{BB962C8B-B14F-4D97-AF65-F5344CB8AC3E}">
+        <p14:creationId xmlns:p14="http://schemas.microsoft.com/office/powerpoint/2010/main" val="1894760363"/>
+      </p:ext>
+    </p:extLst>
+  </p:cSld>
+  <p:clrMapOvr>
+    <a:masterClrMapping/>
+  </p:clrMapOvr>
+</p:notes>
+</file>
+
+<file path=ppt/notesSlides/notesSlide13.xml><?xml version="1.0" encoding="utf-8"?>
+<p:notes xmlns:a="http://schemas.openxmlformats.org/drawingml/2006/main" xmlns:r="http://schemas.openxmlformats.org/officeDocument/2006/relationships" xmlns:p="http://schemas.openxmlformats.org/presentationml/2006/main">
+  <p:cSld>
+    <p:spTree>
+      <p:nvGrpSpPr>
+        <p:cNvPr id="1" name=""/>
+        <p:cNvGrpSpPr/>
+        <p:nvPr/>
+      </p:nvGrpSpPr>
+      <p:grpSpPr>
+        <a:xfrm>
+          <a:off x="0" y="0"/>
+          <a:ext cx="0" cy="0"/>
+          <a:chOff x="0" y="0"/>
+          <a:chExt cx="0" cy="0"/>
+        </a:xfrm>
+      </p:grpSpPr>
+      <p:sp>
+        <p:nvSpPr>
+          <p:cNvPr id="2" name="Образ слайда 1"/>
+          <p:cNvSpPr>
+            <a:spLocks noGrp="1" noRot="1" noChangeAspect="1"/>
+          </p:cNvSpPr>
+          <p:nvPr>
+            <p:ph type="sldImg"/>
+          </p:nvPr>
+        </p:nvSpPr>
+        <p:spPr/>
+      </p:sp>
+      <p:sp>
+        <p:nvSpPr>
+          <p:cNvPr id="3" name="Заметки 2"/>
+          <p:cNvSpPr>
+            <a:spLocks noGrp="1"/>
+          </p:cNvSpPr>
+          <p:nvPr>
+            <p:ph type="body" idx="1"/>
+          </p:nvPr>
+        </p:nvSpPr>
+        <p:spPr/>
+        <p:txBody>
+          <a:bodyPr/>
+          <a:lstStyle/>
+          <a:p>
+            <a:endParaRPr lang="ru-RU"/>
+          </a:p>
+        </p:txBody>
+      </p:sp>
+      <p:sp>
+        <p:nvSpPr>
+          <p:cNvPr id="4" name="Номер слайда 3"/>
+          <p:cNvSpPr>
+            <a:spLocks noGrp="1"/>
+          </p:cNvSpPr>
+          <p:nvPr>
+            <p:ph type="sldNum" sz="quarter" idx="10"/>
+          </p:nvPr>
+        </p:nvSpPr>
+        <p:spPr/>
+        <p:txBody>
+          <a:bodyPr/>
+          <a:lstStyle/>
+          <a:p>
+            <a:fld id="{18708D98-3156-4019-9D45-C27B744176CB}" type="slidenum">
+              <a:rPr lang="ru-RU" smtClean="0"/>
+              <a:t>14</a:t>
+            </a:fld>
+            <a:endParaRPr lang="ru-RU"/>
+          </a:p>
+        </p:txBody>
+      </p:sp>
+    </p:spTree>
+    <p:extLst>
+      <p:ext uri="{BB962C8B-B14F-4D97-AF65-F5344CB8AC3E}">
+        <p14:creationId xmlns:p14="http://schemas.microsoft.com/office/powerpoint/2010/main" val="2535032449"/>
+      </p:ext>
+    </p:extLst>
+  </p:cSld>
+  <p:clrMapOvr>
+    <a:masterClrMapping/>
+  </p:clrMapOvr>
+</p:notes>
+</file>
+
+<file path=ppt/notesSlides/notesSlide14.xml><?xml version="1.0" encoding="utf-8"?>
+<p:notes xmlns:a="http://schemas.openxmlformats.org/drawingml/2006/main" xmlns:r="http://schemas.openxmlformats.org/officeDocument/2006/relationships" xmlns:p="http://schemas.openxmlformats.org/presentationml/2006/main">
+  <p:cSld>
+    <p:spTree>
+      <p:nvGrpSpPr>
+        <p:cNvPr id="1" name=""/>
+        <p:cNvGrpSpPr/>
+        <p:nvPr/>
+      </p:nvGrpSpPr>
+      <p:grpSpPr>
+        <a:xfrm>
+          <a:off x="0" y="0"/>
+          <a:ext cx="0" cy="0"/>
+          <a:chOff x="0" y="0"/>
+          <a:chExt cx="0" cy="0"/>
+        </a:xfrm>
+      </p:grpSpPr>
+      <p:sp>
+        <p:nvSpPr>
+          <p:cNvPr id="2" name="Образ слайда 1"/>
+          <p:cNvSpPr>
+            <a:spLocks noGrp="1" noRot="1" noChangeAspect="1"/>
+          </p:cNvSpPr>
+          <p:nvPr>
+            <p:ph type="sldImg"/>
+          </p:nvPr>
+        </p:nvSpPr>
+        <p:spPr/>
+      </p:sp>
+      <p:sp>
+        <p:nvSpPr>
+          <p:cNvPr id="3" name="Заметки 2"/>
+          <p:cNvSpPr>
+            <a:spLocks noGrp="1"/>
+          </p:cNvSpPr>
+          <p:nvPr>
+            <p:ph type="body" idx="1"/>
+          </p:nvPr>
+        </p:nvSpPr>
+        <p:spPr/>
+        <p:txBody>
+          <a:bodyPr/>
+          <a:lstStyle/>
+          <a:p>
+            <a:endParaRPr lang="ru-RU"/>
+          </a:p>
+        </p:txBody>
+      </p:sp>
+      <p:sp>
+        <p:nvSpPr>
+          <p:cNvPr id="4" name="Номер слайда 3"/>
+          <p:cNvSpPr>
+            <a:spLocks noGrp="1"/>
+          </p:cNvSpPr>
+          <p:nvPr>
+            <p:ph type="sldNum" sz="quarter" idx="10"/>
+          </p:nvPr>
+        </p:nvSpPr>
+        <p:spPr/>
+        <p:txBody>
+          <a:bodyPr/>
+          <a:lstStyle/>
+          <a:p>
+            <a:fld id="{18708D98-3156-4019-9D45-C27B744176CB}" type="slidenum">
+              <a:rPr lang="ru-RU" smtClean="0"/>
+              <a:t>15</a:t>
+            </a:fld>
+            <a:endParaRPr lang="ru-RU"/>
+          </a:p>
+        </p:txBody>
+      </p:sp>
+    </p:spTree>
+    <p:extLst>
+      <p:ext uri="{BB962C8B-B14F-4D97-AF65-F5344CB8AC3E}">
+        <p14:creationId xmlns:p14="http://schemas.microsoft.com/office/powerpoint/2010/main" val="4226334809"/>
+      </p:ext>
+    </p:extLst>
+  </p:cSld>
+  <p:clrMapOvr>
+    <a:masterClrMapping/>
+  </p:clrMapOvr>
+</p:notes>
+</file>
+
+<file path=ppt/notesSlides/notesSlide15.xml><?xml version="1.0" encoding="utf-8"?>
+<p:notes xmlns:a="http://schemas.openxmlformats.org/drawingml/2006/main" xmlns:r="http://schemas.openxmlformats.org/officeDocument/2006/relationships" xmlns:p="http://schemas.openxmlformats.org/presentationml/2006/main">
+  <p:cSld>
+    <p:spTree>
+      <p:nvGrpSpPr>
+        <p:cNvPr id="1" name=""/>
+        <p:cNvGrpSpPr/>
+        <p:nvPr/>
+      </p:nvGrpSpPr>
+      <p:grpSpPr>
+        <a:xfrm>
+          <a:off x="0" y="0"/>
+          <a:ext cx="0" cy="0"/>
+          <a:chOff x="0" y="0"/>
+          <a:chExt cx="0" cy="0"/>
+        </a:xfrm>
+      </p:grpSpPr>
+      <p:sp>
+        <p:nvSpPr>
+          <p:cNvPr id="2" name="Образ слайда 1"/>
+          <p:cNvSpPr>
+            <a:spLocks noGrp="1" noRot="1" noChangeAspect="1"/>
+          </p:cNvSpPr>
+          <p:nvPr>
+            <p:ph type="sldImg"/>
+          </p:nvPr>
+        </p:nvSpPr>
+        <p:spPr/>
+      </p:sp>
+      <p:sp>
+        <p:nvSpPr>
+          <p:cNvPr id="3" name="Заметки 2"/>
+          <p:cNvSpPr>
+            <a:spLocks noGrp="1"/>
+          </p:cNvSpPr>
+          <p:nvPr>
+            <p:ph type="body" idx="1"/>
+          </p:nvPr>
+        </p:nvSpPr>
+        <p:spPr/>
+        <p:txBody>
+          <a:bodyPr/>
+          <a:lstStyle/>
+          <a:p>
+            <a:endParaRPr lang="ru-RU"/>
+          </a:p>
+        </p:txBody>
+      </p:sp>
+      <p:sp>
+        <p:nvSpPr>
+          <p:cNvPr id="4" name="Номер слайда 3"/>
+          <p:cNvSpPr>
+            <a:spLocks noGrp="1"/>
+          </p:cNvSpPr>
+          <p:nvPr>
+            <p:ph type="sldNum" sz="quarter" idx="10"/>
+          </p:nvPr>
+        </p:nvSpPr>
+        <p:spPr/>
+        <p:txBody>
+          <a:bodyPr/>
+          <a:lstStyle/>
+          <a:p>
+            <a:fld id="{18708D98-3156-4019-9D45-C27B744176CB}" type="slidenum">
+              <a:rPr lang="ru-RU" smtClean="0"/>
+              <a:t>16</a:t>
+            </a:fld>
+            <a:endParaRPr lang="ru-RU"/>
+          </a:p>
+        </p:txBody>
+      </p:sp>
+    </p:spTree>
+    <p:extLst>
+      <p:ext uri="{BB962C8B-B14F-4D97-AF65-F5344CB8AC3E}">
+        <p14:creationId xmlns:p14="http://schemas.microsoft.com/office/powerpoint/2010/main" val="240787451"/>
+      </p:ext>
+    </p:extLst>
+  </p:cSld>
+  <p:clrMapOvr>
+    <a:masterClrMapping/>
+  </p:clrMapOvr>
+</p:notes>
+</file>
+
+<file path=ppt/notesSlides/notesSlide16.xml><?xml version="1.0" encoding="utf-8"?>
+<p:notes xmlns:a="http://schemas.openxmlformats.org/drawingml/2006/main" xmlns:r="http://schemas.openxmlformats.org/officeDocument/2006/relationships" xmlns:p="http://schemas.openxmlformats.org/presentationml/2006/main">
+  <p:cSld>
+    <p:spTree>
+      <p:nvGrpSpPr>
+        <p:cNvPr id="1" name=""/>
+        <p:cNvGrpSpPr/>
+        <p:nvPr/>
+      </p:nvGrpSpPr>
+      <p:grpSpPr>
+        <a:xfrm>
+          <a:off x="0" y="0"/>
+          <a:ext cx="0" cy="0"/>
+          <a:chOff x="0" y="0"/>
+          <a:chExt cx="0" cy="0"/>
+        </a:xfrm>
+      </p:grpSpPr>
+      <p:sp>
+        <p:nvSpPr>
+          <p:cNvPr id="2" name="Образ слайда 1"/>
+          <p:cNvSpPr>
+            <a:spLocks noGrp="1" noRot="1" noChangeAspect="1"/>
+          </p:cNvSpPr>
+          <p:nvPr>
+            <p:ph type="sldImg"/>
+          </p:nvPr>
+        </p:nvSpPr>
+        <p:spPr/>
+      </p:sp>
+      <p:sp>
+        <p:nvSpPr>
+          <p:cNvPr id="3" name="Заметки 2"/>
+          <p:cNvSpPr>
+            <a:spLocks noGrp="1"/>
+          </p:cNvSpPr>
+          <p:nvPr>
+            <p:ph type="body" idx="1"/>
+          </p:nvPr>
+        </p:nvSpPr>
+        <p:spPr/>
+        <p:txBody>
+          <a:bodyPr/>
+          <a:lstStyle/>
+          <a:p>
+            <a:endParaRPr lang="ru-RU"/>
+          </a:p>
+        </p:txBody>
+      </p:sp>
+      <p:sp>
+        <p:nvSpPr>
+          <p:cNvPr id="4" name="Номер слайда 3"/>
+          <p:cNvSpPr>
+            <a:spLocks noGrp="1"/>
+          </p:cNvSpPr>
+          <p:nvPr>
+            <p:ph type="sldNum" sz="quarter" idx="10"/>
+          </p:nvPr>
+        </p:nvSpPr>
+        <p:spPr/>
+        <p:txBody>
+          <a:bodyPr/>
+          <a:lstStyle/>
+          <a:p>
+            <a:fld id="{18708D98-3156-4019-9D45-C27B744176CB}" type="slidenum">
+              <a:rPr lang="ru-RU" smtClean="0"/>
+              <a:t>17</a:t>
+            </a:fld>
+            <a:endParaRPr lang="ru-RU"/>
+          </a:p>
+        </p:txBody>
+      </p:sp>
+    </p:spTree>
+    <p:extLst>
+      <p:ext uri="{BB962C8B-B14F-4D97-AF65-F5344CB8AC3E}">
         <p14:creationId xmlns:p14="http://schemas.microsoft.com/office/powerpoint/2010/main" val="1423852784"/>
       </p:ext>
     </p:extLst>
@@ -732,7 +1242,7 @@
     </p:spTree>
     <p:extLst>
       <p:ext uri="{BB962C8B-B14F-4D97-AF65-F5344CB8AC3E}">
-        <p14:creationId xmlns:p14="http://schemas.microsoft.com/office/powerpoint/2010/main" val="2608836523"/>
+        <p14:creationId xmlns:p14="http://schemas.microsoft.com/office/powerpoint/2010/main" val="213944242"/>
       </p:ext>
     </p:extLst>
   </p:cSld>
@@ -816,7 +1326,7 @@
     </p:spTree>
     <p:extLst>
       <p:ext uri="{BB962C8B-B14F-4D97-AF65-F5344CB8AC3E}">
-        <p14:creationId xmlns:p14="http://schemas.microsoft.com/office/powerpoint/2010/main" val="1894760363"/>
+        <p14:creationId xmlns:p14="http://schemas.microsoft.com/office/powerpoint/2010/main" val="2452065060"/>
       </p:ext>
     </p:extLst>
   </p:cSld>
@@ -900,7 +1410,7 @@
     </p:spTree>
     <p:extLst>
       <p:ext uri="{BB962C8B-B14F-4D97-AF65-F5344CB8AC3E}">
-        <p14:creationId xmlns:p14="http://schemas.microsoft.com/office/powerpoint/2010/main" val="2772050105"/>
+        <p14:creationId xmlns:p14="http://schemas.microsoft.com/office/powerpoint/2010/main" val="3875399766"/>
       </p:ext>
     </p:extLst>
   </p:cSld>
@@ -984,7 +1494,7 @@
     </p:spTree>
     <p:extLst>
       <p:ext uri="{BB962C8B-B14F-4D97-AF65-F5344CB8AC3E}">
-        <p14:creationId xmlns:p14="http://schemas.microsoft.com/office/powerpoint/2010/main" val="2452065060"/>
+        <p14:creationId xmlns:p14="http://schemas.microsoft.com/office/powerpoint/2010/main" val="3357757804"/>
       </p:ext>
     </p:extLst>
   </p:cSld>
@@ -1068,7 +1578,7 @@
     </p:spTree>
     <p:extLst>
       <p:ext uri="{BB962C8B-B14F-4D97-AF65-F5344CB8AC3E}">
-        <p14:creationId xmlns:p14="http://schemas.microsoft.com/office/powerpoint/2010/main" val="240787451"/>
+        <p14:creationId xmlns:p14="http://schemas.microsoft.com/office/powerpoint/2010/main" val="2614462148"/>
       </p:ext>
     </p:extLst>
   </p:cSld>
@@ -1152,7 +1662,7 @@
     </p:spTree>
     <p:extLst>
       <p:ext uri="{BB962C8B-B14F-4D97-AF65-F5344CB8AC3E}">
-        <p14:creationId xmlns:p14="http://schemas.microsoft.com/office/powerpoint/2010/main" val="4158698940"/>
+        <p14:creationId xmlns:p14="http://schemas.microsoft.com/office/powerpoint/2010/main" val="2701612544"/>
       </p:ext>
     </p:extLst>
   </p:cSld>
@@ -1236,7 +1746,7 @@
     </p:spTree>
     <p:extLst>
       <p:ext uri="{BB962C8B-B14F-4D97-AF65-F5344CB8AC3E}">
-        <p14:creationId xmlns:p14="http://schemas.microsoft.com/office/powerpoint/2010/main" val="1848203856"/>
+        <p14:creationId xmlns:p14="http://schemas.microsoft.com/office/powerpoint/2010/main" val="1585634628"/>
       </p:ext>
     </p:extLst>
   </p:cSld>
@@ -1320,7 +1830,7 @@
     </p:spTree>
     <p:extLst>
       <p:ext uri="{BB962C8B-B14F-4D97-AF65-F5344CB8AC3E}">
-        <p14:creationId xmlns:p14="http://schemas.microsoft.com/office/powerpoint/2010/main" val="1723689908"/>
+        <p14:creationId xmlns:p14="http://schemas.microsoft.com/office/powerpoint/2010/main" val="1255993006"/>
       </p:ext>
     </p:extLst>
   </p:cSld>
@@ -1459,7 +1969,7 @@
           <a:p>
             <a:fld id="{E3797A61-8172-454D-B2FF-F6DA749E7438}" type="datetime1">
               <a:rPr lang="ru-RU" smtClean="0"/>
-              <a:t>04.10.2017</a:t>
+              <a:t>06.10.2017</a:t>
             </a:fld>
             <a:endParaRPr lang="ru-RU"/>
           </a:p>
@@ -1627,7 +2137,7 @@
           <a:p>
             <a:fld id="{5B2DB175-8561-4B93-BCD2-77AADD8654F2}" type="datetime1">
               <a:rPr lang="ru-RU" smtClean="0"/>
-              <a:t>04.10.2017</a:t>
+              <a:t>06.10.2017</a:t>
             </a:fld>
             <a:endParaRPr lang="ru-RU"/>
           </a:p>
@@ -1805,7 +2315,7 @@
           <a:p>
             <a:fld id="{87DF34BC-6EA9-488F-B80C-397C654B28AB}" type="datetime1">
               <a:rPr lang="ru-RU" smtClean="0"/>
-              <a:t>04.10.2017</a:t>
+              <a:t>06.10.2017</a:t>
             </a:fld>
             <a:endParaRPr lang="ru-RU"/>
           </a:p>
@@ -1973,7 +2483,7 @@
           <a:p>
             <a:fld id="{BDCB1DC5-DA3E-446D-A82D-21AEA4947906}" type="datetime1">
               <a:rPr lang="ru-RU" smtClean="0"/>
-              <a:t>04.10.2017</a:t>
+              <a:t>06.10.2017</a:t>
             </a:fld>
             <a:endParaRPr lang="ru-RU"/>
           </a:p>
@@ -2218,7 +2728,7 @@
           <a:p>
             <a:fld id="{DF87504E-A596-44FA-B5F3-134940D67800}" type="datetime1">
               <a:rPr lang="ru-RU" smtClean="0"/>
-              <a:t>04.10.2017</a:t>
+              <a:t>06.10.2017</a:t>
             </a:fld>
             <a:endParaRPr lang="ru-RU"/>
           </a:p>
@@ -2447,7 +2957,7 @@
           <a:p>
             <a:fld id="{3DF6E589-E00C-4972-80D7-532423041907}" type="datetime1">
               <a:rPr lang="ru-RU" smtClean="0"/>
-              <a:t>04.10.2017</a:t>
+              <a:t>06.10.2017</a:t>
             </a:fld>
             <a:endParaRPr lang="ru-RU"/>
           </a:p>
@@ -2811,7 +3321,7 @@
           <a:p>
             <a:fld id="{6DC72E15-5BFF-4433-9E45-A9458A9E9BFF}" type="datetime1">
               <a:rPr lang="ru-RU" smtClean="0"/>
-              <a:t>04.10.2017</a:t>
+              <a:t>06.10.2017</a:t>
             </a:fld>
             <a:endParaRPr lang="ru-RU"/>
           </a:p>
@@ -2928,7 +3438,7 @@
           <a:p>
             <a:fld id="{F56B0F51-CE1A-42C2-B03C-9E4922CEA349}" type="datetime1">
               <a:rPr lang="ru-RU" smtClean="0"/>
-              <a:t>04.10.2017</a:t>
+              <a:t>06.10.2017</a:t>
             </a:fld>
             <a:endParaRPr lang="ru-RU"/>
           </a:p>
@@ -3023,7 +3533,7 @@
           <a:p>
             <a:fld id="{E21B4582-6AF2-4473-8AEC-3821550A339E}" type="datetime1">
               <a:rPr lang="ru-RU" smtClean="0"/>
-              <a:t>04.10.2017</a:t>
+              <a:t>06.10.2017</a:t>
             </a:fld>
             <a:endParaRPr lang="ru-RU"/>
           </a:p>
@@ -3298,7 +3808,7 @@
           <a:p>
             <a:fld id="{8C1B43E8-7B90-465F-9386-F5476D9F075B}" type="datetime1">
               <a:rPr lang="ru-RU" smtClean="0"/>
-              <a:t>04.10.2017</a:t>
+              <a:t>06.10.2017</a:t>
             </a:fld>
             <a:endParaRPr lang="ru-RU"/>
           </a:p>
@@ -3550,7 +4060,7 @@
           <a:p>
             <a:fld id="{639CD976-F134-474C-B1B4-B090FA6E8A30}" type="datetime1">
               <a:rPr lang="ru-RU" smtClean="0"/>
-              <a:t>04.10.2017</a:t>
+              <a:t>06.10.2017</a:t>
             </a:fld>
             <a:endParaRPr lang="ru-RU"/>
           </a:p>
@@ -3761,7 +4271,7 @@
           <a:p>
             <a:fld id="{8FBD3742-4AAD-4C58-95F4-D75E31F8D5E7}" type="datetime1">
               <a:rPr lang="ru-RU" smtClean="0"/>
-              <a:t>04.10.2017</a:t>
+              <a:t>06.10.2017</a:t>
             </a:fld>
             <a:endParaRPr lang="ru-RU"/>
           </a:p>
@@ -4199,7 +4709,7 @@
         </p:spPr>
         <p:txBody>
           <a:bodyPr>
-            <a:normAutofit/>
+            <a:normAutofit fontScale="90000"/>
           </a:bodyPr>
           <a:lstStyle/>
           <a:p>
@@ -4209,7 +4719,7 @@
               </a:lnSpc>
             </a:pPr>
             <a:r>
-              <a:rPr lang="uk-UA" sz="6000" dirty="0">
+              <a:rPr lang="en-US" sz="6000" dirty="0">
                 <a:solidFill>
                   <a:srgbClr val="1D1D1D"/>
                 </a:solidFill>
@@ -4217,8 +4727,18 @@
                 <a:ea typeface="Segoe UI Black" panose="020B0A02040204020203" pitchFamily="34" charset="0"/>
                 <a:cs typeface="Segoe UI Semibold" panose="020B0702040204020203" pitchFamily="34" charset="0"/>
               </a:rPr>
-              <a:t>НАЗВА ВАШОЇ ПРЕЗЕНТАЦІЇ</a:t>
-            </a:r>
+              <a:t>Best practice with Git</a:t>
+            </a:r>
+            <a:br>
+              <a:rPr lang="en-US" sz="6000" dirty="0">
+                <a:solidFill>
+                  <a:srgbClr val="1D1D1D"/>
+                </a:solidFill>
+                <a:latin typeface="Segoe UI Semibold" panose="020B0702040204020203" pitchFamily="34" charset="0"/>
+                <a:ea typeface="Segoe UI Black" panose="020B0A02040204020203" pitchFamily="34" charset="0"/>
+                <a:cs typeface="Segoe UI Semibold" panose="020B0702040204020203" pitchFamily="34" charset="0"/>
+              </a:rPr>
+            </a:br>
             <a:endParaRPr lang="ru-RU" sz="6000" dirty="0">
               <a:solidFill>
                 <a:srgbClr val="1D1D1D"/>
@@ -4414,10 +4934,10 @@
           </a:lstStyle>
           <a:p>
             <a:pPr algn="ctr"/>
-            <a:fld id="{19BBE8A3-314A-4B6D-9019-9FDD4FC5871A}" type="slidenum">
-              <a:rPr lang="ru-RU" sz="3000" smtClean="0">
-                <a:solidFill>
-                  <a:schemeClr val="bg1"/>
+            <a:fld id="{71DE8245-5CF4-40D2-8AB4-37F6725E229A}" type="slidenum">
+              <a:rPr lang="ru-RU" sz="3000" dirty="0">
+                <a:solidFill>
+                  <a:srgbClr val="0E6BB3"/>
                 </a:solidFill>
                 <a:latin typeface="Segoe UI Semibold" panose="020B0702040204020203" pitchFamily="34" charset="0"/>
                 <a:cs typeface="Segoe UI Semibold" panose="020B0702040204020203" pitchFamily="34" charset="0"/>
@@ -4426,7 +4946,7 @@
             </a:fld>
             <a:endParaRPr lang="ru-RU" sz="3000" dirty="0">
               <a:solidFill>
-                <a:schemeClr val="bg1"/>
+                <a:srgbClr val="0E6BB3"/>
               </a:solidFill>
               <a:latin typeface="Segoe UI Semibold" panose="020B0702040204020203" pitchFamily="34" charset="0"/>
               <a:cs typeface="Segoe UI Semibold" panose="020B0702040204020203" pitchFamily="34" charset="0"/>
@@ -4436,7 +4956,7 @@
       </p:sp>
       <p:sp>
         <p:nvSpPr>
-          <p:cNvPr id="4" name="Shape 113"/>
+          <p:cNvPr id="5" name="Shape 136"/>
           <p:cNvSpPr txBox="1">
             <a:spLocks/>
           </p:cNvSpPr>
@@ -4444,15 +4964,15 @@
         </p:nvSpPr>
         <p:spPr>
           <a:xfrm>
-            <a:off x="638175" y="552451"/>
-            <a:ext cx="10506075" cy="542782"/>
+            <a:off x="819150" y="2505075"/>
+            <a:ext cx="8655050" cy="923924"/>
           </a:xfrm>
           <a:prstGeom prst="rect">
             <a:avLst/>
           </a:prstGeom>
         </p:spPr>
         <p:txBody>
-          <a:bodyPr lIns="91425" tIns="91425" rIns="91425" bIns="91425" anchor="b" anchorCtr="0">
+          <a:bodyPr vert="horz" lIns="91425" tIns="91425" rIns="91425" bIns="91425" rtlCol="0" anchor="b" anchorCtr="0">
             <a:noAutofit/>
           </a:bodyPr>
           <a:lstStyle>
@@ -4475,1149 +4995,98 @@
             </a:lvl1pPr>
           </a:lstStyle>
           <a:p>
+            <a:pPr marL="85725">
+              <a:spcBef>
+                <a:spcPts val="0"/>
+              </a:spcBef>
+              <a:buClr>
+                <a:schemeClr val="dk1"/>
+              </a:buClr>
+              <a:buSzPct val="25000"/>
+              <a:buFont typeface="Arial"/>
+              <a:buNone/>
+            </a:pPr>
+            <a:r>
+              <a:rPr lang="en-US" sz="9600" dirty="0" err="1">
+                <a:solidFill>
+                  <a:schemeClr val="lt1"/>
+                </a:solidFill>
+                <a:latin typeface="Segoe UI Black" panose="020B0A02040204020203" pitchFamily="34" charset="0"/>
+                <a:ea typeface="Segoe UI Black" panose="020B0A02040204020203" pitchFamily="34" charset="0"/>
+                <a:cs typeface="Segoe UI Black" panose="020B0A02040204020203" pitchFamily="34" charset="0"/>
+              </a:rPr>
+              <a:t>PullRequests</a:t>
+            </a:r>
+            <a:endParaRPr lang="en" sz="9600" dirty="0">
+              <a:solidFill>
+                <a:schemeClr val="lt1"/>
+              </a:solidFill>
+              <a:latin typeface="Segoe UI Black" panose="020B0A02040204020203" pitchFamily="34" charset="0"/>
+              <a:ea typeface="Segoe UI Black" panose="020B0A02040204020203" pitchFamily="34" charset="0"/>
+              <a:cs typeface="Segoe UI Black" panose="020B0A02040204020203" pitchFamily="34" charset="0"/>
+            </a:endParaRPr>
+          </a:p>
+        </p:txBody>
+      </p:sp>
+      <p:sp>
+        <p:nvSpPr>
+          <p:cNvPr id="6" name="Shape 120"/>
+          <p:cNvSpPr txBox="1">
+            <a:spLocks/>
+          </p:cNvSpPr>
+          <p:nvPr/>
+        </p:nvSpPr>
+        <p:spPr>
+          <a:xfrm>
+            <a:off x="952500" y="5010150"/>
+            <a:ext cx="5372100" cy="295275"/>
+          </a:xfrm>
+          <a:prstGeom prst="rect">
+            <a:avLst/>
+          </a:prstGeom>
+        </p:spPr>
+        <p:txBody>
+          <a:bodyPr vert="horz" lIns="91425" tIns="91425" rIns="91425" bIns="91425" rtlCol="0" anchor="b" anchorCtr="0">
+            <a:noAutofit/>
+          </a:bodyPr>
+          <a:lstStyle>
+            <a:lvl1pPr algn="l" defTabSz="914400" rtl="0" eaLnBrk="1" latinLnBrk="0" hangingPunct="1">
+              <a:lnSpc>
+                <a:spcPct val="90000"/>
+              </a:lnSpc>
+              <a:spcBef>
+                <a:spcPct val="0"/>
+              </a:spcBef>
+              <a:buNone/>
+              <a:defRPr sz="4400" kern="1200">
+                <a:solidFill>
+                  <a:schemeClr val="tx1"/>
+                </a:solidFill>
+                <a:latin typeface="+mj-lt"/>
+                <a:ea typeface="+mj-ea"/>
+                <a:cs typeface="+mj-cs"/>
+              </a:defRPr>
+            </a:lvl1pPr>
+          </a:lstStyle>
+          <a:p>
             <a:pPr>
               <a:spcBef>
                 <a:spcPts val="0"/>
               </a:spcBef>
             </a:pPr>
-            <a:r>
-              <a:rPr lang="ru-RU" sz="3000" dirty="0">
-                <a:solidFill>
-                  <a:srgbClr val="FFFFFF"/>
-                </a:solidFill>
-                <a:latin typeface="Segoe UI Semibold" panose="020B0702040204020203" pitchFamily="34" charset="0"/>
-                <a:cs typeface="Segoe UI Semibold" panose="020B0702040204020203" pitchFamily="34" charset="0"/>
-              </a:rPr>
-              <a:t>І ТАБЛИЦІ ДЛЯ ПОРІВНЯННЯ ДАНИХ</a:t>
-            </a:r>
-            <a:endParaRPr lang="en" sz="3000" dirty="0">
+            <a:endParaRPr lang="en" sz="2000" dirty="0">
               <a:solidFill>
                 <a:srgbClr val="FFFFFF"/>
               </a:solidFill>
-              <a:latin typeface="Segoe UI Semibold" panose="020B0702040204020203" pitchFamily="34" charset="0"/>
-              <a:cs typeface="Segoe UI Semibold" panose="020B0702040204020203" pitchFamily="34" charset="0"/>
+              <a:latin typeface="Segoe UI Light" panose="020B0502040204020203" pitchFamily="34" charset="0"/>
+              <a:cs typeface="Segoe UI Light" panose="020B0502040204020203" pitchFamily="34" charset="0"/>
             </a:endParaRPr>
           </a:p>
         </p:txBody>
       </p:sp>
-      <p:graphicFrame>
-        <p:nvGraphicFramePr>
-          <p:cNvPr id="2" name="Таблица 1"/>
-          <p:cNvGraphicFramePr>
-            <a:graphicFrameLocks noGrp="1"/>
-          </p:cNvGraphicFramePr>
-          <p:nvPr>
-            <p:extLst>
-              <p:ext uri="{D42A27DB-BD31-4B8C-83A1-F6EECF244321}">
-                <p14:modId xmlns:p14="http://schemas.microsoft.com/office/powerpoint/2010/main" val="3384962801"/>
-              </p:ext>
-            </p:extLst>
-          </p:nvPr>
-        </p:nvGraphicFramePr>
-        <p:xfrm>
-          <a:off x="766763" y="1983738"/>
-          <a:ext cx="11110912" cy="3607436"/>
-        </p:xfrm>
-        <a:graphic>
-          <a:graphicData uri="http://schemas.openxmlformats.org/drawingml/2006/table">
-            <a:tbl>
-              <a:tblPr firstRow="1" bandRow="1">
-                <a:tableStyleId>{C083E6E3-FA7D-4D7B-A595-EF9225AFEA82}</a:tableStyleId>
-              </a:tblPr>
-              <a:tblGrid>
-                <a:gridCol w="2777728">
-                  <a:extLst>
-                    <a:ext uri="{9D8B030D-6E8A-4147-A177-3AD203B41FA5}">
-                      <a16:colId xmlns:a16="http://schemas.microsoft.com/office/drawing/2014/main" val="20000"/>
-                    </a:ext>
-                  </a:extLst>
-                </a:gridCol>
-                <a:gridCol w="2777728">
-                  <a:extLst>
-                    <a:ext uri="{9D8B030D-6E8A-4147-A177-3AD203B41FA5}">
-                      <a16:colId xmlns:a16="http://schemas.microsoft.com/office/drawing/2014/main" val="20001"/>
-                    </a:ext>
-                  </a:extLst>
-                </a:gridCol>
-                <a:gridCol w="2777728">
-                  <a:extLst>
-                    <a:ext uri="{9D8B030D-6E8A-4147-A177-3AD203B41FA5}">
-                      <a16:colId xmlns:a16="http://schemas.microsoft.com/office/drawing/2014/main" val="20002"/>
-                    </a:ext>
-                  </a:extLst>
-                </a:gridCol>
-                <a:gridCol w="2777728">
-                  <a:extLst>
-                    <a:ext uri="{9D8B030D-6E8A-4147-A177-3AD203B41FA5}">
-                      <a16:colId xmlns:a16="http://schemas.microsoft.com/office/drawing/2014/main" val="20003"/>
-                    </a:ext>
-                  </a:extLst>
-                </a:gridCol>
-              </a:tblGrid>
-              <a:tr h="901859">
-                <a:tc>
-                  <a:txBody>
-                    <a:bodyPr/>
-                    <a:lstStyle/>
-                    <a:p>
-                      <a:pPr algn="ctr"/>
-                      <a:endParaRPr lang="ru-RU" dirty="0">
-                        <a:latin typeface="Segoe UI Light" panose="020B0502040204020203" pitchFamily="34" charset="0"/>
-                        <a:cs typeface="Segoe UI Light" panose="020B0502040204020203" pitchFamily="34" charset="0"/>
-                      </a:endParaRPr>
-                    </a:p>
-                  </a:txBody>
-                  <a:tcPr anchor="ctr">
-                    <a:lnL w="12700" cap="flat" cmpd="sng" algn="ctr">
-                      <a:noFill/>
-                      <a:prstDash val="solid"/>
-                      <a:round/>
-                      <a:headEnd type="none" w="med" len="med"/>
-                      <a:tailEnd type="none" w="med" len="med"/>
-                    </a:lnL>
-                    <a:lnR w="12700" cap="flat" cmpd="sng" algn="ctr">
-                      <a:noFill/>
-                      <a:prstDash val="solid"/>
-                      <a:round/>
-                      <a:headEnd type="none" w="med" len="med"/>
-                      <a:tailEnd type="none" w="med" len="med"/>
-                    </a:lnR>
-                    <a:lnT w="12700" cap="flat" cmpd="sng" algn="ctr">
-                      <a:noFill/>
-                      <a:prstDash val="solid"/>
-                      <a:round/>
-                      <a:headEnd type="none" w="med" len="med"/>
-                      <a:tailEnd type="none" w="med" len="med"/>
-                    </a:lnT>
-                    <a:lnB w="12700" cap="flat" cmpd="sng" algn="ctr">
-                      <a:noFill/>
-                      <a:prstDash val="solid"/>
-                      <a:round/>
-                      <a:headEnd type="none" w="med" len="med"/>
-                      <a:tailEnd type="none" w="med" len="med"/>
-                    </a:lnB>
-                    <a:lnTlToBr w="12700" cmpd="sng">
-                      <a:noFill/>
-                      <a:prstDash val="solid"/>
-                    </a:lnTlToBr>
-                    <a:lnBlToTr w="12700" cmpd="sng">
-                      <a:noFill/>
-                      <a:prstDash val="solid"/>
-                    </a:lnBlToTr>
-                  </a:tcPr>
-                </a:tc>
-                <a:tc>
-                  <a:txBody>
-                    <a:bodyPr/>
-                    <a:lstStyle/>
-                    <a:p>
-                      <a:pPr algn="ctr"/>
-                      <a:r>
-                        <a:rPr lang="uk-UA" sz="2000" dirty="0">
-                          <a:solidFill>
-                            <a:srgbClr val="0E6BB3"/>
-                          </a:solidFill>
-                          <a:latin typeface="Segoe UI Semibold" panose="020B0702040204020203" pitchFamily="34" charset="0"/>
-                          <a:cs typeface="Segoe UI Semibold" panose="020B0702040204020203" pitchFamily="34" charset="0"/>
-                        </a:rPr>
-                        <a:t>А</a:t>
-                      </a:r>
-                      <a:endParaRPr lang="ru-RU" sz="2000" dirty="0">
-                        <a:solidFill>
-                          <a:srgbClr val="0E6BB3"/>
-                        </a:solidFill>
-                        <a:latin typeface="Segoe UI Semibold" panose="020B0702040204020203" pitchFamily="34" charset="0"/>
-                        <a:cs typeface="Segoe UI Semibold" panose="020B0702040204020203" pitchFamily="34" charset="0"/>
-                      </a:endParaRPr>
-                    </a:p>
-                  </a:txBody>
-                  <a:tcPr anchor="ctr">
-                    <a:lnL w="12700" cap="flat" cmpd="sng" algn="ctr">
-                      <a:noFill/>
-                      <a:prstDash val="solid"/>
-                      <a:round/>
-                      <a:headEnd type="none" w="med" len="med"/>
-                      <a:tailEnd type="none" w="med" len="med"/>
-                    </a:lnL>
-                    <a:lnR w="12700" cap="flat" cmpd="sng" algn="ctr">
-                      <a:noFill/>
-                      <a:prstDash val="solid"/>
-                      <a:round/>
-                      <a:headEnd type="none" w="med" len="med"/>
-                      <a:tailEnd type="none" w="med" len="med"/>
-                    </a:lnR>
-                    <a:lnT w="12700" cap="flat" cmpd="sng" algn="ctr">
-                      <a:noFill/>
-                      <a:prstDash val="solid"/>
-                      <a:round/>
-                      <a:headEnd type="none" w="med" len="med"/>
-                      <a:tailEnd type="none" w="med" len="med"/>
-                    </a:lnT>
-                    <a:lnB w="12700" cap="flat" cmpd="sng" algn="ctr">
-                      <a:noFill/>
-                      <a:prstDash val="solid"/>
-                      <a:round/>
-                      <a:headEnd type="none" w="med" len="med"/>
-                      <a:tailEnd type="none" w="med" len="med"/>
-                    </a:lnB>
-                    <a:lnTlToBr w="12700" cmpd="sng">
-                      <a:noFill/>
-                      <a:prstDash val="solid"/>
-                    </a:lnTlToBr>
-                    <a:lnBlToTr w="12700" cmpd="sng">
-                      <a:noFill/>
-                      <a:prstDash val="solid"/>
-                    </a:lnBlToTr>
-                  </a:tcPr>
-                </a:tc>
-                <a:tc>
-                  <a:txBody>
-                    <a:bodyPr/>
-                    <a:lstStyle/>
-                    <a:p>
-                      <a:pPr algn="ctr"/>
-                      <a:r>
-                        <a:rPr lang="uk-UA" sz="2000" dirty="0">
-                          <a:solidFill>
-                            <a:srgbClr val="0E6BB3"/>
-                          </a:solidFill>
-                          <a:latin typeface="Segoe UI Semibold" panose="020B0702040204020203" pitchFamily="34" charset="0"/>
-                          <a:cs typeface="Segoe UI Semibold" panose="020B0702040204020203" pitchFamily="34" charset="0"/>
-                        </a:rPr>
-                        <a:t>Б</a:t>
-                      </a:r>
-                      <a:endParaRPr lang="ru-RU" sz="2000" dirty="0">
-                        <a:solidFill>
-                          <a:srgbClr val="0E6BB3"/>
-                        </a:solidFill>
-                        <a:latin typeface="Segoe UI Semibold" panose="020B0702040204020203" pitchFamily="34" charset="0"/>
-                        <a:cs typeface="Segoe UI Semibold" panose="020B0702040204020203" pitchFamily="34" charset="0"/>
-                      </a:endParaRPr>
-                    </a:p>
-                  </a:txBody>
-                  <a:tcPr anchor="ctr">
-                    <a:lnL w="12700" cap="flat" cmpd="sng" algn="ctr">
-                      <a:noFill/>
-                      <a:prstDash val="solid"/>
-                      <a:round/>
-                      <a:headEnd type="none" w="med" len="med"/>
-                      <a:tailEnd type="none" w="med" len="med"/>
-                    </a:lnL>
-                    <a:lnR w="12700" cap="flat" cmpd="sng" algn="ctr">
-                      <a:noFill/>
-                      <a:prstDash val="solid"/>
-                      <a:round/>
-                      <a:headEnd type="none" w="med" len="med"/>
-                      <a:tailEnd type="none" w="med" len="med"/>
-                    </a:lnR>
-                    <a:lnT w="12700" cap="flat" cmpd="sng" algn="ctr">
-                      <a:noFill/>
-                      <a:prstDash val="solid"/>
-                      <a:round/>
-                      <a:headEnd type="none" w="med" len="med"/>
-                      <a:tailEnd type="none" w="med" len="med"/>
-                    </a:lnT>
-                    <a:lnB w="12700" cap="flat" cmpd="sng" algn="ctr">
-                      <a:noFill/>
-                      <a:prstDash val="solid"/>
-                      <a:round/>
-                      <a:headEnd type="none" w="med" len="med"/>
-                      <a:tailEnd type="none" w="med" len="med"/>
-                    </a:lnB>
-                    <a:lnTlToBr w="12700" cmpd="sng">
-                      <a:noFill/>
-                      <a:prstDash val="solid"/>
-                    </a:lnTlToBr>
-                    <a:lnBlToTr w="12700" cmpd="sng">
-                      <a:noFill/>
-                      <a:prstDash val="solid"/>
-                    </a:lnBlToTr>
-                  </a:tcPr>
-                </a:tc>
-                <a:tc>
-                  <a:txBody>
-                    <a:bodyPr/>
-                    <a:lstStyle/>
-                    <a:p>
-                      <a:pPr algn="ctr"/>
-                      <a:r>
-                        <a:rPr lang="uk-UA" sz="2000" dirty="0">
-                          <a:solidFill>
-                            <a:srgbClr val="0E6BB3"/>
-                          </a:solidFill>
-                          <a:latin typeface="Segoe UI Semibold" panose="020B0702040204020203" pitchFamily="34" charset="0"/>
-                          <a:cs typeface="Segoe UI Semibold" panose="020B0702040204020203" pitchFamily="34" charset="0"/>
-                        </a:rPr>
-                        <a:t>В</a:t>
-                      </a:r>
-                      <a:endParaRPr lang="ru-RU" sz="2000" dirty="0">
-                        <a:solidFill>
-                          <a:srgbClr val="0E6BB3"/>
-                        </a:solidFill>
-                        <a:latin typeface="Segoe UI Semibold" panose="020B0702040204020203" pitchFamily="34" charset="0"/>
-                        <a:cs typeface="Segoe UI Semibold" panose="020B0702040204020203" pitchFamily="34" charset="0"/>
-                      </a:endParaRPr>
-                    </a:p>
-                  </a:txBody>
-                  <a:tcPr anchor="ctr">
-                    <a:lnL w="12700" cap="flat" cmpd="sng" algn="ctr">
-                      <a:noFill/>
-                      <a:prstDash val="solid"/>
-                      <a:round/>
-                      <a:headEnd type="none" w="med" len="med"/>
-                      <a:tailEnd type="none" w="med" len="med"/>
-                    </a:lnL>
-                    <a:lnR w="12700" cap="flat" cmpd="sng" algn="ctr">
-                      <a:noFill/>
-                      <a:prstDash val="solid"/>
-                      <a:round/>
-                      <a:headEnd type="none" w="med" len="med"/>
-                      <a:tailEnd type="none" w="med" len="med"/>
-                    </a:lnR>
-                    <a:lnT w="12700" cap="flat" cmpd="sng" algn="ctr">
-                      <a:noFill/>
-                      <a:prstDash val="solid"/>
-                      <a:round/>
-                      <a:headEnd type="none" w="med" len="med"/>
-                      <a:tailEnd type="none" w="med" len="med"/>
-                    </a:lnT>
-                    <a:lnB w="12700" cap="flat" cmpd="sng" algn="ctr">
-                      <a:noFill/>
-                      <a:prstDash val="solid"/>
-                      <a:round/>
-                      <a:headEnd type="none" w="med" len="med"/>
-                      <a:tailEnd type="none" w="med" len="med"/>
-                    </a:lnB>
-                    <a:lnTlToBr w="12700" cmpd="sng">
-                      <a:noFill/>
-                      <a:prstDash val="solid"/>
-                    </a:lnTlToBr>
-                    <a:lnBlToTr w="12700" cmpd="sng">
-                      <a:noFill/>
-                      <a:prstDash val="solid"/>
-                    </a:lnBlToTr>
-                  </a:tcPr>
-                </a:tc>
-                <a:extLst>
-                  <a:ext uri="{0D108BD9-81ED-4DB2-BD59-A6C34878D82A}">
-                    <a16:rowId xmlns:a16="http://schemas.microsoft.com/office/drawing/2014/main" val="10000"/>
-                  </a:ext>
-                </a:extLst>
-              </a:tr>
-              <a:tr h="901859">
-                <a:tc>
-                  <a:txBody>
-                    <a:bodyPr/>
-                    <a:lstStyle/>
-                    <a:p>
-                      <a:pPr algn="ctr"/>
-                      <a:r>
-                        <a:rPr lang="uk-UA" sz="2000" dirty="0">
-                          <a:solidFill>
-                            <a:srgbClr val="0E6BB3"/>
-                          </a:solidFill>
-                          <a:latin typeface="Segoe UI Semibold" panose="020B0702040204020203" pitchFamily="34" charset="0"/>
-                          <a:cs typeface="Segoe UI Semibold" panose="020B0702040204020203" pitchFamily="34" charset="0"/>
-                        </a:rPr>
-                        <a:t>Білий</a:t>
-                      </a:r>
-                      <a:endParaRPr lang="ru-RU" sz="2000" dirty="0">
-                        <a:solidFill>
-                          <a:srgbClr val="0E6BB3"/>
-                        </a:solidFill>
-                        <a:latin typeface="Segoe UI Semibold" panose="020B0702040204020203" pitchFamily="34" charset="0"/>
-                        <a:cs typeface="Segoe UI Semibold" panose="020B0702040204020203" pitchFamily="34" charset="0"/>
-                      </a:endParaRPr>
-                    </a:p>
-                  </a:txBody>
-                  <a:tcPr anchor="ctr">
-                    <a:lnL w="12700" cap="flat" cmpd="sng" algn="ctr">
-                      <a:noFill/>
-                      <a:prstDash val="solid"/>
-                      <a:round/>
-                      <a:headEnd type="none" w="med" len="med"/>
-                      <a:tailEnd type="none" w="med" len="med"/>
-                    </a:lnL>
-                    <a:lnR w="12700" cap="flat" cmpd="sng" algn="ctr">
-                      <a:noFill/>
-                      <a:prstDash val="solid"/>
-                      <a:round/>
-                      <a:headEnd type="none" w="med" len="med"/>
-                      <a:tailEnd type="none" w="med" len="med"/>
-                    </a:lnR>
-                    <a:lnT w="12700" cap="flat" cmpd="sng" algn="ctr">
-                      <a:noFill/>
-                      <a:prstDash val="solid"/>
-                      <a:round/>
-                      <a:headEnd type="none" w="med" len="med"/>
-                      <a:tailEnd type="none" w="med" len="med"/>
-                    </a:lnT>
-                    <a:lnB w="12700" cap="flat" cmpd="sng" algn="ctr">
-                      <a:noFill/>
-                      <a:prstDash val="solid"/>
-                      <a:round/>
-                      <a:headEnd type="none" w="med" len="med"/>
-                      <a:tailEnd type="none" w="med" len="med"/>
-                    </a:lnB>
-                    <a:lnTlToBr w="12700" cmpd="sng">
-                      <a:noFill/>
-                      <a:prstDash val="solid"/>
-                    </a:lnTlToBr>
-                    <a:lnBlToTr w="12700" cmpd="sng">
-                      <a:noFill/>
-                      <a:prstDash val="solid"/>
-                    </a:lnBlToTr>
-                  </a:tcPr>
-                </a:tc>
-                <a:tc>
-                  <a:txBody>
-                    <a:bodyPr/>
-                    <a:lstStyle/>
-                    <a:p>
-                      <a:pPr algn="ctr"/>
-                      <a:r>
-                        <a:rPr lang="uk-UA" sz="3000" dirty="0">
-                          <a:solidFill>
-                            <a:srgbClr val="1D1D1D"/>
-                          </a:solidFill>
-                          <a:latin typeface="Segoe UI Black" panose="020B0A02040204020203" pitchFamily="34" charset="0"/>
-                          <a:ea typeface="Segoe UI Black" panose="020B0A02040204020203" pitchFamily="34" charset="0"/>
-                          <a:cs typeface="Segoe UI Black" panose="020B0A02040204020203" pitchFamily="34" charset="0"/>
-                        </a:rPr>
-                        <a:t>50</a:t>
-                      </a:r>
-                      <a:endParaRPr lang="ru-RU" sz="3000" dirty="0">
-                        <a:solidFill>
-                          <a:srgbClr val="1D1D1D"/>
-                        </a:solidFill>
-                        <a:latin typeface="Segoe UI Black" panose="020B0A02040204020203" pitchFamily="34" charset="0"/>
-                        <a:ea typeface="Segoe UI Black" panose="020B0A02040204020203" pitchFamily="34" charset="0"/>
-                        <a:cs typeface="Segoe UI Black" panose="020B0A02040204020203" pitchFamily="34" charset="0"/>
-                      </a:endParaRPr>
-                    </a:p>
-                  </a:txBody>
-                  <a:tcPr anchor="ctr">
-                    <a:lnL w="12700" cap="flat" cmpd="sng" algn="ctr">
-                      <a:noFill/>
-                      <a:prstDash val="solid"/>
-                      <a:round/>
-                      <a:headEnd type="none" w="med" len="med"/>
-                      <a:tailEnd type="none" w="med" len="med"/>
-                    </a:lnL>
-                    <a:lnR w="12700" cap="flat" cmpd="sng" algn="ctr">
-                      <a:noFill/>
-                      <a:prstDash val="solid"/>
-                      <a:round/>
-                      <a:headEnd type="none" w="med" len="med"/>
-                      <a:tailEnd type="none" w="med" len="med"/>
-                    </a:lnR>
-                    <a:lnT w="12700" cap="flat" cmpd="sng" algn="ctr">
-                      <a:noFill/>
-                      <a:prstDash val="solid"/>
-                      <a:round/>
-                      <a:headEnd type="none" w="med" len="med"/>
-                      <a:tailEnd type="none" w="med" len="med"/>
-                    </a:lnT>
-                    <a:lnB w="12700" cap="flat" cmpd="sng" algn="ctr">
-                      <a:noFill/>
-                      <a:prstDash val="solid"/>
-                      <a:round/>
-                      <a:headEnd type="none" w="med" len="med"/>
-                      <a:tailEnd type="none" w="med" len="med"/>
-                    </a:lnB>
-                    <a:lnTlToBr w="12700" cmpd="sng">
-                      <a:noFill/>
-                      <a:prstDash val="solid"/>
-                    </a:lnTlToBr>
-                    <a:lnBlToTr w="12700" cmpd="sng">
-                      <a:noFill/>
-                      <a:prstDash val="solid"/>
-                    </a:lnBlToTr>
-                  </a:tcPr>
-                </a:tc>
-                <a:tc>
-                  <a:txBody>
-                    <a:bodyPr/>
-                    <a:lstStyle/>
-                    <a:p>
-                      <a:pPr algn="ctr"/>
-                      <a:r>
-                        <a:rPr lang="uk-UA" sz="3000" dirty="0">
-                          <a:solidFill>
-                            <a:srgbClr val="1D1D1D"/>
-                          </a:solidFill>
-                          <a:latin typeface="Segoe UI Black" panose="020B0A02040204020203" pitchFamily="34" charset="0"/>
-                          <a:ea typeface="Segoe UI Black" panose="020B0A02040204020203" pitchFamily="34" charset="0"/>
-                          <a:cs typeface="Segoe UI Black" panose="020B0A02040204020203" pitchFamily="34" charset="0"/>
-                        </a:rPr>
-                        <a:t>7</a:t>
-                      </a:r>
-                      <a:endParaRPr lang="ru-RU" sz="3000" dirty="0">
-                        <a:solidFill>
-                          <a:srgbClr val="1D1D1D"/>
-                        </a:solidFill>
-                        <a:latin typeface="Segoe UI Black" panose="020B0A02040204020203" pitchFamily="34" charset="0"/>
-                        <a:ea typeface="Segoe UI Black" panose="020B0A02040204020203" pitchFamily="34" charset="0"/>
-                        <a:cs typeface="Segoe UI Black" panose="020B0A02040204020203" pitchFamily="34" charset="0"/>
-                      </a:endParaRPr>
-                    </a:p>
-                  </a:txBody>
-                  <a:tcPr anchor="ctr">
-                    <a:lnL w="12700" cap="flat" cmpd="sng" algn="ctr">
-                      <a:noFill/>
-                      <a:prstDash val="solid"/>
-                      <a:round/>
-                      <a:headEnd type="none" w="med" len="med"/>
-                      <a:tailEnd type="none" w="med" len="med"/>
-                    </a:lnL>
-                    <a:lnR w="12700" cap="flat" cmpd="sng" algn="ctr">
-                      <a:noFill/>
-                      <a:prstDash val="solid"/>
-                      <a:round/>
-                      <a:headEnd type="none" w="med" len="med"/>
-                      <a:tailEnd type="none" w="med" len="med"/>
-                    </a:lnR>
-                    <a:lnT w="12700" cap="flat" cmpd="sng" algn="ctr">
-                      <a:noFill/>
-                      <a:prstDash val="solid"/>
-                      <a:round/>
-                      <a:headEnd type="none" w="med" len="med"/>
-                      <a:tailEnd type="none" w="med" len="med"/>
-                    </a:lnT>
-                    <a:lnB w="12700" cap="flat" cmpd="sng" algn="ctr">
-                      <a:noFill/>
-                      <a:prstDash val="solid"/>
-                      <a:round/>
-                      <a:headEnd type="none" w="med" len="med"/>
-                      <a:tailEnd type="none" w="med" len="med"/>
-                    </a:lnB>
-                    <a:lnTlToBr w="12700" cmpd="sng">
-                      <a:noFill/>
-                      <a:prstDash val="solid"/>
-                    </a:lnTlToBr>
-                    <a:lnBlToTr w="12700" cmpd="sng">
-                      <a:noFill/>
-                      <a:prstDash val="solid"/>
-                    </a:lnBlToTr>
-                  </a:tcPr>
-                </a:tc>
-                <a:tc>
-                  <a:txBody>
-                    <a:bodyPr/>
-                    <a:lstStyle/>
-                    <a:p>
-                      <a:pPr algn="ctr"/>
-                      <a:r>
-                        <a:rPr lang="uk-UA" sz="3000" dirty="0">
-                          <a:solidFill>
-                            <a:srgbClr val="1D1D1D"/>
-                          </a:solidFill>
-                          <a:latin typeface="Segoe UI Black" panose="020B0A02040204020203" pitchFamily="34" charset="0"/>
-                          <a:ea typeface="Segoe UI Black" panose="020B0A02040204020203" pitchFamily="34" charset="0"/>
-                          <a:cs typeface="Segoe UI Black" panose="020B0A02040204020203" pitchFamily="34" charset="0"/>
-                        </a:rPr>
-                        <a:t>12</a:t>
-                      </a:r>
-                      <a:endParaRPr lang="ru-RU" sz="3000" dirty="0">
-                        <a:solidFill>
-                          <a:srgbClr val="1D1D1D"/>
-                        </a:solidFill>
-                        <a:latin typeface="Segoe UI Black" panose="020B0A02040204020203" pitchFamily="34" charset="0"/>
-                        <a:ea typeface="Segoe UI Black" panose="020B0A02040204020203" pitchFamily="34" charset="0"/>
-                        <a:cs typeface="Segoe UI Black" panose="020B0A02040204020203" pitchFamily="34" charset="0"/>
-                      </a:endParaRPr>
-                    </a:p>
-                  </a:txBody>
-                  <a:tcPr anchor="ctr">
-                    <a:lnL w="12700" cap="flat" cmpd="sng" algn="ctr">
-                      <a:noFill/>
-                      <a:prstDash val="solid"/>
-                      <a:round/>
-                      <a:headEnd type="none" w="med" len="med"/>
-                      <a:tailEnd type="none" w="med" len="med"/>
-                    </a:lnL>
-                    <a:lnR w="12700" cap="flat" cmpd="sng" algn="ctr">
-                      <a:noFill/>
-                      <a:prstDash val="solid"/>
-                      <a:round/>
-                      <a:headEnd type="none" w="med" len="med"/>
-                      <a:tailEnd type="none" w="med" len="med"/>
-                    </a:lnR>
-                    <a:lnT w="12700" cap="flat" cmpd="sng" algn="ctr">
-                      <a:noFill/>
-                      <a:prstDash val="solid"/>
-                      <a:round/>
-                      <a:headEnd type="none" w="med" len="med"/>
-                      <a:tailEnd type="none" w="med" len="med"/>
-                    </a:lnT>
-                    <a:lnB w="12700" cap="flat" cmpd="sng" algn="ctr">
-                      <a:noFill/>
-                      <a:prstDash val="solid"/>
-                      <a:round/>
-                      <a:headEnd type="none" w="med" len="med"/>
-                      <a:tailEnd type="none" w="med" len="med"/>
-                    </a:lnB>
-                    <a:lnTlToBr w="12700" cmpd="sng">
-                      <a:noFill/>
-                      <a:prstDash val="solid"/>
-                    </a:lnTlToBr>
-                    <a:lnBlToTr w="12700" cmpd="sng">
-                      <a:noFill/>
-                      <a:prstDash val="solid"/>
-                    </a:lnBlToTr>
-                  </a:tcPr>
-                </a:tc>
-                <a:extLst>
-                  <a:ext uri="{0D108BD9-81ED-4DB2-BD59-A6C34878D82A}">
-                    <a16:rowId xmlns:a16="http://schemas.microsoft.com/office/drawing/2014/main" val="10001"/>
-                  </a:ext>
-                </a:extLst>
-              </a:tr>
-              <a:tr h="901859">
-                <a:tc>
-                  <a:txBody>
-                    <a:bodyPr/>
-                    <a:lstStyle/>
-                    <a:p>
-                      <a:pPr algn="ctr"/>
-                      <a:r>
-                        <a:rPr lang="uk-UA" sz="2000" dirty="0">
-                          <a:solidFill>
-                            <a:srgbClr val="0E6BB3"/>
-                          </a:solidFill>
-                          <a:latin typeface="Segoe UI Semibold" panose="020B0702040204020203" pitchFamily="34" charset="0"/>
-                          <a:cs typeface="Segoe UI Semibold" panose="020B0702040204020203" pitchFamily="34" charset="0"/>
-                        </a:rPr>
-                        <a:t>Сірий</a:t>
-                      </a:r>
-                      <a:endParaRPr lang="ru-RU" sz="2000" dirty="0">
-                        <a:solidFill>
-                          <a:srgbClr val="0E6BB3"/>
-                        </a:solidFill>
-                        <a:latin typeface="Segoe UI Semibold" panose="020B0702040204020203" pitchFamily="34" charset="0"/>
-                        <a:cs typeface="Segoe UI Semibold" panose="020B0702040204020203" pitchFamily="34" charset="0"/>
-                      </a:endParaRPr>
-                    </a:p>
-                  </a:txBody>
-                  <a:tcPr anchor="ctr">
-                    <a:lnL w="12700" cap="flat" cmpd="sng" algn="ctr">
-                      <a:noFill/>
-                      <a:prstDash val="solid"/>
-                      <a:round/>
-                      <a:headEnd type="none" w="med" len="med"/>
-                      <a:tailEnd type="none" w="med" len="med"/>
-                    </a:lnL>
-                    <a:lnR w="12700" cap="flat" cmpd="sng" algn="ctr">
-                      <a:noFill/>
-                      <a:prstDash val="solid"/>
-                      <a:round/>
-                      <a:headEnd type="none" w="med" len="med"/>
-                      <a:tailEnd type="none" w="med" len="med"/>
-                    </a:lnR>
-                    <a:lnT w="12700" cap="flat" cmpd="sng" algn="ctr">
-                      <a:noFill/>
-                      <a:prstDash val="solid"/>
-                      <a:round/>
-                      <a:headEnd type="none" w="med" len="med"/>
-                      <a:tailEnd type="none" w="med" len="med"/>
-                    </a:lnT>
-                    <a:lnB w="12700" cap="flat" cmpd="sng" algn="ctr">
-                      <a:noFill/>
-                      <a:prstDash val="solid"/>
-                      <a:round/>
-                      <a:headEnd type="none" w="med" len="med"/>
-                      <a:tailEnd type="none" w="med" len="med"/>
-                    </a:lnB>
-                    <a:lnTlToBr w="12700" cmpd="sng">
-                      <a:noFill/>
-                      <a:prstDash val="solid"/>
-                    </a:lnTlToBr>
-                    <a:lnBlToTr w="12700" cmpd="sng">
-                      <a:noFill/>
-                      <a:prstDash val="solid"/>
-                    </a:lnBlToTr>
-                  </a:tcPr>
-                </a:tc>
-                <a:tc>
-                  <a:txBody>
-                    <a:bodyPr/>
-                    <a:lstStyle/>
-                    <a:p>
-                      <a:pPr algn="ctr"/>
-                      <a:r>
-                        <a:rPr lang="uk-UA" sz="3000" dirty="0">
-                          <a:solidFill>
-                            <a:srgbClr val="1D1D1D"/>
-                          </a:solidFill>
-                          <a:latin typeface="Segoe UI Black" panose="020B0A02040204020203" pitchFamily="34" charset="0"/>
-                          <a:ea typeface="Segoe UI Black" panose="020B0A02040204020203" pitchFamily="34" charset="0"/>
-                          <a:cs typeface="Segoe UI Black" panose="020B0A02040204020203" pitchFamily="34" charset="0"/>
-                        </a:rPr>
-                        <a:t>20</a:t>
-                      </a:r>
-                      <a:endParaRPr lang="ru-RU" sz="3000" dirty="0">
-                        <a:solidFill>
-                          <a:srgbClr val="1D1D1D"/>
-                        </a:solidFill>
-                        <a:latin typeface="Segoe UI Black" panose="020B0A02040204020203" pitchFamily="34" charset="0"/>
-                        <a:ea typeface="Segoe UI Black" panose="020B0A02040204020203" pitchFamily="34" charset="0"/>
-                        <a:cs typeface="Segoe UI Black" panose="020B0A02040204020203" pitchFamily="34" charset="0"/>
-                      </a:endParaRPr>
-                    </a:p>
-                  </a:txBody>
-                  <a:tcPr anchor="ctr">
-                    <a:lnL w="12700" cap="flat" cmpd="sng" algn="ctr">
-                      <a:noFill/>
-                      <a:prstDash val="solid"/>
-                      <a:round/>
-                      <a:headEnd type="none" w="med" len="med"/>
-                      <a:tailEnd type="none" w="med" len="med"/>
-                    </a:lnL>
-                    <a:lnR w="12700" cap="flat" cmpd="sng" algn="ctr">
-                      <a:noFill/>
-                      <a:prstDash val="solid"/>
-                      <a:round/>
-                      <a:headEnd type="none" w="med" len="med"/>
-                      <a:tailEnd type="none" w="med" len="med"/>
-                    </a:lnR>
-                    <a:lnT w="12700" cap="flat" cmpd="sng" algn="ctr">
-                      <a:noFill/>
-                      <a:prstDash val="solid"/>
-                      <a:round/>
-                      <a:headEnd type="none" w="med" len="med"/>
-                      <a:tailEnd type="none" w="med" len="med"/>
-                    </a:lnT>
-                    <a:lnB w="12700" cap="flat" cmpd="sng" algn="ctr">
-                      <a:noFill/>
-                      <a:prstDash val="solid"/>
-                      <a:round/>
-                      <a:headEnd type="none" w="med" len="med"/>
-                      <a:tailEnd type="none" w="med" len="med"/>
-                    </a:lnB>
-                    <a:lnTlToBr w="12700" cmpd="sng">
-                      <a:noFill/>
-                      <a:prstDash val="solid"/>
-                    </a:lnTlToBr>
-                    <a:lnBlToTr w="12700" cmpd="sng">
-                      <a:noFill/>
-                      <a:prstDash val="solid"/>
-                    </a:lnBlToTr>
-                  </a:tcPr>
-                </a:tc>
-                <a:tc>
-                  <a:txBody>
-                    <a:bodyPr/>
-                    <a:lstStyle/>
-                    <a:p>
-                      <a:pPr algn="ctr"/>
-                      <a:r>
-                        <a:rPr lang="uk-UA" sz="3000" dirty="0">
-                          <a:solidFill>
-                            <a:srgbClr val="1D1D1D"/>
-                          </a:solidFill>
-                          <a:latin typeface="Segoe UI Black" panose="020B0A02040204020203" pitchFamily="34" charset="0"/>
-                          <a:ea typeface="Segoe UI Black" panose="020B0A02040204020203" pitchFamily="34" charset="0"/>
-                          <a:cs typeface="Segoe UI Black" panose="020B0A02040204020203" pitchFamily="34" charset="0"/>
-                        </a:rPr>
-                        <a:t>15</a:t>
-                      </a:r>
-                      <a:endParaRPr lang="ru-RU" sz="3000" dirty="0">
-                        <a:solidFill>
-                          <a:srgbClr val="1D1D1D"/>
-                        </a:solidFill>
-                        <a:latin typeface="Segoe UI Black" panose="020B0A02040204020203" pitchFamily="34" charset="0"/>
-                        <a:ea typeface="Segoe UI Black" panose="020B0A02040204020203" pitchFamily="34" charset="0"/>
-                        <a:cs typeface="Segoe UI Black" panose="020B0A02040204020203" pitchFamily="34" charset="0"/>
-                      </a:endParaRPr>
-                    </a:p>
-                  </a:txBody>
-                  <a:tcPr anchor="ctr">
-                    <a:lnL w="12700" cap="flat" cmpd="sng" algn="ctr">
-                      <a:noFill/>
-                      <a:prstDash val="solid"/>
-                      <a:round/>
-                      <a:headEnd type="none" w="med" len="med"/>
-                      <a:tailEnd type="none" w="med" len="med"/>
-                    </a:lnL>
-                    <a:lnR w="12700" cap="flat" cmpd="sng" algn="ctr">
-                      <a:noFill/>
-                      <a:prstDash val="solid"/>
-                      <a:round/>
-                      <a:headEnd type="none" w="med" len="med"/>
-                      <a:tailEnd type="none" w="med" len="med"/>
-                    </a:lnR>
-                    <a:lnT w="12700" cap="flat" cmpd="sng" algn="ctr">
-                      <a:noFill/>
-                      <a:prstDash val="solid"/>
-                      <a:round/>
-                      <a:headEnd type="none" w="med" len="med"/>
-                      <a:tailEnd type="none" w="med" len="med"/>
-                    </a:lnT>
-                    <a:lnB w="12700" cap="flat" cmpd="sng" algn="ctr">
-                      <a:noFill/>
-                      <a:prstDash val="solid"/>
-                      <a:round/>
-                      <a:headEnd type="none" w="med" len="med"/>
-                      <a:tailEnd type="none" w="med" len="med"/>
-                    </a:lnB>
-                    <a:lnTlToBr w="12700" cmpd="sng">
-                      <a:noFill/>
-                      <a:prstDash val="solid"/>
-                    </a:lnTlToBr>
-                    <a:lnBlToTr w="12700" cmpd="sng">
-                      <a:noFill/>
-                      <a:prstDash val="solid"/>
-                    </a:lnBlToTr>
-                  </a:tcPr>
-                </a:tc>
-                <a:tc>
-                  <a:txBody>
-                    <a:bodyPr/>
-                    <a:lstStyle/>
-                    <a:p>
-                      <a:pPr algn="ctr"/>
-                      <a:r>
-                        <a:rPr lang="uk-UA" sz="3000" dirty="0">
-                          <a:solidFill>
-                            <a:srgbClr val="1D1D1D"/>
-                          </a:solidFill>
-                          <a:latin typeface="Segoe UI Black" panose="020B0A02040204020203" pitchFamily="34" charset="0"/>
-                          <a:ea typeface="Segoe UI Black" panose="020B0A02040204020203" pitchFamily="34" charset="0"/>
-                          <a:cs typeface="Segoe UI Black" panose="020B0A02040204020203" pitchFamily="34" charset="0"/>
-                        </a:rPr>
-                        <a:t>2</a:t>
-                      </a:r>
-                      <a:endParaRPr lang="ru-RU" sz="3000" dirty="0">
-                        <a:solidFill>
-                          <a:srgbClr val="1D1D1D"/>
-                        </a:solidFill>
-                        <a:latin typeface="Segoe UI Black" panose="020B0A02040204020203" pitchFamily="34" charset="0"/>
-                        <a:ea typeface="Segoe UI Black" panose="020B0A02040204020203" pitchFamily="34" charset="0"/>
-                        <a:cs typeface="Segoe UI Black" panose="020B0A02040204020203" pitchFamily="34" charset="0"/>
-                      </a:endParaRPr>
-                    </a:p>
-                  </a:txBody>
-                  <a:tcPr anchor="ctr">
-                    <a:lnL w="12700" cap="flat" cmpd="sng" algn="ctr">
-                      <a:noFill/>
-                      <a:prstDash val="solid"/>
-                      <a:round/>
-                      <a:headEnd type="none" w="med" len="med"/>
-                      <a:tailEnd type="none" w="med" len="med"/>
-                    </a:lnL>
-                    <a:lnR w="12700" cap="flat" cmpd="sng" algn="ctr">
-                      <a:noFill/>
-                      <a:prstDash val="solid"/>
-                      <a:round/>
-                      <a:headEnd type="none" w="med" len="med"/>
-                      <a:tailEnd type="none" w="med" len="med"/>
-                    </a:lnR>
-                    <a:lnT w="12700" cap="flat" cmpd="sng" algn="ctr">
-                      <a:noFill/>
-                      <a:prstDash val="solid"/>
-                      <a:round/>
-                      <a:headEnd type="none" w="med" len="med"/>
-                      <a:tailEnd type="none" w="med" len="med"/>
-                    </a:lnT>
-                    <a:lnB w="12700" cap="flat" cmpd="sng" algn="ctr">
-                      <a:noFill/>
-                      <a:prstDash val="solid"/>
-                      <a:round/>
-                      <a:headEnd type="none" w="med" len="med"/>
-                      <a:tailEnd type="none" w="med" len="med"/>
-                    </a:lnB>
-                    <a:lnTlToBr w="12700" cmpd="sng">
-                      <a:noFill/>
-                      <a:prstDash val="solid"/>
-                    </a:lnTlToBr>
-                    <a:lnBlToTr w="12700" cmpd="sng">
-                      <a:noFill/>
-                      <a:prstDash val="solid"/>
-                    </a:lnBlToTr>
-                  </a:tcPr>
-                </a:tc>
-                <a:extLst>
-                  <a:ext uri="{0D108BD9-81ED-4DB2-BD59-A6C34878D82A}">
-                    <a16:rowId xmlns:a16="http://schemas.microsoft.com/office/drawing/2014/main" val="10002"/>
-                  </a:ext>
-                </a:extLst>
-              </a:tr>
-              <a:tr h="901859">
-                <a:tc>
-                  <a:txBody>
-                    <a:bodyPr/>
-                    <a:lstStyle/>
-                    <a:p>
-                      <a:pPr algn="ctr"/>
-                      <a:r>
-                        <a:rPr lang="uk-UA" sz="2000" dirty="0">
-                          <a:solidFill>
-                            <a:srgbClr val="0E6BB3"/>
-                          </a:solidFill>
-                          <a:latin typeface="Segoe UI Semibold" panose="020B0702040204020203" pitchFamily="34" charset="0"/>
-                          <a:cs typeface="Segoe UI Semibold" panose="020B0702040204020203" pitchFamily="34" charset="0"/>
-                        </a:rPr>
-                        <a:t>Чорний</a:t>
-                      </a:r>
-                      <a:endParaRPr lang="ru-RU" sz="2000" dirty="0">
-                        <a:solidFill>
-                          <a:srgbClr val="0E6BB3"/>
-                        </a:solidFill>
-                        <a:latin typeface="Segoe UI Semibold" panose="020B0702040204020203" pitchFamily="34" charset="0"/>
-                        <a:cs typeface="Segoe UI Semibold" panose="020B0702040204020203" pitchFamily="34" charset="0"/>
-                      </a:endParaRPr>
-                    </a:p>
-                  </a:txBody>
-                  <a:tcPr anchor="ctr">
-                    <a:lnL w="12700" cap="flat" cmpd="sng" algn="ctr">
-                      <a:noFill/>
-                      <a:prstDash val="solid"/>
-                      <a:round/>
-                      <a:headEnd type="none" w="med" len="med"/>
-                      <a:tailEnd type="none" w="med" len="med"/>
-                    </a:lnL>
-                    <a:lnR w="12700" cap="flat" cmpd="sng" algn="ctr">
-                      <a:noFill/>
-                      <a:prstDash val="solid"/>
-                      <a:round/>
-                      <a:headEnd type="none" w="med" len="med"/>
-                      <a:tailEnd type="none" w="med" len="med"/>
-                    </a:lnR>
-                    <a:lnT w="12700" cap="flat" cmpd="sng" algn="ctr">
-                      <a:noFill/>
-                      <a:prstDash val="solid"/>
-                      <a:round/>
-                      <a:headEnd type="none" w="med" len="med"/>
-                      <a:tailEnd type="none" w="med" len="med"/>
-                    </a:lnT>
-                    <a:lnB w="12700" cap="flat" cmpd="sng" algn="ctr">
-                      <a:noFill/>
-                      <a:prstDash val="solid"/>
-                      <a:round/>
-                      <a:headEnd type="none" w="med" len="med"/>
-                      <a:tailEnd type="none" w="med" len="med"/>
-                    </a:lnB>
-                    <a:lnTlToBr w="12700" cmpd="sng">
-                      <a:noFill/>
-                      <a:prstDash val="solid"/>
-                    </a:lnTlToBr>
-                    <a:lnBlToTr w="12700" cmpd="sng">
-                      <a:noFill/>
-                      <a:prstDash val="solid"/>
-                    </a:lnBlToTr>
-                  </a:tcPr>
-                </a:tc>
-                <a:tc>
-                  <a:txBody>
-                    <a:bodyPr/>
-                    <a:lstStyle/>
-                    <a:p>
-                      <a:pPr algn="ctr"/>
-                      <a:r>
-                        <a:rPr lang="uk-UA" sz="3000" dirty="0">
-                          <a:solidFill>
-                            <a:srgbClr val="1D1D1D"/>
-                          </a:solidFill>
-                          <a:latin typeface="Segoe UI Black" panose="020B0A02040204020203" pitchFamily="34" charset="0"/>
-                          <a:ea typeface="Segoe UI Black" panose="020B0A02040204020203" pitchFamily="34" charset="0"/>
-                          <a:cs typeface="Segoe UI Black" panose="020B0A02040204020203" pitchFamily="34" charset="0"/>
-                        </a:rPr>
-                        <a:t>6</a:t>
-                      </a:r>
-                      <a:endParaRPr lang="ru-RU" sz="3000" dirty="0">
-                        <a:solidFill>
-                          <a:srgbClr val="1D1D1D"/>
-                        </a:solidFill>
-                        <a:latin typeface="Segoe UI Black" panose="020B0A02040204020203" pitchFamily="34" charset="0"/>
-                        <a:ea typeface="Segoe UI Black" panose="020B0A02040204020203" pitchFamily="34" charset="0"/>
-                        <a:cs typeface="Segoe UI Black" panose="020B0A02040204020203" pitchFamily="34" charset="0"/>
-                      </a:endParaRPr>
-                    </a:p>
-                  </a:txBody>
-                  <a:tcPr anchor="ctr">
-                    <a:lnL w="12700" cap="flat" cmpd="sng" algn="ctr">
-                      <a:noFill/>
-                      <a:prstDash val="solid"/>
-                      <a:round/>
-                      <a:headEnd type="none" w="med" len="med"/>
-                      <a:tailEnd type="none" w="med" len="med"/>
-                    </a:lnL>
-                    <a:lnR w="12700" cap="flat" cmpd="sng" algn="ctr">
-                      <a:noFill/>
-                      <a:prstDash val="solid"/>
-                      <a:round/>
-                      <a:headEnd type="none" w="med" len="med"/>
-                      <a:tailEnd type="none" w="med" len="med"/>
-                    </a:lnR>
-                    <a:lnT w="12700" cap="flat" cmpd="sng" algn="ctr">
-                      <a:noFill/>
-                      <a:prstDash val="solid"/>
-                      <a:round/>
-                      <a:headEnd type="none" w="med" len="med"/>
-                      <a:tailEnd type="none" w="med" len="med"/>
-                    </a:lnT>
-                    <a:lnB w="12700" cap="flat" cmpd="sng" algn="ctr">
-                      <a:noFill/>
-                      <a:prstDash val="solid"/>
-                      <a:round/>
-                      <a:headEnd type="none" w="med" len="med"/>
-                      <a:tailEnd type="none" w="med" len="med"/>
-                    </a:lnB>
-                    <a:lnTlToBr w="12700" cmpd="sng">
-                      <a:noFill/>
-                      <a:prstDash val="solid"/>
-                    </a:lnTlToBr>
-                    <a:lnBlToTr w="12700" cmpd="sng">
-                      <a:noFill/>
-                      <a:prstDash val="solid"/>
-                    </a:lnBlToTr>
-                  </a:tcPr>
-                </a:tc>
-                <a:tc>
-                  <a:txBody>
-                    <a:bodyPr/>
-                    <a:lstStyle/>
-                    <a:p>
-                      <a:pPr algn="ctr"/>
-                      <a:r>
-                        <a:rPr lang="uk-UA" sz="3000" dirty="0">
-                          <a:solidFill>
-                            <a:srgbClr val="1D1D1D"/>
-                          </a:solidFill>
-                          <a:latin typeface="Segoe UI Black" panose="020B0A02040204020203" pitchFamily="34" charset="0"/>
-                          <a:ea typeface="Segoe UI Black" panose="020B0A02040204020203" pitchFamily="34" charset="0"/>
-                          <a:cs typeface="Segoe UI Black" panose="020B0A02040204020203" pitchFamily="34" charset="0"/>
-                        </a:rPr>
-                        <a:t>82</a:t>
-                      </a:r>
-                      <a:endParaRPr lang="ru-RU" sz="3000" dirty="0">
-                        <a:solidFill>
-                          <a:srgbClr val="1D1D1D"/>
-                        </a:solidFill>
-                        <a:latin typeface="Segoe UI Black" panose="020B0A02040204020203" pitchFamily="34" charset="0"/>
-                        <a:ea typeface="Segoe UI Black" panose="020B0A02040204020203" pitchFamily="34" charset="0"/>
-                        <a:cs typeface="Segoe UI Black" panose="020B0A02040204020203" pitchFamily="34" charset="0"/>
-                      </a:endParaRPr>
-                    </a:p>
-                  </a:txBody>
-                  <a:tcPr anchor="ctr">
-                    <a:lnL w="12700" cap="flat" cmpd="sng" algn="ctr">
-                      <a:noFill/>
-                      <a:prstDash val="solid"/>
-                      <a:round/>
-                      <a:headEnd type="none" w="med" len="med"/>
-                      <a:tailEnd type="none" w="med" len="med"/>
-                    </a:lnL>
-                    <a:lnR w="12700" cap="flat" cmpd="sng" algn="ctr">
-                      <a:noFill/>
-                      <a:prstDash val="solid"/>
-                      <a:round/>
-                      <a:headEnd type="none" w="med" len="med"/>
-                      <a:tailEnd type="none" w="med" len="med"/>
-                    </a:lnR>
-                    <a:lnT w="12700" cap="flat" cmpd="sng" algn="ctr">
-                      <a:noFill/>
-                      <a:prstDash val="solid"/>
-                      <a:round/>
-                      <a:headEnd type="none" w="med" len="med"/>
-                      <a:tailEnd type="none" w="med" len="med"/>
-                    </a:lnT>
-                    <a:lnB w="12700" cap="flat" cmpd="sng" algn="ctr">
-                      <a:noFill/>
-                      <a:prstDash val="solid"/>
-                      <a:round/>
-                      <a:headEnd type="none" w="med" len="med"/>
-                      <a:tailEnd type="none" w="med" len="med"/>
-                    </a:lnB>
-                    <a:lnTlToBr w="12700" cmpd="sng">
-                      <a:noFill/>
-                      <a:prstDash val="solid"/>
-                    </a:lnTlToBr>
-                    <a:lnBlToTr w="12700" cmpd="sng">
-                      <a:noFill/>
-                      <a:prstDash val="solid"/>
-                    </a:lnBlToTr>
-                  </a:tcPr>
-                </a:tc>
-                <a:tc>
-                  <a:txBody>
-                    <a:bodyPr/>
-                    <a:lstStyle/>
-                    <a:p>
-                      <a:pPr algn="ctr"/>
-                      <a:r>
-                        <a:rPr lang="uk-UA" sz="3000" dirty="0">
-                          <a:solidFill>
-                            <a:srgbClr val="1D1D1D"/>
-                          </a:solidFill>
-                          <a:latin typeface="Segoe UI Black" panose="020B0A02040204020203" pitchFamily="34" charset="0"/>
-                          <a:ea typeface="Segoe UI Black" panose="020B0A02040204020203" pitchFamily="34" charset="0"/>
-                          <a:cs typeface="Segoe UI Black" panose="020B0A02040204020203" pitchFamily="34" charset="0"/>
-                        </a:rPr>
-                        <a:t>74</a:t>
-                      </a:r>
-                      <a:endParaRPr lang="ru-RU" sz="3000" dirty="0">
-                        <a:solidFill>
-                          <a:srgbClr val="1D1D1D"/>
-                        </a:solidFill>
-                        <a:latin typeface="Segoe UI Black" panose="020B0A02040204020203" pitchFamily="34" charset="0"/>
-                        <a:ea typeface="Segoe UI Black" panose="020B0A02040204020203" pitchFamily="34" charset="0"/>
-                        <a:cs typeface="Segoe UI Black" panose="020B0A02040204020203" pitchFamily="34" charset="0"/>
-                      </a:endParaRPr>
-                    </a:p>
-                  </a:txBody>
-                  <a:tcPr anchor="ctr">
-                    <a:lnL w="12700" cap="flat" cmpd="sng" algn="ctr">
-                      <a:noFill/>
-                      <a:prstDash val="solid"/>
-                      <a:round/>
-                      <a:headEnd type="none" w="med" len="med"/>
-                      <a:tailEnd type="none" w="med" len="med"/>
-                    </a:lnL>
-                    <a:lnR w="12700" cap="flat" cmpd="sng" algn="ctr">
-                      <a:noFill/>
-                      <a:prstDash val="solid"/>
-                      <a:round/>
-                      <a:headEnd type="none" w="med" len="med"/>
-                      <a:tailEnd type="none" w="med" len="med"/>
-                    </a:lnR>
-                    <a:lnT w="12700" cap="flat" cmpd="sng" algn="ctr">
-                      <a:noFill/>
-                      <a:prstDash val="solid"/>
-                      <a:round/>
-                      <a:headEnd type="none" w="med" len="med"/>
-                      <a:tailEnd type="none" w="med" len="med"/>
-                    </a:lnT>
-                    <a:lnB w="12700" cap="flat" cmpd="sng" algn="ctr">
-                      <a:noFill/>
-                      <a:prstDash val="solid"/>
-                      <a:round/>
-                      <a:headEnd type="none" w="med" len="med"/>
-                      <a:tailEnd type="none" w="med" len="med"/>
-                    </a:lnB>
-                    <a:lnTlToBr w="12700" cmpd="sng">
-                      <a:noFill/>
-                      <a:prstDash val="solid"/>
-                    </a:lnTlToBr>
-                    <a:lnBlToTr w="12700" cmpd="sng">
-                      <a:noFill/>
-                      <a:prstDash val="solid"/>
-                    </a:lnBlToTr>
-                  </a:tcPr>
-                </a:tc>
-                <a:extLst>
-                  <a:ext uri="{0D108BD9-81ED-4DB2-BD59-A6C34878D82A}">
-                    <a16:rowId xmlns:a16="http://schemas.microsoft.com/office/drawing/2014/main" val="10003"/>
-                  </a:ext>
-                </a:extLst>
-              </a:tr>
-            </a:tbl>
-          </a:graphicData>
-        </a:graphic>
-      </p:graphicFrame>
       <p:pic>
         <p:nvPicPr>
-          <p:cNvPr id="6" name="Рисунок 5"/>
+          <p:cNvPr id="10" name="Рисунок 9"/>
           <p:cNvPicPr>
             <a:picLocks noChangeAspect="1"/>
           </p:cNvPicPr>
@@ -5637,7 +5106,7 @@
         </p:blipFill>
         <p:spPr>
           <a:xfrm>
-            <a:off x="10469538" y="5762416"/>
+            <a:off x="343405" y="555058"/>
             <a:ext cx="1383795" cy="548641"/>
           </a:xfrm>
           <a:prstGeom prst="rect">
@@ -5648,7 +5117,7 @@
     </p:spTree>
     <p:extLst>
       <p:ext uri="{BB962C8B-B14F-4D97-AF65-F5344CB8AC3E}">
-        <p14:creationId xmlns:p14="http://schemas.microsoft.com/office/powerpoint/2010/main" val="1020459685"/>
+        <p14:creationId xmlns:p14="http://schemas.microsoft.com/office/powerpoint/2010/main" val="714245003"/>
       </p:ext>
     </p:extLst>
   </p:cSld>
@@ -5874,18 +5343,3470 @@
               </a:spcBef>
             </a:pPr>
             <a:r>
-              <a:rPr lang="ru-RU" sz="3000" dirty="0">
+              <a:rPr lang="uk-UA" sz="3000" dirty="0">
                 <a:solidFill>
                   <a:srgbClr val="FFFFFF"/>
                 </a:solidFill>
                 <a:latin typeface="Segoe UI Semibold" panose="020B0702040204020203" pitchFamily="34" charset="0"/>
                 <a:cs typeface="Segoe UI Semibold" panose="020B0702040204020203" pitchFamily="34" charset="0"/>
               </a:rPr>
-              <a:t>І ТАБЛИЦІ ДЛЯ ПОРІВНЯННЯ ДАНИХ</a:t>
+              <a:t>ЗАГОЛОВОК СЛАЙДУ</a:t>
             </a:r>
             <a:endParaRPr lang="en" sz="3000" dirty="0">
               <a:solidFill>
                 <a:srgbClr val="FFFFFF"/>
+              </a:solidFill>
+              <a:latin typeface="Segoe UI Semibold" panose="020B0702040204020203" pitchFamily="34" charset="0"/>
+              <a:cs typeface="Segoe UI Semibold" panose="020B0702040204020203" pitchFamily="34" charset="0"/>
+            </a:endParaRPr>
+          </a:p>
+        </p:txBody>
+      </p:sp>
+      <p:sp>
+        <p:nvSpPr>
+          <p:cNvPr id="5" name="Shape 114"/>
+          <p:cNvSpPr txBox="1">
+            <a:spLocks/>
+          </p:cNvSpPr>
+          <p:nvPr/>
+        </p:nvSpPr>
+        <p:spPr>
+          <a:xfrm>
+            <a:off x="655637" y="1851815"/>
+            <a:ext cx="11202987" cy="4444210"/>
+          </a:xfrm>
+          <a:prstGeom prst="rect">
+            <a:avLst/>
+          </a:prstGeom>
+        </p:spPr>
+        <p:txBody>
+          <a:bodyPr lIns="91425" tIns="91425" rIns="91425" bIns="91425" anchor="t" anchorCtr="0">
+            <a:noAutofit/>
+          </a:bodyPr>
+          <a:lstStyle>
+            <a:lvl1pPr marL="228600" indent="-228600" algn="l" defTabSz="914400" rtl="0" eaLnBrk="1" latinLnBrk="0" hangingPunct="1">
+              <a:lnSpc>
+                <a:spcPct val="90000"/>
+              </a:lnSpc>
+              <a:spcBef>
+                <a:spcPts val="1000"/>
+              </a:spcBef>
+              <a:buFont typeface="Arial" panose="020B0604020202020204" pitchFamily="34" charset="0"/>
+              <a:buChar char="•"/>
+              <a:defRPr sz="2800" kern="1200">
+                <a:solidFill>
+                  <a:schemeClr val="tx1"/>
+                </a:solidFill>
+                <a:latin typeface="+mn-lt"/>
+                <a:ea typeface="+mn-ea"/>
+                <a:cs typeface="+mn-cs"/>
+              </a:defRPr>
+            </a:lvl1pPr>
+            <a:lvl2pPr marL="685800" indent="-228600" algn="l" defTabSz="914400" rtl="0" eaLnBrk="1" latinLnBrk="0" hangingPunct="1">
+              <a:lnSpc>
+                <a:spcPct val="90000"/>
+              </a:lnSpc>
+              <a:spcBef>
+                <a:spcPts val="500"/>
+              </a:spcBef>
+              <a:buFont typeface="Arial" panose="020B0604020202020204" pitchFamily="34" charset="0"/>
+              <a:buChar char="•"/>
+              <a:defRPr sz="2400" kern="1200">
+                <a:solidFill>
+                  <a:schemeClr val="tx1"/>
+                </a:solidFill>
+                <a:latin typeface="+mn-lt"/>
+                <a:ea typeface="+mn-ea"/>
+                <a:cs typeface="+mn-cs"/>
+              </a:defRPr>
+            </a:lvl2pPr>
+            <a:lvl3pPr marL="1143000" indent="-228600" algn="l" defTabSz="914400" rtl="0" eaLnBrk="1" latinLnBrk="0" hangingPunct="1">
+              <a:lnSpc>
+                <a:spcPct val="90000"/>
+              </a:lnSpc>
+              <a:spcBef>
+                <a:spcPts val="500"/>
+              </a:spcBef>
+              <a:buFont typeface="Arial" panose="020B0604020202020204" pitchFamily="34" charset="0"/>
+              <a:buChar char="•"/>
+              <a:defRPr sz="2000" kern="1200">
+                <a:solidFill>
+                  <a:schemeClr val="tx1"/>
+                </a:solidFill>
+                <a:latin typeface="+mn-lt"/>
+                <a:ea typeface="+mn-ea"/>
+                <a:cs typeface="+mn-cs"/>
+              </a:defRPr>
+            </a:lvl3pPr>
+            <a:lvl4pPr marL="1600200" indent="-228600" algn="l" defTabSz="914400" rtl="0" eaLnBrk="1" latinLnBrk="0" hangingPunct="1">
+              <a:lnSpc>
+                <a:spcPct val="90000"/>
+              </a:lnSpc>
+              <a:spcBef>
+                <a:spcPts val="500"/>
+              </a:spcBef>
+              <a:buFont typeface="Arial" panose="020B0604020202020204" pitchFamily="34" charset="0"/>
+              <a:buChar char="•"/>
+              <a:defRPr sz="1800" kern="1200">
+                <a:solidFill>
+                  <a:schemeClr val="tx1"/>
+                </a:solidFill>
+                <a:latin typeface="+mn-lt"/>
+                <a:ea typeface="+mn-ea"/>
+                <a:cs typeface="+mn-cs"/>
+              </a:defRPr>
+            </a:lvl4pPr>
+            <a:lvl5pPr marL="2057400" indent="-228600" algn="l" defTabSz="914400" rtl="0" eaLnBrk="1" latinLnBrk="0" hangingPunct="1">
+              <a:lnSpc>
+                <a:spcPct val="90000"/>
+              </a:lnSpc>
+              <a:spcBef>
+                <a:spcPts val="500"/>
+              </a:spcBef>
+              <a:buFont typeface="Arial" panose="020B0604020202020204" pitchFamily="34" charset="0"/>
+              <a:buChar char="•"/>
+              <a:defRPr sz="1800" kern="1200">
+                <a:solidFill>
+                  <a:schemeClr val="tx1"/>
+                </a:solidFill>
+                <a:latin typeface="+mn-lt"/>
+                <a:ea typeface="+mn-ea"/>
+                <a:cs typeface="+mn-cs"/>
+              </a:defRPr>
+            </a:lvl5pPr>
+            <a:lvl6pPr marL="2514600" indent="-228600" algn="l" defTabSz="914400" rtl="0" eaLnBrk="1" latinLnBrk="0" hangingPunct="1">
+              <a:lnSpc>
+                <a:spcPct val="90000"/>
+              </a:lnSpc>
+              <a:spcBef>
+                <a:spcPts val="500"/>
+              </a:spcBef>
+              <a:buFont typeface="Arial" panose="020B0604020202020204" pitchFamily="34" charset="0"/>
+              <a:buChar char="•"/>
+              <a:defRPr sz="1800" kern="1200">
+                <a:solidFill>
+                  <a:schemeClr val="tx1"/>
+                </a:solidFill>
+                <a:latin typeface="+mn-lt"/>
+                <a:ea typeface="+mn-ea"/>
+                <a:cs typeface="+mn-cs"/>
+              </a:defRPr>
+            </a:lvl6pPr>
+            <a:lvl7pPr marL="2971800" indent="-228600" algn="l" defTabSz="914400" rtl="0" eaLnBrk="1" latinLnBrk="0" hangingPunct="1">
+              <a:lnSpc>
+                <a:spcPct val="90000"/>
+              </a:lnSpc>
+              <a:spcBef>
+                <a:spcPts val="500"/>
+              </a:spcBef>
+              <a:buFont typeface="Arial" panose="020B0604020202020204" pitchFamily="34" charset="0"/>
+              <a:buChar char="•"/>
+              <a:defRPr sz="1800" kern="1200">
+                <a:solidFill>
+                  <a:schemeClr val="tx1"/>
+                </a:solidFill>
+                <a:latin typeface="+mn-lt"/>
+                <a:ea typeface="+mn-ea"/>
+                <a:cs typeface="+mn-cs"/>
+              </a:defRPr>
+            </a:lvl7pPr>
+            <a:lvl8pPr marL="3429000" indent="-228600" algn="l" defTabSz="914400" rtl="0" eaLnBrk="1" latinLnBrk="0" hangingPunct="1">
+              <a:lnSpc>
+                <a:spcPct val="90000"/>
+              </a:lnSpc>
+              <a:spcBef>
+                <a:spcPts val="500"/>
+              </a:spcBef>
+              <a:buFont typeface="Arial" panose="020B0604020202020204" pitchFamily="34" charset="0"/>
+              <a:buChar char="•"/>
+              <a:defRPr sz="1800" kern="1200">
+                <a:solidFill>
+                  <a:schemeClr val="tx1"/>
+                </a:solidFill>
+                <a:latin typeface="+mn-lt"/>
+                <a:ea typeface="+mn-ea"/>
+                <a:cs typeface="+mn-cs"/>
+              </a:defRPr>
+            </a:lvl8pPr>
+            <a:lvl9pPr marL="3886200" indent="-228600" algn="l" defTabSz="914400" rtl="0" eaLnBrk="1" latinLnBrk="0" hangingPunct="1">
+              <a:lnSpc>
+                <a:spcPct val="90000"/>
+              </a:lnSpc>
+              <a:spcBef>
+                <a:spcPts val="500"/>
+              </a:spcBef>
+              <a:buFont typeface="Arial" panose="020B0604020202020204" pitchFamily="34" charset="0"/>
+              <a:buChar char="•"/>
+              <a:defRPr sz="1800" kern="1200">
+                <a:solidFill>
+                  <a:schemeClr val="tx1"/>
+                </a:solidFill>
+                <a:latin typeface="+mn-lt"/>
+                <a:ea typeface="+mn-ea"/>
+                <a:cs typeface="+mn-cs"/>
+              </a:defRPr>
+            </a:lvl9pPr>
+          </a:lstStyle>
+          <a:p>
+            <a:pPr marL="0" indent="0">
+              <a:lnSpc>
+                <a:spcPct val="150000"/>
+              </a:lnSpc>
+              <a:spcBef>
+                <a:spcPts val="0"/>
+              </a:spcBef>
+              <a:buNone/>
+            </a:pPr>
+            <a:r>
+              <a:rPr lang="uk-UA" dirty="0">
+                <a:solidFill>
+                  <a:srgbClr val="1D1D1D"/>
+                </a:solidFill>
+                <a:latin typeface="Segoe UI Light" panose="020B0502040204020203" pitchFamily="34" charset="0"/>
+                <a:cs typeface="Segoe UI Light" panose="020B0502040204020203" pitchFamily="34" charset="0"/>
+              </a:rPr>
+              <a:t>Тут Ви маєте:</a:t>
+            </a:r>
+          </a:p>
+          <a:p>
+            <a:pPr marL="361950" indent="-361950">
+              <a:lnSpc>
+                <a:spcPct val="150000"/>
+              </a:lnSpc>
+              <a:spcBef>
+                <a:spcPts val="0"/>
+              </a:spcBef>
+              <a:buSzPct val="75000"/>
+            </a:pPr>
+            <a:r>
+              <a:rPr lang="uk-UA" dirty="0">
+                <a:solidFill>
+                  <a:srgbClr val="1D1D1D"/>
+                </a:solidFill>
+                <a:latin typeface="Segoe UI Light" panose="020B0502040204020203" pitchFamily="34" charset="0"/>
+                <a:cs typeface="Segoe UI Light" panose="020B0502040204020203" pitchFamily="34" charset="0"/>
+              </a:rPr>
+              <a:t>перелік пунктів;</a:t>
+            </a:r>
+          </a:p>
+          <a:p>
+            <a:pPr marL="361950" indent="-361950">
+              <a:lnSpc>
+                <a:spcPct val="150000"/>
+              </a:lnSpc>
+              <a:spcBef>
+                <a:spcPts val="0"/>
+              </a:spcBef>
+              <a:buSzPct val="75000"/>
+            </a:pPr>
+            <a:r>
+              <a:rPr lang="uk-UA" dirty="0">
+                <a:solidFill>
+                  <a:srgbClr val="1D1D1D"/>
+                </a:solidFill>
+                <a:latin typeface="Segoe UI Light" panose="020B0502040204020203" pitchFamily="34" charset="0"/>
+                <a:cs typeface="Segoe UI Light" panose="020B0502040204020203" pitchFamily="34" charset="0"/>
+              </a:rPr>
+              <a:t>деякий текст;</a:t>
+            </a:r>
+            <a:endParaRPr lang="en" dirty="0">
+              <a:solidFill>
+                <a:srgbClr val="1D1D1D"/>
+              </a:solidFill>
+              <a:latin typeface="Segoe UI Light" panose="020B0502040204020203" pitchFamily="34" charset="0"/>
+              <a:cs typeface="Segoe UI Light" panose="020B0502040204020203" pitchFamily="34" charset="0"/>
+            </a:endParaRPr>
+          </a:p>
+          <a:p>
+            <a:pPr marL="361950" indent="-361950">
+              <a:lnSpc>
+                <a:spcPct val="150000"/>
+              </a:lnSpc>
+              <a:spcBef>
+                <a:spcPts val="0"/>
+              </a:spcBef>
+              <a:buSzPct val="75000"/>
+            </a:pPr>
+            <a:r>
+              <a:rPr lang="uk-UA" dirty="0">
+                <a:solidFill>
+                  <a:srgbClr val="1D1D1D"/>
+                </a:solidFill>
+                <a:latin typeface="Segoe UI Light" panose="020B0502040204020203" pitchFamily="34" charset="0"/>
+                <a:cs typeface="Segoe UI Light" panose="020B0502040204020203" pitchFamily="34" charset="0"/>
+              </a:rPr>
+              <a:t>пам’ятайте, не перевантажуйте слайди вмістом.</a:t>
+            </a:r>
+            <a:endParaRPr lang="en" dirty="0">
+              <a:solidFill>
+                <a:srgbClr val="1D1D1D"/>
+              </a:solidFill>
+              <a:latin typeface="Segoe UI Light" panose="020B0502040204020203" pitchFamily="34" charset="0"/>
+              <a:cs typeface="Segoe UI Light" panose="020B0502040204020203" pitchFamily="34" charset="0"/>
+            </a:endParaRPr>
+          </a:p>
+          <a:p>
+            <a:pPr marL="0" indent="0">
+              <a:lnSpc>
+                <a:spcPct val="150000"/>
+              </a:lnSpc>
+              <a:spcBef>
+                <a:spcPts val="0"/>
+              </a:spcBef>
+              <a:buFont typeface="Arial" panose="020B0604020202020204" pitchFamily="34" charset="0"/>
+              <a:buNone/>
+            </a:pPr>
+            <a:r>
+              <a:rPr lang="uk-UA" dirty="0">
+                <a:solidFill>
+                  <a:srgbClr val="1D1D1D"/>
+                </a:solidFill>
+                <a:latin typeface="Segoe UI Light" panose="020B0502040204020203" pitchFamily="34" charset="0"/>
+                <a:cs typeface="Segoe UI Light" panose="020B0502040204020203" pitchFamily="34" charset="0"/>
+              </a:rPr>
+              <a:t>Ваша аудиторія буде читати вміст або слухати Вас, але не те й інше водночас.</a:t>
+            </a:r>
+            <a:endParaRPr lang="en" dirty="0">
+              <a:solidFill>
+                <a:srgbClr val="1D1D1D"/>
+              </a:solidFill>
+              <a:latin typeface="Segoe UI Light" panose="020B0502040204020203" pitchFamily="34" charset="0"/>
+              <a:cs typeface="Segoe UI Light" panose="020B0502040204020203" pitchFamily="34" charset="0"/>
+            </a:endParaRPr>
+          </a:p>
+        </p:txBody>
+      </p:sp>
+      <p:pic>
+        <p:nvPicPr>
+          <p:cNvPr id="7" name="Рисунок 6"/>
+          <p:cNvPicPr>
+            <a:picLocks noChangeAspect="1"/>
+          </p:cNvPicPr>
+          <p:nvPr/>
+        </p:nvPicPr>
+        <p:blipFill>
+          <a:blip r:embed="rId4" cstate="print">
+            <a:extLst>
+              <a:ext uri="{28A0092B-C50C-407E-A947-70E740481C1C}">
+                <a14:useLocalDpi xmlns:a14="http://schemas.microsoft.com/office/drawing/2010/main" val="0"/>
+              </a:ext>
+            </a:extLst>
+          </a:blip>
+          <a:stretch>
+            <a:fillRect/>
+          </a:stretch>
+        </p:blipFill>
+        <p:spPr>
+          <a:xfrm>
+            <a:off x="10469538" y="5762416"/>
+            <a:ext cx="1383795" cy="548641"/>
+          </a:xfrm>
+          <a:prstGeom prst="rect">
+            <a:avLst/>
+          </a:prstGeom>
+        </p:spPr>
+      </p:pic>
+    </p:spTree>
+    <p:extLst>
+      <p:ext uri="{BB962C8B-B14F-4D97-AF65-F5344CB8AC3E}">
+        <p14:creationId xmlns:p14="http://schemas.microsoft.com/office/powerpoint/2010/main" val="3107805070"/>
+      </p:ext>
+    </p:extLst>
+  </p:cSld>
+  <p:clrMapOvr>
+    <a:masterClrMapping/>
+  </p:clrMapOvr>
+</p:sld>
+</file>
+
+<file path=ppt/slides/slide12.xml><?xml version="1.0" encoding="utf-8"?>
+<p:sld xmlns:a="http://schemas.openxmlformats.org/drawingml/2006/main" xmlns:r="http://schemas.openxmlformats.org/officeDocument/2006/relationships" xmlns:p="http://schemas.openxmlformats.org/presentationml/2006/main">
+  <p:cSld>
+    <p:bg>
+      <p:bgPr>
+        <a:blipFill dpi="0" rotWithShape="1">
+          <a:blip r:embed="rId3">
+            <a:lum/>
+          </a:blip>
+          <a:srcRect/>
+          <a:stretch>
+            <a:fillRect/>
+          </a:stretch>
+        </a:blipFill>
+        <a:effectLst/>
+      </p:bgPr>
+    </p:bg>
+    <p:spTree>
+      <p:nvGrpSpPr>
+        <p:cNvPr id="1" name=""/>
+        <p:cNvGrpSpPr/>
+        <p:nvPr/>
+      </p:nvGrpSpPr>
+      <p:grpSpPr>
+        <a:xfrm>
+          <a:off x="0" y="0"/>
+          <a:ext cx="0" cy="0"/>
+          <a:chOff x="0" y="0"/>
+          <a:chExt cx="0" cy="0"/>
+        </a:xfrm>
+      </p:grpSpPr>
+      <p:sp>
+        <p:nvSpPr>
+          <p:cNvPr id="3" name="Номер слайда 2"/>
+          <p:cNvSpPr txBox="1">
+            <a:spLocks/>
+          </p:cNvSpPr>
+          <p:nvPr/>
+        </p:nvSpPr>
+        <p:spPr>
+          <a:xfrm>
+            <a:off x="11269639" y="399197"/>
+            <a:ext cx="692624" cy="696035"/>
+          </a:xfrm>
+          <a:prstGeom prst="rect">
+            <a:avLst/>
+          </a:prstGeom>
+        </p:spPr>
+        <p:txBody>
+          <a:bodyPr vert="horz" lIns="91440" tIns="45720" rIns="91440" bIns="45720" rtlCol="0" anchor="ctr"/>
+          <a:lstStyle>
+            <a:defPPr>
+              <a:defRPr lang="ru-RU"/>
+            </a:defPPr>
+            <a:lvl1pPr marL="0" algn="r" defTabSz="914400" rtl="0" eaLnBrk="1" latinLnBrk="0" hangingPunct="1">
+              <a:defRPr sz="1200" kern="1200">
+                <a:solidFill>
+                  <a:schemeClr val="tx1">
+                    <a:tint val="75000"/>
+                  </a:schemeClr>
+                </a:solidFill>
+                <a:latin typeface="+mn-lt"/>
+                <a:ea typeface="+mn-ea"/>
+                <a:cs typeface="+mn-cs"/>
+              </a:defRPr>
+            </a:lvl1pPr>
+            <a:lvl2pPr marL="457200" algn="l" defTabSz="914400" rtl="0" eaLnBrk="1" latinLnBrk="0" hangingPunct="1">
+              <a:defRPr sz="1800" kern="1200">
+                <a:solidFill>
+                  <a:schemeClr val="tx1"/>
+                </a:solidFill>
+                <a:latin typeface="+mn-lt"/>
+                <a:ea typeface="+mn-ea"/>
+                <a:cs typeface="+mn-cs"/>
+              </a:defRPr>
+            </a:lvl2pPr>
+            <a:lvl3pPr marL="914400" algn="l" defTabSz="914400" rtl="0" eaLnBrk="1" latinLnBrk="0" hangingPunct="1">
+              <a:defRPr sz="1800" kern="1200">
+                <a:solidFill>
+                  <a:schemeClr val="tx1"/>
+                </a:solidFill>
+                <a:latin typeface="+mn-lt"/>
+                <a:ea typeface="+mn-ea"/>
+                <a:cs typeface="+mn-cs"/>
+              </a:defRPr>
+            </a:lvl3pPr>
+            <a:lvl4pPr marL="1371600" algn="l" defTabSz="914400" rtl="0" eaLnBrk="1" latinLnBrk="0" hangingPunct="1">
+              <a:defRPr sz="1800" kern="1200">
+                <a:solidFill>
+                  <a:schemeClr val="tx1"/>
+                </a:solidFill>
+                <a:latin typeface="+mn-lt"/>
+                <a:ea typeface="+mn-ea"/>
+                <a:cs typeface="+mn-cs"/>
+              </a:defRPr>
+            </a:lvl4pPr>
+            <a:lvl5pPr marL="1828800" algn="l" defTabSz="914400" rtl="0" eaLnBrk="1" latinLnBrk="0" hangingPunct="1">
+              <a:defRPr sz="1800" kern="1200">
+                <a:solidFill>
+                  <a:schemeClr val="tx1"/>
+                </a:solidFill>
+                <a:latin typeface="+mn-lt"/>
+                <a:ea typeface="+mn-ea"/>
+                <a:cs typeface="+mn-cs"/>
+              </a:defRPr>
+            </a:lvl5pPr>
+            <a:lvl6pPr marL="2286000" algn="l" defTabSz="914400" rtl="0" eaLnBrk="1" latinLnBrk="0" hangingPunct="1">
+              <a:defRPr sz="1800" kern="1200">
+                <a:solidFill>
+                  <a:schemeClr val="tx1"/>
+                </a:solidFill>
+                <a:latin typeface="+mn-lt"/>
+                <a:ea typeface="+mn-ea"/>
+                <a:cs typeface="+mn-cs"/>
+              </a:defRPr>
+            </a:lvl6pPr>
+            <a:lvl7pPr marL="2743200" algn="l" defTabSz="914400" rtl="0" eaLnBrk="1" latinLnBrk="0" hangingPunct="1">
+              <a:defRPr sz="1800" kern="1200">
+                <a:solidFill>
+                  <a:schemeClr val="tx1"/>
+                </a:solidFill>
+                <a:latin typeface="+mn-lt"/>
+                <a:ea typeface="+mn-ea"/>
+                <a:cs typeface="+mn-cs"/>
+              </a:defRPr>
+            </a:lvl7pPr>
+            <a:lvl8pPr marL="3200400" algn="l" defTabSz="914400" rtl="0" eaLnBrk="1" latinLnBrk="0" hangingPunct="1">
+              <a:defRPr sz="1800" kern="1200">
+                <a:solidFill>
+                  <a:schemeClr val="tx1"/>
+                </a:solidFill>
+                <a:latin typeface="+mn-lt"/>
+                <a:ea typeface="+mn-ea"/>
+                <a:cs typeface="+mn-cs"/>
+              </a:defRPr>
+            </a:lvl8pPr>
+            <a:lvl9pPr marL="3657600" algn="l" defTabSz="914400" rtl="0" eaLnBrk="1" latinLnBrk="0" hangingPunct="1">
+              <a:defRPr sz="1800" kern="1200">
+                <a:solidFill>
+                  <a:schemeClr val="tx1"/>
+                </a:solidFill>
+                <a:latin typeface="+mn-lt"/>
+                <a:ea typeface="+mn-ea"/>
+                <a:cs typeface="+mn-cs"/>
+              </a:defRPr>
+            </a:lvl9pPr>
+          </a:lstStyle>
+          <a:p>
+            <a:pPr algn="ctr"/>
+            <a:fld id="{19BBE8A3-314A-4B6D-9019-9FDD4FC5871A}" type="slidenum">
+              <a:rPr lang="ru-RU" sz="3000" smtClean="0">
+                <a:solidFill>
+                  <a:schemeClr val="bg1"/>
+                </a:solidFill>
+                <a:latin typeface="Segoe UI Semibold" panose="020B0702040204020203" pitchFamily="34" charset="0"/>
+                <a:cs typeface="Segoe UI Semibold" panose="020B0702040204020203" pitchFamily="34" charset="0"/>
+              </a:rPr>
+              <a:t>12</a:t>
+            </a:fld>
+            <a:endParaRPr lang="ru-RU" sz="3000" dirty="0">
+              <a:solidFill>
+                <a:schemeClr val="bg1"/>
+              </a:solidFill>
+              <a:latin typeface="Segoe UI Semibold" panose="020B0702040204020203" pitchFamily="34" charset="0"/>
+              <a:cs typeface="Segoe UI Semibold" panose="020B0702040204020203" pitchFamily="34" charset="0"/>
+            </a:endParaRPr>
+          </a:p>
+        </p:txBody>
+      </p:sp>
+      <p:sp>
+        <p:nvSpPr>
+          <p:cNvPr id="4" name="Shape 113"/>
+          <p:cNvSpPr txBox="1">
+            <a:spLocks/>
+          </p:cNvSpPr>
+          <p:nvPr/>
+        </p:nvSpPr>
+        <p:spPr>
+          <a:xfrm>
+            <a:off x="638175" y="552451"/>
+            <a:ext cx="10506075" cy="542782"/>
+          </a:xfrm>
+          <a:prstGeom prst="rect">
+            <a:avLst/>
+          </a:prstGeom>
+        </p:spPr>
+        <p:txBody>
+          <a:bodyPr lIns="91425" tIns="91425" rIns="91425" bIns="91425" anchor="b" anchorCtr="0">
+            <a:noAutofit/>
+          </a:bodyPr>
+          <a:lstStyle>
+            <a:lvl1pPr algn="l" defTabSz="914400" rtl="0" eaLnBrk="1" latinLnBrk="0" hangingPunct="1">
+              <a:lnSpc>
+                <a:spcPct val="90000"/>
+              </a:lnSpc>
+              <a:spcBef>
+                <a:spcPct val="0"/>
+              </a:spcBef>
+              <a:buNone/>
+              <a:defRPr sz="4400" kern="1200">
+                <a:solidFill>
+                  <a:schemeClr val="tx1"/>
+                </a:solidFill>
+                <a:latin typeface="+mj-lt"/>
+                <a:ea typeface="+mj-ea"/>
+                <a:cs typeface="+mj-cs"/>
+              </a:defRPr>
+            </a:lvl1pPr>
+          </a:lstStyle>
+          <a:p>
+            <a:pPr>
+              <a:spcBef>
+                <a:spcPts val="0"/>
+              </a:spcBef>
+            </a:pPr>
+            <a:r>
+              <a:rPr lang="uk-UA" sz="3000" dirty="0">
+                <a:solidFill>
+                  <a:srgbClr val="FFFFFF"/>
+                </a:solidFill>
+                <a:latin typeface="Segoe UI Semibold" panose="020B0702040204020203" pitchFamily="34" charset="0"/>
+                <a:cs typeface="Segoe UI Semibold" panose="020B0702040204020203" pitchFamily="34" charset="0"/>
+              </a:rPr>
+              <a:t>ЗАГОЛОВОК СЛАЙДУ</a:t>
+            </a:r>
+            <a:endParaRPr lang="en" sz="3000" dirty="0">
+              <a:solidFill>
+                <a:srgbClr val="FFFFFF"/>
+              </a:solidFill>
+              <a:latin typeface="Segoe UI Semibold" panose="020B0702040204020203" pitchFamily="34" charset="0"/>
+              <a:cs typeface="Segoe UI Semibold" panose="020B0702040204020203" pitchFamily="34" charset="0"/>
+            </a:endParaRPr>
+          </a:p>
+        </p:txBody>
+      </p:sp>
+      <p:sp>
+        <p:nvSpPr>
+          <p:cNvPr id="5" name="Shape 114"/>
+          <p:cNvSpPr txBox="1">
+            <a:spLocks/>
+          </p:cNvSpPr>
+          <p:nvPr/>
+        </p:nvSpPr>
+        <p:spPr>
+          <a:xfrm>
+            <a:off x="655637" y="1851815"/>
+            <a:ext cx="11202987" cy="4444210"/>
+          </a:xfrm>
+          <a:prstGeom prst="rect">
+            <a:avLst/>
+          </a:prstGeom>
+        </p:spPr>
+        <p:txBody>
+          <a:bodyPr lIns="91425" tIns="91425" rIns="91425" bIns="91425" anchor="t" anchorCtr="0">
+            <a:noAutofit/>
+          </a:bodyPr>
+          <a:lstStyle>
+            <a:lvl1pPr marL="228600" indent="-228600" algn="l" defTabSz="914400" rtl="0" eaLnBrk="1" latinLnBrk="0" hangingPunct="1">
+              <a:lnSpc>
+                <a:spcPct val="90000"/>
+              </a:lnSpc>
+              <a:spcBef>
+                <a:spcPts val="1000"/>
+              </a:spcBef>
+              <a:buFont typeface="Arial" panose="020B0604020202020204" pitchFamily="34" charset="0"/>
+              <a:buChar char="•"/>
+              <a:defRPr sz="2800" kern="1200">
+                <a:solidFill>
+                  <a:schemeClr val="tx1"/>
+                </a:solidFill>
+                <a:latin typeface="+mn-lt"/>
+                <a:ea typeface="+mn-ea"/>
+                <a:cs typeface="+mn-cs"/>
+              </a:defRPr>
+            </a:lvl1pPr>
+            <a:lvl2pPr marL="685800" indent="-228600" algn="l" defTabSz="914400" rtl="0" eaLnBrk="1" latinLnBrk="0" hangingPunct="1">
+              <a:lnSpc>
+                <a:spcPct val="90000"/>
+              </a:lnSpc>
+              <a:spcBef>
+                <a:spcPts val="500"/>
+              </a:spcBef>
+              <a:buFont typeface="Arial" panose="020B0604020202020204" pitchFamily="34" charset="0"/>
+              <a:buChar char="•"/>
+              <a:defRPr sz="2400" kern="1200">
+                <a:solidFill>
+                  <a:schemeClr val="tx1"/>
+                </a:solidFill>
+                <a:latin typeface="+mn-lt"/>
+                <a:ea typeface="+mn-ea"/>
+                <a:cs typeface="+mn-cs"/>
+              </a:defRPr>
+            </a:lvl2pPr>
+            <a:lvl3pPr marL="1143000" indent="-228600" algn="l" defTabSz="914400" rtl="0" eaLnBrk="1" latinLnBrk="0" hangingPunct="1">
+              <a:lnSpc>
+                <a:spcPct val="90000"/>
+              </a:lnSpc>
+              <a:spcBef>
+                <a:spcPts val="500"/>
+              </a:spcBef>
+              <a:buFont typeface="Arial" panose="020B0604020202020204" pitchFamily="34" charset="0"/>
+              <a:buChar char="•"/>
+              <a:defRPr sz="2000" kern="1200">
+                <a:solidFill>
+                  <a:schemeClr val="tx1"/>
+                </a:solidFill>
+                <a:latin typeface="+mn-lt"/>
+                <a:ea typeface="+mn-ea"/>
+                <a:cs typeface="+mn-cs"/>
+              </a:defRPr>
+            </a:lvl3pPr>
+            <a:lvl4pPr marL="1600200" indent="-228600" algn="l" defTabSz="914400" rtl="0" eaLnBrk="1" latinLnBrk="0" hangingPunct="1">
+              <a:lnSpc>
+                <a:spcPct val="90000"/>
+              </a:lnSpc>
+              <a:spcBef>
+                <a:spcPts val="500"/>
+              </a:spcBef>
+              <a:buFont typeface="Arial" panose="020B0604020202020204" pitchFamily="34" charset="0"/>
+              <a:buChar char="•"/>
+              <a:defRPr sz="1800" kern="1200">
+                <a:solidFill>
+                  <a:schemeClr val="tx1"/>
+                </a:solidFill>
+                <a:latin typeface="+mn-lt"/>
+                <a:ea typeface="+mn-ea"/>
+                <a:cs typeface="+mn-cs"/>
+              </a:defRPr>
+            </a:lvl4pPr>
+            <a:lvl5pPr marL="2057400" indent="-228600" algn="l" defTabSz="914400" rtl="0" eaLnBrk="1" latinLnBrk="0" hangingPunct="1">
+              <a:lnSpc>
+                <a:spcPct val="90000"/>
+              </a:lnSpc>
+              <a:spcBef>
+                <a:spcPts val="500"/>
+              </a:spcBef>
+              <a:buFont typeface="Arial" panose="020B0604020202020204" pitchFamily="34" charset="0"/>
+              <a:buChar char="•"/>
+              <a:defRPr sz="1800" kern="1200">
+                <a:solidFill>
+                  <a:schemeClr val="tx1"/>
+                </a:solidFill>
+                <a:latin typeface="+mn-lt"/>
+                <a:ea typeface="+mn-ea"/>
+                <a:cs typeface="+mn-cs"/>
+              </a:defRPr>
+            </a:lvl5pPr>
+            <a:lvl6pPr marL="2514600" indent="-228600" algn="l" defTabSz="914400" rtl="0" eaLnBrk="1" latinLnBrk="0" hangingPunct="1">
+              <a:lnSpc>
+                <a:spcPct val="90000"/>
+              </a:lnSpc>
+              <a:spcBef>
+                <a:spcPts val="500"/>
+              </a:spcBef>
+              <a:buFont typeface="Arial" panose="020B0604020202020204" pitchFamily="34" charset="0"/>
+              <a:buChar char="•"/>
+              <a:defRPr sz="1800" kern="1200">
+                <a:solidFill>
+                  <a:schemeClr val="tx1"/>
+                </a:solidFill>
+                <a:latin typeface="+mn-lt"/>
+                <a:ea typeface="+mn-ea"/>
+                <a:cs typeface="+mn-cs"/>
+              </a:defRPr>
+            </a:lvl6pPr>
+            <a:lvl7pPr marL="2971800" indent="-228600" algn="l" defTabSz="914400" rtl="0" eaLnBrk="1" latinLnBrk="0" hangingPunct="1">
+              <a:lnSpc>
+                <a:spcPct val="90000"/>
+              </a:lnSpc>
+              <a:spcBef>
+                <a:spcPts val="500"/>
+              </a:spcBef>
+              <a:buFont typeface="Arial" panose="020B0604020202020204" pitchFamily="34" charset="0"/>
+              <a:buChar char="•"/>
+              <a:defRPr sz="1800" kern="1200">
+                <a:solidFill>
+                  <a:schemeClr val="tx1"/>
+                </a:solidFill>
+                <a:latin typeface="+mn-lt"/>
+                <a:ea typeface="+mn-ea"/>
+                <a:cs typeface="+mn-cs"/>
+              </a:defRPr>
+            </a:lvl7pPr>
+            <a:lvl8pPr marL="3429000" indent="-228600" algn="l" defTabSz="914400" rtl="0" eaLnBrk="1" latinLnBrk="0" hangingPunct="1">
+              <a:lnSpc>
+                <a:spcPct val="90000"/>
+              </a:lnSpc>
+              <a:spcBef>
+                <a:spcPts val="500"/>
+              </a:spcBef>
+              <a:buFont typeface="Arial" panose="020B0604020202020204" pitchFamily="34" charset="0"/>
+              <a:buChar char="•"/>
+              <a:defRPr sz="1800" kern="1200">
+                <a:solidFill>
+                  <a:schemeClr val="tx1"/>
+                </a:solidFill>
+                <a:latin typeface="+mn-lt"/>
+                <a:ea typeface="+mn-ea"/>
+                <a:cs typeface="+mn-cs"/>
+              </a:defRPr>
+            </a:lvl8pPr>
+            <a:lvl9pPr marL="3886200" indent="-228600" algn="l" defTabSz="914400" rtl="0" eaLnBrk="1" latinLnBrk="0" hangingPunct="1">
+              <a:lnSpc>
+                <a:spcPct val="90000"/>
+              </a:lnSpc>
+              <a:spcBef>
+                <a:spcPts val="500"/>
+              </a:spcBef>
+              <a:buFont typeface="Arial" panose="020B0604020202020204" pitchFamily="34" charset="0"/>
+              <a:buChar char="•"/>
+              <a:defRPr sz="1800" kern="1200">
+                <a:solidFill>
+                  <a:schemeClr val="tx1"/>
+                </a:solidFill>
+                <a:latin typeface="+mn-lt"/>
+                <a:ea typeface="+mn-ea"/>
+                <a:cs typeface="+mn-cs"/>
+              </a:defRPr>
+            </a:lvl9pPr>
+          </a:lstStyle>
+          <a:p>
+            <a:pPr marL="0" indent="0">
+              <a:lnSpc>
+                <a:spcPct val="150000"/>
+              </a:lnSpc>
+              <a:spcBef>
+                <a:spcPts val="0"/>
+              </a:spcBef>
+              <a:buNone/>
+            </a:pPr>
+            <a:r>
+              <a:rPr lang="uk-UA" dirty="0">
+                <a:solidFill>
+                  <a:srgbClr val="1D1D1D"/>
+                </a:solidFill>
+                <a:latin typeface="Segoe UI Light" panose="020B0502040204020203" pitchFamily="34" charset="0"/>
+                <a:cs typeface="Segoe UI Light" panose="020B0502040204020203" pitchFamily="34" charset="0"/>
+              </a:rPr>
+              <a:t>Тут Ви маєте:</a:t>
+            </a:r>
+          </a:p>
+          <a:p>
+            <a:pPr marL="361950" indent="-361950">
+              <a:lnSpc>
+                <a:spcPct val="150000"/>
+              </a:lnSpc>
+              <a:spcBef>
+                <a:spcPts val="0"/>
+              </a:spcBef>
+              <a:buSzPct val="75000"/>
+            </a:pPr>
+            <a:r>
+              <a:rPr lang="uk-UA" dirty="0">
+                <a:solidFill>
+                  <a:srgbClr val="1D1D1D"/>
+                </a:solidFill>
+                <a:latin typeface="Segoe UI Light" panose="020B0502040204020203" pitchFamily="34" charset="0"/>
+                <a:cs typeface="Segoe UI Light" panose="020B0502040204020203" pitchFamily="34" charset="0"/>
+              </a:rPr>
+              <a:t>перелік пунктів;</a:t>
+            </a:r>
+          </a:p>
+          <a:p>
+            <a:pPr marL="361950" indent="-361950">
+              <a:lnSpc>
+                <a:spcPct val="150000"/>
+              </a:lnSpc>
+              <a:spcBef>
+                <a:spcPts val="0"/>
+              </a:spcBef>
+              <a:buSzPct val="75000"/>
+            </a:pPr>
+            <a:r>
+              <a:rPr lang="uk-UA" dirty="0">
+                <a:solidFill>
+                  <a:srgbClr val="1D1D1D"/>
+                </a:solidFill>
+                <a:latin typeface="Segoe UI Light" panose="020B0502040204020203" pitchFamily="34" charset="0"/>
+                <a:cs typeface="Segoe UI Light" panose="020B0502040204020203" pitchFamily="34" charset="0"/>
+              </a:rPr>
+              <a:t>деякий текст;</a:t>
+            </a:r>
+            <a:endParaRPr lang="en" dirty="0">
+              <a:solidFill>
+                <a:srgbClr val="1D1D1D"/>
+              </a:solidFill>
+              <a:latin typeface="Segoe UI Light" panose="020B0502040204020203" pitchFamily="34" charset="0"/>
+              <a:cs typeface="Segoe UI Light" panose="020B0502040204020203" pitchFamily="34" charset="0"/>
+            </a:endParaRPr>
+          </a:p>
+          <a:p>
+            <a:pPr marL="361950" indent="-361950">
+              <a:lnSpc>
+                <a:spcPct val="150000"/>
+              </a:lnSpc>
+              <a:spcBef>
+                <a:spcPts val="0"/>
+              </a:spcBef>
+              <a:buSzPct val="75000"/>
+            </a:pPr>
+            <a:r>
+              <a:rPr lang="uk-UA" dirty="0">
+                <a:solidFill>
+                  <a:srgbClr val="1D1D1D"/>
+                </a:solidFill>
+                <a:latin typeface="Segoe UI Light" panose="020B0502040204020203" pitchFamily="34" charset="0"/>
+                <a:cs typeface="Segoe UI Light" panose="020B0502040204020203" pitchFamily="34" charset="0"/>
+              </a:rPr>
+              <a:t>пам’ятайте, не перевантажуйте слайди вмістом.</a:t>
+            </a:r>
+            <a:endParaRPr lang="en" dirty="0">
+              <a:solidFill>
+                <a:srgbClr val="1D1D1D"/>
+              </a:solidFill>
+              <a:latin typeface="Segoe UI Light" panose="020B0502040204020203" pitchFamily="34" charset="0"/>
+              <a:cs typeface="Segoe UI Light" panose="020B0502040204020203" pitchFamily="34" charset="0"/>
+            </a:endParaRPr>
+          </a:p>
+          <a:p>
+            <a:pPr marL="0" indent="0">
+              <a:lnSpc>
+                <a:spcPct val="150000"/>
+              </a:lnSpc>
+              <a:spcBef>
+                <a:spcPts val="0"/>
+              </a:spcBef>
+              <a:buFont typeface="Arial" panose="020B0604020202020204" pitchFamily="34" charset="0"/>
+              <a:buNone/>
+            </a:pPr>
+            <a:r>
+              <a:rPr lang="uk-UA" dirty="0">
+                <a:solidFill>
+                  <a:srgbClr val="1D1D1D"/>
+                </a:solidFill>
+                <a:latin typeface="Segoe UI Light" panose="020B0502040204020203" pitchFamily="34" charset="0"/>
+                <a:cs typeface="Segoe UI Light" panose="020B0502040204020203" pitchFamily="34" charset="0"/>
+              </a:rPr>
+              <a:t>Ваша аудиторія буде читати вміст або слухати Вас, але не те й інше водночас.</a:t>
+            </a:r>
+            <a:endParaRPr lang="en" dirty="0">
+              <a:solidFill>
+                <a:srgbClr val="1D1D1D"/>
+              </a:solidFill>
+              <a:latin typeface="Segoe UI Light" panose="020B0502040204020203" pitchFamily="34" charset="0"/>
+              <a:cs typeface="Segoe UI Light" panose="020B0502040204020203" pitchFamily="34" charset="0"/>
+            </a:endParaRPr>
+          </a:p>
+        </p:txBody>
+      </p:sp>
+      <p:pic>
+        <p:nvPicPr>
+          <p:cNvPr id="7" name="Рисунок 6"/>
+          <p:cNvPicPr>
+            <a:picLocks noChangeAspect="1"/>
+          </p:cNvPicPr>
+          <p:nvPr/>
+        </p:nvPicPr>
+        <p:blipFill>
+          <a:blip r:embed="rId4" cstate="print">
+            <a:extLst>
+              <a:ext uri="{28A0092B-C50C-407E-A947-70E740481C1C}">
+                <a14:useLocalDpi xmlns:a14="http://schemas.microsoft.com/office/drawing/2010/main" val="0"/>
+              </a:ext>
+            </a:extLst>
+          </a:blip>
+          <a:stretch>
+            <a:fillRect/>
+          </a:stretch>
+        </p:blipFill>
+        <p:spPr>
+          <a:xfrm>
+            <a:off x="10469538" y="5762416"/>
+            <a:ext cx="1383795" cy="548641"/>
+          </a:xfrm>
+          <a:prstGeom prst="rect">
+            <a:avLst/>
+          </a:prstGeom>
+        </p:spPr>
+      </p:pic>
+    </p:spTree>
+    <p:extLst>
+      <p:ext uri="{BB962C8B-B14F-4D97-AF65-F5344CB8AC3E}">
+        <p14:creationId xmlns:p14="http://schemas.microsoft.com/office/powerpoint/2010/main" val="905739917"/>
+      </p:ext>
+    </p:extLst>
+  </p:cSld>
+  <p:clrMapOvr>
+    <a:masterClrMapping/>
+  </p:clrMapOvr>
+</p:sld>
+</file>
+
+<file path=ppt/slides/slide13.xml><?xml version="1.0" encoding="utf-8"?>
+<p:sld xmlns:a="http://schemas.openxmlformats.org/drawingml/2006/main" xmlns:r="http://schemas.openxmlformats.org/officeDocument/2006/relationships" xmlns:p="http://schemas.openxmlformats.org/presentationml/2006/main">
+  <p:cSld>
+    <p:bg>
+      <p:bgPr>
+        <a:blipFill dpi="0" rotWithShape="1">
+          <a:blip r:embed="rId3">
+            <a:lum/>
+          </a:blip>
+          <a:srcRect/>
+          <a:stretch>
+            <a:fillRect/>
+          </a:stretch>
+        </a:blipFill>
+        <a:effectLst/>
+      </p:bgPr>
+    </p:bg>
+    <p:spTree>
+      <p:nvGrpSpPr>
+        <p:cNvPr id="1" name=""/>
+        <p:cNvGrpSpPr/>
+        <p:nvPr/>
+      </p:nvGrpSpPr>
+      <p:grpSpPr>
+        <a:xfrm>
+          <a:off x="0" y="0"/>
+          <a:ext cx="0" cy="0"/>
+          <a:chOff x="0" y="0"/>
+          <a:chExt cx="0" cy="0"/>
+        </a:xfrm>
+      </p:grpSpPr>
+      <p:sp>
+        <p:nvSpPr>
+          <p:cNvPr id="2" name="Заголовок 1"/>
+          <p:cNvSpPr>
+            <a:spLocks noGrp="1"/>
+          </p:cNvSpPr>
+          <p:nvPr>
+            <p:ph type="title"/>
+          </p:nvPr>
+        </p:nvSpPr>
+        <p:spPr>
+          <a:xfrm>
+            <a:off x="629266" y="1641987"/>
+            <a:ext cx="1484670" cy="1455173"/>
+          </a:xfrm>
+        </p:spPr>
+        <p:txBody>
+          <a:bodyPr>
+            <a:noAutofit/>
+          </a:bodyPr>
+          <a:lstStyle/>
+          <a:p>
+            <a:pPr algn="ctr"/>
+            <a:r>
+              <a:rPr lang="en-US" sz="10000" dirty="0">
+                <a:solidFill>
+                  <a:srgbClr val="FFFFFF"/>
+                </a:solidFill>
+                <a:latin typeface="Segoe UI Semibold" panose="020B0702040204020203" pitchFamily="34" charset="0"/>
+                <a:cs typeface="Segoe UI Semibold" panose="020B0702040204020203" pitchFamily="34" charset="0"/>
+              </a:rPr>
+              <a:t>2</a:t>
+            </a:r>
+            <a:r>
+              <a:rPr lang="uk-UA" sz="10000" dirty="0">
+                <a:solidFill>
+                  <a:srgbClr val="FFFFFF"/>
+                </a:solidFill>
+                <a:latin typeface="Segoe UI Semibold" panose="020B0702040204020203" pitchFamily="34" charset="0"/>
+                <a:cs typeface="Segoe UI Semibold" panose="020B0702040204020203" pitchFamily="34" charset="0"/>
+              </a:rPr>
+              <a:t>.</a:t>
+            </a:r>
+            <a:endParaRPr lang="ru-RU" sz="10000" dirty="0">
+              <a:solidFill>
+                <a:srgbClr val="FFFFFF"/>
+              </a:solidFill>
+              <a:latin typeface="Segoe UI Semibold" panose="020B0702040204020203" pitchFamily="34" charset="0"/>
+              <a:cs typeface="Segoe UI Semibold" panose="020B0702040204020203" pitchFamily="34" charset="0"/>
+            </a:endParaRPr>
+          </a:p>
+        </p:txBody>
+      </p:sp>
+      <p:sp>
+        <p:nvSpPr>
+          <p:cNvPr id="3" name="Номер слайда 2"/>
+          <p:cNvSpPr>
+            <a:spLocks noGrp="1"/>
+          </p:cNvSpPr>
+          <p:nvPr>
+            <p:ph type="sldNum" sz="quarter" idx="12"/>
+          </p:nvPr>
+        </p:nvSpPr>
+        <p:spPr>
+          <a:xfrm>
+            <a:off x="11269639" y="399197"/>
+            <a:ext cx="692624" cy="696035"/>
+          </a:xfrm>
+        </p:spPr>
+        <p:txBody>
+          <a:bodyPr/>
+          <a:lstStyle/>
+          <a:p>
+            <a:pPr algn="ctr"/>
+            <a:fld id="{6EDC0CA3-7E3A-45E6-9475-D96C252551EF}" type="slidenum">
+              <a:rPr lang="ru-RU" sz="3000" smtClean="0">
+                <a:solidFill>
+                  <a:schemeClr val="bg1"/>
+                </a:solidFill>
+                <a:latin typeface="Segoe UI Semibold" panose="020B0702040204020203" pitchFamily="34" charset="0"/>
+                <a:cs typeface="Segoe UI Semibold" panose="020B0702040204020203" pitchFamily="34" charset="0"/>
+              </a:rPr>
+              <a:pPr algn="ctr"/>
+              <a:t>13</a:t>
+            </a:fld>
+            <a:endParaRPr lang="ru-RU" sz="3000" dirty="0">
+              <a:solidFill>
+                <a:schemeClr val="bg1"/>
+              </a:solidFill>
+              <a:latin typeface="Segoe UI Semibold" panose="020B0702040204020203" pitchFamily="34" charset="0"/>
+              <a:cs typeface="Segoe UI Semibold" panose="020B0702040204020203" pitchFamily="34" charset="0"/>
+            </a:endParaRPr>
+          </a:p>
+        </p:txBody>
+      </p:sp>
+      <p:sp>
+        <p:nvSpPr>
+          <p:cNvPr id="4" name="Shape 99"/>
+          <p:cNvSpPr txBox="1">
+            <a:spLocks/>
+          </p:cNvSpPr>
+          <p:nvPr/>
+        </p:nvSpPr>
+        <p:spPr>
+          <a:xfrm>
+            <a:off x="963900" y="3974125"/>
+            <a:ext cx="10904250" cy="2320228"/>
+          </a:xfrm>
+          <a:prstGeom prst="rect">
+            <a:avLst/>
+          </a:prstGeom>
+        </p:spPr>
+        <p:txBody>
+          <a:bodyPr vert="horz" lIns="91425" tIns="91425" rIns="91425" bIns="91425" rtlCol="0" anchor="t" anchorCtr="0">
+            <a:noAutofit/>
+          </a:bodyPr>
+          <a:lstStyle>
+            <a:lvl1pPr algn="l" defTabSz="914400" rtl="0" eaLnBrk="1" latinLnBrk="0" hangingPunct="1">
+              <a:lnSpc>
+                <a:spcPct val="90000"/>
+              </a:lnSpc>
+              <a:spcBef>
+                <a:spcPct val="0"/>
+              </a:spcBef>
+              <a:buNone/>
+              <a:defRPr sz="4400" kern="1200">
+                <a:solidFill>
+                  <a:schemeClr val="tx1"/>
+                </a:solidFill>
+                <a:latin typeface="+mj-lt"/>
+                <a:ea typeface="+mj-ea"/>
+                <a:cs typeface="+mj-cs"/>
+              </a:defRPr>
+            </a:lvl1pPr>
+          </a:lstStyle>
+          <a:p>
+            <a:pPr>
+              <a:spcBef>
+                <a:spcPts val="0"/>
+              </a:spcBef>
+            </a:pPr>
+            <a:r>
+              <a:rPr lang="en-US" sz="6000" dirty="0">
+                <a:solidFill>
+                  <a:srgbClr val="0E6BB3"/>
+                </a:solidFill>
+                <a:latin typeface="Segoe UI Semibold" panose="020B0702040204020203" pitchFamily="34" charset="0"/>
+                <a:cs typeface="Segoe UI Semibold" panose="020B0702040204020203" pitchFamily="34" charset="0"/>
+              </a:rPr>
+              <a:t>Submodules</a:t>
+            </a:r>
+            <a:endParaRPr lang="en" sz="6000" dirty="0">
+              <a:solidFill>
+                <a:srgbClr val="0E6BB3"/>
+              </a:solidFill>
+              <a:latin typeface="Segoe UI Semibold" panose="020B0702040204020203" pitchFamily="34" charset="0"/>
+              <a:cs typeface="Segoe UI Semibold" panose="020B0702040204020203" pitchFamily="34" charset="0"/>
+            </a:endParaRPr>
+          </a:p>
+        </p:txBody>
+      </p:sp>
+      <p:sp>
+        <p:nvSpPr>
+          <p:cNvPr id="5" name="Shape 100"/>
+          <p:cNvSpPr txBox="1">
+            <a:spLocks/>
+          </p:cNvSpPr>
+          <p:nvPr/>
+        </p:nvSpPr>
+        <p:spPr>
+          <a:xfrm>
+            <a:off x="963900" y="4867275"/>
+            <a:ext cx="10904250" cy="1427077"/>
+          </a:xfrm>
+          <a:prstGeom prst="rect">
+            <a:avLst/>
+          </a:prstGeom>
+        </p:spPr>
+        <p:txBody>
+          <a:bodyPr lIns="91425" tIns="91425" rIns="91425" bIns="91425" anchor="t" anchorCtr="0">
+            <a:noAutofit/>
+          </a:bodyPr>
+          <a:lstStyle>
+            <a:lvl1pPr marL="228600" indent="-228600" algn="l" defTabSz="914400" rtl="0" eaLnBrk="1" latinLnBrk="0" hangingPunct="1">
+              <a:lnSpc>
+                <a:spcPct val="90000"/>
+              </a:lnSpc>
+              <a:spcBef>
+                <a:spcPts val="1000"/>
+              </a:spcBef>
+              <a:buFont typeface="Arial" panose="020B0604020202020204" pitchFamily="34" charset="0"/>
+              <a:buChar char="•"/>
+              <a:defRPr sz="2800" kern="1200">
+                <a:solidFill>
+                  <a:schemeClr val="tx1"/>
+                </a:solidFill>
+                <a:latin typeface="+mn-lt"/>
+                <a:ea typeface="+mn-ea"/>
+                <a:cs typeface="+mn-cs"/>
+              </a:defRPr>
+            </a:lvl1pPr>
+            <a:lvl2pPr marL="685800" indent="-228600" algn="l" defTabSz="914400" rtl="0" eaLnBrk="1" latinLnBrk="0" hangingPunct="1">
+              <a:lnSpc>
+                <a:spcPct val="90000"/>
+              </a:lnSpc>
+              <a:spcBef>
+                <a:spcPts val="500"/>
+              </a:spcBef>
+              <a:buFont typeface="Arial" panose="020B0604020202020204" pitchFamily="34" charset="0"/>
+              <a:buChar char="•"/>
+              <a:defRPr sz="2400" kern="1200">
+                <a:solidFill>
+                  <a:schemeClr val="tx1"/>
+                </a:solidFill>
+                <a:latin typeface="+mn-lt"/>
+                <a:ea typeface="+mn-ea"/>
+                <a:cs typeface="+mn-cs"/>
+              </a:defRPr>
+            </a:lvl2pPr>
+            <a:lvl3pPr marL="1143000" indent="-228600" algn="l" defTabSz="914400" rtl="0" eaLnBrk="1" latinLnBrk="0" hangingPunct="1">
+              <a:lnSpc>
+                <a:spcPct val="90000"/>
+              </a:lnSpc>
+              <a:spcBef>
+                <a:spcPts val="500"/>
+              </a:spcBef>
+              <a:buFont typeface="Arial" panose="020B0604020202020204" pitchFamily="34" charset="0"/>
+              <a:buChar char="•"/>
+              <a:defRPr sz="2000" kern="1200">
+                <a:solidFill>
+                  <a:schemeClr val="tx1"/>
+                </a:solidFill>
+                <a:latin typeface="+mn-lt"/>
+                <a:ea typeface="+mn-ea"/>
+                <a:cs typeface="+mn-cs"/>
+              </a:defRPr>
+            </a:lvl3pPr>
+            <a:lvl4pPr marL="1600200" indent="-228600" algn="l" defTabSz="914400" rtl="0" eaLnBrk="1" latinLnBrk="0" hangingPunct="1">
+              <a:lnSpc>
+                <a:spcPct val="90000"/>
+              </a:lnSpc>
+              <a:spcBef>
+                <a:spcPts val="500"/>
+              </a:spcBef>
+              <a:buFont typeface="Arial" panose="020B0604020202020204" pitchFamily="34" charset="0"/>
+              <a:buChar char="•"/>
+              <a:defRPr sz="1800" kern="1200">
+                <a:solidFill>
+                  <a:schemeClr val="tx1"/>
+                </a:solidFill>
+                <a:latin typeface="+mn-lt"/>
+                <a:ea typeface="+mn-ea"/>
+                <a:cs typeface="+mn-cs"/>
+              </a:defRPr>
+            </a:lvl4pPr>
+            <a:lvl5pPr marL="2057400" indent="-228600" algn="l" defTabSz="914400" rtl="0" eaLnBrk="1" latinLnBrk="0" hangingPunct="1">
+              <a:lnSpc>
+                <a:spcPct val="90000"/>
+              </a:lnSpc>
+              <a:spcBef>
+                <a:spcPts val="500"/>
+              </a:spcBef>
+              <a:buFont typeface="Arial" panose="020B0604020202020204" pitchFamily="34" charset="0"/>
+              <a:buChar char="•"/>
+              <a:defRPr sz="1800" kern="1200">
+                <a:solidFill>
+                  <a:schemeClr val="tx1"/>
+                </a:solidFill>
+                <a:latin typeface="+mn-lt"/>
+                <a:ea typeface="+mn-ea"/>
+                <a:cs typeface="+mn-cs"/>
+              </a:defRPr>
+            </a:lvl5pPr>
+            <a:lvl6pPr marL="2514600" indent="-228600" algn="l" defTabSz="914400" rtl="0" eaLnBrk="1" latinLnBrk="0" hangingPunct="1">
+              <a:lnSpc>
+                <a:spcPct val="90000"/>
+              </a:lnSpc>
+              <a:spcBef>
+                <a:spcPts val="500"/>
+              </a:spcBef>
+              <a:buFont typeface="Arial" panose="020B0604020202020204" pitchFamily="34" charset="0"/>
+              <a:buChar char="•"/>
+              <a:defRPr sz="1800" kern="1200">
+                <a:solidFill>
+                  <a:schemeClr val="tx1"/>
+                </a:solidFill>
+                <a:latin typeface="+mn-lt"/>
+                <a:ea typeface="+mn-ea"/>
+                <a:cs typeface="+mn-cs"/>
+              </a:defRPr>
+            </a:lvl6pPr>
+            <a:lvl7pPr marL="2971800" indent="-228600" algn="l" defTabSz="914400" rtl="0" eaLnBrk="1" latinLnBrk="0" hangingPunct="1">
+              <a:lnSpc>
+                <a:spcPct val="90000"/>
+              </a:lnSpc>
+              <a:spcBef>
+                <a:spcPts val="500"/>
+              </a:spcBef>
+              <a:buFont typeface="Arial" panose="020B0604020202020204" pitchFamily="34" charset="0"/>
+              <a:buChar char="•"/>
+              <a:defRPr sz="1800" kern="1200">
+                <a:solidFill>
+                  <a:schemeClr val="tx1"/>
+                </a:solidFill>
+                <a:latin typeface="+mn-lt"/>
+                <a:ea typeface="+mn-ea"/>
+                <a:cs typeface="+mn-cs"/>
+              </a:defRPr>
+            </a:lvl7pPr>
+            <a:lvl8pPr marL="3429000" indent="-228600" algn="l" defTabSz="914400" rtl="0" eaLnBrk="1" latinLnBrk="0" hangingPunct="1">
+              <a:lnSpc>
+                <a:spcPct val="90000"/>
+              </a:lnSpc>
+              <a:spcBef>
+                <a:spcPts val="500"/>
+              </a:spcBef>
+              <a:buFont typeface="Arial" panose="020B0604020202020204" pitchFamily="34" charset="0"/>
+              <a:buChar char="•"/>
+              <a:defRPr sz="1800" kern="1200">
+                <a:solidFill>
+                  <a:schemeClr val="tx1"/>
+                </a:solidFill>
+                <a:latin typeface="+mn-lt"/>
+                <a:ea typeface="+mn-ea"/>
+                <a:cs typeface="+mn-cs"/>
+              </a:defRPr>
+            </a:lvl8pPr>
+            <a:lvl9pPr marL="3886200" indent="-228600" algn="l" defTabSz="914400" rtl="0" eaLnBrk="1" latinLnBrk="0" hangingPunct="1">
+              <a:lnSpc>
+                <a:spcPct val="90000"/>
+              </a:lnSpc>
+              <a:spcBef>
+                <a:spcPts val="500"/>
+              </a:spcBef>
+              <a:buFont typeface="Arial" panose="020B0604020202020204" pitchFamily="34" charset="0"/>
+              <a:buChar char="•"/>
+              <a:defRPr sz="1800" kern="1200">
+                <a:solidFill>
+                  <a:schemeClr val="tx1"/>
+                </a:solidFill>
+                <a:latin typeface="+mn-lt"/>
+                <a:ea typeface="+mn-ea"/>
+                <a:cs typeface="+mn-cs"/>
+              </a:defRPr>
+            </a:lvl9pPr>
+          </a:lstStyle>
+          <a:p>
+            <a:pPr>
+              <a:spcBef>
+                <a:spcPts val="0"/>
+              </a:spcBef>
+              <a:buNone/>
+            </a:pPr>
+            <a:r>
+              <a:rPr lang="en-US" sz="3000" dirty="0" err="1">
+                <a:solidFill>
+                  <a:srgbClr val="1D1D1D"/>
+                </a:solidFill>
+                <a:latin typeface="Segoe UI Semilight" panose="020B0402040204020203" pitchFamily="34" charset="0"/>
+                <a:cs typeface="Segoe UI Semilight" panose="020B0402040204020203" pitchFamily="34" charset="0"/>
+              </a:rPr>
+              <a:t>Vitalii</a:t>
+            </a:r>
+            <a:r>
+              <a:rPr lang="en-US" sz="3000" dirty="0">
+                <a:solidFill>
+                  <a:srgbClr val="1D1D1D"/>
+                </a:solidFill>
+                <a:latin typeface="Segoe UI Semilight" panose="020B0402040204020203" pitchFamily="34" charset="0"/>
+                <a:cs typeface="Segoe UI Semilight" panose="020B0402040204020203" pitchFamily="34" charset="0"/>
+              </a:rPr>
+              <a:t> </a:t>
+            </a:r>
+            <a:r>
+              <a:rPr lang="en-US" sz="3000" dirty="0" err="1">
+                <a:solidFill>
+                  <a:srgbClr val="1D1D1D"/>
+                </a:solidFill>
+                <a:latin typeface="Segoe UI Semilight" panose="020B0402040204020203" pitchFamily="34" charset="0"/>
+                <a:cs typeface="Segoe UI Semilight" panose="020B0402040204020203" pitchFamily="34" charset="0"/>
+              </a:rPr>
+              <a:t>Tolmachov</a:t>
+            </a:r>
+            <a:endParaRPr lang="en" sz="3000" dirty="0">
+              <a:solidFill>
+                <a:srgbClr val="1D1D1D"/>
+              </a:solidFill>
+              <a:latin typeface="Segoe UI Semilight" panose="020B0402040204020203" pitchFamily="34" charset="0"/>
+              <a:cs typeface="Segoe UI Semilight" panose="020B0402040204020203" pitchFamily="34" charset="0"/>
+            </a:endParaRPr>
+          </a:p>
+        </p:txBody>
+      </p:sp>
+      <p:pic>
+        <p:nvPicPr>
+          <p:cNvPr id="7" name="Рисунок 6"/>
+          <p:cNvPicPr>
+            <a:picLocks noChangeAspect="1"/>
+          </p:cNvPicPr>
+          <p:nvPr/>
+        </p:nvPicPr>
+        <p:blipFill>
+          <a:blip r:embed="rId4" cstate="print">
+            <a:extLst>
+              <a:ext uri="{28A0092B-C50C-407E-A947-70E740481C1C}">
+                <a14:useLocalDpi xmlns:a14="http://schemas.microsoft.com/office/drawing/2010/main" val="0"/>
+              </a:ext>
+            </a:extLst>
+          </a:blip>
+          <a:stretch>
+            <a:fillRect/>
+          </a:stretch>
+        </p:blipFill>
+        <p:spPr>
+          <a:xfrm>
+            <a:off x="10469538" y="5762416"/>
+            <a:ext cx="1383795" cy="548641"/>
+          </a:xfrm>
+          <a:prstGeom prst="rect">
+            <a:avLst/>
+          </a:prstGeom>
+        </p:spPr>
+      </p:pic>
+    </p:spTree>
+    <p:extLst>
+      <p:ext uri="{BB962C8B-B14F-4D97-AF65-F5344CB8AC3E}">
+        <p14:creationId xmlns:p14="http://schemas.microsoft.com/office/powerpoint/2010/main" val="3047688395"/>
+      </p:ext>
+    </p:extLst>
+  </p:cSld>
+  <p:clrMapOvr>
+    <a:masterClrMapping/>
+  </p:clrMapOvr>
+</p:sld>
+</file>
+
+<file path=ppt/slides/slide14.xml><?xml version="1.0" encoding="utf-8"?>
+<p:sld xmlns:a="http://schemas.openxmlformats.org/drawingml/2006/main" xmlns:r="http://schemas.openxmlformats.org/officeDocument/2006/relationships" xmlns:p="http://schemas.openxmlformats.org/presentationml/2006/main">
+  <p:cSld>
+    <p:bg>
+      <p:bgPr>
+        <a:blipFill dpi="0" rotWithShape="1">
+          <a:blip r:embed="rId3">
+            <a:lum/>
+          </a:blip>
+          <a:srcRect/>
+          <a:stretch>
+            <a:fillRect/>
+          </a:stretch>
+        </a:blipFill>
+        <a:effectLst/>
+      </p:bgPr>
+    </p:bg>
+    <p:spTree>
+      <p:nvGrpSpPr>
+        <p:cNvPr id="1" name=""/>
+        <p:cNvGrpSpPr/>
+        <p:nvPr/>
+      </p:nvGrpSpPr>
+      <p:grpSpPr>
+        <a:xfrm>
+          <a:off x="0" y="0"/>
+          <a:ext cx="0" cy="0"/>
+          <a:chOff x="0" y="0"/>
+          <a:chExt cx="0" cy="0"/>
+        </a:xfrm>
+      </p:grpSpPr>
+      <p:sp>
+        <p:nvSpPr>
+          <p:cNvPr id="3" name="Номер слайда 2"/>
+          <p:cNvSpPr txBox="1">
+            <a:spLocks/>
+          </p:cNvSpPr>
+          <p:nvPr/>
+        </p:nvSpPr>
+        <p:spPr>
+          <a:xfrm>
+            <a:off x="11269639" y="399197"/>
+            <a:ext cx="692624" cy="696035"/>
+          </a:xfrm>
+          <a:prstGeom prst="rect">
+            <a:avLst/>
+          </a:prstGeom>
+        </p:spPr>
+        <p:txBody>
+          <a:bodyPr vert="horz" lIns="91440" tIns="45720" rIns="91440" bIns="45720" rtlCol="0" anchor="ctr"/>
+          <a:lstStyle>
+            <a:defPPr>
+              <a:defRPr lang="ru-RU"/>
+            </a:defPPr>
+            <a:lvl1pPr marL="0" algn="r" defTabSz="914400" rtl="0" eaLnBrk="1" latinLnBrk="0" hangingPunct="1">
+              <a:defRPr sz="1200" kern="1200">
+                <a:solidFill>
+                  <a:schemeClr val="tx1">
+                    <a:tint val="75000"/>
+                  </a:schemeClr>
+                </a:solidFill>
+                <a:latin typeface="+mn-lt"/>
+                <a:ea typeface="+mn-ea"/>
+                <a:cs typeface="+mn-cs"/>
+              </a:defRPr>
+            </a:lvl1pPr>
+            <a:lvl2pPr marL="457200" algn="l" defTabSz="914400" rtl="0" eaLnBrk="1" latinLnBrk="0" hangingPunct="1">
+              <a:defRPr sz="1800" kern="1200">
+                <a:solidFill>
+                  <a:schemeClr val="tx1"/>
+                </a:solidFill>
+                <a:latin typeface="+mn-lt"/>
+                <a:ea typeface="+mn-ea"/>
+                <a:cs typeface="+mn-cs"/>
+              </a:defRPr>
+            </a:lvl2pPr>
+            <a:lvl3pPr marL="914400" algn="l" defTabSz="914400" rtl="0" eaLnBrk="1" latinLnBrk="0" hangingPunct="1">
+              <a:defRPr sz="1800" kern="1200">
+                <a:solidFill>
+                  <a:schemeClr val="tx1"/>
+                </a:solidFill>
+                <a:latin typeface="+mn-lt"/>
+                <a:ea typeface="+mn-ea"/>
+                <a:cs typeface="+mn-cs"/>
+              </a:defRPr>
+            </a:lvl3pPr>
+            <a:lvl4pPr marL="1371600" algn="l" defTabSz="914400" rtl="0" eaLnBrk="1" latinLnBrk="0" hangingPunct="1">
+              <a:defRPr sz="1800" kern="1200">
+                <a:solidFill>
+                  <a:schemeClr val="tx1"/>
+                </a:solidFill>
+                <a:latin typeface="+mn-lt"/>
+                <a:ea typeface="+mn-ea"/>
+                <a:cs typeface="+mn-cs"/>
+              </a:defRPr>
+            </a:lvl4pPr>
+            <a:lvl5pPr marL="1828800" algn="l" defTabSz="914400" rtl="0" eaLnBrk="1" latinLnBrk="0" hangingPunct="1">
+              <a:defRPr sz="1800" kern="1200">
+                <a:solidFill>
+                  <a:schemeClr val="tx1"/>
+                </a:solidFill>
+                <a:latin typeface="+mn-lt"/>
+                <a:ea typeface="+mn-ea"/>
+                <a:cs typeface="+mn-cs"/>
+              </a:defRPr>
+            </a:lvl5pPr>
+            <a:lvl6pPr marL="2286000" algn="l" defTabSz="914400" rtl="0" eaLnBrk="1" latinLnBrk="0" hangingPunct="1">
+              <a:defRPr sz="1800" kern="1200">
+                <a:solidFill>
+                  <a:schemeClr val="tx1"/>
+                </a:solidFill>
+                <a:latin typeface="+mn-lt"/>
+                <a:ea typeface="+mn-ea"/>
+                <a:cs typeface="+mn-cs"/>
+              </a:defRPr>
+            </a:lvl6pPr>
+            <a:lvl7pPr marL="2743200" algn="l" defTabSz="914400" rtl="0" eaLnBrk="1" latinLnBrk="0" hangingPunct="1">
+              <a:defRPr sz="1800" kern="1200">
+                <a:solidFill>
+                  <a:schemeClr val="tx1"/>
+                </a:solidFill>
+                <a:latin typeface="+mn-lt"/>
+                <a:ea typeface="+mn-ea"/>
+                <a:cs typeface="+mn-cs"/>
+              </a:defRPr>
+            </a:lvl7pPr>
+            <a:lvl8pPr marL="3200400" algn="l" defTabSz="914400" rtl="0" eaLnBrk="1" latinLnBrk="0" hangingPunct="1">
+              <a:defRPr sz="1800" kern="1200">
+                <a:solidFill>
+                  <a:schemeClr val="tx1"/>
+                </a:solidFill>
+                <a:latin typeface="+mn-lt"/>
+                <a:ea typeface="+mn-ea"/>
+                <a:cs typeface="+mn-cs"/>
+              </a:defRPr>
+            </a:lvl8pPr>
+            <a:lvl9pPr marL="3657600" algn="l" defTabSz="914400" rtl="0" eaLnBrk="1" latinLnBrk="0" hangingPunct="1">
+              <a:defRPr sz="1800" kern="1200">
+                <a:solidFill>
+                  <a:schemeClr val="tx1"/>
+                </a:solidFill>
+                <a:latin typeface="+mn-lt"/>
+                <a:ea typeface="+mn-ea"/>
+                <a:cs typeface="+mn-cs"/>
+              </a:defRPr>
+            </a:lvl9pPr>
+          </a:lstStyle>
+          <a:p>
+            <a:pPr algn="ctr"/>
+            <a:fld id="{19BBE8A3-314A-4B6D-9019-9FDD4FC5871A}" type="slidenum">
+              <a:rPr lang="ru-RU" sz="3000" smtClean="0">
+                <a:solidFill>
+                  <a:schemeClr val="bg1"/>
+                </a:solidFill>
+                <a:latin typeface="Segoe UI Semibold" panose="020B0702040204020203" pitchFamily="34" charset="0"/>
+                <a:cs typeface="Segoe UI Semibold" panose="020B0702040204020203" pitchFamily="34" charset="0"/>
+              </a:rPr>
+              <a:t>14</a:t>
+            </a:fld>
+            <a:endParaRPr lang="ru-RU" sz="3000" dirty="0">
+              <a:solidFill>
+                <a:schemeClr val="bg1"/>
+              </a:solidFill>
+              <a:latin typeface="Segoe UI Semibold" panose="020B0702040204020203" pitchFamily="34" charset="0"/>
+              <a:cs typeface="Segoe UI Semibold" panose="020B0702040204020203" pitchFamily="34" charset="0"/>
+            </a:endParaRPr>
+          </a:p>
+        </p:txBody>
+      </p:sp>
+      <p:sp>
+        <p:nvSpPr>
+          <p:cNvPr id="4" name="Shape 113"/>
+          <p:cNvSpPr txBox="1">
+            <a:spLocks/>
+          </p:cNvSpPr>
+          <p:nvPr/>
+        </p:nvSpPr>
+        <p:spPr>
+          <a:xfrm>
+            <a:off x="638175" y="552451"/>
+            <a:ext cx="10506075" cy="542782"/>
+          </a:xfrm>
+          <a:prstGeom prst="rect">
+            <a:avLst/>
+          </a:prstGeom>
+        </p:spPr>
+        <p:txBody>
+          <a:bodyPr lIns="91425" tIns="91425" rIns="91425" bIns="91425" anchor="b" anchorCtr="0">
+            <a:noAutofit/>
+          </a:bodyPr>
+          <a:lstStyle>
+            <a:lvl1pPr algn="l" defTabSz="914400" rtl="0" eaLnBrk="1" latinLnBrk="0" hangingPunct="1">
+              <a:lnSpc>
+                <a:spcPct val="90000"/>
+              </a:lnSpc>
+              <a:spcBef>
+                <a:spcPct val="0"/>
+              </a:spcBef>
+              <a:buNone/>
+              <a:defRPr sz="4400" kern="1200">
+                <a:solidFill>
+                  <a:schemeClr val="tx1"/>
+                </a:solidFill>
+                <a:latin typeface="+mj-lt"/>
+                <a:ea typeface="+mj-ea"/>
+                <a:cs typeface="+mj-cs"/>
+              </a:defRPr>
+            </a:lvl1pPr>
+          </a:lstStyle>
+          <a:p>
+            <a:pPr>
+              <a:spcBef>
+                <a:spcPts val="0"/>
+              </a:spcBef>
+            </a:pPr>
+            <a:r>
+              <a:rPr lang="uk-UA" sz="3000" dirty="0">
+                <a:solidFill>
+                  <a:srgbClr val="FFFFFF"/>
+                </a:solidFill>
+                <a:latin typeface="Segoe UI Semibold" panose="020B0702040204020203" pitchFamily="34" charset="0"/>
+                <a:cs typeface="Segoe UI Semibold" panose="020B0702040204020203" pitchFamily="34" charset="0"/>
+              </a:rPr>
+              <a:t>ЗАГОЛОВОК СЛАЙДУ</a:t>
+            </a:r>
+            <a:endParaRPr lang="en" sz="3000" dirty="0">
+              <a:solidFill>
+                <a:srgbClr val="FFFFFF"/>
+              </a:solidFill>
+              <a:latin typeface="Segoe UI Semibold" panose="020B0702040204020203" pitchFamily="34" charset="0"/>
+              <a:cs typeface="Segoe UI Semibold" panose="020B0702040204020203" pitchFamily="34" charset="0"/>
+            </a:endParaRPr>
+          </a:p>
+        </p:txBody>
+      </p:sp>
+      <p:sp>
+        <p:nvSpPr>
+          <p:cNvPr id="5" name="Shape 114"/>
+          <p:cNvSpPr txBox="1">
+            <a:spLocks/>
+          </p:cNvSpPr>
+          <p:nvPr/>
+        </p:nvSpPr>
+        <p:spPr>
+          <a:xfrm>
+            <a:off x="655637" y="1851815"/>
+            <a:ext cx="11202987" cy="4444210"/>
+          </a:xfrm>
+          <a:prstGeom prst="rect">
+            <a:avLst/>
+          </a:prstGeom>
+        </p:spPr>
+        <p:txBody>
+          <a:bodyPr lIns="91425" tIns="91425" rIns="91425" bIns="91425" anchor="t" anchorCtr="0">
+            <a:noAutofit/>
+          </a:bodyPr>
+          <a:lstStyle>
+            <a:lvl1pPr marL="228600" indent="-228600" algn="l" defTabSz="914400" rtl="0" eaLnBrk="1" latinLnBrk="0" hangingPunct="1">
+              <a:lnSpc>
+                <a:spcPct val="90000"/>
+              </a:lnSpc>
+              <a:spcBef>
+                <a:spcPts val="1000"/>
+              </a:spcBef>
+              <a:buFont typeface="Arial" panose="020B0604020202020204" pitchFamily="34" charset="0"/>
+              <a:buChar char="•"/>
+              <a:defRPr sz="2800" kern="1200">
+                <a:solidFill>
+                  <a:schemeClr val="tx1"/>
+                </a:solidFill>
+                <a:latin typeface="+mn-lt"/>
+                <a:ea typeface="+mn-ea"/>
+                <a:cs typeface="+mn-cs"/>
+              </a:defRPr>
+            </a:lvl1pPr>
+            <a:lvl2pPr marL="685800" indent="-228600" algn="l" defTabSz="914400" rtl="0" eaLnBrk="1" latinLnBrk="0" hangingPunct="1">
+              <a:lnSpc>
+                <a:spcPct val="90000"/>
+              </a:lnSpc>
+              <a:spcBef>
+                <a:spcPts val="500"/>
+              </a:spcBef>
+              <a:buFont typeface="Arial" panose="020B0604020202020204" pitchFamily="34" charset="0"/>
+              <a:buChar char="•"/>
+              <a:defRPr sz="2400" kern="1200">
+                <a:solidFill>
+                  <a:schemeClr val="tx1"/>
+                </a:solidFill>
+                <a:latin typeface="+mn-lt"/>
+                <a:ea typeface="+mn-ea"/>
+                <a:cs typeface="+mn-cs"/>
+              </a:defRPr>
+            </a:lvl2pPr>
+            <a:lvl3pPr marL="1143000" indent="-228600" algn="l" defTabSz="914400" rtl="0" eaLnBrk="1" latinLnBrk="0" hangingPunct="1">
+              <a:lnSpc>
+                <a:spcPct val="90000"/>
+              </a:lnSpc>
+              <a:spcBef>
+                <a:spcPts val="500"/>
+              </a:spcBef>
+              <a:buFont typeface="Arial" panose="020B0604020202020204" pitchFamily="34" charset="0"/>
+              <a:buChar char="•"/>
+              <a:defRPr sz="2000" kern="1200">
+                <a:solidFill>
+                  <a:schemeClr val="tx1"/>
+                </a:solidFill>
+                <a:latin typeface="+mn-lt"/>
+                <a:ea typeface="+mn-ea"/>
+                <a:cs typeface="+mn-cs"/>
+              </a:defRPr>
+            </a:lvl3pPr>
+            <a:lvl4pPr marL="1600200" indent="-228600" algn="l" defTabSz="914400" rtl="0" eaLnBrk="1" latinLnBrk="0" hangingPunct="1">
+              <a:lnSpc>
+                <a:spcPct val="90000"/>
+              </a:lnSpc>
+              <a:spcBef>
+                <a:spcPts val="500"/>
+              </a:spcBef>
+              <a:buFont typeface="Arial" panose="020B0604020202020204" pitchFamily="34" charset="0"/>
+              <a:buChar char="•"/>
+              <a:defRPr sz="1800" kern="1200">
+                <a:solidFill>
+                  <a:schemeClr val="tx1"/>
+                </a:solidFill>
+                <a:latin typeface="+mn-lt"/>
+                <a:ea typeface="+mn-ea"/>
+                <a:cs typeface="+mn-cs"/>
+              </a:defRPr>
+            </a:lvl4pPr>
+            <a:lvl5pPr marL="2057400" indent="-228600" algn="l" defTabSz="914400" rtl="0" eaLnBrk="1" latinLnBrk="0" hangingPunct="1">
+              <a:lnSpc>
+                <a:spcPct val="90000"/>
+              </a:lnSpc>
+              <a:spcBef>
+                <a:spcPts val="500"/>
+              </a:spcBef>
+              <a:buFont typeface="Arial" panose="020B0604020202020204" pitchFamily="34" charset="0"/>
+              <a:buChar char="•"/>
+              <a:defRPr sz="1800" kern="1200">
+                <a:solidFill>
+                  <a:schemeClr val="tx1"/>
+                </a:solidFill>
+                <a:latin typeface="+mn-lt"/>
+                <a:ea typeface="+mn-ea"/>
+                <a:cs typeface="+mn-cs"/>
+              </a:defRPr>
+            </a:lvl5pPr>
+            <a:lvl6pPr marL="2514600" indent="-228600" algn="l" defTabSz="914400" rtl="0" eaLnBrk="1" latinLnBrk="0" hangingPunct="1">
+              <a:lnSpc>
+                <a:spcPct val="90000"/>
+              </a:lnSpc>
+              <a:spcBef>
+                <a:spcPts val="500"/>
+              </a:spcBef>
+              <a:buFont typeface="Arial" panose="020B0604020202020204" pitchFamily="34" charset="0"/>
+              <a:buChar char="•"/>
+              <a:defRPr sz="1800" kern="1200">
+                <a:solidFill>
+                  <a:schemeClr val="tx1"/>
+                </a:solidFill>
+                <a:latin typeface="+mn-lt"/>
+                <a:ea typeface="+mn-ea"/>
+                <a:cs typeface="+mn-cs"/>
+              </a:defRPr>
+            </a:lvl6pPr>
+            <a:lvl7pPr marL="2971800" indent="-228600" algn="l" defTabSz="914400" rtl="0" eaLnBrk="1" latinLnBrk="0" hangingPunct="1">
+              <a:lnSpc>
+                <a:spcPct val="90000"/>
+              </a:lnSpc>
+              <a:spcBef>
+                <a:spcPts val="500"/>
+              </a:spcBef>
+              <a:buFont typeface="Arial" panose="020B0604020202020204" pitchFamily="34" charset="0"/>
+              <a:buChar char="•"/>
+              <a:defRPr sz="1800" kern="1200">
+                <a:solidFill>
+                  <a:schemeClr val="tx1"/>
+                </a:solidFill>
+                <a:latin typeface="+mn-lt"/>
+                <a:ea typeface="+mn-ea"/>
+                <a:cs typeface="+mn-cs"/>
+              </a:defRPr>
+            </a:lvl7pPr>
+            <a:lvl8pPr marL="3429000" indent="-228600" algn="l" defTabSz="914400" rtl="0" eaLnBrk="1" latinLnBrk="0" hangingPunct="1">
+              <a:lnSpc>
+                <a:spcPct val="90000"/>
+              </a:lnSpc>
+              <a:spcBef>
+                <a:spcPts val="500"/>
+              </a:spcBef>
+              <a:buFont typeface="Arial" panose="020B0604020202020204" pitchFamily="34" charset="0"/>
+              <a:buChar char="•"/>
+              <a:defRPr sz="1800" kern="1200">
+                <a:solidFill>
+                  <a:schemeClr val="tx1"/>
+                </a:solidFill>
+                <a:latin typeface="+mn-lt"/>
+                <a:ea typeface="+mn-ea"/>
+                <a:cs typeface="+mn-cs"/>
+              </a:defRPr>
+            </a:lvl8pPr>
+            <a:lvl9pPr marL="3886200" indent="-228600" algn="l" defTabSz="914400" rtl="0" eaLnBrk="1" latinLnBrk="0" hangingPunct="1">
+              <a:lnSpc>
+                <a:spcPct val="90000"/>
+              </a:lnSpc>
+              <a:spcBef>
+                <a:spcPts val="500"/>
+              </a:spcBef>
+              <a:buFont typeface="Arial" panose="020B0604020202020204" pitchFamily="34" charset="0"/>
+              <a:buChar char="•"/>
+              <a:defRPr sz="1800" kern="1200">
+                <a:solidFill>
+                  <a:schemeClr val="tx1"/>
+                </a:solidFill>
+                <a:latin typeface="+mn-lt"/>
+                <a:ea typeface="+mn-ea"/>
+                <a:cs typeface="+mn-cs"/>
+              </a:defRPr>
+            </a:lvl9pPr>
+          </a:lstStyle>
+          <a:p>
+            <a:pPr marL="0" indent="0">
+              <a:lnSpc>
+                <a:spcPct val="150000"/>
+              </a:lnSpc>
+              <a:spcBef>
+                <a:spcPts val="0"/>
+              </a:spcBef>
+              <a:buNone/>
+            </a:pPr>
+            <a:r>
+              <a:rPr lang="uk-UA" dirty="0">
+                <a:solidFill>
+                  <a:srgbClr val="1D1D1D"/>
+                </a:solidFill>
+                <a:latin typeface="Segoe UI Light" panose="020B0502040204020203" pitchFamily="34" charset="0"/>
+                <a:cs typeface="Segoe UI Light" panose="020B0502040204020203" pitchFamily="34" charset="0"/>
+              </a:rPr>
+              <a:t>Тут Ви маєте:</a:t>
+            </a:r>
+          </a:p>
+          <a:p>
+            <a:pPr marL="361950" indent="-361950">
+              <a:lnSpc>
+                <a:spcPct val="150000"/>
+              </a:lnSpc>
+              <a:spcBef>
+                <a:spcPts val="0"/>
+              </a:spcBef>
+              <a:buSzPct val="75000"/>
+            </a:pPr>
+            <a:r>
+              <a:rPr lang="uk-UA" dirty="0">
+                <a:solidFill>
+                  <a:srgbClr val="1D1D1D"/>
+                </a:solidFill>
+                <a:latin typeface="Segoe UI Light" panose="020B0502040204020203" pitchFamily="34" charset="0"/>
+                <a:cs typeface="Segoe UI Light" panose="020B0502040204020203" pitchFamily="34" charset="0"/>
+              </a:rPr>
+              <a:t>перелік пунктів;</a:t>
+            </a:r>
+          </a:p>
+          <a:p>
+            <a:pPr marL="361950" indent="-361950">
+              <a:lnSpc>
+                <a:spcPct val="150000"/>
+              </a:lnSpc>
+              <a:spcBef>
+                <a:spcPts val="0"/>
+              </a:spcBef>
+              <a:buSzPct val="75000"/>
+            </a:pPr>
+            <a:r>
+              <a:rPr lang="uk-UA" dirty="0">
+                <a:solidFill>
+                  <a:srgbClr val="1D1D1D"/>
+                </a:solidFill>
+                <a:latin typeface="Segoe UI Light" panose="020B0502040204020203" pitchFamily="34" charset="0"/>
+                <a:cs typeface="Segoe UI Light" panose="020B0502040204020203" pitchFamily="34" charset="0"/>
+              </a:rPr>
+              <a:t>деякий текст;</a:t>
+            </a:r>
+            <a:endParaRPr lang="en" dirty="0">
+              <a:solidFill>
+                <a:srgbClr val="1D1D1D"/>
+              </a:solidFill>
+              <a:latin typeface="Segoe UI Light" panose="020B0502040204020203" pitchFamily="34" charset="0"/>
+              <a:cs typeface="Segoe UI Light" panose="020B0502040204020203" pitchFamily="34" charset="0"/>
+            </a:endParaRPr>
+          </a:p>
+          <a:p>
+            <a:pPr marL="361950" indent="-361950">
+              <a:lnSpc>
+                <a:spcPct val="150000"/>
+              </a:lnSpc>
+              <a:spcBef>
+                <a:spcPts val="0"/>
+              </a:spcBef>
+              <a:buSzPct val="75000"/>
+            </a:pPr>
+            <a:r>
+              <a:rPr lang="uk-UA" dirty="0">
+                <a:solidFill>
+                  <a:srgbClr val="1D1D1D"/>
+                </a:solidFill>
+                <a:latin typeface="Segoe UI Light" panose="020B0502040204020203" pitchFamily="34" charset="0"/>
+                <a:cs typeface="Segoe UI Light" panose="020B0502040204020203" pitchFamily="34" charset="0"/>
+              </a:rPr>
+              <a:t>пам’ятайте, не перевантажуйте слайди вмістом.</a:t>
+            </a:r>
+            <a:endParaRPr lang="en" dirty="0">
+              <a:solidFill>
+                <a:srgbClr val="1D1D1D"/>
+              </a:solidFill>
+              <a:latin typeface="Segoe UI Light" panose="020B0502040204020203" pitchFamily="34" charset="0"/>
+              <a:cs typeface="Segoe UI Light" panose="020B0502040204020203" pitchFamily="34" charset="0"/>
+            </a:endParaRPr>
+          </a:p>
+          <a:p>
+            <a:pPr marL="0" indent="0">
+              <a:lnSpc>
+                <a:spcPct val="150000"/>
+              </a:lnSpc>
+              <a:spcBef>
+                <a:spcPts val="0"/>
+              </a:spcBef>
+              <a:buFont typeface="Arial" panose="020B0604020202020204" pitchFamily="34" charset="0"/>
+              <a:buNone/>
+            </a:pPr>
+            <a:r>
+              <a:rPr lang="uk-UA" dirty="0">
+                <a:solidFill>
+                  <a:srgbClr val="1D1D1D"/>
+                </a:solidFill>
+                <a:latin typeface="Segoe UI Light" panose="020B0502040204020203" pitchFamily="34" charset="0"/>
+                <a:cs typeface="Segoe UI Light" panose="020B0502040204020203" pitchFamily="34" charset="0"/>
+              </a:rPr>
+              <a:t>Ваша аудиторія буде читати вміст або слухати Вас, але не те й інше водночас.</a:t>
+            </a:r>
+            <a:endParaRPr lang="en" dirty="0">
+              <a:solidFill>
+                <a:srgbClr val="1D1D1D"/>
+              </a:solidFill>
+              <a:latin typeface="Segoe UI Light" panose="020B0502040204020203" pitchFamily="34" charset="0"/>
+              <a:cs typeface="Segoe UI Light" panose="020B0502040204020203" pitchFamily="34" charset="0"/>
+            </a:endParaRPr>
+          </a:p>
+        </p:txBody>
+      </p:sp>
+      <p:pic>
+        <p:nvPicPr>
+          <p:cNvPr id="7" name="Рисунок 6"/>
+          <p:cNvPicPr>
+            <a:picLocks noChangeAspect="1"/>
+          </p:cNvPicPr>
+          <p:nvPr/>
+        </p:nvPicPr>
+        <p:blipFill>
+          <a:blip r:embed="rId4" cstate="print">
+            <a:extLst>
+              <a:ext uri="{28A0092B-C50C-407E-A947-70E740481C1C}">
+                <a14:useLocalDpi xmlns:a14="http://schemas.microsoft.com/office/drawing/2010/main" val="0"/>
+              </a:ext>
+            </a:extLst>
+          </a:blip>
+          <a:stretch>
+            <a:fillRect/>
+          </a:stretch>
+        </p:blipFill>
+        <p:spPr>
+          <a:xfrm>
+            <a:off x="10469538" y="5762416"/>
+            <a:ext cx="1383795" cy="548641"/>
+          </a:xfrm>
+          <a:prstGeom prst="rect">
+            <a:avLst/>
+          </a:prstGeom>
+        </p:spPr>
+      </p:pic>
+    </p:spTree>
+    <p:extLst>
+      <p:ext uri="{BB962C8B-B14F-4D97-AF65-F5344CB8AC3E}">
+        <p14:creationId xmlns:p14="http://schemas.microsoft.com/office/powerpoint/2010/main" val="3505369377"/>
+      </p:ext>
+    </p:extLst>
+  </p:cSld>
+  <p:clrMapOvr>
+    <a:masterClrMapping/>
+  </p:clrMapOvr>
+</p:sld>
+</file>
+
+<file path=ppt/slides/slide15.xml><?xml version="1.0" encoding="utf-8"?>
+<p:sld xmlns:a="http://schemas.openxmlformats.org/drawingml/2006/main" xmlns:r="http://schemas.openxmlformats.org/officeDocument/2006/relationships" xmlns:p="http://schemas.openxmlformats.org/presentationml/2006/main">
+  <p:cSld>
+    <p:bg>
+      <p:bgPr>
+        <a:blipFill dpi="0" rotWithShape="1">
+          <a:blip r:embed="rId3">
+            <a:lum/>
+          </a:blip>
+          <a:srcRect/>
+          <a:stretch>
+            <a:fillRect/>
+          </a:stretch>
+        </a:blipFill>
+        <a:effectLst/>
+      </p:bgPr>
+    </p:bg>
+    <p:spTree>
+      <p:nvGrpSpPr>
+        <p:cNvPr id="1" name=""/>
+        <p:cNvGrpSpPr/>
+        <p:nvPr/>
+      </p:nvGrpSpPr>
+      <p:grpSpPr>
+        <a:xfrm>
+          <a:off x="0" y="0"/>
+          <a:ext cx="0" cy="0"/>
+          <a:chOff x="0" y="0"/>
+          <a:chExt cx="0" cy="0"/>
+        </a:xfrm>
+      </p:grpSpPr>
+      <p:sp>
+        <p:nvSpPr>
+          <p:cNvPr id="3" name="Номер слайда 2"/>
+          <p:cNvSpPr txBox="1">
+            <a:spLocks/>
+          </p:cNvSpPr>
+          <p:nvPr/>
+        </p:nvSpPr>
+        <p:spPr>
+          <a:xfrm>
+            <a:off x="11269639" y="399197"/>
+            <a:ext cx="692624" cy="696035"/>
+          </a:xfrm>
+          <a:prstGeom prst="rect">
+            <a:avLst/>
+          </a:prstGeom>
+        </p:spPr>
+        <p:txBody>
+          <a:bodyPr vert="horz" lIns="91440" tIns="45720" rIns="91440" bIns="45720" rtlCol="0" anchor="ctr"/>
+          <a:lstStyle>
+            <a:defPPr>
+              <a:defRPr lang="ru-RU"/>
+            </a:defPPr>
+            <a:lvl1pPr marL="0" algn="r" defTabSz="914400" rtl="0" eaLnBrk="1" latinLnBrk="0" hangingPunct="1">
+              <a:defRPr sz="1200" kern="1200">
+                <a:solidFill>
+                  <a:schemeClr val="tx1">
+                    <a:tint val="75000"/>
+                  </a:schemeClr>
+                </a:solidFill>
+                <a:latin typeface="+mn-lt"/>
+                <a:ea typeface="+mn-ea"/>
+                <a:cs typeface="+mn-cs"/>
+              </a:defRPr>
+            </a:lvl1pPr>
+            <a:lvl2pPr marL="457200" algn="l" defTabSz="914400" rtl="0" eaLnBrk="1" latinLnBrk="0" hangingPunct="1">
+              <a:defRPr sz="1800" kern="1200">
+                <a:solidFill>
+                  <a:schemeClr val="tx1"/>
+                </a:solidFill>
+                <a:latin typeface="+mn-lt"/>
+                <a:ea typeface="+mn-ea"/>
+                <a:cs typeface="+mn-cs"/>
+              </a:defRPr>
+            </a:lvl2pPr>
+            <a:lvl3pPr marL="914400" algn="l" defTabSz="914400" rtl="0" eaLnBrk="1" latinLnBrk="0" hangingPunct="1">
+              <a:defRPr sz="1800" kern="1200">
+                <a:solidFill>
+                  <a:schemeClr val="tx1"/>
+                </a:solidFill>
+                <a:latin typeface="+mn-lt"/>
+                <a:ea typeface="+mn-ea"/>
+                <a:cs typeface="+mn-cs"/>
+              </a:defRPr>
+            </a:lvl3pPr>
+            <a:lvl4pPr marL="1371600" algn="l" defTabSz="914400" rtl="0" eaLnBrk="1" latinLnBrk="0" hangingPunct="1">
+              <a:defRPr sz="1800" kern="1200">
+                <a:solidFill>
+                  <a:schemeClr val="tx1"/>
+                </a:solidFill>
+                <a:latin typeface="+mn-lt"/>
+                <a:ea typeface="+mn-ea"/>
+                <a:cs typeface="+mn-cs"/>
+              </a:defRPr>
+            </a:lvl4pPr>
+            <a:lvl5pPr marL="1828800" algn="l" defTabSz="914400" rtl="0" eaLnBrk="1" latinLnBrk="0" hangingPunct="1">
+              <a:defRPr sz="1800" kern="1200">
+                <a:solidFill>
+                  <a:schemeClr val="tx1"/>
+                </a:solidFill>
+                <a:latin typeface="+mn-lt"/>
+                <a:ea typeface="+mn-ea"/>
+                <a:cs typeface="+mn-cs"/>
+              </a:defRPr>
+            </a:lvl5pPr>
+            <a:lvl6pPr marL="2286000" algn="l" defTabSz="914400" rtl="0" eaLnBrk="1" latinLnBrk="0" hangingPunct="1">
+              <a:defRPr sz="1800" kern="1200">
+                <a:solidFill>
+                  <a:schemeClr val="tx1"/>
+                </a:solidFill>
+                <a:latin typeface="+mn-lt"/>
+                <a:ea typeface="+mn-ea"/>
+                <a:cs typeface="+mn-cs"/>
+              </a:defRPr>
+            </a:lvl6pPr>
+            <a:lvl7pPr marL="2743200" algn="l" defTabSz="914400" rtl="0" eaLnBrk="1" latinLnBrk="0" hangingPunct="1">
+              <a:defRPr sz="1800" kern="1200">
+                <a:solidFill>
+                  <a:schemeClr val="tx1"/>
+                </a:solidFill>
+                <a:latin typeface="+mn-lt"/>
+                <a:ea typeface="+mn-ea"/>
+                <a:cs typeface="+mn-cs"/>
+              </a:defRPr>
+            </a:lvl7pPr>
+            <a:lvl8pPr marL="3200400" algn="l" defTabSz="914400" rtl="0" eaLnBrk="1" latinLnBrk="0" hangingPunct="1">
+              <a:defRPr sz="1800" kern="1200">
+                <a:solidFill>
+                  <a:schemeClr val="tx1"/>
+                </a:solidFill>
+                <a:latin typeface="+mn-lt"/>
+                <a:ea typeface="+mn-ea"/>
+                <a:cs typeface="+mn-cs"/>
+              </a:defRPr>
+            </a:lvl8pPr>
+            <a:lvl9pPr marL="3657600" algn="l" defTabSz="914400" rtl="0" eaLnBrk="1" latinLnBrk="0" hangingPunct="1">
+              <a:defRPr sz="1800" kern="1200">
+                <a:solidFill>
+                  <a:schemeClr val="tx1"/>
+                </a:solidFill>
+                <a:latin typeface="+mn-lt"/>
+                <a:ea typeface="+mn-ea"/>
+                <a:cs typeface="+mn-cs"/>
+              </a:defRPr>
+            </a:lvl9pPr>
+          </a:lstStyle>
+          <a:p>
+            <a:pPr algn="ctr"/>
+            <a:fld id="{19BBE8A3-314A-4B6D-9019-9FDD4FC5871A}" type="slidenum">
+              <a:rPr lang="ru-RU" sz="3000" smtClean="0">
+                <a:solidFill>
+                  <a:schemeClr val="bg1"/>
+                </a:solidFill>
+                <a:latin typeface="Segoe UI Semibold" panose="020B0702040204020203" pitchFamily="34" charset="0"/>
+                <a:cs typeface="Segoe UI Semibold" panose="020B0702040204020203" pitchFamily="34" charset="0"/>
+              </a:rPr>
+              <a:t>15</a:t>
+            </a:fld>
+            <a:endParaRPr lang="ru-RU" sz="3000" dirty="0">
+              <a:solidFill>
+                <a:schemeClr val="bg1"/>
+              </a:solidFill>
+              <a:latin typeface="Segoe UI Semibold" panose="020B0702040204020203" pitchFamily="34" charset="0"/>
+              <a:cs typeface="Segoe UI Semibold" panose="020B0702040204020203" pitchFamily="34" charset="0"/>
+            </a:endParaRPr>
+          </a:p>
+        </p:txBody>
+      </p:sp>
+      <p:sp>
+        <p:nvSpPr>
+          <p:cNvPr id="4" name="Shape 113"/>
+          <p:cNvSpPr txBox="1">
+            <a:spLocks/>
+          </p:cNvSpPr>
+          <p:nvPr/>
+        </p:nvSpPr>
+        <p:spPr>
+          <a:xfrm>
+            <a:off x="638175" y="552451"/>
+            <a:ext cx="10506075" cy="542782"/>
+          </a:xfrm>
+          <a:prstGeom prst="rect">
+            <a:avLst/>
+          </a:prstGeom>
+        </p:spPr>
+        <p:txBody>
+          <a:bodyPr lIns="91425" tIns="91425" rIns="91425" bIns="91425" anchor="b" anchorCtr="0">
+            <a:noAutofit/>
+          </a:bodyPr>
+          <a:lstStyle>
+            <a:lvl1pPr algn="l" defTabSz="914400" rtl="0" eaLnBrk="1" latinLnBrk="0" hangingPunct="1">
+              <a:lnSpc>
+                <a:spcPct val="90000"/>
+              </a:lnSpc>
+              <a:spcBef>
+                <a:spcPct val="0"/>
+              </a:spcBef>
+              <a:buNone/>
+              <a:defRPr sz="4400" kern="1200">
+                <a:solidFill>
+                  <a:schemeClr val="tx1"/>
+                </a:solidFill>
+                <a:latin typeface="+mj-lt"/>
+                <a:ea typeface="+mj-ea"/>
+                <a:cs typeface="+mj-cs"/>
+              </a:defRPr>
+            </a:lvl1pPr>
+          </a:lstStyle>
+          <a:p>
+            <a:pPr>
+              <a:spcBef>
+                <a:spcPts val="0"/>
+              </a:spcBef>
+            </a:pPr>
+            <a:r>
+              <a:rPr lang="uk-UA" sz="3000" dirty="0">
+                <a:solidFill>
+                  <a:srgbClr val="FFFFFF"/>
+                </a:solidFill>
+                <a:latin typeface="Segoe UI Semibold" panose="020B0702040204020203" pitchFamily="34" charset="0"/>
+                <a:cs typeface="Segoe UI Semibold" panose="020B0702040204020203" pitchFamily="34" charset="0"/>
+              </a:rPr>
+              <a:t>ЗАГОЛОВОК СЛАЙДУ</a:t>
+            </a:r>
+            <a:endParaRPr lang="en" sz="3000" dirty="0">
+              <a:solidFill>
+                <a:srgbClr val="FFFFFF"/>
+              </a:solidFill>
+              <a:latin typeface="Segoe UI Semibold" panose="020B0702040204020203" pitchFamily="34" charset="0"/>
+              <a:cs typeface="Segoe UI Semibold" panose="020B0702040204020203" pitchFamily="34" charset="0"/>
+            </a:endParaRPr>
+          </a:p>
+        </p:txBody>
+      </p:sp>
+      <p:sp>
+        <p:nvSpPr>
+          <p:cNvPr id="5" name="Shape 114"/>
+          <p:cNvSpPr txBox="1">
+            <a:spLocks/>
+          </p:cNvSpPr>
+          <p:nvPr/>
+        </p:nvSpPr>
+        <p:spPr>
+          <a:xfrm>
+            <a:off x="655637" y="1851815"/>
+            <a:ext cx="11202987" cy="4444210"/>
+          </a:xfrm>
+          <a:prstGeom prst="rect">
+            <a:avLst/>
+          </a:prstGeom>
+        </p:spPr>
+        <p:txBody>
+          <a:bodyPr lIns="91425" tIns="91425" rIns="91425" bIns="91425" anchor="t" anchorCtr="0">
+            <a:noAutofit/>
+          </a:bodyPr>
+          <a:lstStyle>
+            <a:lvl1pPr marL="228600" indent="-228600" algn="l" defTabSz="914400" rtl="0" eaLnBrk="1" latinLnBrk="0" hangingPunct="1">
+              <a:lnSpc>
+                <a:spcPct val="90000"/>
+              </a:lnSpc>
+              <a:spcBef>
+                <a:spcPts val="1000"/>
+              </a:spcBef>
+              <a:buFont typeface="Arial" panose="020B0604020202020204" pitchFamily="34" charset="0"/>
+              <a:buChar char="•"/>
+              <a:defRPr sz="2800" kern="1200">
+                <a:solidFill>
+                  <a:schemeClr val="tx1"/>
+                </a:solidFill>
+                <a:latin typeface="+mn-lt"/>
+                <a:ea typeface="+mn-ea"/>
+                <a:cs typeface="+mn-cs"/>
+              </a:defRPr>
+            </a:lvl1pPr>
+            <a:lvl2pPr marL="685800" indent="-228600" algn="l" defTabSz="914400" rtl="0" eaLnBrk="1" latinLnBrk="0" hangingPunct="1">
+              <a:lnSpc>
+                <a:spcPct val="90000"/>
+              </a:lnSpc>
+              <a:spcBef>
+                <a:spcPts val="500"/>
+              </a:spcBef>
+              <a:buFont typeface="Arial" panose="020B0604020202020204" pitchFamily="34" charset="0"/>
+              <a:buChar char="•"/>
+              <a:defRPr sz="2400" kern="1200">
+                <a:solidFill>
+                  <a:schemeClr val="tx1"/>
+                </a:solidFill>
+                <a:latin typeface="+mn-lt"/>
+                <a:ea typeface="+mn-ea"/>
+                <a:cs typeface="+mn-cs"/>
+              </a:defRPr>
+            </a:lvl2pPr>
+            <a:lvl3pPr marL="1143000" indent="-228600" algn="l" defTabSz="914400" rtl="0" eaLnBrk="1" latinLnBrk="0" hangingPunct="1">
+              <a:lnSpc>
+                <a:spcPct val="90000"/>
+              </a:lnSpc>
+              <a:spcBef>
+                <a:spcPts val="500"/>
+              </a:spcBef>
+              <a:buFont typeface="Arial" panose="020B0604020202020204" pitchFamily="34" charset="0"/>
+              <a:buChar char="•"/>
+              <a:defRPr sz="2000" kern="1200">
+                <a:solidFill>
+                  <a:schemeClr val="tx1"/>
+                </a:solidFill>
+                <a:latin typeface="+mn-lt"/>
+                <a:ea typeface="+mn-ea"/>
+                <a:cs typeface="+mn-cs"/>
+              </a:defRPr>
+            </a:lvl3pPr>
+            <a:lvl4pPr marL="1600200" indent="-228600" algn="l" defTabSz="914400" rtl="0" eaLnBrk="1" latinLnBrk="0" hangingPunct="1">
+              <a:lnSpc>
+                <a:spcPct val="90000"/>
+              </a:lnSpc>
+              <a:spcBef>
+                <a:spcPts val="500"/>
+              </a:spcBef>
+              <a:buFont typeface="Arial" panose="020B0604020202020204" pitchFamily="34" charset="0"/>
+              <a:buChar char="•"/>
+              <a:defRPr sz="1800" kern="1200">
+                <a:solidFill>
+                  <a:schemeClr val="tx1"/>
+                </a:solidFill>
+                <a:latin typeface="+mn-lt"/>
+                <a:ea typeface="+mn-ea"/>
+                <a:cs typeface="+mn-cs"/>
+              </a:defRPr>
+            </a:lvl4pPr>
+            <a:lvl5pPr marL="2057400" indent="-228600" algn="l" defTabSz="914400" rtl="0" eaLnBrk="1" latinLnBrk="0" hangingPunct="1">
+              <a:lnSpc>
+                <a:spcPct val="90000"/>
+              </a:lnSpc>
+              <a:spcBef>
+                <a:spcPts val="500"/>
+              </a:spcBef>
+              <a:buFont typeface="Arial" panose="020B0604020202020204" pitchFamily="34" charset="0"/>
+              <a:buChar char="•"/>
+              <a:defRPr sz="1800" kern="1200">
+                <a:solidFill>
+                  <a:schemeClr val="tx1"/>
+                </a:solidFill>
+                <a:latin typeface="+mn-lt"/>
+                <a:ea typeface="+mn-ea"/>
+                <a:cs typeface="+mn-cs"/>
+              </a:defRPr>
+            </a:lvl5pPr>
+            <a:lvl6pPr marL="2514600" indent="-228600" algn="l" defTabSz="914400" rtl="0" eaLnBrk="1" latinLnBrk="0" hangingPunct="1">
+              <a:lnSpc>
+                <a:spcPct val="90000"/>
+              </a:lnSpc>
+              <a:spcBef>
+                <a:spcPts val="500"/>
+              </a:spcBef>
+              <a:buFont typeface="Arial" panose="020B0604020202020204" pitchFamily="34" charset="0"/>
+              <a:buChar char="•"/>
+              <a:defRPr sz="1800" kern="1200">
+                <a:solidFill>
+                  <a:schemeClr val="tx1"/>
+                </a:solidFill>
+                <a:latin typeface="+mn-lt"/>
+                <a:ea typeface="+mn-ea"/>
+                <a:cs typeface="+mn-cs"/>
+              </a:defRPr>
+            </a:lvl6pPr>
+            <a:lvl7pPr marL="2971800" indent="-228600" algn="l" defTabSz="914400" rtl="0" eaLnBrk="1" latinLnBrk="0" hangingPunct="1">
+              <a:lnSpc>
+                <a:spcPct val="90000"/>
+              </a:lnSpc>
+              <a:spcBef>
+                <a:spcPts val="500"/>
+              </a:spcBef>
+              <a:buFont typeface="Arial" panose="020B0604020202020204" pitchFamily="34" charset="0"/>
+              <a:buChar char="•"/>
+              <a:defRPr sz="1800" kern="1200">
+                <a:solidFill>
+                  <a:schemeClr val="tx1"/>
+                </a:solidFill>
+                <a:latin typeface="+mn-lt"/>
+                <a:ea typeface="+mn-ea"/>
+                <a:cs typeface="+mn-cs"/>
+              </a:defRPr>
+            </a:lvl7pPr>
+            <a:lvl8pPr marL="3429000" indent="-228600" algn="l" defTabSz="914400" rtl="0" eaLnBrk="1" latinLnBrk="0" hangingPunct="1">
+              <a:lnSpc>
+                <a:spcPct val="90000"/>
+              </a:lnSpc>
+              <a:spcBef>
+                <a:spcPts val="500"/>
+              </a:spcBef>
+              <a:buFont typeface="Arial" panose="020B0604020202020204" pitchFamily="34" charset="0"/>
+              <a:buChar char="•"/>
+              <a:defRPr sz="1800" kern="1200">
+                <a:solidFill>
+                  <a:schemeClr val="tx1"/>
+                </a:solidFill>
+                <a:latin typeface="+mn-lt"/>
+                <a:ea typeface="+mn-ea"/>
+                <a:cs typeface="+mn-cs"/>
+              </a:defRPr>
+            </a:lvl8pPr>
+            <a:lvl9pPr marL="3886200" indent="-228600" algn="l" defTabSz="914400" rtl="0" eaLnBrk="1" latinLnBrk="0" hangingPunct="1">
+              <a:lnSpc>
+                <a:spcPct val="90000"/>
+              </a:lnSpc>
+              <a:spcBef>
+                <a:spcPts val="500"/>
+              </a:spcBef>
+              <a:buFont typeface="Arial" panose="020B0604020202020204" pitchFamily="34" charset="0"/>
+              <a:buChar char="•"/>
+              <a:defRPr sz="1800" kern="1200">
+                <a:solidFill>
+                  <a:schemeClr val="tx1"/>
+                </a:solidFill>
+                <a:latin typeface="+mn-lt"/>
+                <a:ea typeface="+mn-ea"/>
+                <a:cs typeface="+mn-cs"/>
+              </a:defRPr>
+            </a:lvl9pPr>
+          </a:lstStyle>
+          <a:p>
+            <a:pPr marL="0" indent="0">
+              <a:lnSpc>
+                <a:spcPct val="150000"/>
+              </a:lnSpc>
+              <a:spcBef>
+                <a:spcPts val="0"/>
+              </a:spcBef>
+              <a:buNone/>
+            </a:pPr>
+            <a:r>
+              <a:rPr lang="uk-UA" dirty="0">
+                <a:solidFill>
+                  <a:srgbClr val="1D1D1D"/>
+                </a:solidFill>
+                <a:latin typeface="Segoe UI Light" panose="020B0502040204020203" pitchFamily="34" charset="0"/>
+                <a:cs typeface="Segoe UI Light" panose="020B0502040204020203" pitchFamily="34" charset="0"/>
+              </a:rPr>
+              <a:t>Тут Ви маєте:</a:t>
+            </a:r>
+          </a:p>
+          <a:p>
+            <a:pPr marL="361950" indent="-361950">
+              <a:lnSpc>
+                <a:spcPct val="150000"/>
+              </a:lnSpc>
+              <a:spcBef>
+                <a:spcPts val="0"/>
+              </a:spcBef>
+              <a:buSzPct val="75000"/>
+            </a:pPr>
+            <a:r>
+              <a:rPr lang="uk-UA" dirty="0">
+                <a:solidFill>
+                  <a:srgbClr val="1D1D1D"/>
+                </a:solidFill>
+                <a:latin typeface="Segoe UI Light" panose="020B0502040204020203" pitchFamily="34" charset="0"/>
+                <a:cs typeface="Segoe UI Light" panose="020B0502040204020203" pitchFamily="34" charset="0"/>
+              </a:rPr>
+              <a:t>перелік пунктів;</a:t>
+            </a:r>
+          </a:p>
+          <a:p>
+            <a:pPr marL="361950" indent="-361950">
+              <a:lnSpc>
+                <a:spcPct val="150000"/>
+              </a:lnSpc>
+              <a:spcBef>
+                <a:spcPts val="0"/>
+              </a:spcBef>
+              <a:buSzPct val="75000"/>
+            </a:pPr>
+            <a:r>
+              <a:rPr lang="uk-UA" dirty="0">
+                <a:solidFill>
+                  <a:srgbClr val="1D1D1D"/>
+                </a:solidFill>
+                <a:latin typeface="Segoe UI Light" panose="020B0502040204020203" pitchFamily="34" charset="0"/>
+                <a:cs typeface="Segoe UI Light" panose="020B0502040204020203" pitchFamily="34" charset="0"/>
+              </a:rPr>
+              <a:t>деякий текст;</a:t>
+            </a:r>
+            <a:endParaRPr lang="en" dirty="0">
+              <a:solidFill>
+                <a:srgbClr val="1D1D1D"/>
+              </a:solidFill>
+              <a:latin typeface="Segoe UI Light" panose="020B0502040204020203" pitchFamily="34" charset="0"/>
+              <a:cs typeface="Segoe UI Light" panose="020B0502040204020203" pitchFamily="34" charset="0"/>
+            </a:endParaRPr>
+          </a:p>
+          <a:p>
+            <a:pPr marL="361950" indent="-361950">
+              <a:lnSpc>
+                <a:spcPct val="150000"/>
+              </a:lnSpc>
+              <a:spcBef>
+                <a:spcPts val="0"/>
+              </a:spcBef>
+              <a:buSzPct val="75000"/>
+            </a:pPr>
+            <a:r>
+              <a:rPr lang="uk-UA" dirty="0">
+                <a:solidFill>
+                  <a:srgbClr val="1D1D1D"/>
+                </a:solidFill>
+                <a:latin typeface="Segoe UI Light" panose="020B0502040204020203" pitchFamily="34" charset="0"/>
+                <a:cs typeface="Segoe UI Light" panose="020B0502040204020203" pitchFamily="34" charset="0"/>
+              </a:rPr>
+              <a:t>пам’ятайте, не перевантажуйте слайди вмістом.</a:t>
+            </a:r>
+            <a:endParaRPr lang="en" dirty="0">
+              <a:solidFill>
+                <a:srgbClr val="1D1D1D"/>
+              </a:solidFill>
+              <a:latin typeface="Segoe UI Light" panose="020B0502040204020203" pitchFamily="34" charset="0"/>
+              <a:cs typeface="Segoe UI Light" panose="020B0502040204020203" pitchFamily="34" charset="0"/>
+            </a:endParaRPr>
+          </a:p>
+          <a:p>
+            <a:pPr marL="0" indent="0">
+              <a:lnSpc>
+                <a:spcPct val="150000"/>
+              </a:lnSpc>
+              <a:spcBef>
+                <a:spcPts val="0"/>
+              </a:spcBef>
+              <a:buFont typeface="Arial" panose="020B0604020202020204" pitchFamily="34" charset="0"/>
+              <a:buNone/>
+            </a:pPr>
+            <a:r>
+              <a:rPr lang="uk-UA" dirty="0">
+                <a:solidFill>
+                  <a:srgbClr val="1D1D1D"/>
+                </a:solidFill>
+                <a:latin typeface="Segoe UI Light" panose="020B0502040204020203" pitchFamily="34" charset="0"/>
+                <a:cs typeface="Segoe UI Light" panose="020B0502040204020203" pitchFamily="34" charset="0"/>
+              </a:rPr>
+              <a:t>Ваша аудиторія буде читати вміст або слухати Вас, але не те й інше водночас.</a:t>
+            </a:r>
+            <a:endParaRPr lang="en" dirty="0">
+              <a:solidFill>
+                <a:srgbClr val="1D1D1D"/>
+              </a:solidFill>
+              <a:latin typeface="Segoe UI Light" panose="020B0502040204020203" pitchFamily="34" charset="0"/>
+              <a:cs typeface="Segoe UI Light" panose="020B0502040204020203" pitchFamily="34" charset="0"/>
+            </a:endParaRPr>
+          </a:p>
+        </p:txBody>
+      </p:sp>
+      <p:pic>
+        <p:nvPicPr>
+          <p:cNvPr id="7" name="Рисунок 6"/>
+          <p:cNvPicPr>
+            <a:picLocks noChangeAspect="1"/>
+          </p:cNvPicPr>
+          <p:nvPr/>
+        </p:nvPicPr>
+        <p:blipFill>
+          <a:blip r:embed="rId4" cstate="print">
+            <a:extLst>
+              <a:ext uri="{28A0092B-C50C-407E-A947-70E740481C1C}">
+                <a14:useLocalDpi xmlns:a14="http://schemas.microsoft.com/office/drawing/2010/main" val="0"/>
+              </a:ext>
+            </a:extLst>
+          </a:blip>
+          <a:stretch>
+            <a:fillRect/>
+          </a:stretch>
+        </p:blipFill>
+        <p:spPr>
+          <a:xfrm>
+            <a:off x="10469538" y="5762416"/>
+            <a:ext cx="1383795" cy="548641"/>
+          </a:xfrm>
+          <a:prstGeom prst="rect">
+            <a:avLst/>
+          </a:prstGeom>
+        </p:spPr>
+      </p:pic>
+    </p:spTree>
+    <p:extLst>
+      <p:ext uri="{BB962C8B-B14F-4D97-AF65-F5344CB8AC3E}">
+        <p14:creationId xmlns:p14="http://schemas.microsoft.com/office/powerpoint/2010/main" val="1025243925"/>
+      </p:ext>
+    </p:extLst>
+  </p:cSld>
+  <p:clrMapOvr>
+    <a:masterClrMapping/>
+  </p:clrMapOvr>
+</p:sld>
+</file>
+
+<file path=ppt/slides/slide16.xml><?xml version="1.0" encoding="utf-8"?>
+<p:sld xmlns:a="http://schemas.openxmlformats.org/drawingml/2006/main" xmlns:r="http://schemas.openxmlformats.org/officeDocument/2006/relationships" xmlns:p="http://schemas.openxmlformats.org/presentationml/2006/main">
+  <p:cSld>
+    <p:bg>
+      <p:bgPr>
+        <a:blipFill dpi="0" rotWithShape="1">
+          <a:blip r:embed="rId3">
+            <a:lum/>
+          </a:blip>
+          <a:srcRect/>
+          <a:stretch>
+            <a:fillRect/>
+          </a:stretch>
+        </a:blipFill>
+        <a:effectLst/>
+      </p:bgPr>
+    </p:bg>
+    <p:spTree>
+      <p:nvGrpSpPr>
+        <p:cNvPr id="1" name=""/>
+        <p:cNvGrpSpPr/>
+        <p:nvPr/>
+      </p:nvGrpSpPr>
+      <p:grpSpPr>
+        <a:xfrm>
+          <a:off x="0" y="0"/>
+          <a:ext cx="0" cy="0"/>
+          <a:chOff x="0" y="0"/>
+          <a:chExt cx="0" cy="0"/>
+        </a:xfrm>
+      </p:grpSpPr>
+      <p:pic>
+        <p:nvPicPr>
+          <p:cNvPr id="2" name="Рисунок 1"/>
+          <p:cNvPicPr>
+            <a:picLocks noChangeAspect="1"/>
+          </p:cNvPicPr>
+          <p:nvPr/>
+        </p:nvPicPr>
+        <p:blipFill>
+          <a:blip r:embed="rId4">
+            <a:extLst>
+              <a:ext uri="{28A0092B-C50C-407E-A947-70E740481C1C}">
+                <a14:useLocalDpi xmlns:a14="http://schemas.microsoft.com/office/drawing/2010/main" val="0"/>
+              </a:ext>
+            </a:extLst>
+          </a:blip>
+          <a:stretch>
+            <a:fillRect/>
+          </a:stretch>
+        </p:blipFill>
+        <p:spPr>
+          <a:xfrm>
+            <a:off x="6000750" y="2000250"/>
+            <a:ext cx="6057900" cy="4381500"/>
+          </a:xfrm>
+          <a:prstGeom prst="rect">
+            <a:avLst/>
+          </a:prstGeom>
+        </p:spPr>
+      </p:pic>
+      <p:sp>
+        <p:nvSpPr>
+          <p:cNvPr id="3" name="Номер слайда 2"/>
+          <p:cNvSpPr txBox="1">
+            <a:spLocks/>
+          </p:cNvSpPr>
+          <p:nvPr/>
+        </p:nvSpPr>
+        <p:spPr>
+          <a:xfrm>
+            <a:off x="11269639" y="399197"/>
+            <a:ext cx="692624" cy="696035"/>
+          </a:xfrm>
+          <a:prstGeom prst="rect">
+            <a:avLst/>
+          </a:prstGeom>
+        </p:spPr>
+        <p:txBody>
+          <a:bodyPr vert="horz" lIns="91440" tIns="45720" rIns="91440" bIns="45720" rtlCol="0" anchor="ctr"/>
+          <a:lstStyle>
+            <a:defPPr>
+              <a:defRPr lang="ru-RU"/>
+            </a:defPPr>
+            <a:lvl1pPr marL="0" algn="r" defTabSz="914400" rtl="0" eaLnBrk="1" latinLnBrk="0" hangingPunct="1">
+              <a:defRPr sz="1200" kern="1200">
+                <a:solidFill>
+                  <a:schemeClr val="tx1">
+                    <a:tint val="75000"/>
+                  </a:schemeClr>
+                </a:solidFill>
+                <a:latin typeface="+mn-lt"/>
+                <a:ea typeface="+mn-ea"/>
+                <a:cs typeface="+mn-cs"/>
+              </a:defRPr>
+            </a:lvl1pPr>
+            <a:lvl2pPr marL="457200" algn="l" defTabSz="914400" rtl="0" eaLnBrk="1" latinLnBrk="0" hangingPunct="1">
+              <a:defRPr sz="1800" kern="1200">
+                <a:solidFill>
+                  <a:schemeClr val="tx1"/>
+                </a:solidFill>
+                <a:latin typeface="+mn-lt"/>
+                <a:ea typeface="+mn-ea"/>
+                <a:cs typeface="+mn-cs"/>
+              </a:defRPr>
+            </a:lvl2pPr>
+            <a:lvl3pPr marL="914400" algn="l" defTabSz="914400" rtl="0" eaLnBrk="1" latinLnBrk="0" hangingPunct="1">
+              <a:defRPr sz="1800" kern="1200">
+                <a:solidFill>
+                  <a:schemeClr val="tx1"/>
+                </a:solidFill>
+                <a:latin typeface="+mn-lt"/>
+                <a:ea typeface="+mn-ea"/>
+                <a:cs typeface="+mn-cs"/>
+              </a:defRPr>
+            </a:lvl3pPr>
+            <a:lvl4pPr marL="1371600" algn="l" defTabSz="914400" rtl="0" eaLnBrk="1" latinLnBrk="0" hangingPunct="1">
+              <a:defRPr sz="1800" kern="1200">
+                <a:solidFill>
+                  <a:schemeClr val="tx1"/>
+                </a:solidFill>
+                <a:latin typeface="+mn-lt"/>
+                <a:ea typeface="+mn-ea"/>
+                <a:cs typeface="+mn-cs"/>
+              </a:defRPr>
+            </a:lvl4pPr>
+            <a:lvl5pPr marL="1828800" algn="l" defTabSz="914400" rtl="0" eaLnBrk="1" latinLnBrk="0" hangingPunct="1">
+              <a:defRPr sz="1800" kern="1200">
+                <a:solidFill>
+                  <a:schemeClr val="tx1"/>
+                </a:solidFill>
+                <a:latin typeface="+mn-lt"/>
+                <a:ea typeface="+mn-ea"/>
+                <a:cs typeface="+mn-cs"/>
+              </a:defRPr>
+            </a:lvl5pPr>
+            <a:lvl6pPr marL="2286000" algn="l" defTabSz="914400" rtl="0" eaLnBrk="1" latinLnBrk="0" hangingPunct="1">
+              <a:defRPr sz="1800" kern="1200">
+                <a:solidFill>
+                  <a:schemeClr val="tx1"/>
+                </a:solidFill>
+                <a:latin typeface="+mn-lt"/>
+                <a:ea typeface="+mn-ea"/>
+                <a:cs typeface="+mn-cs"/>
+              </a:defRPr>
+            </a:lvl6pPr>
+            <a:lvl7pPr marL="2743200" algn="l" defTabSz="914400" rtl="0" eaLnBrk="1" latinLnBrk="0" hangingPunct="1">
+              <a:defRPr sz="1800" kern="1200">
+                <a:solidFill>
+                  <a:schemeClr val="tx1"/>
+                </a:solidFill>
+                <a:latin typeface="+mn-lt"/>
+                <a:ea typeface="+mn-ea"/>
+                <a:cs typeface="+mn-cs"/>
+              </a:defRPr>
+            </a:lvl7pPr>
+            <a:lvl8pPr marL="3200400" algn="l" defTabSz="914400" rtl="0" eaLnBrk="1" latinLnBrk="0" hangingPunct="1">
+              <a:defRPr sz="1800" kern="1200">
+                <a:solidFill>
+                  <a:schemeClr val="tx1"/>
+                </a:solidFill>
+                <a:latin typeface="+mn-lt"/>
+                <a:ea typeface="+mn-ea"/>
+                <a:cs typeface="+mn-cs"/>
+              </a:defRPr>
+            </a:lvl8pPr>
+            <a:lvl9pPr marL="3657600" algn="l" defTabSz="914400" rtl="0" eaLnBrk="1" latinLnBrk="0" hangingPunct="1">
+              <a:defRPr sz="1800" kern="1200">
+                <a:solidFill>
+                  <a:schemeClr val="tx1"/>
+                </a:solidFill>
+                <a:latin typeface="+mn-lt"/>
+                <a:ea typeface="+mn-ea"/>
+                <a:cs typeface="+mn-cs"/>
+              </a:defRPr>
+            </a:lvl9pPr>
+          </a:lstStyle>
+          <a:p>
+            <a:pPr algn="ctr"/>
+            <a:fld id="{19BBE8A3-314A-4B6D-9019-9FDD4FC5871A}" type="slidenum">
+              <a:rPr lang="ru-RU" sz="3000" smtClean="0">
+                <a:solidFill>
+                  <a:schemeClr val="bg1"/>
+                </a:solidFill>
+                <a:latin typeface="Segoe UI Semibold" panose="020B0702040204020203" pitchFamily="34" charset="0"/>
+                <a:cs typeface="Segoe UI Semibold" panose="020B0702040204020203" pitchFamily="34" charset="0"/>
+              </a:rPr>
+              <a:t>16</a:t>
+            </a:fld>
+            <a:endParaRPr lang="ru-RU" sz="3000" dirty="0">
+              <a:solidFill>
+                <a:schemeClr val="bg1"/>
+              </a:solidFill>
+              <a:latin typeface="Segoe UI Semibold" panose="020B0702040204020203" pitchFamily="34" charset="0"/>
+              <a:cs typeface="Segoe UI Semibold" panose="020B0702040204020203" pitchFamily="34" charset="0"/>
+            </a:endParaRPr>
+          </a:p>
+        </p:txBody>
+      </p:sp>
+      <p:sp>
+        <p:nvSpPr>
+          <p:cNvPr id="4" name="Shape 113"/>
+          <p:cNvSpPr txBox="1">
+            <a:spLocks/>
+          </p:cNvSpPr>
+          <p:nvPr/>
+        </p:nvSpPr>
+        <p:spPr>
+          <a:xfrm>
+            <a:off x="638175" y="552451"/>
+            <a:ext cx="10506075" cy="542782"/>
+          </a:xfrm>
+          <a:prstGeom prst="rect">
+            <a:avLst/>
+          </a:prstGeom>
+        </p:spPr>
+        <p:txBody>
+          <a:bodyPr lIns="91425" tIns="91425" rIns="91425" bIns="91425" anchor="b" anchorCtr="0">
+            <a:noAutofit/>
+          </a:bodyPr>
+          <a:lstStyle>
+            <a:lvl1pPr algn="l" defTabSz="914400" rtl="0" eaLnBrk="1" latinLnBrk="0" hangingPunct="1">
+              <a:lnSpc>
+                <a:spcPct val="90000"/>
+              </a:lnSpc>
+              <a:spcBef>
+                <a:spcPct val="0"/>
+              </a:spcBef>
+              <a:buNone/>
+              <a:defRPr sz="4400" kern="1200">
+                <a:solidFill>
+                  <a:schemeClr val="tx1"/>
+                </a:solidFill>
+                <a:latin typeface="+mj-lt"/>
+                <a:ea typeface="+mj-ea"/>
+                <a:cs typeface="+mj-cs"/>
+              </a:defRPr>
+            </a:lvl1pPr>
+          </a:lstStyle>
+          <a:p>
+            <a:pPr>
+              <a:spcBef>
+                <a:spcPts val="0"/>
+              </a:spcBef>
+            </a:pPr>
+            <a:r>
+              <a:rPr lang="en-US" sz="3000" dirty="0">
+                <a:solidFill>
+                  <a:srgbClr val="FFFFFF"/>
+                </a:solidFill>
+                <a:latin typeface="Segoe UI Semibold" panose="020B0702040204020203" pitchFamily="34" charset="0"/>
+                <a:cs typeface="Segoe UI Semibold" panose="020B0702040204020203" pitchFamily="34" charset="0"/>
+              </a:rPr>
+              <a:t>Summary</a:t>
+            </a:r>
+            <a:endParaRPr lang="en" sz="3000" dirty="0">
+              <a:solidFill>
+                <a:srgbClr val="FFFFFF"/>
+              </a:solidFill>
+              <a:latin typeface="Segoe UI Semibold" panose="020B0702040204020203" pitchFamily="34" charset="0"/>
+              <a:cs typeface="Segoe UI Semibold" panose="020B0702040204020203" pitchFamily="34" charset="0"/>
+            </a:endParaRPr>
+          </a:p>
+        </p:txBody>
+      </p:sp>
+      <p:sp>
+        <p:nvSpPr>
+          <p:cNvPr id="5" name="Shape 114"/>
+          <p:cNvSpPr txBox="1">
+            <a:spLocks/>
+          </p:cNvSpPr>
+          <p:nvPr/>
+        </p:nvSpPr>
+        <p:spPr>
+          <a:xfrm>
+            <a:off x="655636" y="1851815"/>
+            <a:ext cx="6911234" cy="4444210"/>
+          </a:xfrm>
+          <a:prstGeom prst="rect">
+            <a:avLst/>
+          </a:prstGeom>
+        </p:spPr>
+        <p:txBody>
+          <a:bodyPr lIns="91425" tIns="91425" rIns="91425" bIns="91425" anchor="t" anchorCtr="0">
+            <a:noAutofit/>
+          </a:bodyPr>
+          <a:lstStyle>
+            <a:lvl1pPr marL="228600" indent="-228600" algn="l" defTabSz="914400" rtl="0" eaLnBrk="1" latinLnBrk="0" hangingPunct="1">
+              <a:lnSpc>
+                <a:spcPct val="90000"/>
+              </a:lnSpc>
+              <a:spcBef>
+                <a:spcPts val="1000"/>
+              </a:spcBef>
+              <a:buFont typeface="Arial" panose="020B0604020202020204" pitchFamily="34" charset="0"/>
+              <a:buChar char="•"/>
+              <a:defRPr sz="2800" kern="1200">
+                <a:solidFill>
+                  <a:schemeClr val="tx1"/>
+                </a:solidFill>
+                <a:latin typeface="+mn-lt"/>
+                <a:ea typeface="+mn-ea"/>
+                <a:cs typeface="+mn-cs"/>
+              </a:defRPr>
+            </a:lvl1pPr>
+            <a:lvl2pPr marL="685800" indent="-228600" algn="l" defTabSz="914400" rtl="0" eaLnBrk="1" latinLnBrk="0" hangingPunct="1">
+              <a:lnSpc>
+                <a:spcPct val="90000"/>
+              </a:lnSpc>
+              <a:spcBef>
+                <a:spcPts val="500"/>
+              </a:spcBef>
+              <a:buFont typeface="Arial" panose="020B0604020202020204" pitchFamily="34" charset="0"/>
+              <a:buChar char="•"/>
+              <a:defRPr sz="2400" kern="1200">
+                <a:solidFill>
+                  <a:schemeClr val="tx1"/>
+                </a:solidFill>
+                <a:latin typeface="+mn-lt"/>
+                <a:ea typeface="+mn-ea"/>
+                <a:cs typeface="+mn-cs"/>
+              </a:defRPr>
+            </a:lvl2pPr>
+            <a:lvl3pPr marL="1143000" indent="-228600" algn="l" defTabSz="914400" rtl="0" eaLnBrk="1" latinLnBrk="0" hangingPunct="1">
+              <a:lnSpc>
+                <a:spcPct val="90000"/>
+              </a:lnSpc>
+              <a:spcBef>
+                <a:spcPts val="500"/>
+              </a:spcBef>
+              <a:buFont typeface="Arial" panose="020B0604020202020204" pitchFamily="34" charset="0"/>
+              <a:buChar char="•"/>
+              <a:defRPr sz="2000" kern="1200">
+                <a:solidFill>
+                  <a:schemeClr val="tx1"/>
+                </a:solidFill>
+                <a:latin typeface="+mn-lt"/>
+                <a:ea typeface="+mn-ea"/>
+                <a:cs typeface="+mn-cs"/>
+              </a:defRPr>
+            </a:lvl3pPr>
+            <a:lvl4pPr marL="1600200" indent="-228600" algn="l" defTabSz="914400" rtl="0" eaLnBrk="1" latinLnBrk="0" hangingPunct="1">
+              <a:lnSpc>
+                <a:spcPct val="90000"/>
+              </a:lnSpc>
+              <a:spcBef>
+                <a:spcPts val="500"/>
+              </a:spcBef>
+              <a:buFont typeface="Arial" panose="020B0604020202020204" pitchFamily="34" charset="0"/>
+              <a:buChar char="•"/>
+              <a:defRPr sz="1800" kern="1200">
+                <a:solidFill>
+                  <a:schemeClr val="tx1"/>
+                </a:solidFill>
+                <a:latin typeface="+mn-lt"/>
+                <a:ea typeface="+mn-ea"/>
+                <a:cs typeface="+mn-cs"/>
+              </a:defRPr>
+            </a:lvl4pPr>
+            <a:lvl5pPr marL="2057400" indent="-228600" algn="l" defTabSz="914400" rtl="0" eaLnBrk="1" latinLnBrk="0" hangingPunct="1">
+              <a:lnSpc>
+                <a:spcPct val="90000"/>
+              </a:lnSpc>
+              <a:spcBef>
+                <a:spcPts val="500"/>
+              </a:spcBef>
+              <a:buFont typeface="Arial" panose="020B0604020202020204" pitchFamily="34" charset="0"/>
+              <a:buChar char="•"/>
+              <a:defRPr sz="1800" kern="1200">
+                <a:solidFill>
+                  <a:schemeClr val="tx1"/>
+                </a:solidFill>
+                <a:latin typeface="+mn-lt"/>
+                <a:ea typeface="+mn-ea"/>
+                <a:cs typeface="+mn-cs"/>
+              </a:defRPr>
+            </a:lvl5pPr>
+            <a:lvl6pPr marL="2514600" indent="-228600" algn="l" defTabSz="914400" rtl="0" eaLnBrk="1" latinLnBrk="0" hangingPunct="1">
+              <a:lnSpc>
+                <a:spcPct val="90000"/>
+              </a:lnSpc>
+              <a:spcBef>
+                <a:spcPts val="500"/>
+              </a:spcBef>
+              <a:buFont typeface="Arial" panose="020B0604020202020204" pitchFamily="34" charset="0"/>
+              <a:buChar char="•"/>
+              <a:defRPr sz="1800" kern="1200">
+                <a:solidFill>
+                  <a:schemeClr val="tx1"/>
+                </a:solidFill>
+                <a:latin typeface="+mn-lt"/>
+                <a:ea typeface="+mn-ea"/>
+                <a:cs typeface="+mn-cs"/>
+              </a:defRPr>
+            </a:lvl6pPr>
+            <a:lvl7pPr marL="2971800" indent="-228600" algn="l" defTabSz="914400" rtl="0" eaLnBrk="1" latinLnBrk="0" hangingPunct="1">
+              <a:lnSpc>
+                <a:spcPct val="90000"/>
+              </a:lnSpc>
+              <a:spcBef>
+                <a:spcPts val="500"/>
+              </a:spcBef>
+              <a:buFont typeface="Arial" panose="020B0604020202020204" pitchFamily="34" charset="0"/>
+              <a:buChar char="•"/>
+              <a:defRPr sz="1800" kern="1200">
+                <a:solidFill>
+                  <a:schemeClr val="tx1"/>
+                </a:solidFill>
+                <a:latin typeface="+mn-lt"/>
+                <a:ea typeface="+mn-ea"/>
+                <a:cs typeface="+mn-cs"/>
+              </a:defRPr>
+            </a:lvl7pPr>
+            <a:lvl8pPr marL="3429000" indent="-228600" algn="l" defTabSz="914400" rtl="0" eaLnBrk="1" latinLnBrk="0" hangingPunct="1">
+              <a:lnSpc>
+                <a:spcPct val="90000"/>
+              </a:lnSpc>
+              <a:spcBef>
+                <a:spcPts val="500"/>
+              </a:spcBef>
+              <a:buFont typeface="Arial" panose="020B0604020202020204" pitchFamily="34" charset="0"/>
+              <a:buChar char="•"/>
+              <a:defRPr sz="1800" kern="1200">
+                <a:solidFill>
+                  <a:schemeClr val="tx1"/>
+                </a:solidFill>
+                <a:latin typeface="+mn-lt"/>
+                <a:ea typeface="+mn-ea"/>
+                <a:cs typeface="+mn-cs"/>
+              </a:defRPr>
+            </a:lvl8pPr>
+            <a:lvl9pPr marL="3886200" indent="-228600" algn="l" defTabSz="914400" rtl="0" eaLnBrk="1" latinLnBrk="0" hangingPunct="1">
+              <a:lnSpc>
+                <a:spcPct val="90000"/>
+              </a:lnSpc>
+              <a:spcBef>
+                <a:spcPts val="500"/>
+              </a:spcBef>
+              <a:buFont typeface="Arial" panose="020B0604020202020204" pitchFamily="34" charset="0"/>
+              <a:buChar char="•"/>
+              <a:defRPr sz="1800" kern="1200">
+                <a:solidFill>
+                  <a:schemeClr val="tx1"/>
+                </a:solidFill>
+                <a:latin typeface="+mn-lt"/>
+                <a:ea typeface="+mn-ea"/>
+                <a:cs typeface="+mn-cs"/>
+              </a:defRPr>
+            </a:lvl9pPr>
+          </a:lstStyle>
+          <a:p>
+            <a:pPr>
+              <a:lnSpc>
+                <a:spcPct val="150000"/>
+              </a:lnSpc>
+              <a:spcBef>
+                <a:spcPts val="0"/>
+              </a:spcBef>
+              <a:buFontTx/>
+              <a:buChar char="-"/>
+            </a:pPr>
+            <a:r>
+              <a:rPr lang="en-US" dirty="0" err="1">
+                <a:solidFill>
+                  <a:srgbClr val="1D1D1D"/>
+                </a:solidFill>
+                <a:latin typeface="Segoe UI Light" panose="020B0502040204020203" pitchFamily="34" charset="0"/>
+                <a:cs typeface="Segoe UI Light" panose="020B0502040204020203" pitchFamily="34" charset="0"/>
+              </a:rPr>
+              <a:t>Github</a:t>
+            </a:r>
+            <a:r>
+              <a:rPr lang="en-US" dirty="0">
+                <a:solidFill>
+                  <a:srgbClr val="1D1D1D"/>
+                </a:solidFill>
+                <a:latin typeface="Segoe UI Light" panose="020B0502040204020203" pitchFamily="34" charset="0"/>
+                <a:cs typeface="Segoe UI Light" panose="020B0502040204020203" pitchFamily="34" charset="0"/>
+              </a:rPr>
+              <a:t> is awesome, let’s </a:t>
+            </a:r>
+            <a:r>
+              <a:rPr lang="en-US" dirty="0" err="1">
+                <a:solidFill>
+                  <a:srgbClr val="1D1D1D"/>
+                </a:solidFill>
+                <a:latin typeface="Segoe UI Light" panose="020B0502040204020203" pitchFamily="34" charset="0"/>
+                <a:cs typeface="Segoe UI Light" panose="020B0502040204020203" pitchFamily="34" charset="0"/>
+              </a:rPr>
+              <a:t>migate</a:t>
+            </a:r>
+            <a:endParaRPr lang="en-US" dirty="0">
+              <a:solidFill>
+                <a:srgbClr val="1D1D1D"/>
+              </a:solidFill>
+              <a:latin typeface="Segoe UI Light" panose="020B0502040204020203" pitchFamily="34" charset="0"/>
+              <a:cs typeface="Segoe UI Light" panose="020B0502040204020203" pitchFamily="34" charset="0"/>
+            </a:endParaRPr>
+          </a:p>
+          <a:p>
+            <a:pPr>
+              <a:lnSpc>
+                <a:spcPct val="150000"/>
+              </a:lnSpc>
+              <a:spcBef>
+                <a:spcPts val="0"/>
+              </a:spcBef>
+              <a:buFontTx/>
+              <a:buChar char="-"/>
+            </a:pPr>
+            <a:r>
+              <a:rPr lang="en-US" dirty="0">
+                <a:solidFill>
+                  <a:srgbClr val="1D1D1D"/>
+                </a:solidFill>
+                <a:latin typeface="Segoe UI Light" panose="020B0502040204020203" pitchFamily="34" charset="0"/>
+                <a:cs typeface="Segoe UI Light" panose="020B0502040204020203" pitchFamily="34" charset="0"/>
+              </a:rPr>
+              <a:t>Always use forks</a:t>
+            </a:r>
+          </a:p>
+          <a:p>
+            <a:pPr>
+              <a:lnSpc>
+                <a:spcPct val="150000"/>
+              </a:lnSpc>
+              <a:spcBef>
+                <a:spcPts val="0"/>
+              </a:spcBef>
+              <a:buFontTx/>
+              <a:buChar char="-"/>
+            </a:pPr>
+            <a:r>
+              <a:rPr lang="en-US" dirty="0">
+                <a:solidFill>
+                  <a:srgbClr val="1D1D1D"/>
+                </a:solidFill>
+                <a:latin typeface="Segoe UI Light" panose="020B0502040204020203" pitchFamily="34" charset="0"/>
+                <a:cs typeface="Segoe UI Light" panose="020B0502040204020203" pitchFamily="34" charset="0"/>
+              </a:rPr>
+              <a:t>Use setting for branches</a:t>
+            </a:r>
+          </a:p>
+          <a:p>
+            <a:pPr>
+              <a:lnSpc>
+                <a:spcPct val="150000"/>
+              </a:lnSpc>
+              <a:spcBef>
+                <a:spcPts val="0"/>
+              </a:spcBef>
+              <a:buFontTx/>
+              <a:buChar char="-"/>
+            </a:pPr>
+            <a:r>
+              <a:rPr lang="en-US" dirty="0" err="1">
+                <a:solidFill>
+                  <a:srgbClr val="1D1D1D"/>
+                </a:solidFill>
+                <a:latin typeface="Segoe UI Light" panose="020B0502040204020203" pitchFamily="34" charset="0"/>
+                <a:cs typeface="Segoe UI Light" panose="020B0502040204020203" pitchFamily="34" charset="0"/>
+              </a:rPr>
+              <a:t>PullRequest</a:t>
+            </a:r>
+            <a:r>
+              <a:rPr lang="en-US" dirty="0">
+                <a:solidFill>
+                  <a:srgbClr val="1D1D1D"/>
+                </a:solidFill>
+                <a:latin typeface="Segoe UI Light" panose="020B0502040204020203" pitchFamily="34" charset="0"/>
+                <a:cs typeface="Segoe UI Light" panose="020B0502040204020203" pitchFamily="34" charset="0"/>
+              </a:rPr>
+              <a:t> before merging with central repository</a:t>
+            </a:r>
+          </a:p>
+          <a:p>
+            <a:pPr>
+              <a:lnSpc>
+                <a:spcPct val="150000"/>
+              </a:lnSpc>
+              <a:spcBef>
+                <a:spcPts val="0"/>
+              </a:spcBef>
+              <a:buFontTx/>
+              <a:buChar char="-"/>
+            </a:pPr>
+            <a:r>
+              <a:rPr lang="en-US" dirty="0">
+                <a:solidFill>
+                  <a:srgbClr val="1D1D1D"/>
+                </a:solidFill>
+                <a:latin typeface="Segoe UI Light" panose="020B0502040204020203" pitchFamily="34" charset="0"/>
+                <a:cs typeface="Segoe UI Light" panose="020B0502040204020203" pitchFamily="34" charset="0"/>
+              </a:rPr>
+              <a:t>Submodules for huge projects</a:t>
+            </a:r>
+          </a:p>
+          <a:p>
+            <a:pPr>
+              <a:lnSpc>
+                <a:spcPct val="150000"/>
+              </a:lnSpc>
+              <a:spcBef>
+                <a:spcPts val="0"/>
+              </a:spcBef>
+              <a:buFontTx/>
+              <a:buChar char="-"/>
+            </a:pPr>
+            <a:r>
+              <a:rPr lang="en-US" dirty="0">
+                <a:solidFill>
+                  <a:srgbClr val="1D1D1D"/>
+                </a:solidFill>
+                <a:latin typeface="Segoe UI Light" panose="020B0502040204020203" pitchFamily="34" charset="0"/>
+                <a:cs typeface="Segoe UI Light" panose="020B0502040204020203" pitchFamily="34" charset="0"/>
+              </a:rPr>
+              <a:t>GitLab is coming…</a:t>
+            </a:r>
+          </a:p>
+          <a:p>
+            <a:pPr>
+              <a:lnSpc>
+                <a:spcPct val="150000"/>
+              </a:lnSpc>
+              <a:spcBef>
+                <a:spcPts val="0"/>
+              </a:spcBef>
+              <a:buFontTx/>
+              <a:buChar char="-"/>
+            </a:pPr>
+            <a:endParaRPr lang="en" dirty="0">
+              <a:solidFill>
+                <a:srgbClr val="1D1D1D"/>
+              </a:solidFill>
+              <a:latin typeface="Segoe UI Light" panose="020B0502040204020203" pitchFamily="34" charset="0"/>
+              <a:cs typeface="Segoe UI Light" panose="020B0502040204020203" pitchFamily="34" charset="0"/>
+            </a:endParaRPr>
+          </a:p>
+        </p:txBody>
+      </p:sp>
+      <p:pic>
+        <p:nvPicPr>
+          <p:cNvPr id="7" name="Рисунок 6"/>
+          <p:cNvPicPr>
+            <a:picLocks noChangeAspect="1"/>
+          </p:cNvPicPr>
+          <p:nvPr/>
+        </p:nvPicPr>
+        <p:blipFill>
+          <a:blip r:embed="rId5" cstate="print">
+            <a:extLst>
+              <a:ext uri="{28A0092B-C50C-407E-A947-70E740481C1C}">
+                <a14:useLocalDpi xmlns:a14="http://schemas.microsoft.com/office/drawing/2010/main" val="0"/>
+              </a:ext>
+            </a:extLst>
+          </a:blip>
+          <a:stretch>
+            <a:fillRect/>
+          </a:stretch>
+        </p:blipFill>
+        <p:spPr>
+          <a:xfrm>
+            <a:off x="10469538" y="5762416"/>
+            <a:ext cx="1383795" cy="548641"/>
+          </a:xfrm>
+          <a:prstGeom prst="rect">
+            <a:avLst/>
+          </a:prstGeom>
+        </p:spPr>
+      </p:pic>
+    </p:spTree>
+    <p:extLst>
+      <p:ext uri="{BB962C8B-B14F-4D97-AF65-F5344CB8AC3E}">
+        <p14:creationId xmlns:p14="http://schemas.microsoft.com/office/powerpoint/2010/main" val="1241848334"/>
+      </p:ext>
+    </p:extLst>
+  </p:cSld>
+  <p:clrMapOvr>
+    <a:masterClrMapping/>
+  </p:clrMapOvr>
+</p:sld>
+</file>
+
+<file path=ppt/slides/slide17.xml><?xml version="1.0" encoding="utf-8"?>
+<p:sld xmlns:a="http://schemas.openxmlformats.org/drawingml/2006/main" xmlns:r="http://schemas.openxmlformats.org/officeDocument/2006/relationships" xmlns:p="http://schemas.openxmlformats.org/presentationml/2006/main">
+  <p:cSld>
+    <p:bg>
+      <p:bgPr>
+        <a:blipFill dpi="0" rotWithShape="1">
+          <a:blip r:embed="rId3">
+            <a:lum/>
+          </a:blip>
+          <a:srcRect/>
+          <a:stretch>
+            <a:fillRect/>
+          </a:stretch>
+        </a:blipFill>
+        <a:effectLst/>
+      </p:bgPr>
+    </p:bg>
+    <p:spTree>
+      <p:nvGrpSpPr>
+        <p:cNvPr id="1" name=""/>
+        <p:cNvGrpSpPr/>
+        <p:nvPr/>
+      </p:nvGrpSpPr>
+      <p:grpSpPr>
+        <a:xfrm>
+          <a:off x="0" y="0"/>
+          <a:ext cx="0" cy="0"/>
+          <a:chOff x="0" y="0"/>
+          <a:chExt cx="0" cy="0"/>
+        </a:xfrm>
+      </p:grpSpPr>
+      <p:sp>
+        <p:nvSpPr>
+          <p:cNvPr id="3" name="Номер слайда 2"/>
+          <p:cNvSpPr txBox="1">
+            <a:spLocks/>
+          </p:cNvSpPr>
+          <p:nvPr/>
+        </p:nvSpPr>
+        <p:spPr>
+          <a:xfrm>
+            <a:off x="11269639" y="399197"/>
+            <a:ext cx="692624" cy="696035"/>
+          </a:xfrm>
+          <a:prstGeom prst="rect">
+            <a:avLst/>
+          </a:prstGeom>
+        </p:spPr>
+        <p:txBody>
+          <a:bodyPr vert="horz" lIns="91440" tIns="45720" rIns="91440" bIns="45720" rtlCol="0" anchor="ctr"/>
+          <a:lstStyle>
+            <a:defPPr>
+              <a:defRPr lang="ru-RU"/>
+            </a:defPPr>
+            <a:lvl1pPr marL="0" algn="r" defTabSz="914400" rtl="0" eaLnBrk="1" latinLnBrk="0" hangingPunct="1">
+              <a:defRPr sz="1200" kern="1200">
+                <a:solidFill>
+                  <a:schemeClr val="tx1">
+                    <a:tint val="75000"/>
+                  </a:schemeClr>
+                </a:solidFill>
+                <a:latin typeface="+mn-lt"/>
+                <a:ea typeface="+mn-ea"/>
+                <a:cs typeface="+mn-cs"/>
+              </a:defRPr>
+            </a:lvl1pPr>
+            <a:lvl2pPr marL="457200" algn="l" defTabSz="914400" rtl="0" eaLnBrk="1" latinLnBrk="0" hangingPunct="1">
+              <a:defRPr sz="1800" kern="1200">
+                <a:solidFill>
+                  <a:schemeClr val="tx1"/>
+                </a:solidFill>
+                <a:latin typeface="+mn-lt"/>
+                <a:ea typeface="+mn-ea"/>
+                <a:cs typeface="+mn-cs"/>
+              </a:defRPr>
+            </a:lvl2pPr>
+            <a:lvl3pPr marL="914400" algn="l" defTabSz="914400" rtl="0" eaLnBrk="1" latinLnBrk="0" hangingPunct="1">
+              <a:defRPr sz="1800" kern="1200">
+                <a:solidFill>
+                  <a:schemeClr val="tx1"/>
+                </a:solidFill>
+                <a:latin typeface="+mn-lt"/>
+                <a:ea typeface="+mn-ea"/>
+                <a:cs typeface="+mn-cs"/>
+              </a:defRPr>
+            </a:lvl3pPr>
+            <a:lvl4pPr marL="1371600" algn="l" defTabSz="914400" rtl="0" eaLnBrk="1" latinLnBrk="0" hangingPunct="1">
+              <a:defRPr sz="1800" kern="1200">
+                <a:solidFill>
+                  <a:schemeClr val="tx1"/>
+                </a:solidFill>
+                <a:latin typeface="+mn-lt"/>
+                <a:ea typeface="+mn-ea"/>
+                <a:cs typeface="+mn-cs"/>
+              </a:defRPr>
+            </a:lvl4pPr>
+            <a:lvl5pPr marL="1828800" algn="l" defTabSz="914400" rtl="0" eaLnBrk="1" latinLnBrk="0" hangingPunct="1">
+              <a:defRPr sz="1800" kern="1200">
+                <a:solidFill>
+                  <a:schemeClr val="tx1"/>
+                </a:solidFill>
+                <a:latin typeface="+mn-lt"/>
+                <a:ea typeface="+mn-ea"/>
+                <a:cs typeface="+mn-cs"/>
+              </a:defRPr>
+            </a:lvl5pPr>
+            <a:lvl6pPr marL="2286000" algn="l" defTabSz="914400" rtl="0" eaLnBrk="1" latinLnBrk="0" hangingPunct="1">
+              <a:defRPr sz="1800" kern="1200">
+                <a:solidFill>
+                  <a:schemeClr val="tx1"/>
+                </a:solidFill>
+                <a:latin typeface="+mn-lt"/>
+                <a:ea typeface="+mn-ea"/>
+                <a:cs typeface="+mn-cs"/>
+              </a:defRPr>
+            </a:lvl6pPr>
+            <a:lvl7pPr marL="2743200" algn="l" defTabSz="914400" rtl="0" eaLnBrk="1" latinLnBrk="0" hangingPunct="1">
+              <a:defRPr sz="1800" kern="1200">
+                <a:solidFill>
+                  <a:schemeClr val="tx1"/>
+                </a:solidFill>
+                <a:latin typeface="+mn-lt"/>
+                <a:ea typeface="+mn-ea"/>
+                <a:cs typeface="+mn-cs"/>
+              </a:defRPr>
+            </a:lvl7pPr>
+            <a:lvl8pPr marL="3200400" algn="l" defTabSz="914400" rtl="0" eaLnBrk="1" latinLnBrk="0" hangingPunct="1">
+              <a:defRPr sz="1800" kern="1200">
+                <a:solidFill>
+                  <a:schemeClr val="tx1"/>
+                </a:solidFill>
+                <a:latin typeface="+mn-lt"/>
+                <a:ea typeface="+mn-ea"/>
+                <a:cs typeface="+mn-cs"/>
+              </a:defRPr>
+            </a:lvl8pPr>
+            <a:lvl9pPr marL="3657600" algn="l" defTabSz="914400" rtl="0" eaLnBrk="1" latinLnBrk="0" hangingPunct="1">
+              <a:defRPr sz="1800" kern="1200">
+                <a:solidFill>
+                  <a:schemeClr val="tx1"/>
+                </a:solidFill>
+                <a:latin typeface="+mn-lt"/>
+                <a:ea typeface="+mn-ea"/>
+                <a:cs typeface="+mn-cs"/>
+              </a:defRPr>
+            </a:lvl9pPr>
+          </a:lstStyle>
+          <a:p>
+            <a:pPr algn="ctr"/>
+            <a:fld id="{19BBE8A3-314A-4B6D-9019-9FDD4FC5871A}" type="slidenum">
+              <a:rPr lang="ru-RU" sz="3000" smtClean="0">
+                <a:solidFill>
+                  <a:schemeClr val="bg1"/>
+                </a:solidFill>
+                <a:latin typeface="Segoe UI Semibold" panose="020B0702040204020203" pitchFamily="34" charset="0"/>
+                <a:cs typeface="Segoe UI Semibold" panose="020B0702040204020203" pitchFamily="34" charset="0"/>
+              </a:rPr>
+              <a:t>17</a:t>
+            </a:fld>
+            <a:endParaRPr lang="ru-RU" sz="3000" dirty="0">
+              <a:solidFill>
+                <a:schemeClr val="bg1"/>
               </a:solidFill>
               <a:latin typeface="Segoe UI Semibold" panose="020B0702040204020203" pitchFamily="34" charset="0"/>
               <a:cs typeface="Segoe UI Semibold" panose="020B0702040204020203" pitchFamily="34" charset="0"/>
@@ -5940,14 +8861,14 @@
               </a:spcBef>
             </a:pPr>
             <a:r>
-              <a:rPr lang="uk-UA" sz="12000" dirty="0">
+              <a:rPr lang="en-US" sz="12000" dirty="0">
                 <a:solidFill>
                   <a:srgbClr val="0070C0"/>
                 </a:solidFill>
                 <a:latin typeface="Segoe UI Semibold" panose="020B0702040204020203" pitchFamily="34" charset="0"/>
                 <a:cs typeface="Segoe UI Semibold" panose="020B0702040204020203" pitchFamily="34" charset="0"/>
               </a:rPr>
-              <a:t>23 456 890</a:t>
+              <a:t>QA</a:t>
             </a:r>
             <a:endParaRPr lang="en" sz="12000" dirty="0">
               <a:solidFill>
@@ -5956,130 +8877,6 @@
               <a:latin typeface="Segoe UI Semibold" panose="020B0702040204020203" pitchFamily="34" charset="0"/>
               <a:cs typeface="Segoe UI Semibold" panose="020B0702040204020203" pitchFamily="34" charset="0"/>
             </a:endParaRPr>
-          </a:p>
-        </p:txBody>
-      </p:sp>
-      <p:sp>
-        <p:nvSpPr>
-          <p:cNvPr id="6" name="Прямоугольник 5"/>
-          <p:cNvSpPr/>
-          <p:nvPr/>
-        </p:nvSpPr>
-        <p:spPr>
-          <a:xfrm>
-            <a:off x="3534505" y="4952858"/>
-            <a:ext cx="5173147" cy="400110"/>
-          </a:xfrm>
-          <a:prstGeom prst="rect">
-            <a:avLst/>
-          </a:prstGeom>
-        </p:spPr>
-        <p:txBody>
-          <a:bodyPr wrap="none">
-            <a:spAutoFit/>
-          </a:bodyPr>
-          <a:lstStyle/>
-          <a:p>
-            <a:r>
-              <a:rPr lang="ru-RU" sz="2000" dirty="0" err="1">
-                <a:solidFill>
-                  <a:srgbClr val="FFFFFF"/>
-                </a:solidFill>
-                <a:latin typeface="Segoe UI Light" panose="020B0502040204020203" pitchFamily="34" charset="0"/>
-                <a:cs typeface="Segoe UI Light" panose="020B0502040204020203" pitchFamily="34" charset="0"/>
-              </a:rPr>
-              <a:t>Вау</a:t>
-            </a:r>
-            <a:r>
-              <a:rPr lang="ru-RU" sz="2000" dirty="0">
-                <a:solidFill>
-                  <a:srgbClr val="FFFFFF"/>
-                </a:solidFill>
-                <a:latin typeface="Segoe UI Light" panose="020B0502040204020203" pitchFamily="34" charset="0"/>
-                <a:cs typeface="Segoe UI Light" panose="020B0502040204020203" pitchFamily="34" charset="0"/>
-              </a:rPr>
-              <a:t>! </a:t>
-            </a:r>
-            <a:r>
-              <a:rPr lang="ru-RU" sz="2000" dirty="0" err="1">
-                <a:solidFill>
-                  <a:srgbClr val="FFFFFF"/>
-                </a:solidFill>
-                <a:latin typeface="Segoe UI Light" panose="020B0502040204020203" pitchFamily="34" charset="0"/>
-                <a:cs typeface="Segoe UI Light" panose="020B0502040204020203" pitchFamily="34" charset="0"/>
-              </a:rPr>
-              <a:t>Це</a:t>
-            </a:r>
-            <a:r>
-              <a:rPr lang="ru-RU" sz="2000" dirty="0">
-                <a:solidFill>
-                  <a:srgbClr val="FFFFFF"/>
-                </a:solidFill>
-                <a:latin typeface="Segoe UI Light" panose="020B0502040204020203" pitchFamily="34" charset="0"/>
-                <a:cs typeface="Segoe UI Light" panose="020B0502040204020203" pitchFamily="34" charset="0"/>
-              </a:rPr>
-              <a:t> </a:t>
-            </a:r>
-            <a:r>
-              <a:rPr lang="ru-RU" sz="2000" dirty="0" err="1">
-                <a:solidFill>
-                  <a:srgbClr val="FFFFFF"/>
-                </a:solidFill>
-                <a:latin typeface="Segoe UI Light" panose="020B0502040204020203" pitchFamily="34" charset="0"/>
-                <a:cs typeface="Segoe UI Light" panose="020B0502040204020203" pitchFamily="34" charset="0"/>
-              </a:rPr>
-              <a:t>велике</a:t>
-            </a:r>
-            <a:r>
-              <a:rPr lang="ru-RU" sz="2000" dirty="0">
-                <a:solidFill>
-                  <a:srgbClr val="FFFFFF"/>
-                </a:solidFill>
-                <a:latin typeface="Segoe UI Light" panose="020B0502040204020203" pitchFamily="34" charset="0"/>
-                <a:cs typeface="Segoe UI Light" panose="020B0502040204020203" pitchFamily="34" charset="0"/>
-              </a:rPr>
-              <a:t> число, </a:t>
-            </a:r>
-            <a:r>
-              <a:rPr lang="ru-RU" sz="2000" dirty="0" err="1">
-                <a:solidFill>
-                  <a:srgbClr val="FFFFFF"/>
-                </a:solidFill>
-                <a:latin typeface="Segoe UI Light" panose="020B0502040204020203" pitchFamily="34" charset="0"/>
-                <a:cs typeface="Segoe UI Light" panose="020B0502040204020203" pitchFamily="34" charset="0"/>
-              </a:rPr>
-              <a:t>хіба</a:t>
-            </a:r>
-            <a:r>
-              <a:rPr lang="ru-RU" sz="2000" dirty="0">
-                <a:solidFill>
-                  <a:srgbClr val="FFFFFF"/>
-                </a:solidFill>
-                <a:latin typeface="Segoe UI Light" panose="020B0502040204020203" pitchFamily="34" charset="0"/>
-                <a:cs typeface="Segoe UI Light" panose="020B0502040204020203" pitchFamily="34" charset="0"/>
-              </a:rPr>
-              <a:t> Ви не </a:t>
-            </a:r>
-            <a:r>
-              <a:rPr lang="ru-RU" sz="2000" dirty="0" err="1">
-                <a:solidFill>
-                  <a:srgbClr val="FFFFFF"/>
-                </a:solidFill>
-                <a:latin typeface="Segoe UI Light" panose="020B0502040204020203" pitchFamily="34" charset="0"/>
-                <a:cs typeface="Segoe UI Light" panose="020B0502040204020203" pitchFamily="34" charset="0"/>
-              </a:rPr>
-              <a:t>пишаєтесь</a:t>
-            </a:r>
-            <a:r>
-              <a:rPr lang="ru-RU" sz="2000" dirty="0">
-                <a:solidFill>
-                  <a:srgbClr val="FFFFFF"/>
-                </a:solidFill>
-                <a:latin typeface="Segoe UI Light" panose="020B0502040204020203" pitchFamily="34" charset="0"/>
-                <a:cs typeface="Segoe UI Light" panose="020B0502040204020203" pitchFamily="34" charset="0"/>
-              </a:rPr>
-              <a:t>?</a:t>
-            </a:r>
           </a:p>
         </p:txBody>
       </p:sp>
@@ -6126,7 +8923,7 @@
 </p:sld>
 </file>
 
-<file path=ppt/slides/slide12.xml><?xml version="1.0" encoding="utf-8"?>
+<file path=ppt/slides/slide18.xml><?xml version="1.0" encoding="utf-8"?>
 <p:sld xmlns:a="http://schemas.openxmlformats.org/drawingml/2006/main" xmlns:r="http://schemas.openxmlformats.org/officeDocument/2006/relationships" xmlns:p="http://schemas.openxmlformats.org/presentationml/2006/main">
   <p:cSld>
     <p:bg>
@@ -6331,7 +9128,7 @@
                 <a:latin typeface="Segoe UI Semibold" panose="020B0702040204020203" pitchFamily="34" charset="0"/>
                 <a:cs typeface="Segoe UI Semibold" panose="020B0702040204020203" pitchFamily="34" charset="0"/>
               </a:rPr>
-              <a:t>12</a:t>
+              <a:t>18</a:t>
             </a:fld>
             <a:endParaRPr lang="ru-RU" sz="3000" dirty="0">
               <a:solidFill>
@@ -6634,15 +9431,22 @@
               <a:buChar char="•"/>
             </a:pPr>
             <a:r>
-              <a:rPr lang="uk-UA" sz="3000" dirty="0">
+              <a:rPr lang="en-US" sz="3000" dirty="0">
                 <a:solidFill>
                   <a:srgbClr val="1D1D1D"/>
                 </a:solidFill>
                 <a:latin typeface="Segoe UI Semibold" panose="020B0702040204020203" pitchFamily="34" charset="0"/>
                 <a:cs typeface="Segoe UI Semibold" panose="020B0702040204020203" pitchFamily="34" charset="0"/>
               </a:rPr>
-              <a:t>ЗАГОЛОВОК РОЗДІЛУ</a:t>
-            </a:r>
+              <a:t>Forks </a:t>
+            </a:r>
+            <a:endParaRPr lang="uk-UA" sz="3000" dirty="0">
+              <a:solidFill>
+                <a:srgbClr val="1D1D1D"/>
+              </a:solidFill>
+              <a:latin typeface="Segoe UI Semibold" panose="020B0702040204020203" pitchFamily="34" charset="0"/>
+              <a:cs typeface="Segoe UI Semibold" panose="020B0702040204020203" pitchFamily="34" charset="0"/>
+            </a:endParaRPr>
           </a:p>
           <a:p>
             <a:pPr marL="361950" indent="-361950">
@@ -6660,14 +9464,14 @@
               <a:buChar char="•"/>
             </a:pPr>
             <a:r>
-              <a:rPr lang="uk-UA" sz="3000" dirty="0">
+              <a:rPr lang="en-US" sz="3000" dirty="0">
                 <a:solidFill>
                   <a:srgbClr val="1D1D1D"/>
                 </a:solidFill>
                 <a:latin typeface="Segoe UI Semibold" panose="020B0702040204020203" pitchFamily="34" charset="0"/>
                 <a:cs typeface="Segoe UI Semibold" panose="020B0702040204020203" pitchFamily="34" charset="0"/>
               </a:rPr>
-              <a:t>ЗАГОЛОВОК РОЗДІЛУ </a:t>
+              <a:t>Branches</a:t>
             </a:r>
           </a:p>
           <a:p>
@@ -6686,15 +9490,55 @@
               <a:buChar char="•"/>
             </a:pPr>
             <a:r>
-              <a:rPr lang="uk-UA" sz="3000" dirty="0">
+              <a:rPr lang="en-US" sz="3000" dirty="0" err="1">
                 <a:solidFill>
                   <a:srgbClr val="1D1D1D"/>
                 </a:solidFill>
                 <a:latin typeface="Segoe UI Semibold" panose="020B0702040204020203" pitchFamily="34" charset="0"/>
                 <a:cs typeface="Segoe UI Semibold" panose="020B0702040204020203" pitchFamily="34" charset="0"/>
               </a:rPr>
-              <a:t>ЗАГОЛОВОК РОЗДІЛУ</a:t>
-            </a:r>
+              <a:t>PullRequest</a:t>
+            </a:r>
+            <a:endParaRPr lang="uk-UA" sz="3000" dirty="0">
+              <a:solidFill>
+                <a:srgbClr val="1D1D1D"/>
+              </a:solidFill>
+              <a:latin typeface="Segoe UI Semibold" panose="020B0702040204020203" pitchFamily="34" charset="0"/>
+              <a:cs typeface="Segoe UI Semibold" panose="020B0702040204020203" pitchFamily="34" charset="0"/>
+            </a:endParaRPr>
+          </a:p>
+          <a:p>
+            <a:pPr marL="361950" indent="-361950">
+              <a:lnSpc>
+                <a:spcPct val="150000"/>
+              </a:lnSpc>
+              <a:spcBef>
+                <a:spcPts val="600"/>
+              </a:spcBef>
+              <a:buClr>
+                <a:srgbClr val="1D1D1D"/>
+              </a:buClr>
+              <a:buSzPct val="75000"/>
+              <a:buFont typeface="Segoe UI Light" panose="020B0502040204020203" pitchFamily="34" charset="0"/>
+              <a:buChar char="•"/>
+            </a:pPr>
+            <a:r>
+              <a:rPr lang="en-US" sz="3000" dirty="0">
+                <a:solidFill>
+                  <a:srgbClr val="1D1D1D"/>
+                </a:solidFill>
+                <a:latin typeface="Segoe UI Semibold" panose="020B0702040204020203" pitchFamily="34" charset="0"/>
+                <a:cs typeface="Segoe UI Semibold" panose="020B0702040204020203" pitchFamily="34" charset="0"/>
+              </a:rPr>
+              <a:t>Submodules</a:t>
+            </a:r>
+            <a:endParaRPr lang="uk-UA" sz="3000" dirty="0">
+              <a:solidFill>
+                <a:srgbClr val="1D1D1D"/>
+              </a:solidFill>
+              <a:latin typeface="Segoe UI Semibold" panose="020B0702040204020203" pitchFamily="34" charset="0"/>
+              <a:cs typeface="Segoe UI Semibold" panose="020B0702040204020203" pitchFamily="34" charset="0"/>
+            </a:endParaRPr>
           </a:p>
         </p:txBody>
       </p:sp>
@@ -6927,14 +9771,24 @@
           <a:p>
             <a:pPr algn="ctr"/>
             <a:r>
-              <a:rPr lang="uk-UA" sz="10000" dirty="0">
+              <a:rPr lang="en-US" sz="10000" dirty="0">
                 <a:solidFill>
                   <a:srgbClr val="FFFFFF"/>
                 </a:solidFill>
                 <a:latin typeface="Segoe UI Semibold" panose="020B0702040204020203" pitchFamily="34" charset="0"/>
                 <a:cs typeface="Segoe UI Semibold" panose="020B0702040204020203" pitchFamily="34" charset="0"/>
               </a:rPr>
-              <a:t>1.</a:t>
+              <a:t>1</a:t>
+            </a:r>
+            <a:r>
+              <a:rPr lang="uk-UA" sz="10000" dirty="0">
+                <a:solidFill>
+                  <a:srgbClr val="FFFFFF"/>
+                </a:solidFill>
+                <a:latin typeface="Segoe UI Semibold" panose="020B0702040204020203" pitchFamily="34" charset="0"/>
+                <a:cs typeface="Segoe UI Semibold" panose="020B0702040204020203" pitchFamily="34" charset="0"/>
+              </a:rPr>
+              <a:t>.</a:t>
             </a:r>
             <a:endParaRPr lang="ru-RU" sz="10000" dirty="0">
               <a:solidFill>
@@ -7035,14 +9889,24 @@
               </a:spcBef>
             </a:pPr>
             <a:r>
-              <a:rPr lang="uk-UA" sz="6000" dirty="0">
+              <a:rPr lang="en-US" sz="6000" dirty="0">
                 <a:solidFill>
                   <a:srgbClr val="0E6BB3"/>
                 </a:solidFill>
                 <a:latin typeface="Segoe UI Semibold" panose="020B0702040204020203" pitchFamily="34" charset="0"/>
                 <a:cs typeface="Segoe UI Semibold" panose="020B0702040204020203" pitchFamily="34" charset="0"/>
               </a:rPr>
-              <a:t>ЗАГОЛОВОК РОЗДІЛУ</a:t>
+              <a:t>Forks, Branches, </a:t>
+            </a:r>
+            <a:r>
+              <a:rPr lang="en-US" sz="6000" dirty="0" err="1">
+                <a:solidFill>
+                  <a:srgbClr val="0E6BB3"/>
+                </a:solidFill>
+                <a:latin typeface="Segoe UI Semibold" panose="020B0702040204020203" pitchFamily="34" charset="0"/>
+                <a:cs typeface="Segoe UI Semibold" panose="020B0702040204020203" pitchFamily="34" charset="0"/>
+              </a:rPr>
+              <a:t>PullRequest</a:t>
             </a:r>
             <a:endParaRPr lang="en" sz="6000" dirty="0">
               <a:solidFill>
@@ -7247,64 +10111,34 @@
               <a:buNone/>
             </a:pPr>
             <a:r>
-              <a:rPr lang="ru-RU" sz="3000" dirty="0">
+              <a:rPr lang="en-US" sz="3000" dirty="0" err="1">
                 <a:solidFill>
                   <a:srgbClr val="1D1D1D"/>
                 </a:solidFill>
                 <a:latin typeface="Segoe UI Semilight" panose="020B0402040204020203" pitchFamily="34" charset="0"/>
                 <a:cs typeface="Segoe UI Semilight" panose="020B0402040204020203" pitchFamily="34" charset="0"/>
               </a:rPr>
-              <a:t>Давайте </a:t>
-            </a:r>
-            <a:r>
-              <a:rPr lang="ru-RU" sz="3000" dirty="0" err="1">
+              <a:t>Maksym</a:t>
+            </a:r>
+            <a:r>
+              <a:rPr lang="en-US" sz="3000" dirty="0">
                 <a:solidFill>
                   <a:srgbClr val="1D1D1D"/>
                 </a:solidFill>
                 <a:latin typeface="Segoe UI Semilight" panose="020B0402040204020203" pitchFamily="34" charset="0"/>
                 <a:cs typeface="Segoe UI Semilight" panose="020B0402040204020203" pitchFamily="34" charset="0"/>
               </a:rPr>
-              <a:t>почнемо</a:t>
-            </a:r>
-            <a:r>
-              <a:rPr lang="ru-RU" sz="3000" dirty="0">
+              <a:t> </a:t>
+            </a:r>
+            <a:r>
+              <a:rPr lang="en-US" sz="3000" dirty="0" err="1">
                 <a:solidFill>
                   <a:srgbClr val="1D1D1D"/>
                 </a:solidFill>
                 <a:latin typeface="Segoe UI Semilight" panose="020B0402040204020203" pitchFamily="34" charset="0"/>
                 <a:cs typeface="Segoe UI Semilight" panose="020B0402040204020203" pitchFamily="34" charset="0"/>
               </a:rPr>
-              <a:t> з </a:t>
-            </a:r>
-            <a:r>
-              <a:rPr lang="ru-RU" sz="3000" dirty="0" err="1">
-                <a:solidFill>
-                  <a:srgbClr val="1D1D1D"/>
-                </a:solidFill>
-                <a:latin typeface="Segoe UI Semilight" panose="020B0402040204020203" pitchFamily="34" charset="0"/>
-                <a:cs typeface="Segoe UI Semilight" panose="020B0402040204020203" pitchFamily="34" charset="0"/>
-              </a:rPr>
-              <a:t>першого</a:t>
-            </a:r>
-            <a:r>
-              <a:rPr lang="ru-RU" sz="3000" dirty="0">
-                <a:solidFill>
-                  <a:srgbClr val="1D1D1D"/>
-                </a:solidFill>
-                <a:latin typeface="Segoe UI Semilight" panose="020B0402040204020203" pitchFamily="34" charset="0"/>
-                <a:cs typeface="Segoe UI Semilight" panose="020B0402040204020203" pitchFamily="34" charset="0"/>
-              </a:rPr>
-              <a:t> набору </a:t>
-            </a:r>
-            <a:r>
-              <a:rPr lang="ru-RU" sz="3000" dirty="0" err="1">
-                <a:solidFill>
-                  <a:srgbClr val="1D1D1D"/>
-                </a:solidFill>
-                <a:latin typeface="Segoe UI Semilight" panose="020B0402040204020203" pitchFamily="34" charset="0"/>
-                <a:cs typeface="Segoe UI Semilight" panose="020B0402040204020203" pitchFamily="34" charset="0"/>
-              </a:rPr>
-              <a:t>слайдів</a:t>
+              <a:t>Kheilyk</a:t>
             </a:r>
             <a:endParaRPr lang="en" sz="3000" dirty="0">
               <a:solidFill>
@@ -7349,7 +10183,7 @@
     </p:spTree>
     <p:extLst>
       <p:ext uri="{BB962C8B-B14F-4D97-AF65-F5344CB8AC3E}">
-        <p14:creationId xmlns:p14="http://schemas.microsoft.com/office/powerpoint/2010/main" val="890871765"/>
+        <p14:creationId xmlns:p14="http://schemas.microsoft.com/office/powerpoint/2010/main" val="735612919"/>
       </p:ext>
     </p:extLst>
   </p:cSld>
@@ -7392,156 +10226,133 @@
       </p:grpSpPr>
       <p:sp>
         <p:nvSpPr>
-          <p:cNvPr id="2" name="Заголовок 1"/>
-          <p:cNvSpPr>
-            <a:spLocks noGrp="1"/>
-          </p:cNvSpPr>
-          <p:nvPr>
-            <p:ph type="title"/>
-          </p:nvPr>
-        </p:nvSpPr>
-        <p:spPr>
-          <a:xfrm>
-            <a:off x="629266" y="1641987"/>
-            <a:ext cx="1484670" cy="1455173"/>
-          </a:xfrm>
-        </p:spPr>
-        <p:txBody>
-          <a:bodyPr>
-            <a:noAutofit/>
-          </a:bodyPr>
-          <a:lstStyle/>
-          <a:p>
-            <a:pPr algn="ctr"/>
-            <a:r>
-              <a:rPr lang="en-US" sz="10000" dirty="0">
-                <a:solidFill>
-                  <a:srgbClr val="FFFFFF"/>
-                </a:solidFill>
-                <a:latin typeface="Segoe UI Semibold" panose="020B0702040204020203" pitchFamily="34" charset="0"/>
-                <a:cs typeface="Segoe UI Semibold" panose="020B0702040204020203" pitchFamily="34" charset="0"/>
-              </a:rPr>
-              <a:t>2</a:t>
-            </a:r>
-            <a:r>
-              <a:rPr lang="uk-UA" sz="10000" dirty="0">
-                <a:solidFill>
-                  <a:srgbClr val="FFFFFF"/>
-                </a:solidFill>
-                <a:latin typeface="Segoe UI Semibold" panose="020B0702040204020203" pitchFamily="34" charset="0"/>
-                <a:cs typeface="Segoe UI Semibold" panose="020B0702040204020203" pitchFamily="34" charset="0"/>
-              </a:rPr>
-              <a:t>.</a:t>
-            </a:r>
-            <a:endParaRPr lang="ru-RU" sz="10000" dirty="0">
-              <a:solidFill>
-                <a:srgbClr val="FFFFFF"/>
-              </a:solidFill>
-              <a:latin typeface="Segoe UI Semibold" panose="020B0702040204020203" pitchFamily="34" charset="0"/>
-              <a:cs typeface="Segoe UI Semibold" panose="020B0702040204020203" pitchFamily="34" charset="0"/>
-            </a:endParaRPr>
-          </a:p>
-        </p:txBody>
-      </p:sp>
-      <p:sp>
-        <p:nvSpPr>
           <p:cNvPr id="3" name="Номер слайда 2"/>
-          <p:cNvSpPr>
-            <a:spLocks noGrp="1"/>
-          </p:cNvSpPr>
-          <p:nvPr>
-            <p:ph type="sldNum" sz="quarter" idx="12"/>
-          </p:nvPr>
+          <p:cNvSpPr txBox="1">
+            <a:spLocks/>
+          </p:cNvSpPr>
+          <p:nvPr/>
         </p:nvSpPr>
         <p:spPr>
           <a:xfrm>
             <a:off x="11269639" y="399197"/>
             <a:ext cx="692624" cy="696035"/>
           </a:xfrm>
-        </p:spPr>
-        <p:txBody>
-          <a:bodyPr/>
-          <a:lstStyle/>
-          <a:p>
-            <a:pPr algn="ctr"/>
-            <a:fld id="{6EDC0CA3-7E3A-45E6-9475-D96C252551EF}" type="slidenum">
-              <a:rPr lang="ru-RU" sz="3000" smtClean="0">
-                <a:solidFill>
-                  <a:schemeClr val="bg1"/>
-                </a:solidFill>
-                <a:latin typeface="Segoe UI Semibold" panose="020B0702040204020203" pitchFamily="34" charset="0"/>
-                <a:cs typeface="Segoe UI Semibold" panose="020B0702040204020203" pitchFamily="34" charset="0"/>
-              </a:rPr>
-              <a:pPr algn="ctr"/>
-              <a:t>4</a:t>
-            </a:fld>
-            <a:endParaRPr lang="ru-RU" sz="3000" dirty="0">
-              <a:solidFill>
-                <a:schemeClr val="bg1"/>
-              </a:solidFill>
-              <a:latin typeface="Segoe UI Semibold" panose="020B0702040204020203" pitchFamily="34" charset="0"/>
-              <a:cs typeface="Segoe UI Semibold" panose="020B0702040204020203" pitchFamily="34" charset="0"/>
-            </a:endParaRPr>
-          </a:p>
-        </p:txBody>
-      </p:sp>
-      <p:sp>
-        <p:nvSpPr>
-          <p:cNvPr id="4" name="Shape 99"/>
-          <p:cNvSpPr txBox="1">
-            <a:spLocks/>
-          </p:cNvSpPr>
-          <p:nvPr/>
-        </p:nvSpPr>
-        <p:spPr>
-          <a:xfrm>
-            <a:off x="963900" y="3974125"/>
-            <a:ext cx="10904250" cy="2320228"/>
-          </a:xfrm>
           <a:prstGeom prst="rect">
             <a:avLst/>
           </a:prstGeom>
         </p:spPr>
         <p:txBody>
-          <a:bodyPr vert="horz" lIns="91425" tIns="91425" rIns="91425" bIns="91425" rtlCol="0" anchor="t" anchorCtr="0">
-            <a:noAutofit/>
-          </a:bodyPr>
+          <a:bodyPr vert="horz" lIns="91440" tIns="45720" rIns="91440" bIns="45720" rtlCol="0" anchor="ctr"/>
           <a:lstStyle>
-            <a:lvl1pPr algn="l" defTabSz="914400" rtl="0" eaLnBrk="1" latinLnBrk="0" hangingPunct="1">
-              <a:lnSpc>
-                <a:spcPct val="90000"/>
-              </a:lnSpc>
-              <a:spcBef>
-                <a:spcPct val="0"/>
-              </a:spcBef>
-              <a:buNone/>
-              <a:defRPr sz="4400" kern="1200">
-                <a:solidFill>
-                  <a:schemeClr val="tx1"/>
-                </a:solidFill>
-                <a:latin typeface="+mj-lt"/>
-                <a:ea typeface="+mj-ea"/>
-                <a:cs typeface="+mj-cs"/>
+            <a:defPPr>
+              <a:defRPr lang="ru-RU"/>
+            </a:defPPr>
+            <a:lvl1pPr marL="0" algn="r" defTabSz="914400" rtl="0" eaLnBrk="1" latinLnBrk="0" hangingPunct="1">
+              <a:defRPr sz="1200" kern="1200">
+                <a:solidFill>
+                  <a:schemeClr val="tx1">
+                    <a:tint val="75000"/>
+                  </a:schemeClr>
+                </a:solidFill>
+                <a:latin typeface="+mn-lt"/>
+                <a:ea typeface="+mn-ea"/>
+                <a:cs typeface="+mn-cs"/>
               </a:defRPr>
             </a:lvl1pPr>
+            <a:lvl2pPr marL="457200" algn="l" defTabSz="914400" rtl="0" eaLnBrk="1" latinLnBrk="0" hangingPunct="1">
+              <a:defRPr sz="1800" kern="1200">
+                <a:solidFill>
+                  <a:schemeClr val="tx1"/>
+                </a:solidFill>
+                <a:latin typeface="+mn-lt"/>
+                <a:ea typeface="+mn-ea"/>
+                <a:cs typeface="+mn-cs"/>
+              </a:defRPr>
+            </a:lvl2pPr>
+            <a:lvl3pPr marL="914400" algn="l" defTabSz="914400" rtl="0" eaLnBrk="1" latinLnBrk="0" hangingPunct="1">
+              <a:defRPr sz="1800" kern="1200">
+                <a:solidFill>
+                  <a:schemeClr val="tx1"/>
+                </a:solidFill>
+                <a:latin typeface="+mn-lt"/>
+                <a:ea typeface="+mn-ea"/>
+                <a:cs typeface="+mn-cs"/>
+              </a:defRPr>
+            </a:lvl3pPr>
+            <a:lvl4pPr marL="1371600" algn="l" defTabSz="914400" rtl="0" eaLnBrk="1" latinLnBrk="0" hangingPunct="1">
+              <a:defRPr sz="1800" kern="1200">
+                <a:solidFill>
+                  <a:schemeClr val="tx1"/>
+                </a:solidFill>
+                <a:latin typeface="+mn-lt"/>
+                <a:ea typeface="+mn-ea"/>
+                <a:cs typeface="+mn-cs"/>
+              </a:defRPr>
+            </a:lvl4pPr>
+            <a:lvl5pPr marL="1828800" algn="l" defTabSz="914400" rtl="0" eaLnBrk="1" latinLnBrk="0" hangingPunct="1">
+              <a:defRPr sz="1800" kern="1200">
+                <a:solidFill>
+                  <a:schemeClr val="tx1"/>
+                </a:solidFill>
+                <a:latin typeface="+mn-lt"/>
+                <a:ea typeface="+mn-ea"/>
+                <a:cs typeface="+mn-cs"/>
+              </a:defRPr>
+            </a:lvl5pPr>
+            <a:lvl6pPr marL="2286000" algn="l" defTabSz="914400" rtl="0" eaLnBrk="1" latinLnBrk="0" hangingPunct="1">
+              <a:defRPr sz="1800" kern="1200">
+                <a:solidFill>
+                  <a:schemeClr val="tx1"/>
+                </a:solidFill>
+                <a:latin typeface="+mn-lt"/>
+                <a:ea typeface="+mn-ea"/>
+                <a:cs typeface="+mn-cs"/>
+              </a:defRPr>
+            </a:lvl6pPr>
+            <a:lvl7pPr marL="2743200" algn="l" defTabSz="914400" rtl="0" eaLnBrk="1" latinLnBrk="0" hangingPunct="1">
+              <a:defRPr sz="1800" kern="1200">
+                <a:solidFill>
+                  <a:schemeClr val="tx1"/>
+                </a:solidFill>
+                <a:latin typeface="+mn-lt"/>
+                <a:ea typeface="+mn-ea"/>
+                <a:cs typeface="+mn-cs"/>
+              </a:defRPr>
+            </a:lvl7pPr>
+            <a:lvl8pPr marL="3200400" algn="l" defTabSz="914400" rtl="0" eaLnBrk="1" latinLnBrk="0" hangingPunct="1">
+              <a:defRPr sz="1800" kern="1200">
+                <a:solidFill>
+                  <a:schemeClr val="tx1"/>
+                </a:solidFill>
+                <a:latin typeface="+mn-lt"/>
+                <a:ea typeface="+mn-ea"/>
+                <a:cs typeface="+mn-cs"/>
+              </a:defRPr>
+            </a:lvl8pPr>
+            <a:lvl9pPr marL="3657600" algn="l" defTabSz="914400" rtl="0" eaLnBrk="1" latinLnBrk="0" hangingPunct="1">
+              <a:defRPr sz="1800" kern="1200">
+                <a:solidFill>
+                  <a:schemeClr val="tx1"/>
+                </a:solidFill>
+                <a:latin typeface="+mn-lt"/>
+                <a:ea typeface="+mn-ea"/>
+                <a:cs typeface="+mn-cs"/>
+              </a:defRPr>
+            </a:lvl9pPr>
           </a:lstStyle>
           <a:p>
-            <a:pPr>
-              <a:spcBef>
-                <a:spcPts val="0"/>
-              </a:spcBef>
-            </a:pPr>
-            <a:r>
-              <a:rPr lang="uk-UA" sz="6000" dirty="0">
+            <a:pPr algn="ctr"/>
+            <a:fld id="{71DE8245-5CF4-40D2-8AB4-37F6725E229A}" type="slidenum">
+              <a:rPr lang="ru-RU" sz="3000" dirty="0">
                 <a:solidFill>
                   <a:srgbClr val="0E6BB3"/>
                 </a:solidFill>
                 <a:latin typeface="Segoe UI Semibold" panose="020B0702040204020203" pitchFamily="34" charset="0"/>
                 <a:cs typeface="Segoe UI Semibold" panose="020B0702040204020203" pitchFamily="34" charset="0"/>
               </a:rPr>
-              <a:t>ЗАГОЛОВОК РОЗДІЛУ</a:t>
-            </a:r>
-            <a:endParaRPr lang="en" sz="6000" dirty="0">
+              <a:t>4</a:t>
+            </a:fld>
+            <a:endParaRPr lang="ru-RU" sz="3000" dirty="0">
               <a:solidFill>
                 <a:srgbClr val="0E6BB3"/>
               </a:solidFill>
@@ -7553,7 +10364,7 @@
       </p:sp>
       <p:sp>
         <p:nvSpPr>
-          <p:cNvPr id="5" name="Shape 100"/>
+          <p:cNvPr id="5" name="Shape 136"/>
           <p:cNvSpPr txBox="1">
             <a:spLocks/>
           </p:cNvSpPr>
@@ -7561,261 +10372,129 @@
         </p:nvSpPr>
         <p:spPr>
           <a:xfrm>
-            <a:off x="963900" y="4867275"/>
-            <a:ext cx="10904250" cy="1427077"/>
+            <a:off x="819150" y="2505075"/>
+            <a:ext cx="5829300" cy="923924"/>
           </a:xfrm>
           <a:prstGeom prst="rect">
             <a:avLst/>
           </a:prstGeom>
         </p:spPr>
         <p:txBody>
-          <a:bodyPr lIns="91425" tIns="91425" rIns="91425" bIns="91425" anchor="t" anchorCtr="0">
+          <a:bodyPr vert="horz" lIns="91425" tIns="91425" rIns="91425" bIns="91425" rtlCol="0" anchor="b" anchorCtr="0">
             <a:noAutofit/>
           </a:bodyPr>
           <a:lstStyle>
-            <a:lvl1pPr marL="228600" indent="-228600" algn="l" defTabSz="914400" rtl="0" eaLnBrk="1" latinLnBrk="0" hangingPunct="1">
+            <a:lvl1pPr algn="l" defTabSz="914400" rtl="0" eaLnBrk="1" latinLnBrk="0" hangingPunct="1">
               <a:lnSpc>
                 <a:spcPct val="90000"/>
               </a:lnSpc>
               <a:spcBef>
-                <a:spcPts val="1000"/>
-              </a:spcBef>
-              <a:buFont typeface="Arial" panose="020B0604020202020204" pitchFamily="34" charset="0"/>
-              <a:buChar char="•"/>
-              <a:defRPr sz="2800" kern="1200">
-                <a:solidFill>
-                  <a:schemeClr val="tx1"/>
-                </a:solidFill>
-                <a:latin typeface="+mn-lt"/>
-                <a:ea typeface="+mn-ea"/>
-                <a:cs typeface="+mn-cs"/>
+                <a:spcPct val="0"/>
+              </a:spcBef>
+              <a:buNone/>
+              <a:defRPr sz="4400" kern="1200">
+                <a:solidFill>
+                  <a:schemeClr val="tx1"/>
+                </a:solidFill>
+                <a:latin typeface="+mj-lt"/>
+                <a:ea typeface="+mj-ea"/>
+                <a:cs typeface="+mj-cs"/>
               </a:defRPr>
             </a:lvl1pPr>
-            <a:lvl2pPr marL="685800" indent="-228600" algn="l" defTabSz="914400" rtl="0" eaLnBrk="1" latinLnBrk="0" hangingPunct="1">
-              <a:lnSpc>
-                <a:spcPct val="90000"/>
-              </a:lnSpc>
-              <a:spcBef>
-                <a:spcPts val="500"/>
-              </a:spcBef>
-              <a:buFont typeface="Arial" panose="020B0604020202020204" pitchFamily="34" charset="0"/>
-              <a:buChar char="•"/>
-              <a:defRPr sz="2400" kern="1200">
-                <a:solidFill>
-                  <a:schemeClr val="tx1"/>
-                </a:solidFill>
-                <a:latin typeface="+mn-lt"/>
-                <a:ea typeface="+mn-ea"/>
-                <a:cs typeface="+mn-cs"/>
-              </a:defRPr>
-            </a:lvl2pPr>
-            <a:lvl3pPr marL="1143000" indent="-228600" algn="l" defTabSz="914400" rtl="0" eaLnBrk="1" latinLnBrk="0" hangingPunct="1">
-              <a:lnSpc>
-                <a:spcPct val="90000"/>
-              </a:lnSpc>
-              <a:spcBef>
-                <a:spcPts val="500"/>
-              </a:spcBef>
-              <a:buFont typeface="Arial" panose="020B0604020202020204" pitchFamily="34" charset="0"/>
-              <a:buChar char="•"/>
-              <a:defRPr sz="2000" kern="1200">
-                <a:solidFill>
-                  <a:schemeClr val="tx1"/>
-                </a:solidFill>
-                <a:latin typeface="+mn-lt"/>
-                <a:ea typeface="+mn-ea"/>
-                <a:cs typeface="+mn-cs"/>
-              </a:defRPr>
-            </a:lvl3pPr>
-            <a:lvl4pPr marL="1600200" indent="-228600" algn="l" defTabSz="914400" rtl="0" eaLnBrk="1" latinLnBrk="0" hangingPunct="1">
-              <a:lnSpc>
-                <a:spcPct val="90000"/>
-              </a:lnSpc>
-              <a:spcBef>
-                <a:spcPts val="500"/>
-              </a:spcBef>
-              <a:buFont typeface="Arial" panose="020B0604020202020204" pitchFamily="34" charset="0"/>
-              <a:buChar char="•"/>
-              <a:defRPr sz="1800" kern="1200">
-                <a:solidFill>
-                  <a:schemeClr val="tx1"/>
-                </a:solidFill>
-                <a:latin typeface="+mn-lt"/>
-                <a:ea typeface="+mn-ea"/>
-                <a:cs typeface="+mn-cs"/>
-              </a:defRPr>
-            </a:lvl4pPr>
-            <a:lvl5pPr marL="2057400" indent="-228600" algn="l" defTabSz="914400" rtl="0" eaLnBrk="1" latinLnBrk="0" hangingPunct="1">
-              <a:lnSpc>
-                <a:spcPct val="90000"/>
-              </a:lnSpc>
-              <a:spcBef>
-                <a:spcPts val="500"/>
-              </a:spcBef>
-              <a:buFont typeface="Arial" panose="020B0604020202020204" pitchFamily="34" charset="0"/>
-              <a:buChar char="•"/>
-              <a:defRPr sz="1800" kern="1200">
-                <a:solidFill>
-                  <a:schemeClr val="tx1"/>
-                </a:solidFill>
-                <a:latin typeface="+mn-lt"/>
-                <a:ea typeface="+mn-ea"/>
-                <a:cs typeface="+mn-cs"/>
-              </a:defRPr>
-            </a:lvl5pPr>
-            <a:lvl6pPr marL="2514600" indent="-228600" algn="l" defTabSz="914400" rtl="0" eaLnBrk="1" latinLnBrk="0" hangingPunct="1">
-              <a:lnSpc>
-                <a:spcPct val="90000"/>
-              </a:lnSpc>
-              <a:spcBef>
-                <a:spcPts val="500"/>
-              </a:spcBef>
-              <a:buFont typeface="Arial" panose="020B0604020202020204" pitchFamily="34" charset="0"/>
-              <a:buChar char="•"/>
-              <a:defRPr sz="1800" kern="1200">
-                <a:solidFill>
-                  <a:schemeClr val="tx1"/>
-                </a:solidFill>
-                <a:latin typeface="+mn-lt"/>
-                <a:ea typeface="+mn-ea"/>
-                <a:cs typeface="+mn-cs"/>
-              </a:defRPr>
-            </a:lvl6pPr>
-            <a:lvl7pPr marL="2971800" indent="-228600" algn="l" defTabSz="914400" rtl="0" eaLnBrk="1" latinLnBrk="0" hangingPunct="1">
-              <a:lnSpc>
-                <a:spcPct val="90000"/>
-              </a:lnSpc>
-              <a:spcBef>
-                <a:spcPts val="500"/>
-              </a:spcBef>
-              <a:buFont typeface="Arial" panose="020B0604020202020204" pitchFamily="34" charset="0"/>
-              <a:buChar char="•"/>
-              <a:defRPr sz="1800" kern="1200">
-                <a:solidFill>
-                  <a:schemeClr val="tx1"/>
-                </a:solidFill>
-                <a:latin typeface="+mn-lt"/>
-                <a:ea typeface="+mn-ea"/>
-                <a:cs typeface="+mn-cs"/>
-              </a:defRPr>
-            </a:lvl7pPr>
-            <a:lvl8pPr marL="3429000" indent="-228600" algn="l" defTabSz="914400" rtl="0" eaLnBrk="1" latinLnBrk="0" hangingPunct="1">
-              <a:lnSpc>
-                <a:spcPct val="90000"/>
-              </a:lnSpc>
-              <a:spcBef>
-                <a:spcPts val="500"/>
-              </a:spcBef>
-              <a:buFont typeface="Arial" panose="020B0604020202020204" pitchFamily="34" charset="0"/>
-              <a:buChar char="•"/>
-              <a:defRPr sz="1800" kern="1200">
-                <a:solidFill>
-                  <a:schemeClr val="tx1"/>
-                </a:solidFill>
-                <a:latin typeface="+mn-lt"/>
-                <a:ea typeface="+mn-ea"/>
-                <a:cs typeface="+mn-cs"/>
-              </a:defRPr>
-            </a:lvl8pPr>
-            <a:lvl9pPr marL="3886200" indent="-228600" algn="l" defTabSz="914400" rtl="0" eaLnBrk="1" latinLnBrk="0" hangingPunct="1">
-              <a:lnSpc>
-                <a:spcPct val="90000"/>
-              </a:lnSpc>
-              <a:spcBef>
-                <a:spcPts val="500"/>
-              </a:spcBef>
-              <a:buFont typeface="Arial" panose="020B0604020202020204" pitchFamily="34" charset="0"/>
-              <a:buChar char="•"/>
-              <a:defRPr sz="1800" kern="1200">
-                <a:solidFill>
-                  <a:schemeClr val="tx1"/>
-                </a:solidFill>
-                <a:latin typeface="+mn-lt"/>
-                <a:ea typeface="+mn-ea"/>
-                <a:cs typeface="+mn-cs"/>
-              </a:defRPr>
-            </a:lvl9pPr>
           </a:lstStyle>
           <a:p>
-            <a:pPr>
+            <a:pPr marL="85725">
               <a:spcBef>
                 <a:spcPts val="0"/>
               </a:spcBef>
+              <a:buClr>
+                <a:schemeClr val="dk1"/>
+              </a:buClr>
+              <a:buSzPct val="25000"/>
+              <a:buFont typeface="Arial"/>
               <a:buNone/>
             </a:pPr>
             <a:r>
-              <a:rPr lang="ru-RU" sz="3000" dirty="0">
-                <a:solidFill>
-                  <a:srgbClr val="1D1D1D"/>
-                </a:solidFill>
-                <a:latin typeface="Segoe UI Semilight" panose="020B0402040204020203" pitchFamily="34" charset="0"/>
-                <a:cs typeface="Segoe UI Semilight" panose="020B0402040204020203" pitchFamily="34" charset="0"/>
+              <a:rPr lang="en-US" sz="9600" dirty="0">
+                <a:solidFill>
+                  <a:schemeClr val="lt1"/>
+                </a:solidFill>
+                <a:latin typeface="Segoe UI Black" panose="020B0A02040204020203" pitchFamily="34" charset="0"/>
+                <a:ea typeface="Segoe UI Black" panose="020B0A02040204020203" pitchFamily="34" charset="0"/>
+                <a:cs typeface="Segoe UI Black" panose="020B0A02040204020203" pitchFamily="34" charset="0"/>
               </a:rPr>
-              <a:t>Давайте </a:t>
-            </a:r>
-            <a:r>
-              <a:rPr lang="ru-RU" sz="3000" dirty="0" err="1">
-                <a:solidFill>
-                  <a:srgbClr val="1D1D1D"/>
-                </a:solidFill>
-                <a:latin typeface="Segoe UI Semilight" panose="020B0402040204020203" pitchFamily="34" charset="0"/>
-                <a:cs typeface="Segoe UI Semilight" panose="020B0402040204020203" pitchFamily="34" charset="0"/>
-              </a:rPr>
-              <a:t>почнемо</a:t>
-            </a:r>
-            <a:r>
-              <a:rPr lang="ru-RU" sz="3000" dirty="0">
-                <a:solidFill>
-                  <a:srgbClr val="1D1D1D"/>
-                </a:solidFill>
-                <a:latin typeface="Segoe UI Semilight" panose="020B0402040204020203" pitchFamily="34" charset="0"/>
-                <a:cs typeface="Segoe UI Semilight" panose="020B0402040204020203" pitchFamily="34" charset="0"/>
-              </a:rPr>
-              <a:t> з </a:t>
-            </a:r>
-            <a:r>
-              <a:rPr lang="ru-RU" sz="3000" dirty="0" err="1">
-                <a:solidFill>
-                  <a:srgbClr val="1D1D1D"/>
-                </a:solidFill>
-                <a:latin typeface="Segoe UI Semilight" panose="020B0402040204020203" pitchFamily="34" charset="0"/>
-                <a:cs typeface="Segoe UI Semilight" panose="020B0402040204020203" pitchFamily="34" charset="0"/>
-              </a:rPr>
-              <a:t>першого</a:t>
-            </a:r>
-            <a:r>
-              <a:rPr lang="ru-RU" sz="3000" dirty="0">
-                <a:solidFill>
-                  <a:srgbClr val="1D1D1D"/>
-                </a:solidFill>
-                <a:latin typeface="Segoe UI Semilight" panose="020B0402040204020203" pitchFamily="34" charset="0"/>
-                <a:cs typeface="Segoe UI Semilight" panose="020B0402040204020203" pitchFamily="34" charset="0"/>
-              </a:rPr>
-              <a:t> набору </a:t>
-            </a:r>
-            <a:r>
-              <a:rPr lang="ru-RU" sz="3000" dirty="0" err="1">
-                <a:solidFill>
-                  <a:srgbClr val="1D1D1D"/>
-                </a:solidFill>
-                <a:latin typeface="Segoe UI Semilight" panose="020B0402040204020203" pitchFamily="34" charset="0"/>
-                <a:cs typeface="Segoe UI Semilight" panose="020B0402040204020203" pitchFamily="34" charset="0"/>
-              </a:rPr>
-              <a:t>слайдів</a:t>
-            </a:r>
-            <a:endParaRPr lang="en" sz="3000" dirty="0">
+              <a:t>Forks</a:t>
+            </a:r>
+            <a:endParaRPr lang="en" sz="9600" dirty="0">
               <a:solidFill>
-                <a:srgbClr val="1D1D1D"/>
+                <a:schemeClr val="lt1"/>
               </a:solidFill>
-              <a:latin typeface="Segoe UI Semilight" panose="020B0402040204020203" pitchFamily="34" charset="0"/>
-              <a:cs typeface="Segoe UI Semilight" panose="020B0402040204020203" pitchFamily="34" charset="0"/>
+              <a:latin typeface="Segoe UI Black" panose="020B0A02040204020203" pitchFamily="34" charset="0"/>
+              <a:ea typeface="Segoe UI Black" panose="020B0A02040204020203" pitchFamily="34" charset="0"/>
+              <a:cs typeface="Segoe UI Black" panose="020B0A02040204020203" pitchFamily="34" charset="0"/>
+            </a:endParaRPr>
+          </a:p>
+        </p:txBody>
+      </p:sp>
+      <p:sp>
+        <p:nvSpPr>
+          <p:cNvPr id="6" name="Shape 120"/>
+          <p:cNvSpPr txBox="1">
+            <a:spLocks/>
+          </p:cNvSpPr>
+          <p:nvPr/>
+        </p:nvSpPr>
+        <p:spPr>
+          <a:xfrm>
+            <a:off x="952500" y="5010150"/>
+            <a:ext cx="5372100" cy="295275"/>
+          </a:xfrm>
+          <a:prstGeom prst="rect">
+            <a:avLst/>
+          </a:prstGeom>
+        </p:spPr>
+        <p:txBody>
+          <a:bodyPr vert="horz" lIns="91425" tIns="91425" rIns="91425" bIns="91425" rtlCol="0" anchor="b" anchorCtr="0">
+            <a:noAutofit/>
+          </a:bodyPr>
+          <a:lstStyle>
+            <a:lvl1pPr algn="l" defTabSz="914400" rtl="0" eaLnBrk="1" latinLnBrk="0" hangingPunct="1">
+              <a:lnSpc>
+                <a:spcPct val="90000"/>
+              </a:lnSpc>
+              <a:spcBef>
+                <a:spcPct val="0"/>
+              </a:spcBef>
+              <a:buNone/>
+              <a:defRPr sz="4400" kern="1200">
+                <a:solidFill>
+                  <a:schemeClr val="tx1"/>
+                </a:solidFill>
+                <a:latin typeface="+mj-lt"/>
+                <a:ea typeface="+mj-ea"/>
+                <a:cs typeface="+mj-cs"/>
+              </a:defRPr>
+            </a:lvl1pPr>
+          </a:lstStyle>
+          <a:p>
+            <a:pPr>
+              <a:spcBef>
+                <a:spcPts val="0"/>
+              </a:spcBef>
+            </a:pPr>
+            <a:endParaRPr lang="en" sz="2000" dirty="0">
+              <a:solidFill>
+                <a:srgbClr val="FFFFFF"/>
+              </a:solidFill>
+              <a:latin typeface="Segoe UI Light" panose="020B0502040204020203" pitchFamily="34" charset="0"/>
+              <a:cs typeface="Segoe UI Light" panose="020B0502040204020203" pitchFamily="34" charset="0"/>
             </a:endParaRPr>
           </a:p>
         </p:txBody>
       </p:sp>
       <p:pic>
         <p:nvPicPr>
-          <p:cNvPr id="7" name="Рисунок 6"/>
+          <p:cNvPr id="10" name="Рисунок 9"/>
           <p:cNvPicPr>
             <a:picLocks noChangeAspect="1"/>
           </p:cNvPicPr>
@@ -7835,8 +10514,44 @@
         </p:blipFill>
         <p:spPr>
           <a:xfrm>
-            <a:off x="10469538" y="5762416"/>
+            <a:off x="343405" y="555058"/>
             <a:ext cx="1383795" cy="548641"/>
+          </a:xfrm>
+          <a:prstGeom prst="rect">
+            <a:avLst/>
+          </a:prstGeom>
+        </p:spPr>
+      </p:pic>
+      <p:pic>
+        <p:nvPicPr>
+          <p:cNvPr id="11" name="Picture 10">
+            <a:extLst>
+              <a:ext uri="{FF2B5EF4-FFF2-40B4-BE49-F238E27FC236}">
+                <a16:creationId xmlns:a16="http://schemas.microsoft.com/office/drawing/2014/main" id="{013886F9-0A8E-495C-A2EC-49236B0F6663}"/>
+              </a:ext>
+            </a:extLst>
+          </p:cNvPr>
+          <p:cNvPicPr>
+            <a:picLocks noChangeAspect="1"/>
+          </p:cNvPicPr>
+          <p:nvPr/>
+        </p:nvPicPr>
+        <p:blipFill>
+          <a:blip r:embed="rId5">
+            <a:extLst>
+              <a:ext uri="{28A0092B-C50C-407E-A947-70E740481C1C}">
+                <a14:useLocalDpi xmlns:a14="http://schemas.microsoft.com/office/drawing/2010/main" val="0"/>
+              </a:ext>
+            </a:extLst>
+          </a:blip>
+          <a:stretch>
+            <a:fillRect/>
+          </a:stretch>
+        </p:blipFill>
+        <p:spPr>
+          <a:xfrm>
+            <a:off x="5188366" y="3330375"/>
+            <a:ext cx="6666667" cy="3000000"/>
           </a:xfrm>
           <a:prstGeom prst="rect">
             <a:avLst/>
@@ -7846,7 +10561,7 @@
     </p:spTree>
     <p:extLst>
       <p:ext uri="{BB962C8B-B14F-4D97-AF65-F5344CB8AC3E}">
-        <p14:creationId xmlns:p14="http://schemas.microsoft.com/office/powerpoint/2010/main" val="3047688395"/>
+        <p14:creationId xmlns:p14="http://schemas.microsoft.com/office/powerpoint/2010/main" val="2129711265"/>
       </p:ext>
     </p:extLst>
   </p:cSld>
@@ -8438,7 +11153,7 @@
     </p:spTree>
     <p:extLst>
       <p:ext uri="{BB962C8B-B14F-4D97-AF65-F5344CB8AC3E}">
-        <p14:creationId xmlns:p14="http://schemas.microsoft.com/office/powerpoint/2010/main" val="106549363"/>
+        <p14:creationId xmlns:p14="http://schemas.microsoft.com/office/powerpoint/2010/main" val="1095151101"/>
       </p:ext>
     </p:extLst>
   </p:cSld>
@@ -8597,10 +11312,10 @@
           </a:lstStyle>
           <a:p>
             <a:pPr algn="ctr"/>
-            <a:fld id="{71DE8245-5CF4-40D2-8AB4-37F6725E229A}" type="slidenum">
-              <a:rPr lang="ru-RU" sz="3000" dirty="0">
-                <a:solidFill>
-                  <a:srgbClr val="0E6BB3"/>
+            <a:fld id="{19BBE8A3-314A-4B6D-9019-9FDD4FC5871A}" type="slidenum">
+              <a:rPr lang="ru-RU" sz="3000" smtClean="0">
+                <a:solidFill>
+                  <a:schemeClr val="bg1"/>
                 </a:solidFill>
                 <a:latin typeface="Segoe UI Semibold" panose="020B0702040204020203" pitchFamily="34" charset="0"/>
                 <a:cs typeface="Segoe UI Semibold" panose="020B0702040204020203" pitchFamily="34" charset="0"/>
@@ -8609,7 +11324,7 @@
             </a:fld>
             <a:endParaRPr lang="ru-RU" sz="3000" dirty="0">
               <a:solidFill>
-                <a:srgbClr val="0E6BB3"/>
+                <a:schemeClr val="bg1"/>
               </a:solidFill>
               <a:latin typeface="Segoe UI Semibold" panose="020B0702040204020203" pitchFamily="34" charset="0"/>
               <a:cs typeface="Segoe UI Semibold" panose="020B0702040204020203" pitchFamily="34" charset="0"/>
@@ -8619,7 +11334,7 @@
       </p:sp>
       <p:sp>
         <p:nvSpPr>
-          <p:cNvPr id="4" name="Shape 120"/>
+          <p:cNvPr id="4" name="Shape 113"/>
           <p:cNvSpPr txBox="1">
             <a:spLocks/>
           </p:cNvSpPr>
@@ -8627,15 +11342,15 @@
         </p:nvSpPr>
         <p:spPr>
           <a:xfrm>
-            <a:off x="942975" y="3429000"/>
-            <a:ext cx="3577450" cy="723900"/>
+            <a:off x="638175" y="552451"/>
+            <a:ext cx="10506075" cy="542782"/>
           </a:xfrm>
           <a:prstGeom prst="rect">
             <a:avLst/>
           </a:prstGeom>
         </p:spPr>
         <p:txBody>
-          <a:bodyPr vert="horz" lIns="91425" tIns="91425" rIns="91425" bIns="91425" rtlCol="0" anchor="b" anchorCtr="0">
+          <a:bodyPr lIns="91425" tIns="91425" rIns="91425" bIns="91425" anchor="b" anchorCtr="0">
             <a:noAutofit/>
           </a:bodyPr>
           <a:lstStyle>
@@ -8664,16 +11379,16 @@
               </a:spcBef>
             </a:pPr>
             <a:r>
-              <a:rPr lang="uk-UA" sz="4800" dirty="0">
+              <a:rPr lang="uk-UA" sz="3000" dirty="0">
                 <a:solidFill>
                   <a:srgbClr val="FFFFFF"/>
                 </a:solidFill>
                 <a:latin typeface="Segoe UI Semibold" panose="020B0702040204020203" pitchFamily="34" charset="0"/>
                 <a:cs typeface="Segoe UI Semibold" panose="020B0702040204020203" pitchFamily="34" charset="0"/>
               </a:rPr>
-              <a:t>ідея</a:t>
-            </a:r>
-            <a:endParaRPr lang="en" sz="4800" dirty="0">
+              <a:t>ЗАГОЛОВОК СЛАЙДУ</a:t>
+            </a:r>
+            <a:endParaRPr lang="en" sz="3000" dirty="0">
               <a:solidFill>
                 <a:srgbClr val="FFFFFF"/>
               </a:solidFill>
@@ -8685,7 +11400,7 @@
       </p:sp>
       <p:sp>
         <p:nvSpPr>
-          <p:cNvPr id="5" name="Shape 136"/>
+          <p:cNvPr id="5" name="Shape 114"/>
           <p:cNvSpPr txBox="1">
             <a:spLocks/>
           </p:cNvSpPr>
@@ -8693,139 +11408,313 @@
         </p:nvSpPr>
         <p:spPr>
           <a:xfrm>
-            <a:off x="819150" y="2505075"/>
-            <a:ext cx="5829300" cy="923924"/>
+            <a:off x="655637" y="1851815"/>
+            <a:ext cx="11202987" cy="4444210"/>
           </a:xfrm>
           <a:prstGeom prst="rect">
             <a:avLst/>
           </a:prstGeom>
         </p:spPr>
         <p:txBody>
-          <a:bodyPr vert="horz" lIns="91425" tIns="91425" rIns="91425" bIns="91425" rtlCol="0" anchor="b" anchorCtr="0">
+          <a:bodyPr lIns="91425" tIns="91425" rIns="91425" bIns="91425" anchor="t" anchorCtr="0">
             <a:noAutofit/>
           </a:bodyPr>
           <a:lstStyle>
-            <a:lvl1pPr algn="l" defTabSz="914400" rtl="0" eaLnBrk="1" latinLnBrk="0" hangingPunct="1">
+            <a:lvl1pPr marL="228600" indent="-228600" algn="l" defTabSz="914400" rtl="0" eaLnBrk="1" latinLnBrk="0" hangingPunct="1">
               <a:lnSpc>
                 <a:spcPct val="90000"/>
               </a:lnSpc>
               <a:spcBef>
-                <a:spcPct val="0"/>
-              </a:spcBef>
-              <a:buNone/>
-              <a:defRPr sz="4400" kern="1200">
-                <a:solidFill>
-                  <a:schemeClr val="tx1"/>
-                </a:solidFill>
-                <a:latin typeface="+mj-lt"/>
-                <a:ea typeface="+mj-ea"/>
-                <a:cs typeface="+mj-cs"/>
+                <a:spcPts val="1000"/>
+              </a:spcBef>
+              <a:buFont typeface="Arial" panose="020B0604020202020204" pitchFamily="34" charset="0"/>
+              <a:buChar char="•"/>
+              <a:defRPr sz="2800" kern="1200">
+                <a:solidFill>
+                  <a:schemeClr val="tx1"/>
+                </a:solidFill>
+                <a:latin typeface="+mn-lt"/>
+                <a:ea typeface="+mn-ea"/>
+                <a:cs typeface="+mn-cs"/>
               </a:defRPr>
             </a:lvl1pPr>
+            <a:lvl2pPr marL="685800" indent="-228600" algn="l" defTabSz="914400" rtl="0" eaLnBrk="1" latinLnBrk="0" hangingPunct="1">
+              <a:lnSpc>
+                <a:spcPct val="90000"/>
+              </a:lnSpc>
+              <a:spcBef>
+                <a:spcPts val="500"/>
+              </a:spcBef>
+              <a:buFont typeface="Arial" panose="020B0604020202020204" pitchFamily="34" charset="0"/>
+              <a:buChar char="•"/>
+              <a:defRPr sz="2400" kern="1200">
+                <a:solidFill>
+                  <a:schemeClr val="tx1"/>
+                </a:solidFill>
+                <a:latin typeface="+mn-lt"/>
+                <a:ea typeface="+mn-ea"/>
+                <a:cs typeface="+mn-cs"/>
+              </a:defRPr>
+            </a:lvl2pPr>
+            <a:lvl3pPr marL="1143000" indent="-228600" algn="l" defTabSz="914400" rtl="0" eaLnBrk="1" latinLnBrk="0" hangingPunct="1">
+              <a:lnSpc>
+                <a:spcPct val="90000"/>
+              </a:lnSpc>
+              <a:spcBef>
+                <a:spcPts val="500"/>
+              </a:spcBef>
+              <a:buFont typeface="Arial" panose="020B0604020202020204" pitchFamily="34" charset="0"/>
+              <a:buChar char="•"/>
+              <a:defRPr sz="2000" kern="1200">
+                <a:solidFill>
+                  <a:schemeClr val="tx1"/>
+                </a:solidFill>
+                <a:latin typeface="+mn-lt"/>
+                <a:ea typeface="+mn-ea"/>
+                <a:cs typeface="+mn-cs"/>
+              </a:defRPr>
+            </a:lvl3pPr>
+            <a:lvl4pPr marL="1600200" indent="-228600" algn="l" defTabSz="914400" rtl="0" eaLnBrk="1" latinLnBrk="0" hangingPunct="1">
+              <a:lnSpc>
+                <a:spcPct val="90000"/>
+              </a:lnSpc>
+              <a:spcBef>
+                <a:spcPts val="500"/>
+              </a:spcBef>
+              <a:buFont typeface="Arial" panose="020B0604020202020204" pitchFamily="34" charset="0"/>
+              <a:buChar char="•"/>
+              <a:defRPr sz="1800" kern="1200">
+                <a:solidFill>
+                  <a:schemeClr val="tx1"/>
+                </a:solidFill>
+                <a:latin typeface="+mn-lt"/>
+                <a:ea typeface="+mn-ea"/>
+                <a:cs typeface="+mn-cs"/>
+              </a:defRPr>
+            </a:lvl4pPr>
+            <a:lvl5pPr marL="2057400" indent="-228600" algn="l" defTabSz="914400" rtl="0" eaLnBrk="1" latinLnBrk="0" hangingPunct="1">
+              <a:lnSpc>
+                <a:spcPct val="90000"/>
+              </a:lnSpc>
+              <a:spcBef>
+                <a:spcPts val="500"/>
+              </a:spcBef>
+              <a:buFont typeface="Arial" panose="020B0604020202020204" pitchFamily="34" charset="0"/>
+              <a:buChar char="•"/>
+              <a:defRPr sz="1800" kern="1200">
+                <a:solidFill>
+                  <a:schemeClr val="tx1"/>
+                </a:solidFill>
+                <a:latin typeface="+mn-lt"/>
+                <a:ea typeface="+mn-ea"/>
+                <a:cs typeface="+mn-cs"/>
+              </a:defRPr>
+            </a:lvl5pPr>
+            <a:lvl6pPr marL="2514600" indent="-228600" algn="l" defTabSz="914400" rtl="0" eaLnBrk="1" latinLnBrk="0" hangingPunct="1">
+              <a:lnSpc>
+                <a:spcPct val="90000"/>
+              </a:lnSpc>
+              <a:spcBef>
+                <a:spcPts val="500"/>
+              </a:spcBef>
+              <a:buFont typeface="Arial" panose="020B0604020202020204" pitchFamily="34" charset="0"/>
+              <a:buChar char="•"/>
+              <a:defRPr sz="1800" kern="1200">
+                <a:solidFill>
+                  <a:schemeClr val="tx1"/>
+                </a:solidFill>
+                <a:latin typeface="+mn-lt"/>
+                <a:ea typeface="+mn-ea"/>
+                <a:cs typeface="+mn-cs"/>
+              </a:defRPr>
+            </a:lvl6pPr>
+            <a:lvl7pPr marL="2971800" indent="-228600" algn="l" defTabSz="914400" rtl="0" eaLnBrk="1" latinLnBrk="0" hangingPunct="1">
+              <a:lnSpc>
+                <a:spcPct val="90000"/>
+              </a:lnSpc>
+              <a:spcBef>
+                <a:spcPts val="500"/>
+              </a:spcBef>
+              <a:buFont typeface="Arial" panose="020B0604020202020204" pitchFamily="34" charset="0"/>
+              <a:buChar char="•"/>
+              <a:defRPr sz="1800" kern="1200">
+                <a:solidFill>
+                  <a:schemeClr val="tx1"/>
+                </a:solidFill>
+                <a:latin typeface="+mn-lt"/>
+                <a:ea typeface="+mn-ea"/>
+                <a:cs typeface="+mn-cs"/>
+              </a:defRPr>
+            </a:lvl7pPr>
+            <a:lvl8pPr marL="3429000" indent="-228600" algn="l" defTabSz="914400" rtl="0" eaLnBrk="1" latinLnBrk="0" hangingPunct="1">
+              <a:lnSpc>
+                <a:spcPct val="90000"/>
+              </a:lnSpc>
+              <a:spcBef>
+                <a:spcPts val="500"/>
+              </a:spcBef>
+              <a:buFont typeface="Arial" panose="020B0604020202020204" pitchFamily="34" charset="0"/>
+              <a:buChar char="•"/>
+              <a:defRPr sz="1800" kern="1200">
+                <a:solidFill>
+                  <a:schemeClr val="tx1"/>
+                </a:solidFill>
+                <a:latin typeface="+mn-lt"/>
+                <a:ea typeface="+mn-ea"/>
+                <a:cs typeface="+mn-cs"/>
+              </a:defRPr>
+            </a:lvl8pPr>
+            <a:lvl9pPr marL="3886200" indent="-228600" algn="l" defTabSz="914400" rtl="0" eaLnBrk="1" latinLnBrk="0" hangingPunct="1">
+              <a:lnSpc>
+                <a:spcPct val="90000"/>
+              </a:lnSpc>
+              <a:spcBef>
+                <a:spcPts val="500"/>
+              </a:spcBef>
+              <a:buFont typeface="Arial" panose="020B0604020202020204" pitchFamily="34" charset="0"/>
+              <a:buChar char="•"/>
+              <a:defRPr sz="1800" kern="1200">
+                <a:solidFill>
+                  <a:schemeClr val="tx1"/>
+                </a:solidFill>
+                <a:latin typeface="+mn-lt"/>
+                <a:ea typeface="+mn-ea"/>
+                <a:cs typeface="+mn-cs"/>
+              </a:defRPr>
+            </a:lvl9pPr>
           </a:lstStyle>
           <a:p>
-            <a:pPr marL="85725">
+            <a:pPr marL="0" indent="0">
+              <a:lnSpc>
+                <a:spcPct val="150000"/>
+              </a:lnSpc>
               <a:spcBef>
                 <a:spcPts val="0"/>
               </a:spcBef>
-              <a:buClr>
-                <a:schemeClr val="dk1"/>
-              </a:buClr>
-              <a:buSzPct val="25000"/>
-              <a:buFont typeface="Arial"/>
               <a:buNone/>
             </a:pPr>
             <a:r>
-              <a:rPr lang="uk-UA" sz="9600" dirty="0">
-                <a:solidFill>
-                  <a:schemeClr val="lt1"/>
-                </a:solidFill>
-                <a:latin typeface="Segoe UI Black" panose="020B0A02040204020203" pitchFamily="34" charset="0"/>
-                <a:ea typeface="Segoe UI Black" panose="020B0A02040204020203" pitchFamily="34" charset="0"/>
-                <a:cs typeface="Segoe UI Black" panose="020B0A02040204020203" pitchFamily="34" charset="0"/>
-              </a:rPr>
-              <a:t>ВЕЛИКА</a:t>
-            </a:r>
-            <a:endParaRPr lang="en" sz="9600" dirty="0">
-              <a:solidFill>
-                <a:schemeClr val="lt1"/>
-              </a:solidFill>
-              <a:latin typeface="Segoe UI Black" panose="020B0A02040204020203" pitchFamily="34" charset="0"/>
-              <a:ea typeface="Segoe UI Black" panose="020B0A02040204020203" pitchFamily="34" charset="0"/>
-              <a:cs typeface="Segoe UI Black" panose="020B0A02040204020203" pitchFamily="34" charset="0"/>
-            </a:endParaRPr>
-          </a:p>
-        </p:txBody>
-      </p:sp>
-      <p:sp>
-        <p:nvSpPr>
-          <p:cNvPr id="6" name="Shape 120"/>
-          <p:cNvSpPr txBox="1">
-            <a:spLocks/>
-          </p:cNvSpPr>
-          <p:nvPr/>
-        </p:nvSpPr>
-        <p:spPr>
-          <a:xfrm>
-            <a:off x="952500" y="5010150"/>
-            <a:ext cx="5372100" cy="295275"/>
-          </a:xfrm>
-          <a:prstGeom prst="rect">
-            <a:avLst/>
-          </a:prstGeom>
-        </p:spPr>
-        <p:txBody>
-          <a:bodyPr vert="horz" lIns="91425" tIns="91425" rIns="91425" bIns="91425" rtlCol="0" anchor="b" anchorCtr="0">
-            <a:noAutofit/>
-          </a:bodyPr>
-          <a:lstStyle>
-            <a:lvl1pPr algn="l" defTabSz="914400" rtl="0" eaLnBrk="1" latinLnBrk="0" hangingPunct="1">
-              <a:lnSpc>
-                <a:spcPct val="90000"/>
-              </a:lnSpc>
-              <a:spcBef>
-                <a:spcPct val="0"/>
-              </a:spcBef>
-              <a:buNone/>
-              <a:defRPr sz="4400" kern="1200">
-                <a:solidFill>
-                  <a:schemeClr val="tx1"/>
-                </a:solidFill>
-                <a:latin typeface="+mj-lt"/>
-                <a:ea typeface="+mj-ea"/>
-                <a:cs typeface="+mj-cs"/>
-              </a:defRPr>
-            </a:lvl1pPr>
-          </a:lstStyle>
-          <a:p>
-            <a:pPr>
-              <a:spcBef>
-                <a:spcPts val="0"/>
-              </a:spcBef>
-            </a:pPr>
-            <a:r>
-              <a:rPr lang="uk-UA" sz="2000" dirty="0">
-                <a:solidFill>
-                  <a:srgbClr val="FFFFFF"/>
+              <a:rPr lang="uk-UA" dirty="0">
+                <a:solidFill>
+                  <a:srgbClr val="1D1D1D"/>
                 </a:solidFill>
                 <a:latin typeface="Segoe UI Light" panose="020B0502040204020203" pitchFamily="34" charset="0"/>
                 <a:cs typeface="Segoe UI Light" panose="020B0502040204020203" pitchFamily="34" charset="0"/>
               </a:rPr>
-              <a:t>Сконцентруйте увагу Вашої аудиторії над ключовою ідеєю, за допомогою значків та ілюстрацій</a:t>
-            </a:r>
-            <a:endParaRPr lang="en" sz="2000" dirty="0">
+              <a:t>Тут Ви маєте:</a:t>
+            </a:r>
+          </a:p>
+          <a:p>
+            <a:pPr marL="361950" indent="-361950">
+              <a:lnSpc>
+                <a:spcPct val="150000"/>
+              </a:lnSpc>
+              <a:spcBef>
+                <a:spcPts val="0"/>
+              </a:spcBef>
+              <a:buSzPct val="75000"/>
+            </a:pPr>
+            <a:r>
+              <a:rPr lang="uk-UA" dirty="0">
+                <a:solidFill>
+                  <a:srgbClr val="1D1D1D"/>
+                </a:solidFill>
+                <a:latin typeface="Segoe UI Light" panose="020B0502040204020203" pitchFamily="34" charset="0"/>
+                <a:cs typeface="Segoe UI Light" panose="020B0502040204020203" pitchFamily="34" charset="0"/>
+              </a:rPr>
+              <a:t>перелік пунктів;</a:t>
+            </a:r>
+          </a:p>
+          <a:p>
+            <a:pPr marL="361950" indent="-361950">
+              <a:lnSpc>
+                <a:spcPct val="150000"/>
+              </a:lnSpc>
+              <a:spcBef>
+                <a:spcPts val="0"/>
+              </a:spcBef>
+              <a:buSzPct val="75000"/>
+            </a:pPr>
+            <a:r>
+              <a:rPr lang="uk-UA" dirty="0">
+                <a:solidFill>
+                  <a:srgbClr val="1D1D1D"/>
+                </a:solidFill>
+                <a:latin typeface="Segoe UI Light" panose="020B0502040204020203" pitchFamily="34" charset="0"/>
+                <a:cs typeface="Segoe UI Light" panose="020B0502040204020203" pitchFamily="34" charset="0"/>
+              </a:rPr>
+              <a:t>деякий текст;</a:t>
+            </a:r>
+            <a:endParaRPr lang="en" dirty="0">
               <a:solidFill>
-                <a:srgbClr val="FFFFFF"/>
+                <a:srgbClr val="1D1D1D"/>
               </a:solidFill>
               <a:latin typeface="Segoe UI Light" panose="020B0502040204020203" pitchFamily="34" charset="0"/>
               <a:cs typeface="Segoe UI Light" panose="020B0502040204020203" pitchFamily="34" charset="0"/>
             </a:endParaRPr>
           </a:p>
+          <a:p>
+            <a:pPr marL="361950" indent="-361950">
+              <a:lnSpc>
+                <a:spcPct val="150000"/>
+              </a:lnSpc>
+              <a:spcBef>
+                <a:spcPts val="0"/>
+              </a:spcBef>
+              <a:buSzPct val="75000"/>
+            </a:pPr>
+            <a:r>
+              <a:rPr lang="uk-UA" dirty="0">
+                <a:solidFill>
+                  <a:srgbClr val="1D1D1D"/>
+                </a:solidFill>
+                <a:latin typeface="Segoe UI Light" panose="020B0502040204020203" pitchFamily="34" charset="0"/>
+                <a:cs typeface="Segoe UI Light" panose="020B0502040204020203" pitchFamily="34" charset="0"/>
+              </a:rPr>
+              <a:t>пам’ятайте, не перевантажуйте слайди вмістом.</a:t>
+            </a:r>
+            <a:endParaRPr lang="en" dirty="0">
+              <a:solidFill>
+                <a:srgbClr val="1D1D1D"/>
+              </a:solidFill>
+              <a:latin typeface="Segoe UI Light" panose="020B0502040204020203" pitchFamily="34" charset="0"/>
+              <a:cs typeface="Segoe UI Light" panose="020B0502040204020203" pitchFamily="34" charset="0"/>
+            </a:endParaRPr>
+          </a:p>
+          <a:p>
+            <a:pPr marL="0" indent="0">
+              <a:lnSpc>
+                <a:spcPct val="150000"/>
+              </a:lnSpc>
+              <a:spcBef>
+                <a:spcPts val="0"/>
+              </a:spcBef>
+              <a:buFont typeface="Arial" panose="020B0604020202020204" pitchFamily="34" charset="0"/>
+              <a:buNone/>
+            </a:pPr>
+            <a:r>
+              <a:rPr lang="uk-UA" dirty="0">
+                <a:solidFill>
+                  <a:srgbClr val="1D1D1D"/>
+                </a:solidFill>
+                <a:latin typeface="Segoe UI Light" panose="020B0502040204020203" pitchFamily="34" charset="0"/>
+                <a:cs typeface="Segoe UI Light" panose="020B0502040204020203" pitchFamily="34" charset="0"/>
+              </a:rPr>
+              <a:t>Ваша аудиторія буде читати вміст або слухати Вас, але не те й інше водночас.</a:t>
+            </a:r>
+            <a:endParaRPr lang="en" dirty="0">
+              <a:solidFill>
+                <a:srgbClr val="1D1D1D"/>
+              </a:solidFill>
+              <a:latin typeface="Segoe UI Light" panose="020B0502040204020203" pitchFamily="34" charset="0"/>
+              <a:cs typeface="Segoe UI Light" panose="020B0502040204020203" pitchFamily="34" charset="0"/>
+            </a:endParaRPr>
+          </a:p>
         </p:txBody>
       </p:sp>
       <p:pic>
         <p:nvPicPr>
-          <p:cNvPr id="9" name="Рисунок 8"/>
+          <p:cNvPr id="7" name="Рисунок 6"/>
           <p:cNvPicPr>
             <a:picLocks noChangeAspect="1"/>
           </p:cNvPicPr>
@@ -8833,7 +11722,6 @@
         </p:nvPicPr>
         <p:blipFill>
           <a:blip r:embed="rId4" cstate="print">
-            <a:lum bright="100000" contrast="-100000"/>
             <a:extLst>
               <a:ext uri="{28A0092B-C50C-407E-A947-70E740481C1C}">
                 <a14:useLocalDpi xmlns:a14="http://schemas.microsoft.com/office/drawing/2010/main" val="0"/>
@@ -8846,38 +11734,7 @@
         </p:blipFill>
         <p:spPr>
           <a:xfrm>
-            <a:off x="7967663" y="2183740"/>
-            <a:ext cx="2757488" cy="3121685"/>
-          </a:xfrm>
-          <a:prstGeom prst="rect">
-            <a:avLst/>
-          </a:prstGeom>
-          <a:noFill/>
-        </p:spPr>
-      </p:pic>
-      <p:pic>
-        <p:nvPicPr>
-          <p:cNvPr id="10" name="Рисунок 9"/>
-          <p:cNvPicPr>
-            <a:picLocks noChangeAspect="1"/>
-          </p:cNvPicPr>
-          <p:nvPr/>
-        </p:nvPicPr>
-        <p:blipFill>
-          <a:blip r:embed="rId5" cstate="print">
-            <a:extLst>
-              <a:ext uri="{28A0092B-C50C-407E-A947-70E740481C1C}">
-                <a14:useLocalDpi xmlns:a14="http://schemas.microsoft.com/office/drawing/2010/main" val="0"/>
-              </a:ext>
-            </a:extLst>
-          </a:blip>
-          <a:stretch>
-            <a:fillRect/>
-          </a:stretch>
-        </p:blipFill>
-        <p:spPr>
-          <a:xfrm>
-            <a:off x="343405" y="555058"/>
+            <a:off x="10469538" y="5762416"/>
             <a:ext cx="1383795" cy="548641"/>
           </a:xfrm>
           <a:prstGeom prst="rect">
@@ -8888,7 +11745,7 @@
     </p:spTree>
     <p:extLst>
       <p:ext uri="{BB962C8B-B14F-4D97-AF65-F5344CB8AC3E}">
-        <p14:creationId xmlns:p14="http://schemas.microsoft.com/office/powerpoint/2010/main" val="2129711265"/>
+        <p14:creationId xmlns:p14="http://schemas.microsoft.com/office/powerpoint/2010/main" val="2551107686"/>
       </p:ext>
     </p:extLst>
   </p:cSld>
@@ -9047,10 +11904,10 @@
           </a:lstStyle>
           <a:p>
             <a:pPr algn="ctr"/>
-            <a:fld id="{19BBE8A3-314A-4B6D-9019-9FDD4FC5871A}" type="slidenum">
-              <a:rPr lang="ru-RU" sz="3000" smtClean="0">
-                <a:solidFill>
-                  <a:schemeClr val="bg1"/>
+            <a:fld id="{71DE8245-5CF4-40D2-8AB4-37F6725E229A}" type="slidenum">
+              <a:rPr lang="ru-RU" sz="3000" dirty="0">
+                <a:solidFill>
+                  <a:srgbClr val="0E6BB3"/>
                 </a:solidFill>
                 <a:latin typeface="Segoe UI Semibold" panose="020B0702040204020203" pitchFamily="34" charset="0"/>
                 <a:cs typeface="Segoe UI Semibold" panose="020B0702040204020203" pitchFamily="34" charset="0"/>
@@ -9059,7 +11916,7 @@
             </a:fld>
             <a:endParaRPr lang="ru-RU" sz="3000" dirty="0">
               <a:solidFill>
-                <a:schemeClr val="bg1"/>
+                <a:srgbClr val="0E6BB3"/>
               </a:solidFill>
               <a:latin typeface="Segoe UI Semibold" panose="020B0702040204020203" pitchFamily="34" charset="0"/>
               <a:cs typeface="Segoe UI Semibold" panose="020B0702040204020203" pitchFamily="34" charset="0"/>
@@ -9069,7 +11926,7 @@
       </p:sp>
       <p:sp>
         <p:nvSpPr>
-          <p:cNvPr id="4" name="Shape 113"/>
+          <p:cNvPr id="5" name="Shape 136"/>
           <p:cNvSpPr txBox="1">
             <a:spLocks/>
           </p:cNvSpPr>
@@ -9077,15 +11934,15 @@
         </p:nvSpPr>
         <p:spPr>
           <a:xfrm>
-            <a:off x="638175" y="552451"/>
-            <a:ext cx="10506075" cy="542782"/>
+            <a:off x="819150" y="2505075"/>
+            <a:ext cx="5829300" cy="923924"/>
           </a:xfrm>
           <a:prstGeom prst="rect">
             <a:avLst/>
           </a:prstGeom>
         </p:spPr>
         <p:txBody>
-          <a:bodyPr lIns="91425" tIns="91425" rIns="91425" bIns="91425" anchor="b" anchorCtr="0">
+          <a:bodyPr vert="horz" lIns="91425" tIns="91425" rIns="91425" bIns="91425" rtlCol="0" anchor="b" anchorCtr="0">
             <a:noAutofit/>
           </a:bodyPr>
           <a:lstStyle>
@@ -9108,34 +11965,42 @@
             </a:lvl1pPr>
           </a:lstStyle>
           <a:p>
-            <a:pPr>
+            <a:pPr marL="85725">
               <a:spcBef>
                 <a:spcPts val="0"/>
               </a:spcBef>
+              <a:buClr>
+                <a:schemeClr val="dk1"/>
+              </a:buClr>
+              <a:buSzPct val="25000"/>
+              <a:buFont typeface="Arial"/>
+              <a:buNone/>
             </a:pPr>
             <a:r>
-              <a:rPr lang="uk-UA" sz="3000" dirty="0">
-                <a:solidFill>
-                  <a:srgbClr val="FFFFFF"/>
-                </a:solidFill>
-                <a:latin typeface="Segoe UI Semibold" panose="020B0702040204020203" pitchFamily="34" charset="0"/>
-                <a:cs typeface="Segoe UI Semibold" panose="020B0702040204020203" pitchFamily="34" charset="0"/>
+              <a:rPr lang="en-US" sz="9600" dirty="0">
+                <a:solidFill>
+                  <a:schemeClr val="lt1"/>
+                </a:solidFill>
+                <a:latin typeface="Segoe UI Black" panose="020B0A02040204020203" pitchFamily="34" charset="0"/>
+                <a:ea typeface="Segoe UI Black" panose="020B0A02040204020203" pitchFamily="34" charset="0"/>
+                <a:cs typeface="Segoe UI Black" panose="020B0A02040204020203" pitchFamily="34" charset="0"/>
               </a:rPr>
-              <a:t>КАРТИНКА ВАРТА ТИСЯЧІ СЛІВ</a:t>
-            </a:r>
-            <a:endParaRPr lang="en" sz="3000" dirty="0">
+              <a:t>Branches</a:t>
+            </a:r>
+            <a:endParaRPr lang="en" sz="9600" dirty="0">
               <a:solidFill>
-                <a:srgbClr val="FFFFFF"/>
+                <a:schemeClr val="lt1"/>
               </a:solidFill>
-              <a:latin typeface="Segoe UI Semibold" panose="020B0702040204020203" pitchFamily="34" charset="0"/>
-              <a:cs typeface="Segoe UI Semibold" panose="020B0702040204020203" pitchFamily="34" charset="0"/>
+              <a:latin typeface="Segoe UI Black" panose="020B0A02040204020203" pitchFamily="34" charset="0"/>
+              <a:ea typeface="Segoe UI Black" panose="020B0A02040204020203" pitchFamily="34" charset="0"/>
+              <a:cs typeface="Segoe UI Black" panose="020B0A02040204020203" pitchFamily="34" charset="0"/>
             </a:endParaRPr>
           </a:p>
         </p:txBody>
       </p:sp>
       <p:sp>
         <p:nvSpPr>
-          <p:cNvPr id="5" name="Shape 114"/>
+          <p:cNvPr id="6" name="Shape 120"/>
           <p:cNvSpPr txBox="1">
             <a:spLocks/>
           </p:cNvSpPr>
@@ -9143,524 +12008,45 @@
         </p:nvSpPr>
         <p:spPr>
           <a:xfrm>
-            <a:off x="655637" y="1851815"/>
-            <a:ext cx="5449888" cy="4444210"/>
+            <a:off x="952500" y="5010150"/>
+            <a:ext cx="5372100" cy="295275"/>
           </a:xfrm>
           <a:prstGeom prst="rect">
             <a:avLst/>
           </a:prstGeom>
         </p:spPr>
         <p:txBody>
-          <a:bodyPr lIns="91425" tIns="91425" rIns="91425" bIns="91425" anchor="t" anchorCtr="0">
+          <a:bodyPr vert="horz" lIns="91425" tIns="91425" rIns="91425" bIns="91425" rtlCol="0" anchor="b" anchorCtr="0">
             <a:noAutofit/>
           </a:bodyPr>
           <a:lstStyle>
-            <a:lvl1pPr marL="228600" indent="-228600" algn="l" defTabSz="914400" rtl="0" eaLnBrk="1" latinLnBrk="0" hangingPunct="1">
+            <a:lvl1pPr algn="l" defTabSz="914400" rtl="0" eaLnBrk="1" latinLnBrk="0" hangingPunct="1">
               <a:lnSpc>
                 <a:spcPct val="90000"/>
               </a:lnSpc>
               <a:spcBef>
-                <a:spcPts val="1000"/>
-              </a:spcBef>
-              <a:buFont typeface="Arial" panose="020B0604020202020204" pitchFamily="34" charset="0"/>
-              <a:buChar char="•"/>
-              <a:defRPr sz="2800" kern="1200">
-                <a:solidFill>
-                  <a:schemeClr val="tx1"/>
-                </a:solidFill>
-                <a:latin typeface="+mn-lt"/>
-                <a:ea typeface="+mn-ea"/>
-                <a:cs typeface="+mn-cs"/>
+                <a:spcPct val="0"/>
+              </a:spcBef>
+              <a:buNone/>
+              <a:defRPr sz="4400" kern="1200">
+                <a:solidFill>
+                  <a:schemeClr val="tx1"/>
+                </a:solidFill>
+                <a:latin typeface="+mj-lt"/>
+                <a:ea typeface="+mj-ea"/>
+                <a:cs typeface="+mj-cs"/>
               </a:defRPr>
             </a:lvl1pPr>
-            <a:lvl2pPr marL="685800" indent="-228600" algn="l" defTabSz="914400" rtl="0" eaLnBrk="1" latinLnBrk="0" hangingPunct="1">
-              <a:lnSpc>
-                <a:spcPct val="90000"/>
-              </a:lnSpc>
-              <a:spcBef>
-                <a:spcPts val="500"/>
-              </a:spcBef>
-              <a:buFont typeface="Arial" panose="020B0604020202020204" pitchFamily="34" charset="0"/>
-              <a:buChar char="•"/>
-              <a:defRPr sz="2400" kern="1200">
-                <a:solidFill>
-                  <a:schemeClr val="tx1"/>
-                </a:solidFill>
-                <a:latin typeface="+mn-lt"/>
-                <a:ea typeface="+mn-ea"/>
-                <a:cs typeface="+mn-cs"/>
-              </a:defRPr>
-            </a:lvl2pPr>
-            <a:lvl3pPr marL="1143000" indent="-228600" algn="l" defTabSz="914400" rtl="0" eaLnBrk="1" latinLnBrk="0" hangingPunct="1">
-              <a:lnSpc>
-                <a:spcPct val="90000"/>
-              </a:lnSpc>
-              <a:spcBef>
-                <a:spcPts val="500"/>
-              </a:spcBef>
-              <a:buFont typeface="Arial" panose="020B0604020202020204" pitchFamily="34" charset="0"/>
-              <a:buChar char="•"/>
-              <a:defRPr sz="2000" kern="1200">
-                <a:solidFill>
-                  <a:schemeClr val="tx1"/>
-                </a:solidFill>
-                <a:latin typeface="+mn-lt"/>
-                <a:ea typeface="+mn-ea"/>
-                <a:cs typeface="+mn-cs"/>
-              </a:defRPr>
-            </a:lvl3pPr>
-            <a:lvl4pPr marL="1600200" indent="-228600" algn="l" defTabSz="914400" rtl="0" eaLnBrk="1" latinLnBrk="0" hangingPunct="1">
-              <a:lnSpc>
-                <a:spcPct val="90000"/>
-              </a:lnSpc>
-              <a:spcBef>
-                <a:spcPts val="500"/>
-              </a:spcBef>
-              <a:buFont typeface="Arial" panose="020B0604020202020204" pitchFamily="34" charset="0"/>
-              <a:buChar char="•"/>
-              <a:defRPr sz="1800" kern="1200">
-                <a:solidFill>
-                  <a:schemeClr val="tx1"/>
-                </a:solidFill>
-                <a:latin typeface="+mn-lt"/>
-                <a:ea typeface="+mn-ea"/>
-                <a:cs typeface="+mn-cs"/>
-              </a:defRPr>
-            </a:lvl4pPr>
-            <a:lvl5pPr marL="2057400" indent="-228600" algn="l" defTabSz="914400" rtl="0" eaLnBrk="1" latinLnBrk="0" hangingPunct="1">
-              <a:lnSpc>
-                <a:spcPct val="90000"/>
-              </a:lnSpc>
-              <a:spcBef>
-                <a:spcPts val="500"/>
-              </a:spcBef>
-              <a:buFont typeface="Arial" panose="020B0604020202020204" pitchFamily="34" charset="0"/>
-              <a:buChar char="•"/>
-              <a:defRPr sz="1800" kern="1200">
-                <a:solidFill>
-                  <a:schemeClr val="tx1"/>
-                </a:solidFill>
-                <a:latin typeface="+mn-lt"/>
-                <a:ea typeface="+mn-ea"/>
-                <a:cs typeface="+mn-cs"/>
-              </a:defRPr>
-            </a:lvl5pPr>
-            <a:lvl6pPr marL="2514600" indent="-228600" algn="l" defTabSz="914400" rtl="0" eaLnBrk="1" latinLnBrk="0" hangingPunct="1">
-              <a:lnSpc>
-                <a:spcPct val="90000"/>
-              </a:lnSpc>
-              <a:spcBef>
-                <a:spcPts val="500"/>
-              </a:spcBef>
-              <a:buFont typeface="Arial" panose="020B0604020202020204" pitchFamily="34" charset="0"/>
-              <a:buChar char="•"/>
-              <a:defRPr sz="1800" kern="1200">
-                <a:solidFill>
-                  <a:schemeClr val="tx1"/>
-                </a:solidFill>
-                <a:latin typeface="+mn-lt"/>
-                <a:ea typeface="+mn-ea"/>
-                <a:cs typeface="+mn-cs"/>
-              </a:defRPr>
-            </a:lvl6pPr>
-            <a:lvl7pPr marL="2971800" indent="-228600" algn="l" defTabSz="914400" rtl="0" eaLnBrk="1" latinLnBrk="0" hangingPunct="1">
-              <a:lnSpc>
-                <a:spcPct val="90000"/>
-              </a:lnSpc>
-              <a:spcBef>
-                <a:spcPts val="500"/>
-              </a:spcBef>
-              <a:buFont typeface="Arial" panose="020B0604020202020204" pitchFamily="34" charset="0"/>
-              <a:buChar char="•"/>
-              <a:defRPr sz="1800" kern="1200">
-                <a:solidFill>
-                  <a:schemeClr val="tx1"/>
-                </a:solidFill>
-                <a:latin typeface="+mn-lt"/>
-                <a:ea typeface="+mn-ea"/>
-                <a:cs typeface="+mn-cs"/>
-              </a:defRPr>
-            </a:lvl7pPr>
-            <a:lvl8pPr marL="3429000" indent="-228600" algn="l" defTabSz="914400" rtl="0" eaLnBrk="1" latinLnBrk="0" hangingPunct="1">
-              <a:lnSpc>
-                <a:spcPct val="90000"/>
-              </a:lnSpc>
-              <a:spcBef>
-                <a:spcPts val="500"/>
-              </a:spcBef>
-              <a:buFont typeface="Arial" panose="020B0604020202020204" pitchFamily="34" charset="0"/>
-              <a:buChar char="•"/>
-              <a:defRPr sz="1800" kern="1200">
-                <a:solidFill>
-                  <a:schemeClr val="tx1"/>
-                </a:solidFill>
-                <a:latin typeface="+mn-lt"/>
-                <a:ea typeface="+mn-ea"/>
-                <a:cs typeface="+mn-cs"/>
-              </a:defRPr>
-            </a:lvl8pPr>
-            <a:lvl9pPr marL="3886200" indent="-228600" algn="l" defTabSz="914400" rtl="0" eaLnBrk="1" latinLnBrk="0" hangingPunct="1">
-              <a:lnSpc>
-                <a:spcPct val="90000"/>
-              </a:lnSpc>
-              <a:spcBef>
-                <a:spcPts val="500"/>
-              </a:spcBef>
-              <a:buFont typeface="Arial" panose="020B0604020202020204" pitchFamily="34" charset="0"/>
-              <a:buChar char="•"/>
-              <a:defRPr sz="1800" kern="1200">
-                <a:solidFill>
-                  <a:schemeClr val="tx1"/>
-                </a:solidFill>
-                <a:latin typeface="+mn-lt"/>
-                <a:ea typeface="+mn-ea"/>
-                <a:cs typeface="+mn-cs"/>
-              </a:defRPr>
-            </a:lvl9pPr>
           </a:lstStyle>
           <a:p>
-            <a:pPr marL="0" indent="0">
-              <a:lnSpc>
-                <a:spcPct val="150000"/>
-              </a:lnSpc>
+            <a:pPr>
               <a:spcBef>
                 <a:spcPts val="0"/>
               </a:spcBef>
-              <a:buNone/>
             </a:pPr>
-            <a:r>
-              <a:rPr lang="ru-RU" dirty="0">
-                <a:solidFill>
-                  <a:srgbClr val="1D1D1D"/>
-                </a:solidFill>
-                <a:latin typeface="Segoe UI Light" panose="020B0502040204020203" pitchFamily="34" charset="0"/>
-                <a:cs typeface="Segoe UI Light" panose="020B0502040204020203" pitchFamily="34" charset="0"/>
-              </a:rPr>
-              <a:t>Складна </a:t>
-            </a:r>
-            <a:r>
-              <a:rPr lang="ru-RU" dirty="0" err="1">
-                <a:solidFill>
-                  <a:srgbClr val="1D1D1D"/>
-                </a:solidFill>
-                <a:latin typeface="Segoe UI Light" panose="020B0502040204020203" pitchFamily="34" charset="0"/>
-                <a:cs typeface="Segoe UI Light" panose="020B0502040204020203" pitchFamily="34" charset="0"/>
-              </a:rPr>
-              <a:t>ідея</a:t>
-            </a:r>
-            <a:r>
-              <a:rPr lang="ru-RU" dirty="0">
-                <a:solidFill>
-                  <a:srgbClr val="1D1D1D"/>
-                </a:solidFill>
-                <a:latin typeface="Segoe UI Light" panose="020B0502040204020203" pitchFamily="34" charset="0"/>
-                <a:cs typeface="Segoe UI Light" panose="020B0502040204020203" pitchFamily="34" charset="0"/>
-              </a:rPr>
-              <a:t> </a:t>
-            </a:r>
-            <a:r>
-              <a:rPr lang="ru-RU" dirty="0" err="1">
-                <a:solidFill>
-                  <a:srgbClr val="1D1D1D"/>
-                </a:solidFill>
-                <a:latin typeface="Segoe UI Light" panose="020B0502040204020203" pitchFamily="34" charset="0"/>
-                <a:cs typeface="Segoe UI Light" panose="020B0502040204020203" pitchFamily="34" charset="0"/>
-              </a:rPr>
-              <a:t>може</a:t>
-            </a:r>
-            <a:r>
-              <a:rPr lang="ru-RU" dirty="0">
-                <a:solidFill>
-                  <a:srgbClr val="1D1D1D"/>
-                </a:solidFill>
-                <a:latin typeface="Segoe UI Light" panose="020B0502040204020203" pitchFamily="34" charset="0"/>
-                <a:cs typeface="Segoe UI Light" panose="020B0502040204020203" pitchFamily="34" charset="0"/>
-              </a:rPr>
-              <a:t> бути передана </a:t>
-            </a:r>
-            <a:r>
-              <a:rPr lang="ru-RU" dirty="0" err="1">
-                <a:solidFill>
-                  <a:srgbClr val="1D1D1D"/>
-                </a:solidFill>
-                <a:latin typeface="Segoe UI Light" panose="020B0502040204020203" pitchFamily="34" charset="0"/>
-                <a:cs typeface="Segoe UI Light" panose="020B0502040204020203" pitchFamily="34" charset="0"/>
-              </a:rPr>
-              <a:t>завдяки</a:t>
-            </a:r>
-            <a:r>
-              <a:rPr lang="ru-RU" dirty="0">
-                <a:solidFill>
-                  <a:srgbClr val="1D1D1D"/>
-                </a:solidFill>
-                <a:latin typeface="Segoe UI Light" panose="020B0502040204020203" pitchFamily="34" charset="0"/>
-                <a:cs typeface="Segoe UI Light" panose="020B0502040204020203" pitchFamily="34" charset="0"/>
-              </a:rPr>
-              <a:t> </a:t>
-            </a:r>
-            <a:r>
-              <a:rPr lang="ru-RU" dirty="0" err="1">
-                <a:solidFill>
-                  <a:srgbClr val="1D1D1D"/>
-                </a:solidFill>
-                <a:latin typeface="Segoe UI Light" panose="020B0502040204020203" pitchFamily="34" charset="0"/>
-                <a:cs typeface="Segoe UI Light" panose="020B0502040204020203" pitchFamily="34" charset="0"/>
-              </a:rPr>
-              <a:t>лише</a:t>
-            </a:r>
-            <a:r>
-              <a:rPr lang="ru-RU" dirty="0">
-                <a:solidFill>
-                  <a:srgbClr val="1D1D1D"/>
-                </a:solidFill>
-                <a:latin typeface="Segoe UI Light" panose="020B0502040204020203" pitchFamily="34" charset="0"/>
-                <a:cs typeface="Segoe UI Light" panose="020B0502040204020203" pitchFamily="34" charset="0"/>
-              </a:rPr>
-              <a:t> одному </a:t>
-            </a:r>
-            <a:r>
-              <a:rPr lang="ru-RU" dirty="0" err="1">
-                <a:solidFill>
-                  <a:srgbClr val="1D1D1D"/>
-                </a:solidFill>
-                <a:latin typeface="Segoe UI Light" panose="020B0502040204020203" pitchFamily="34" charset="0"/>
-                <a:cs typeface="Segoe UI Light" panose="020B0502040204020203" pitchFamily="34" charset="0"/>
-              </a:rPr>
-              <a:t>нерухомому</a:t>
-            </a:r>
-            <a:r>
-              <a:rPr lang="ru-RU" dirty="0">
-                <a:solidFill>
-                  <a:srgbClr val="1D1D1D"/>
-                </a:solidFill>
-                <a:latin typeface="Segoe UI Light" panose="020B0502040204020203" pitchFamily="34" charset="0"/>
-                <a:cs typeface="Segoe UI Light" panose="020B0502040204020203" pitchFamily="34" charset="0"/>
-              </a:rPr>
-              <a:t> </a:t>
-            </a:r>
-            <a:r>
-              <a:rPr lang="ru-RU" dirty="0" err="1">
-                <a:solidFill>
-                  <a:srgbClr val="1D1D1D"/>
-                </a:solidFill>
-                <a:latin typeface="Segoe UI Light" panose="020B0502040204020203" pitchFamily="34" charset="0"/>
-                <a:cs typeface="Segoe UI Light" panose="020B0502040204020203" pitchFamily="34" charset="0"/>
-              </a:rPr>
-              <a:t>зображенню</a:t>
-            </a:r>
-            <a:r>
-              <a:rPr lang="ru-RU" dirty="0">
-                <a:solidFill>
-                  <a:srgbClr val="1D1D1D"/>
-                </a:solidFill>
-                <a:latin typeface="Segoe UI Light" panose="020B0502040204020203" pitchFamily="34" charset="0"/>
-                <a:cs typeface="Segoe UI Light" panose="020B0502040204020203" pitchFamily="34" charset="0"/>
-              </a:rPr>
-              <a:t>. </a:t>
-            </a:r>
-            <a:r>
-              <a:rPr lang="ru-RU" dirty="0" err="1">
-                <a:solidFill>
-                  <a:srgbClr val="1D1D1D"/>
-                </a:solidFill>
-                <a:latin typeface="Segoe UI Light" panose="020B0502040204020203" pitchFamily="34" charset="0"/>
-                <a:cs typeface="Segoe UI Light" panose="020B0502040204020203" pitchFamily="34" charset="0"/>
-              </a:rPr>
-              <a:t>Вдала</a:t>
-            </a:r>
-            <a:r>
-              <a:rPr lang="ru-RU" dirty="0">
-                <a:solidFill>
-                  <a:srgbClr val="1D1D1D"/>
-                </a:solidFill>
-                <a:latin typeface="Segoe UI Light" panose="020B0502040204020203" pitchFamily="34" charset="0"/>
-                <a:cs typeface="Segoe UI Light" panose="020B0502040204020203" pitchFamily="34" charset="0"/>
-              </a:rPr>
-              <a:t> картинка </a:t>
-            </a:r>
-            <a:r>
-              <a:rPr lang="ru-RU" dirty="0" err="1">
-                <a:solidFill>
-                  <a:srgbClr val="1D1D1D"/>
-                </a:solidFill>
-                <a:latin typeface="Segoe UI Light" panose="020B0502040204020203" pitchFamily="34" charset="0"/>
-                <a:cs typeface="Segoe UI Light" panose="020B0502040204020203" pitchFamily="34" charset="0"/>
-              </a:rPr>
-              <a:t>дозволяє</a:t>
-            </a:r>
-            <a:r>
-              <a:rPr lang="ru-RU" dirty="0">
-                <a:solidFill>
-                  <a:srgbClr val="1D1D1D"/>
-                </a:solidFill>
-                <a:latin typeface="Segoe UI Light" panose="020B0502040204020203" pitchFamily="34" charset="0"/>
-                <a:cs typeface="Segoe UI Light" panose="020B0502040204020203" pitchFamily="34" charset="0"/>
-              </a:rPr>
-              <a:t> </a:t>
-            </a:r>
-            <a:r>
-              <a:rPr lang="ru-RU" dirty="0" err="1">
-                <a:solidFill>
-                  <a:srgbClr val="1D1D1D"/>
-                </a:solidFill>
-                <a:latin typeface="Segoe UI Light" panose="020B0502040204020203" pitchFamily="34" charset="0"/>
-                <a:cs typeface="Segoe UI Light" panose="020B0502040204020203" pitchFamily="34" charset="0"/>
-              </a:rPr>
-              <a:t>поглинати</a:t>
-            </a:r>
-            <a:r>
-              <a:rPr lang="ru-RU" dirty="0">
-                <a:solidFill>
-                  <a:srgbClr val="1D1D1D"/>
-                </a:solidFill>
-                <a:latin typeface="Segoe UI Light" panose="020B0502040204020203" pitchFamily="34" charset="0"/>
-                <a:cs typeface="Segoe UI Light" panose="020B0502040204020203" pitchFamily="34" charset="0"/>
-              </a:rPr>
-              <a:t> </a:t>
-            </a:r>
-            <a:r>
-              <a:rPr lang="ru-RU" dirty="0" err="1">
-                <a:solidFill>
-                  <a:srgbClr val="1D1D1D"/>
-                </a:solidFill>
-                <a:latin typeface="Segoe UI Light" panose="020B0502040204020203" pitchFamily="34" charset="0"/>
-                <a:cs typeface="Segoe UI Light" panose="020B0502040204020203" pitchFamily="34" charset="0"/>
-              </a:rPr>
-              <a:t>інформацію</a:t>
-            </a:r>
-            <a:r>
-              <a:rPr lang="ru-RU" dirty="0">
-                <a:solidFill>
-                  <a:srgbClr val="1D1D1D"/>
-                </a:solidFill>
-                <a:latin typeface="Segoe UI Light" panose="020B0502040204020203" pitchFamily="34" charset="0"/>
-                <a:cs typeface="Segoe UI Light" panose="020B0502040204020203" pitchFamily="34" charset="0"/>
-              </a:rPr>
-              <a:t> </a:t>
-            </a:r>
-            <a:r>
-              <a:rPr lang="ru-RU" dirty="0" err="1">
-                <a:solidFill>
-                  <a:srgbClr val="1D1D1D"/>
-                </a:solidFill>
-                <a:latin typeface="Segoe UI Light" panose="020B0502040204020203" pitchFamily="34" charset="0"/>
-                <a:cs typeface="Segoe UI Light" panose="020B0502040204020203" pitchFamily="34" charset="0"/>
-              </a:rPr>
-              <a:t>доповідача</a:t>
-            </a:r>
-            <a:r>
-              <a:rPr lang="ru-RU" dirty="0">
-                <a:solidFill>
-                  <a:srgbClr val="1D1D1D"/>
-                </a:solidFill>
-                <a:latin typeface="Segoe UI Light" panose="020B0502040204020203" pitchFamily="34" charset="0"/>
-                <a:cs typeface="Segoe UI Light" panose="020B0502040204020203" pitchFamily="34" charset="0"/>
-              </a:rPr>
-              <a:t> </a:t>
-            </a:r>
-            <a:r>
-              <a:rPr lang="ru-RU" dirty="0" err="1">
-                <a:solidFill>
-                  <a:srgbClr val="1D1D1D"/>
-                </a:solidFill>
-                <a:latin typeface="Segoe UI Light" panose="020B0502040204020203" pitchFamily="34" charset="0"/>
-                <a:cs typeface="Segoe UI Light" panose="020B0502040204020203" pitchFamily="34" charset="0"/>
-              </a:rPr>
-              <a:t>значно</a:t>
-            </a:r>
-            <a:r>
-              <a:rPr lang="ru-RU" dirty="0">
-                <a:solidFill>
-                  <a:srgbClr val="1D1D1D"/>
-                </a:solidFill>
-                <a:latin typeface="Segoe UI Light" panose="020B0502040204020203" pitchFamily="34" charset="0"/>
-                <a:cs typeface="Segoe UI Light" panose="020B0502040204020203" pitchFamily="34" charset="0"/>
-              </a:rPr>
-              <a:t> </a:t>
-            </a:r>
-            <a:r>
-              <a:rPr lang="ru-RU" dirty="0" err="1">
-                <a:solidFill>
-                  <a:srgbClr val="1D1D1D"/>
-                </a:solidFill>
-                <a:latin typeface="Segoe UI Light" panose="020B0502040204020203" pitchFamily="34" charset="0"/>
-                <a:cs typeface="Segoe UI Light" panose="020B0502040204020203" pitchFamily="34" charset="0"/>
-              </a:rPr>
-              <a:t>швидше</a:t>
-            </a:r>
-            <a:r>
-              <a:rPr lang="ru-RU" dirty="0">
-                <a:solidFill>
-                  <a:srgbClr val="1D1D1D"/>
-                </a:solidFill>
-                <a:latin typeface="Segoe UI Light" panose="020B0502040204020203" pitchFamily="34" charset="0"/>
-                <a:cs typeface="Segoe UI Light" panose="020B0502040204020203" pitchFamily="34" charset="0"/>
-              </a:rPr>
-              <a:t>, </a:t>
-            </a:r>
-            <a:r>
-              <a:rPr lang="ru-RU" dirty="0" err="1">
-                <a:solidFill>
-                  <a:srgbClr val="1D1D1D"/>
-                </a:solidFill>
-                <a:latin typeface="Segoe UI Light" panose="020B0502040204020203" pitchFamily="34" charset="0"/>
-                <a:cs typeface="Segoe UI Light" panose="020B0502040204020203" pitchFamily="34" charset="0"/>
-              </a:rPr>
-              <a:t>ніж</a:t>
-            </a:r>
-            <a:r>
-              <a:rPr lang="ru-RU" dirty="0">
-                <a:solidFill>
-                  <a:srgbClr val="1D1D1D"/>
-                </a:solidFill>
-                <a:latin typeface="Segoe UI Light" panose="020B0502040204020203" pitchFamily="34" charset="0"/>
-                <a:cs typeface="Segoe UI Light" panose="020B0502040204020203" pitchFamily="34" charset="0"/>
-              </a:rPr>
-              <a:t> </a:t>
-            </a:r>
-            <a:r>
-              <a:rPr lang="ru-RU" dirty="0" err="1">
-                <a:solidFill>
-                  <a:srgbClr val="1D1D1D"/>
-                </a:solidFill>
-                <a:latin typeface="Segoe UI Light" panose="020B0502040204020203" pitchFamily="34" charset="0"/>
-                <a:cs typeface="Segoe UI Light" panose="020B0502040204020203" pitchFamily="34" charset="0"/>
-              </a:rPr>
-              <a:t>читання</a:t>
-            </a:r>
-            <a:r>
-              <a:rPr lang="ru-RU" dirty="0">
-                <a:solidFill>
-                  <a:srgbClr val="1D1D1D"/>
-                </a:solidFill>
-                <a:latin typeface="Segoe UI Light" panose="020B0502040204020203" pitchFamily="34" charset="0"/>
-                <a:cs typeface="Segoe UI Light" panose="020B0502040204020203" pitchFamily="34" charset="0"/>
-              </a:rPr>
-              <a:t> великого </a:t>
-            </a:r>
-            <a:r>
-              <a:rPr lang="ru-RU" dirty="0" err="1">
-                <a:solidFill>
-                  <a:srgbClr val="1D1D1D"/>
-                </a:solidFill>
-                <a:latin typeface="Segoe UI Light" panose="020B0502040204020203" pitchFamily="34" charset="0"/>
-                <a:cs typeface="Segoe UI Light" panose="020B0502040204020203" pitchFamily="34" charset="0"/>
-              </a:rPr>
-              <a:t>обсягу</a:t>
-            </a:r>
-            <a:r>
-              <a:rPr lang="ru-RU" dirty="0">
-                <a:solidFill>
-                  <a:srgbClr val="1D1D1D"/>
-                </a:solidFill>
-                <a:latin typeface="Segoe UI Light" panose="020B0502040204020203" pitchFamily="34" charset="0"/>
-                <a:cs typeface="Segoe UI Light" panose="020B0502040204020203" pitchFamily="34" charset="0"/>
-              </a:rPr>
-              <a:t> тексту.</a:t>
-            </a:r>
-            <a:endParaRPr lang="en" dirty="0">
+            <a:endParaRPr lang="en" sz="2000" dirty="0">
               <a:solidFill>
-                <a:srgbClr val="1D1D1D"/>
+                <a:srgbClr val="FFFFFF"/>
               </a:solidFill>
               <a:latin typeface="Segoe UI Light" panose="020B0502040204020203" pitchFamily="34" charset="0"/>
               <a:cs typeface="Segoe UI Light" panose="020B0502040204020203" pitchFamily="34" charset="0"/>
@@ -9670,14 +12056,14 @@
       </p:sp>
       <p:pic>
         <p:nvPicPr>
-          <p:cNvPr id="2" name="Рисунок 1"/>
+          <p:cNvPr id="10" name="Рисунок 9"/>
           <p:cNvPicPr>
             <a:picLocks noChangeAspect="1"/>
           </p:cNvPicPr>
           <p:nvPr/>
         </p:nvPicPr>
         <p:blipFill>
-          <a:blip r:embed="rId4">
+          <a:blip r:embed="rId4" cstate="print">
             <a:extLst>
               <a:ext uri="{28A0092B-C50C-407E-A947-70E740481C1C}">
                 <a14:useLocalDpi xmlns:a14="http://schemas.microsoft.com/office/drawing/2010/main" val="0"/>
@@ -9690,14 +12076,576 @@
         </p:blipFill>
         <p:spPr>
           <a:xfrm>
-            <a:off x="6000750" y="2000250"/>
-            <a:ext cx="6057900" cy="4381500"/>
+            <a:off x="343405" y="555058"/>
+            <a:ext cx="1383795" cy="548641"/>
           </a:xfrm>
           <a:prstGeom prst="rect">
             <a:avLst/>
           </a:prstGeom>
         </p:spPr>
       </p:pic>
+    </p:spTree>
+    <p:extLst>
+      <p:ext uri="{BB962C8B-B14F-4D97-AF65-F5344CB8AC3E}">
+        <p14:creationId xmlns:p14="http://schemas.microsoft.com/office/powerpoint/2010/main" val="3946324728"/>
+      </p:ext>
+    </p:extLst>
+  </p:cSld>
+  <p:clrMapOvr>
+    <a:masterClrMapping/>
+  </p:clrMapOvr>
+</p:sld>
+</file>
+
+<file path=ppt/slides/slide8.xml><?xml version="1.0" encoding="utf-8"?>
+<p:sld xmlns:a="http://schemas.openxmlformats.org/drawingml/2006/main" xmlns:r="http://schemas.openxmlformats.org/officeDocument/2006/relationships" xmlns:p="http://schemas.openxmlformats.org/presentationml/2006/main">
+  <p:cSld>
+    <p:bg>
+      <p:bgPr>
+        <a:blipFill dpi="0" rotWithShape="1">
+          <a:blip r:embed="rId3">
+            <a:lum/>
+          </a:blip>
+          <a:srcRect/>
+          <a:stretch>
+            <a:fillRect/>
+          </a:stretch>
+        </a:blipFill>
+        <a:effectLst/>
+      </p:bgPr>
+    </p:bg>
+    <p:spTree>
+      <p:nvGrpSpPr>
+        <p:cNvPr id="1" name=""/>
+        <p:cNvGrpSpPr/>
+        <p:nvPr/>
+      </p:nvGrpSpPr>
+      <p:grpSpPr>
+        <a:xfrm>
+          <a:off x="0" y="0"/>
+          <a:ext cx="0" cy="0"/>
+          <a:chOff x="0" y="0"/>
+          <a:chExt cx="0" cy="0"/>
+        </a:xfrm>
+      </p:grpSpPr>
+      <p:sp>
+        <p:nvSpPr>
+          <p:cNvPr id="3" name="Номер слайда 2"/>
+          <p:cNvSpPr txBox="1">
+            <a:spLocks/>
+          </p:cNvSpPr>
+          <p:nvPr/>
+        </p:nvSpPr>
+        <p:spPr>
+          <a:xfrm>
+            <a:off x="11269639" y="399197"/>
+            <a:ext cx="692624" cy="696035"/>
+          </a:xfrm>
+          <a:prstGeom prst="rect">
+            <a:avLst/>
+          </a:prstGeom>
+        </p:spPr>
+        <p:txBody>
+          <a:bodyPr vert="horz" lIns="91440" tIns="45720" rIns="91440" bIns="45720" rtlCol="0" anchor="ctr"/>
+          <a:lstStyle>
+            <a:defPPr>
+              <a:defRPr lang="ru-RU"/>
+            </a:defPPr>
+            <a:lvl1pPr marL="0" algn="r" defTabSz="914400" rtl="0" eaLnBrk="1" latinLnBrk="0" hangingPunct="1">
+              <a:defRPr sz="1200" kern="1200">
+                <a:solidFill>
+                  <a:schemeClr val="tx1">
+                    <a:tint val="75000"/>
+                  </a:schemeClr>
+                </a:solidFill>
+                <a:latin typeface="+mn-lt"/>
+                <a:ea typeface="+mn-ea"/>
+                <a:cs typeface="+mn-cs"/>
+              </a:defRPr>
+            </a:lvl1pPr>
+            <a:lvl2pPr marL="457200" algn="l" defTabSz="914400" rtl="0" eaLnBrk="1" latinLnBrk="0" hangingPunct="1">
+              <a:defRPr sz="1800" kern="1200">
+                <a:solidFill>
+                  <a:schemeClr val="tx1"/>
+                </a:solidFill>
+                <a:latin typeface="+mn-lt"/>
+                <a:ea typeface="+mn-ea"/>
+                <a:cs typeface="+mn-cs"/>
+              </a:defRPr>
+            </a:lvl2pPr>
+            <a:lvl3pPr marL="914400" algn="l" defTabSz="914400" rtl="0" eaLnBrk="1" latinLnBrk="0" hangingPunct="1">
+              <a:defRPr sz="1800" kern="1200">
+                <a:solidFill>
+                  <a:schemeClr val="tx1"/>
+                </a:solidFill>
+                <a:latin typeface="+mn-lt"/>
+                <a:ea typeface="+mn-ea"/>
+                <a:cs typeface="+mn-cs"/>
+              </a:defRPr>
+            </a:lvl3pPr>
+            <a:lvl4pPr marL="1371600" algn="l" defTabSz="914400" rtl="0" eaLnBrk="1" latinLnBrk="0" hangingPunct="1">
+              <a:defRPr sz="1800" kern="1200">
+                <a:solidFill>
+                  <a:schemeClr val="tx1"/>
+                </a:solidFill>
+                <a:latin typeface="+mn-lt"/>
+                <a:ea typeface="+mn-ea"/>
+                <a:cs typeface="+mn-cs"/>
+              </a:defRPr>
+            </a:lvl4pPr>
+            <a:lvl5pPr marL="1828800" algn="l" defTabSz="914400" rtl="0" eaLnBrk="1" latinLnBrk="0" hangingPunct="1">
+              <a:defRPr sz="1800" kern="1200">
+                <a:solidFill>
+                  <a:schemeClr val="tx1"/>
+                </a:solidFill>
+                <a:latin typeface="+mn-lt"/>
+                <a:ea typeface="+mn-ea"/>
+                <a:cs typeface="+mn-cs"/>
+              </a:defRPr>
+            </a:lvl5pPr>
+            <a:lvl6pPr marL="2286000" algn="l" defTabSz="914400" rtl="0" eaLnBrk="1" latinLnBrk="0" hangingPunct="1">
+              <a:defRPr sz="1800" kern="1200">
+                <a:solidFill>
+                  <a:schemeClr val="tx1"/>
+                </a:solidFill>
+                <a:latin typeface="+mn-lt"/>
+                <a:ea typeface="+mn-ea"/>
+                <a:cs typeface="+mn-cs"/>
+              </a:defRPr>
+            </a:lvl6pPr>
+            <a:lvl7pPr marL="2743200" algn="l" defTabSz="914400" rtl="0" eaLnBrk="1" latinLnBrk="0" hangingPunct="1">
+              <a:defRPr sz="1800" kern="1200">
+                <a:solidFill>
+                  <a:schemeClr val="tx1"/>
+                </a:solidFill>
+                <a:latin typeface="+mn-lt"/>
+                <a:ea typeface="+mn-ea"/>
+                <a:cs typeface="+mn-cs"/>
+              </a:defRPr>
+            </a:lvl7pPr>
+            <a:lvl8pPr marL="3200400" algn="l" defTabSz="914400" rtl="0" eaLnBrk="1" latinLnBrk="0" hangingPunct="1">
+              <a:defRPr sz="1800" kern="1200">
+                <a:solidFill>
+                  <a:schemeClr val="tx1"/>
+                </a:solidFill>
+                <a:latin typeface="+mn-lt"/>
+                <a:ea typeface="+mn-ea"/>
+                <a:cs typeface="+mn-cs"/>
+              </a:defRPr>
+            </a:lvl8pPr>
+            <a:lvl9pPr marL="3657600" algn="l" defTabSz="914400" rtl="0" eaLnBrk="1" latinLnBrk="0" hangingPunct="1">
+              <a:defRPr sz="1800" kern="1200">
+                <a:solidFill>
+                  <a:schemeClr val="tx1"/>
+                </a:solidFill>
+                <a:latin typeface="+mn-lt"/>
+                <a:ea typeface="+mn-ea"/>
+                <a:cs typeface="+mn-cs"/>
+              </a:defRPr>
+            </a:lvl9pPr>
+          </a:lstStyle>
+          <a:p>
+            <a:pPr algn="ctr"/>
+            <a:fld id="{19BBE8A3-314A-4B6D-9019-9FDD4FC5871A}" type="slidenum">
+              <a:rPr lang="ru-RU" sz="3000" smtClean="0">
+                <a:solidFill>
+                  <a:schemeClr val="bg1"/>
+                </a:solidFill>
+                <a:latin typeface="Segoe UI Semibold" panose="020B0702040204020203" pitchFamily="34" charset="0"/>
+                <a:cs typeface="Segoe UI Semibold" panose="020B0702040204020203" pitchFamily="34" charset="0"/>
+              </a:rPr>
+              <a:t>8</a:t>
+            </a:fld>
+            <a:endParaRPr lang="ru-RU" sz="3000" dirty="0">
+              <a:solidFill>
+                <a:schemeClr val="bg1"/>
+              </a:solidFill>
+              <a:latin typeface="Segoe UI Semibold" panose="020B0702040204020203" pitchFamily="34" charset="0"/>
+              <a:cs typeface="Segoe UI Semibold" panose="020B0702040204020203" pitchFamily="34" charset="0"/>
+            </a:endParaRPr>
+          </a:p>
+        </p:txBody>
+      </p:sp>
+      <p:sp>
+        <p:nvSpPr>
+          <p:cNvPr id="4" name="Shape 113"/>
+          <p:cNvSpPr txBox="1">
+            <a:spLocks/>
+          </p:cNvSpPr>
+          <p:nvPr/>
+        </p:nvSpPr>
+        <p:spPr>
+          <a:xfrm>
+            <a:off x="638175" y="552451"/>
+            <a:ext cx="10506075" cy="542782"/>
+          </a:xfrm>
+          <a:prstGeom prst="rect">
+            <a:avLst/>
+          </a:prstGeom>
+        </p:spPr>
+        <p:txBody>
+          <a:bodyPr lIns="91425" tIns="91425" rIns="91425" bIns="91425" anchor="b" anchorCtr="0">
+            <a:noAutofit/>
+          </a:bodyPr>
+          <a:lstStyle>
+            <a:lvl1pPr algn="l" defTabSz="914400" rtl="0" eaLnBrk="1" latinLnBrk="0" hangingPunct="1">
+              <a:lnSpc>
+                <a:spcPct val="90000"/>
+              </a:lnSpc>
+              <a:spcBef>
+                <a:spcPct val="0"/>
+              </a:spcBef>
+              <a:buNone/>
+              <a:defRPr sz="4400" kern="1200">
+                <a:solidFill>
+                  <a:schemeClr val="tx1"/>
+                </a:solidFill>
+                <a:latin typeface="+mj-lt"/>
+                <a:ea typeface="+mj-ea"/>
+                <a:cs typeface="+mj-cs"/>
+              </a:defRPr>
+            </a:lvl1pPr>
+          </a:lstStyle>
+          <a:p>
+            <a:pPr>
+              <a:spcBef>
+                <a:spcPts val="0"/>
+              </a:spcBef>
+            </a:pPr>
+            <a:r>
+              <a:rPr lang="uk-UA" sz="3000" dirty="0">
+                <a:solidFill>
+                  <a:srgbClr val="FFFFFF"/>
+                </a:solidFill>
+                <a:latin typeface="Segoe UI Semibold" panose="020B0702040204020203" pitchFamily="34" charset="0"/>
+                <a:cs typeface="Segoe UI Semibold" panose="020B0702040204020203" pitchFamily="34" charset="0"/>
+              </a:rPr>
+              <a:t>ЗАГОЛОВОК СЛАЙДУ</a:t>
+            </a:r>
+            <a:endParaRPr lang="en" sz="3000" dirty="0">
+              <a:solidFill>
+                <a:srgbClr val="FFFFFF"/>
+              </a:solidFill>
+              <a:latin typeface="Segoe UI Semibold" panose="020B0702040204020203" pitchFamily="34" charset="0"/>
+              <a:cs typeface="Segoe UI Semibold" panose="020B0702040204020203" pitchFamily="34" charset="0"/>
+            </a:endParaRPr>
+          </a:p>
+        </p:txBody>
+      </p:sp>
+      <p:sp>
+        <p:nvSpPr>
+          <p:cNvPr id="5" name="Shape 114"/>
+          <p:cNvSpPr txBox="1">
+            <a:spLocks/>
+          </p:cNvSpPr>
+          <p:nvPr/>
+        </p:nvSpPr>
+        <p:spPr>
+          <a:xfrm>
+            <a:off x="655637" y="1851815"/>
+            <a:ext cx="11202987" cy="4444210"/>
+          </a:xfrm>
+          <a:prstGeom prst="rect">
+            <a:avLst/>
+          </a:prstGeom>
+        </p:spPr>
+        <p:txBody>
+          <a:bodyPr lIns="91425" tIns="91425" rIns="91425" bIns="91425" anchor="t" anchorCtr="0">
+            <a:noAutofit/>
+          </a:bodyPr>
+          <a:lstStyle>
+            <a:lvl1pPr marL="228600" indent="-228600" algn="l" defTabSz="914400" rtl="0" eaLnBrk="1" latinLnBrk="0" hangingPunct="1">
+              <a:lnSpc>
+                <a:spcPct val="90000"/>
+              </a:lnSpc>
+              <a:spcBef>
+                <a:spcPts val="1000"/>
+              </a:spcBef>
+              <a:buFont typeface="Arial" panose="020B0604020202020204" pitchFamily="34" charset="0"/>
+              <a:buChar char="•"/>
+              <a:defRPr sz="2800" kern="1200">
+                <a:solidFill>
+                  <a:schemeClr val="tx1"/>
+                </a:solidFill>
+                <a:latin typeface="+mn-lt"/>
+                <a:ea typeface="+mn-ea"/>
+                <a:cs typeface="+mn-cs"/>
+              </a:defRPr>
+            </a:lvl1pPr>
+            <a:lvl2pPr marL="685800" indent="-228600" algn="l" defTabSz="914400" rtl="0" eaLnBrk="1" latinLnBrk="0" hangingPunct="1">
+              <a:lnSpc>
+                <a:spcPct val="90000"/>
+              </a:lnSpc>
+              <a:spcBef>
+                <a:spcPts val="500"/>
+              </a:spcBef>
+              <a:buFont typeface="Arial" panose="020B0604020202020204" pitchFamily="34" charset="0"/>
+              <a:buChar char="•"/>
+              <a:defRPr sz="2400" kern="1200">
+                <a:solidFill>
+                  <a:schemeClr val="tx1"/>
+                </a:solidFill>
+                <a:latin typeface="+mn-lt"/>
+                <a:ea typeface="+mn-ea"/>
+                <a:cs typeface="+mn-cs"/>
+              </a:defRPr>
+            </a:lvl2pPr>
+            <a:lvl3pPr marL="1143000" indent="-228600" algn="l" defTabSz="914400" rtl="0" eaLnBrk="1" latinLnBrk="0" hangingPunct="1">
+              <a:lnSpc>
+                <a:spcPct val="90000"/>
+              </a:lnSpc>
+              <a:spcBef>
+                <a:spcPts val="500"/>
+              </a:spcBef>
+              <a:buFont typeface="Arial" panose="020B0604020202020204" pitchFamily="34" charset="0"/>
+              <a:buChar char="•"/>
+              <a:defRPr sz="2000" kern="1200">
+                <a:solidFill>
+                  <a:schemeClr val="tx1"/>
+                </a:solidFill>
+                <a:latin typeface="+mn-lt"/>
+                <a:ea typeface="+mn-ea"/>
+                <a:cs typeface="+mn-cs"/>
+              </a:defRPr>
+            </a:lvl3pPr>
+            <a:lvl4pPr marL="1600200" indent="-228600" algn="l" defTabSz="914400" rtl="0" eaLnBrk="1" latinLnBrk="0" hangingPunct="1">
+              <a:lnSpc>
+                <a:spcPct val="90000"/>
+              </a:lnSpc>
+              <a:spcBef>
+                <a:spcPts val="500"/>
+              </a:spcBef>
+              <a:buFont typeface="Arial" panose="020B0604020202020204" pitchFamily="34" charset="0"/>
+              <a:buChar char="•"/>
+              <a:defRPr sz="1800" kern="1200">
+                <a:solidFill>
+                  <a:schemeClr val="tx1"/>
+                </a:solidFill>
+                <a:latin typeface="+mn-lt"/>
+                <a:ea typeface="+mn-ea"/>
+                <a:cs typeface="+mn-cs"/>
+              </a:defRPr>
+            </a:lvl4pPr>
+            <a:lvl5pPr marL="2057400" indent="-228600" algn="l" defTabSz="914400" rtl="0" eaLnBrk="1" latinLnBrk="0" hangingPunct="1">
+              <a:lnSpc>
+                <a:spcPct val="90000"/>
+              </a:lnSpc>
+              <a:spcBef>
+                <a:spcPts val="500"/>
+              </a:spcBef>
+              <a:buFont typeface="Arial" panose="020B0604020202020204" pitchFamily="34" charset="0"/>
+              <a:buChar char="•"/>
+              <a:defRPr sz="1800" kern="1200">
+                <a:solidFill>
+                  <a:schemeClr val="tx1"/>
+                </a:solidFill>
+                <a:latin typeface="+mn-lt"/>
+                <a:ea typeface="+mn-ea"/>
+                <a:cs typeface="+mn-cs"/>
+              </a:defRPr>
+            </a:lvl5pPr>
+            <a:lvl6pPr marL="2514600" indent="-228600" algn="l" defTabSz="914400" rtl="0" eaLnBrk="1" latinLnBrk="0" hangingPunct="1">
+              <a:lnSpc>
+                <a:spcPct val="90000"/>
+              </a:lnSpc>
+              <a:spcBef>
+                <a:spcPts val="500"/>
+              </a:spcBef>
+              <a:buFont typeface="Arial" panose="020B0604020202020204" pitchFamily="34" charset="0"/>
+              <a:buChar char="•"/>
+              <a:defRPr sz="1800" kern="1200">
+                <a:solidFill>
+                  <a:schemeClr val="tx1"/>
+                </a:solidFill>
+                <a:latin typeface="+mn-lt"/>
+                <a:ea typeface="+mn-ea"/>
+                <a:cs typeface="+mn-cs"/>
+              </a:defRPr>
+            </a:lvl6pPr>
+            <a:lvl7pPr marL="2971800" indent="-228600" algn="l" defTabSz="914400" rtl="0" eaLnBrk="1" latinLnBrk="0" hangingPunct="1">
+              <a:lnSpc>
+                <a:spcPct val="90000"/>
+              </a:lnSpc>
+              <a:spcBef>
+                <a:spcPts val="500"/>
+              </a:spcBef>
+              <a:buFont typeface="Arial" panose="020B0604020202020204" pitchFamily="34" charset="0"/>
+              <a:buChar char="•"/>
+              <a:defRPr sz="1800" kern="1200">
+                <a:solidFill>
+                  <a:schemeClr val="tx1"/>
+                </a:solidFill>
+                <a:latin typeface="+mn-lt"/>
+                <a:ea typeface="+mn-ea"/>
+                <a:cs typeface="+mn-cs"/>
+              </a:defRPr>
+            </a:lvl7pPr>
+            <a:lvl8pPr marL="3429000" indent="-228600" algn="l" defTabSz="914400" rtl="0" eaLnBrk="1" latinLnBrk="0" hangingPunct="1">
+              <a:lnSpc>
+                <a:spcPct val="90000"/>
+              </a:lnSpc>
+              <a:spcBef>
+                <a:spcPts val="500"/>
+              </a:spcBef>
+              <a:buFont typeface="Arial" panose="020B0604020202020204" pitchFamily="34" charset="0"/>
+              <a:buChar char="•"/>
+              <a:defRPr sz="1800" kern="1200">
+                <a:solidFill>
+                  <a:schemeClr val="tx1"/>
+                </a:solidFill>
+                <a:latin typeface="+mn-lt"/>
+                <a:ea typeface="+mn-ea"/>
+                <a:cs typeface="+mn-cs"/>
+              </a:defRPr>
+            </a:lvl8pPr>
+            <a:lvl9pPr marL="3886200" indent="-228600" algn="l" defTabSz="914400" rtl="0" eaLnBrk="1" latinLnBrk="0" hangingPunct="1">
+              <a:lnSpc>
+                <a:spcPct val="90000"/>
+              </a:lnSpc>
+              <a:spcBef>
+                <a:spcPts val="500"/>
+              </a:spcBef>
+              <a:buFont typeface="Arial" panose="020B0604020202020204" pitchFamily="34" charset="0"/>
+              <a:buChar char="•"/>
+              <a:defRPr sz="1800" kern="1200">
+                <a:solidFill>
+                  <a:schemeClr val="tx1"/>
+                </a:solidFill>
+                <a:latin typeface="+mn-lt"/>
+                <a:ea typeface="+mn-ea"/>
+                <a:cs typeface="+mn-cs"/>
+              </a:defRPr>
+            </a:lvl9pPr>
+          </a:lstStyle>
+          <a:p>
+            <a:pPr marL="0" indent="0">
+              <a:lnSpc>
+                <a:spcPct val="150000"/>
+              </a:lnSpc>
+              <a:spcBef>
+                <a:spcPts val="0"/>
+              </a:spcBef>
+              <a:buNone/>
+            </a:pPr>
+            <a:r>
+              <a:rPr lang="uk-UA" dirty="0">
+                <a:solidFill>
+                  <a:srgbClr val="1D1D1D"/>
+                </a:solidFill>
+                <a:latin typeface="Segoe UI Light" panose="020B0502040204020203" pitchFamily="34" charset="0"/>
+                <a:cs typeface="Segoe UI Light" panose="020B0502040204020203" pitchFamily="34" charset="0"/>
+              </a:rPr>
+              <a:t>Тут Ви маєте:</a:t>
+            </a:r>
+          </a:p>
+          <a:p>
+            <a:pPr marL="361950" indent="-361950">
+              <a:lnSpc>
+                <a:spcPct val="150000"/>
+              </a:lnSpc>
+              <a:spcBef>
+                <a:spcPts val="0"/>
+              </a:spcBef>
+              <a:buSzPct val="75000"/>
+            </a:pPr>
+            <a:r>
+              <a:rPr lang="uk-UA" dirty="0">
+                <a:solidFill>
+                  <a:srgbClr val="1D1D1D"/>
+                </a:solidFill>
+                <a:latin typeface="Segoe UI Light" panose="020B0502040204020203" pitchFamily="34" charset="0"/>
+                <a:cs typeface="Segoe UI Light" panose="020B0502040204020203" pitchFamily="34" charset="0"/>
+              </a:rPr>
+              <a:t>перелік пунктів;</a:t>
+            </a:r>
+          </a:p>
+          <a:p>
+            <a:pPr marL="361950" indent="-361950">
+              <a:lnSpc>
+                <a:spcPct val="150000"/>
+              </a:lnSpc>
+              <a:spcBef>
+                <a:spcPts val="0"/>
+              </a:spcBef>
+              <a:buSzPct val="75000"/>
+            </a:pPr>
+            <a:r>
+              <a:rPr lang="uk-UA" dirty="0">
+                <a:solidFill>
+                  <a:srgbClr val="1D1D1D"/>
+                </a:solidFill>
+                <a:latin typeface="Segoe UI Light" panose="020B0502040204020203" pitchFamily="34" charset="0"/>
+                <a:cs typeface="Segoe UI Light" panose="020B0502040204020203" pitchFamily="34" charset="0"/>
+              </a:rPr>
+              <a:t>деякий текст;</a:t>
+            </a:r>
+            <a:endParaRPr lang="en" dirty="0">
+              <a:solidFill>
+                <a:srgbClr val="1D1D1D"/>
+              </a:solidFill>
+              <a:latin typeface="Segoe UI Light" panose="020B0502040204020203" pitchFamily="34" charset="0"/>
+              <a:cs typeface="Segoe UI Light" panose="020B0502040204020203" pitchFamily="34" charset="0"/>
+            </a:endParaRPr>
+          </a:p>
+          <a:p>
+            <a:pPr marL="361950" indent="-361950">
+              <a:lnSpc>
+                <a:spcPct val="150000"/>
+              </a:lnSpc>
+              <a:spcBef>
+                <a:spcPts val="0"/>
+              </a:spcBef>
+              <a:buSzPct val="75000"/>
+            </a:pPr>
+            <a:r>
+              <a:rPr lang="uk-UA" dirty="0">
+                <a:solidFill>
+                  <a:srgbClr val="1D1D1D"/>
+                </a:solidFill>
+                <a:latin typeface="Segoe UI Light" panose="020B0502040204020203" pitchFamily="34" charset="0"/>
+                <a:cs typeface="Segoe UI Light" panose="020B0502040204020203" pitchFamily="34" charset="0"/>
+              </a:rPr>
+              <a:t>пам’ятайте, не перевантажуйте слайди вмістом.</a:t>
+            </a:r>
+            <a:endParaRPr lang="en" dirty="0">
+              <a:solidFill>
+                <a:srgbClr val="1D1D1D"/>
+              </a:solidFill>
+              <a:latin typeface="Segoe UI Light" panose="020B0502040204020203" pitchFamily="34" charset="0"/>
+              <a:cs typeface="Segoe UI Light" panose="020B0502040204020203" pitchFamily="34" charset="0"/>
+            </a:endParaRPr>
+          </a:p>
+          <a:p>
+            <a:pPr marL="0" indent="0">
+              <a:lnSpc>
+                <a:spcPct val="150000"/>
+              </a:lnSpc>
+              <a:spcBef>
+                <a:spcPts val="0"/>
+              </a:spcBef>
+              <a:buFont typeface="Arial" panose="020B0604020202020204" pitchFamily="34" charset="0"/>
+              <a:buNone/>
+            </a:pPr>
+            <a:r>
+              <a:rPr lang="uk-UA" dirty="0">
+                <a:solidFill>
+                  <a:srgbClr val="1D1D1D"/>
+                </a:solidFill>
+                <a:latin typeface="Segoe UI Light" panose="020B0502040204020203" pitchFamily="34" charset="0"/>
+                <a:cs typeface="Segoe UI Light" panose="020B0502040204020203" pitchFamily="34" charset="0"/>
+              </a:rPr>
+              <a:t>Ваша аудиторія буде читати вміст або слухати Вас, але не те й інше водночас.</a:t>
+            </a:r>
+            <a:endParaRPr lang="en" dirty="0">
+              <a:solidFill>
+                <a:srgbClr val="1D1D1D"/>
+              </a:solidFill>
+              <a:latin typeface="Segoe UI Light" panose="020B0502040204020203" pitchFamily="34" charset="0"/>
+              <a:cs typeface="Segoe UI Light" panose="020B0502040204020203" pitchFamily="34" charset="0"/>
+            </a:endParaRPr>
+          </a:p>
+        </p:txBody>
+      </p:sp>
       <p:pic>
         <p:nvPicPr>
           <p:cNvPr id="7" name="Рисунок 6"/>
@@ -9707,7 +12655,7 @@
           <p:nvPr/>
         </p:nvPicPr>
         <p:blipFill>
-          <a:blip r:embed="rId5" cstate="print">
+          <a:blip r:embed="rId4" cstate="print">
             <a:extLst>
               <a:ext uri="{28A0092B-C50C-407E-A947-70E740481C1C}">
                 <a14:useLocalDpi xmlns:a14="http://schemas.microsoft.com/office/drawing/2010/main" val="0"/>
@@ -9731,382 +12679,7 @@
     </p:spTree>
     <p:extLst>
       <p:ext uri="{BB962C8B-B14F-4D97-AF65-F5344CB8AC3E}">
-        <p14:creationId xmlns:p14="http://schemas.microsoft.com/office/powerpoint/2010/main" val="1241848334"/>
-      </p:ext>
-    </p:extLst>
-  </p:cSld>
-  <p:clrMapOvr>
-    <a:masterClrMapping/>
-  </p:clrMapOvr>
-</p:sld>
-</file>
-
-<file path=ppt/slides/slide8.xml><?xml version="1.0" encoding="utf-8"?>
-<p:sld xmlns:a="http://schemas.openxmlformats.org/drawingml/2006/main" xmlns:r="http://schemas.openxmlformats.org/officeDocument/2006/relationships" xmlns:p="http://schemas.openxmlformats.org/presentationml/2006/main">
-  <p:cSld>
-    <p:bg>
-      <p:bgPr>
-        <a:blipFill dpi="0" rotWithShape="1">
-          <a:blip r:embed="rId3">
-            <a:lum/>
-          </a:blip>
-          <a:srcRect/>
-          <a:stretch>
-            <a:fillRect t="-9000" b="-9000"/>
-          </a:stretch>
-        </a:blipFill>
-        <a:effectLst/>
-      </p:bgPr>
-    </p:bg>
-    <p:spTree>
-      <p:nvGrpSpPr>
-        <p:cNvPr id="1" name=""/>
-        <p:cNvGrpSpPr/>
-        <p:nvPr/>
-      </p:nvGrpSpPr>
-      <p:grpSpPr>
-        <a:xfrm>
-          <a:off x="0" y="0"/>
-          <a:ext cx="0" cy="0"/>
-          <a:chOff x="0" y="0"/>
-          <a:chExt cx="0" cy="0"/>
-        </a:xfrm>
-      </p:grpSpPr>
-      <p:sp>
-        <p:nvSpPr>
-          <p:cNvPr id="3" name="Номер слайда 2"/>
-          <p:cNvSpPr txBox="1">
-            <a:spLocks/>
-          </p:cNvSpPr>
-          <p:nvPr/>
-        </p:nvSpPr>
-        <p:spPr>
-          <a:xfrm>
-            <a:off x="11269639" y="401763"/>
-            <a:ext cx="692624" cy="702995"/>
-          </a:xfrm>
-          <a:prstGeom prst="rect">
-            <a:avLst/>
-          </a:prstGeom>
-        </p:spPr>
-        <p:txBody>
-          <a:bodyPr vert="horz" lIns="91440" tIns="45720" rIns="91440" bIns="45720" rtlCol="0" anchor="ctr"/>
-          <a:lstStyle>
-            <a:defPPr>
-              <a:defRPr lang="ru-RU"/>
-            </a:defPPr>
-            <a:lvl1pPr marL="0" algn="r" defTabSz="914400" rtl="0" eaLnBrk="1" latinLnBrk="0" hangingPunct="1">
-              <a:defRPr sz="1200" kern="1200">
-                <a:solidFill>
-                  <a:schemeClr val="tx1">
-                    <a:tint val="75000"/>
-                  </a:schemeClr>
-                </a:solidFill>
-                <a:latin typeface="+mn-lt"/>
-                <a:ea typeface="+mn-ea"/>
-                <a:cs typeface="+mn-cs"/>
-              </a:defRPr>
-            </a:lvl1pPr>
-            <a:lvl2pPr marL="457200" algn="l" defTabSz="914400" rtl="0" eaLnBrk="1" latinLnBrk="0" hangingPunct="1">
-              <a:defRPr sz="1800" kern="1200">
-                <a:solidFill>
-                  <a:schemeClr val="tx1"/>
-                </a:solidFill>
-                <a:latin typeface="+mn-lt"/>
-                <a:ea typeface="+mn-ea"/>
-                <a:cs typeface="+mn-cs"/>
-              </a:defRPr>
-            </a:lvl2pPr>
-            <a:lvl3pPr marL="914400" algn="l" defTabSz="914400" rtl="0" eaLnBrk="1" latinLnBrk="0" hangingPunct="1">
-              <a:defRPr sz="1800" kern="1200">
-                <a:solidFill>
-                  <a:schemeClr val="tx1"/>
-                </a:solidFill>
-                <a:latin typeface="+mn-lt"/>
-                <a:ea typeface="+mn-ea"/>
-                <a:cs typeface="+mn-cs"/>
-              </a:defRPr>
-            </a:lvl3pPr>
-            <a:lvl4pPr marL="1371600" algn="l" defTabSz="914400" rtl="0" eaLnBrk="1" latinLnBrk="0" hangingPunct="1">
-              <a:defRPr sz="1800" kern="1200">
-                <a:solidFill>
-                  <a:schemeClr val="tx1"/>
-                </a:solidFill>
-                <a:latin typeface="+mn-lt"/>
-                <a:ea typeface="+mn-ea"/>
-                <a:cs typeface="+mn-cs"/>
-              </a:defRPr>
-            </a:lvl4pPr>
-            <a:lvl5pPr marL="1828800" algn="l" defTabSz="914400" rtl="0" eaLnBrk="1" latinLnBrk="0" hangingPunct="1">
-              <a:defRPr sz="1800" kern="1200">
-                <a:solidFill>
-                  <a:schemeClr val="tx1"/>
-                </a:solidFill>
-                <a:latin typeface="+mn-lt"/>
-                <a:ea typeface="+mn-ea"/>
-                <a:cs typeface="+mn-cs"/>
-              </a:defRPr>
-            </a:lvl5pPr>
-            <a:lvl6pPr marL="2286000" algn="l" defTabSz="914400" rtl="0" eaLnBrk="1" latinLnBrk="0" hangingPunct="1">
-              <a:defRPr sz="1800" kern="1200">
-                <a:solidFill>
-                  <a:schemeClr val="tx1"/>
-                </a:solidFill>
-                <a:latin typeface="+mn-lt"/>
-                <a:ea typeface="+mn-ea"/>
-                <a:cs typeface="+mn-cs"/>
-              </a:defRPr>
-            </a:lvl6pPr>
-            <a:lvl7pPr marL="2743200" algn="l" defTabSz="914400" rtl="0" eaLnBrk="1" latinLnBrk="0" hangingPunct="1">
-              <a:defRPr sz="1800" kern="1200">
-                <a:solidFill>
-                  <a:schemeClr val="tx1"/>
-                </a:solidFill>
-                <a:latin typeface="+mn-lt"/>
-                <a:ea typeface="+mn-ea"/>
-                <a:cs typeface="+mn-cs"/>
-              </a:defRPr>
-            </a:lvl7pPr>
-            <a:lvl8pPr marL="3200400" algn="l" defTabSz="914400" rtl="0" eaLnBrk="1" latinLnBrk="0" hangingPunct="1">
-              <a:defRPr sz="1800" kern="1200">
-                <a:solidFill>
-                  <a:schemeClr val="tx1"/>
-                </a:solidFill>
-                <a:latin typeface="+mn-lt"/>
-                <a:ea typeface="+mn-ea"/>
-                <a:cs typeface="+mn-cs"/>
-              </a:defRPr>
-            </a:lvl8pPr>
-            <a:lvl9pPr marL="3657600" algn="l" defTabSz="914400" rtl="0" eaLnBrk="1" latinLnBrk="0" hangingPunct="1">
-              <a:defRPr sz="1800" kern="1200">
-                <a:solidFill>
-                  <a:schemeClr val="tx1"/>
-                </a:solidFill>
-                <a:latin typeface="+mn-lt"/>
-                <a:ea typeface="+mn-ea"/>
-                <a:cs typeface="+mn-cs"/>
-              </a:defRPr>
-            </a:lvl9pPr>
-          </a:lstStyle>
-          <a:p>
-            <a:pPr algn="ctr"/>
-            <a:fld id="{19BBE8A3-314A-4B6D-9019-9FDD4FC5871A}" type="slidenum">
-              <a:rPr lang="ru-RU" sz="3000" smtClean="0">
-                <a:solidFill>
-                  <a:schemeClr val="bg1"/>
-                </a:solidFill>
-                <a:latin typeface="Segoe UI Semibold" panose="020B0702040204020203" pitchFamily="34" charset="0"/>
-                <a:cs typeface="Segoe UI Semibold" panose="020B0702040204020203" pitchFamily="34" charset="0"/>
-              </a:rPr>
-              <a:t>8</a:t>
-            </a:fld>
-            <a:endParaRPr lang="ru-RU" sz="3000" dirty="0">
-              <a:solidFill>
-                <a:schemeClr val="bg1"/>
-              </a:solidFill>
-              <a:latin typeface="Segoe UI Semibold" panose="020B0702040204020203" pitchFamily="34" charset="0"/>
-              <a:cs typeface="Segoe UI Semibold" panose="020B0702040204020203" pitchFamily="34" charset="0"/>
-            </a:endParaRPr>
-          </a:p>
-        </p:txBody>
-      </p:sp>
-      <p:sp>
-        <p:nvSpPr>
-          <p:cNvPr id="4" name="Shape 113"/>
-          <p:cNvSpPr txBox="1">
-            <a:spLocks/>
-          </p:cNvSpPr>
-          <p:nvPr/>
-        </p:nvSpPr>
-        <p:spPr>
-          <a:xfrm>
-            <a:off x="638175" y="952501"/>
-            <a:ext cx="10506075" cy="542782"/>
-          </a:xfrm>
-          <a:prstGeom prst="rect">
-            <a:avLst/>
-          </a:prstGeom>
-        </p:spPr>
-        <p:txBody>
-          <a:bodyPr lIns="91425" tIns="91425" rIns="91425" bIns="91425" anchor="b" anchorCtr="0">
-            <a:noAutofit/>
-          </a:bodyPr>
-          <a:lstStyle>
-            <a:lvl1pPr algn="l" defTabSz="914400" rtl="0" eaLnBrk="1" latinLnBrk="0" hangingPunct="1">
-              <a:lnSpc>
-                <a:spcPct val="90000"/>
-              </a:lnSpc>
-              <a:spcBef>
-                <a:spcPct val="0"/>
-              </a:spcBef>
-              <a:buNone/>
-              <a:defRPr sz="4400" kern="1200">
-                <a:solidFill>
-                  <a:schemeClr val="tx1"/>
-                </a:solidFill>
-                <a:latin typeface="+mj-lt"/>
-                <a:ea typeface="+mj-ea"/>
-                <a:cs typeface="+mj-cs"/>
-              </a:defRPr>
-            </a:lvl1pPr>
-          </a:lstStyle>
-          <a:p>
-            <a:pPr>
-              <a:spcBef>
-                <a:spcPts val="0"/>
-              </a:spcBef>
-            </a:pPr>
-            <a:r>
-              <a:rPr lang="ru-RU" sz="3000" dirty="0" err="1">
-                <a:solidFill>
-                  <a:srgbClr val="FFFFFF"/>
-                </a:solidFill>
-                <a:latin typeface="Segoe UI Semibold" panose="020B0702040204020203" pitchFamily="34" charset="0"/>
-                <a:cs typeface="Segoe UI Semibold" panose="020B0702040204020203" pitchFamily="34" charset="0"/>
-              </a:rPr>
-              <a:t>Хочете</a:t>
-            </a:r>
-            <a:r>
-              <a:rPr lang="ru-RU" sz="3000" dirty="0">
-                <a:solidFill>
-                  <a:srgbClr val="FFFFFF"/>
-                </a:solidFill>
-                <a:latin typeface="Segoe UI Semibold" panose="020B0702040204020203" pitchFamily="34" charset="0"/>
-                <a:cs typeface="Segoe UI Semibold" panose="020B0702040204020203" pitchFamily="34" charset="0"/>
-              </a:rPr>
-              <a:t> великого </a:t>
-            </a:r>
-            <a:r>
-              <a:rPr lang="ru-RU" sz="3000" dirty="0" err="1">
-                <a:solidFill>
-                  <a:srgbClr val="FFFFFF"/>
-                </a:solidFill>
-                <a:latin typeface="Segoe UI Semibold" panose="020B0702040204020203" pitchFamily="34" charset="0"/>
-                <a:cs typeface="Segoe UI Semibold" panose="020B0702040204020203" pitchFamily="34" charset="0"/>
-              </a:rPr>
-              <a:t>впливу</a:t>
-            </a:r>
-            <a:r>
-              <a:rPr lang="ru-RU" sz="3000" dirty="0">
-                <a:solidFill>
-                  <a:srgbClr val="FFFFFF"/>
-                </a:solidFill>
-                <a:latin typeface="Segoe UI Semibold" panose="020B0702040204020203" pitchFamily="34" charset="0"/>
-                <a:cs typeface="Segoe UI Semibold" panose="020B0702040204020203" pitchFamily="34" charset="0"/>
-              </a:rPr>
-              <a:t>?</a:t>
-            </a:r>
-          </a:p>
-          <a:p>
-            <a:pPr>
-              <a:spcBef>
-                <a:spcPts val="0"/>
-              </a:spcBef>
-            </a:pPr>
-            <a:r>
-              <a:rPr lang="ru-RU" sz="3000" dirty="0" err="1">
-                <a:solidFill>
-                  <a:srgbClr val="FFFFFF"/>
-                </a:solidFill>
-                <a:latin typeface="Segoe UI Light" panose="020B0502040204020203" pitchFamily="34" charset="0"/>
-                <a:cs typeface="Segoe UI Light" panose="020B0502040204020203" pitchFamily="34" charset="0"/>
-              </a:rPr>
-              <a:t>Використовуйте</a:t>
-            </a:r>
-            <a:r>
-              <a:rPr lang="ru-RU" sz="3000" dirty="0">
-                <a:solidFill>
-                  <a:srgbClr val="FFFFFF"/>
-                </a:solidFill>
-                <a:latin typeface="Segoe UI Light" panose="020B0502040204020203" pitchFamily="34" charset="0"/>
-                <a:cs typeface="Segoe UI Light" panose="020B0502040204020203" pitchFamily="34" charset="0"/>
-              </a:rPr>
-              <a:t> </a:t>
-            </a:r>
-            <a:r>
-              <a:rPr lang="ru-RU" sz="3000" dirty="0" err="1">
-                <a:solidFill>
-                  <a:srgbClr val="FFFFFF"/>
-                </a:solidFill>
-                <a:latin typeface="Segoe UI Light" panose="020B0502040204020203" pitchFamily="34" charset="0"/>
-                <a:cs typeface="Segoe UI Light" panose="020B0502040204020203" pitchFamily="34" charset="0"/>
-              </a:rPr>
-              <a:t>великі</a:t>
-            </a:r>
-            <a:r>
-              <a:rPr lang="ru-RU" sz="3000" dirty="0">
-                <a:solidFill>
-                  <a:srgbClr val="FFFFFF"/>
-                </a:solidFill>
-                <a:latin typeface="Segoe UI Light" panose="020B0502040204020203" pitchFamily="34" charset="0"/>
-                <a:cs typeface="Segoe UI Light" panose="020B0502040204020203" pitchFamily="34" charset="0"/>
-              </a:rPr>
-              <a:t> </a:t>
-            </a:r>
-            <a:r>
-              <a:rPr lang="ru-RU" sz="3000" dirty="0" err="1">
-                <a:solidFill>
-                  <a:srgbClr val="FFFFFF"/>
-                </a:solidFill>
-                <a:latin typeface="Segoe UI Light" panose="020B0502040204020203" pitchFamily="34" charset="0"/>
-                <a:cs typeface="Segoe UI Light" panose="020B0502040204020203" pitchFamily="34" charset="0"/>
-              </a:rPr>
-              <a:t>зображення</a:t>
-            </a:r>
-            <a:r>
-              <a:rPr lang="ru-RU" sz="3000" dirty="0">
-                <a:solidFill>
-                  <a:srgbClr val="FFFFFF"/>
-                </a:solidFill>
-                <a:latin typeface="Segoe UI Light" panose="020B0502040204020203" pitchFamily="34" charset="0"/>
-                <a:cs typeface="Segoe UI Light" panose="020B0502040204020203" pitchFamily="34" charset="0"/>
-              </a:rPr>
-              <a:t>.</a:t>
-            </a:r>
-            <a:endParaRPr lang="en" sz="3000" dirty="0">
-              <a:solidFill>
-                <a:srgbClr val="FFFFFF"/>
-              </a:solidFill>
-              <a:latin typeface="Segoe UI Light" panose="020B0502040204020203" pitchFamily="34" charset="0"/>
-              <a:cs typeface="Segoe UI Light" panose="020B0502040204020203" pitchFamily="34" charset="0"/>
-            </a:endParaRPr>
-          </a:p>
-        </p:txBody>
-      </p:sp>
-      <p:pic>
-        <p:nvPicPr>
-          <p:cNvPr id="2" name="Рисунок 1"/>
-          <p:cNvPicPr>
-            <a:picLocks noChangeAspect="1"/>
-          </p:cNvPicPr>
-          <p:nvPr/>
-        </p:nvPicPr>
-        <p:blipFill>
-          <a:blip r:embed="rId4" cstate="print">
-            <a:extLst>
-              <a:ext uri="{28A0092B-C50C-407E-A947-70E740481C1C}">
-                <a14:useLocalDpi xmlns:a14="http://schemas.microsoft.com/office/drawing/2010/main" val="0"/>
-              </a:ext>
-            </a:extLst>
-          </a:blip>
-          <a:stretch>
-            <a:fillRect/>
-          </a:stretch>
-        </p:blipFill>
-        <p:spPr>
-          <a:xfrm>
-            <a:off x="10469286" y="5759024"/>
-            <a:ext cx="1383795" cy="548641"/>
-          </a:xfrm>
-          <a:prstGeom prst="rect">
-            <a:avLst/>
-          </a:prstGeom>
-        </p:spPr>
-      </p:pic>
-    </p:spTree>
-    <p:extLst>
-      <p:ext uri="{BB962C8B-B14F-4D97-AF65-F5344CB8AC3E}">
-        <p14:creationId xmlns:p14="http://schemas.microsoft.com/office/powerpoint/2010/main" val="3308562019"/>
+        <p14:creationId xmlns:p14="http://schemas.microsoft.com/office/powerpoint/2010/main" val="1313201148"/>
       </p:ext>
     </p:extLst>
   </p:cSld>
@@ -10339,7 +12912,7 @@
                 <a:latin typeface="Segoe UI Semibold" panose="020B0702040204020203" pitchFamily="34" charset="0"/>
                 <a:cs typeface="Segoe UI Semibold" panose="020B0702040204020203" pitchFamily="34" charset="0"/>
               </a:rPr>
-              <a:t>ВИКОРИСТОВУЙТЕ ДІАГРАМИ ДЛЯ ПОЯСНЕННЯ ІДЕЙ</a:t>
+              <a:t>ЗАГОЛОВОК СЛАЙДУ</a:t>
             </a:r>
             <a:endParaRPr lang="en" sz="3000" dirty="0">
               <a:solidFill>
@@ -10353,196 +12926,321 @@
       </p:sp>
       <p:sp>
         <p:nvSpPr>
-          <p:cNvPr id="6" name="Овал 5"/>
-          <p:cNvSpPr/>
+          <p:cNvPr id="5" name="Shape 114"/>
+          <p:cNvSpPr txBox="1">
+            <a:spLocks/>
+          </p:cNvSpPr>
           <p:nvPr/>
         </p:nvSpPr>
         <p:spPr>
           <a:xfrm>
-            <a:off x="1057275" y="2371725"/>
-            <a:ext cx="3543300" cy="3543300"/>
+            <a:off x="655637" y="1851815"/>
+            <a:ext cx="11202987" cy="4444210"/>
           </a:xfrm>
-          <a:prstGeom prst="ellipse">
+          <a:prstGeom prst="rect">
             <a:avLst/>
           </a:prstGeom>
-          <a:noFill/>
-          <a:ln w="127000" cap="flat">
-            <a:solidFill>
-              <a:srgbClr val="F5F5F5"/>
-            </a:solidFill>
-            <a:miter lim="800000"/>
-          </a:ln>
         </p:spPr>
-        <p:style>
-          <a:lnRef idx="2">
-            <a:schemeClr val="accent1">
-              <a:shade val="50000"/>
-            </a:schemeClr>
-          </a:lnRef>
-          <a:fillRef idx="1">
-            <a:schemeClr val="accent1"/>
-          </a:fillRef>
-          <a:effectRef idx="0">
-            <a:schemeClr val="accent1"/>
-          </a:effectRef>
-          <a:fontRef idx="minor">
-            <a:schemeClr val="lt1"/>
-          </a:fontRef>
-        </p:style>
-        <p:txBody>
-          <a:bodyPr rtlCol="0" anchor="ctr"/>
-          <a:lstStyle/>
-          <a:p>
-            <a:pPr algn="ctr"/>
-            <a:r>
-              <a:rPr lang="uk-UA" sz="5500" dirty="0">
-                <a:solidFill>
-                  <a:srgbClr val="F5F5F5"/>
-                </a:solidFill>
-                <a:latin typeface="Segoe UI Semibold" panose="020B0702040204020203" pitchFamily="34" charset="0"/>
-                <a:cs typeface="Segoe UI Semibold" panose="020B0702040204020203" pitchFamily="34" charset="0"/>
+        <p:txBody>
+          <a:bodyPr lIns="91425" tIns="91425" rIns="91425" bIns="91425" anchor="t" anchorCtr="0">
+            <a:noAutofit/>
+          </a:bodyPr>
+          <a:lstStyle>
+            <a:lvl1pPr marL="228600" indent="-228600" algn="l" defTabSz="914400" rtl="0" eaLnBrk="1" latinLnBrk="0" hangingPunct="1">
+              <a:lnSpc>
+                <a:spcPct val="90000"/>
+              </a:lnSpc>
+              <a:spcBef>
+                <a:spcPts val="1000"/>
+              </a:spcBef>
+              <a:buFont typeface="Arial" panose="020B0604020202020204" pitchFamily="34" charset="0"/>
+              <a:buChar char="•"/>
+              <a:defRPr sz="2800" kern="1200">
+                <a:solidFill>
+                  <a:schemeClr val="tx1"/>
+                </a:solidFill>
+                <a:latin typeface="+mn-lt"/>
+                <a:ea typeface="+mn-ea"/>
+                <a:cs typeface="+mn-cs"/>
+              </a:defRPr>
+            </a:lvl1pPr>
+            <a:lvl2pPr marL="685800" indent="-228600" algn="l" defTabSz="914400" rtl="0" eaLnBrk="1" latinLnBrk="0" hangingPunct="1">
+              <a:lnSpc>
+                <a:spcPct val="90000"/>
+              </a:lnSpc>
+              <a:spcBef>
+                <a:spcPts val="500"/>
+              </a:spcBef>
+              <a:buFont typeface="Arial" panose="020B0604020202020204" pitchFamily="34" charset="0"/>
+              <a:buChar char="•"/>
+              <a:defRPr sz="2400" kern="1200">
+                <a:solidFill>
+                  <a:schemeClr val="tx1"/>
+                </a:solidFill>
+                <a:latin typeface="+mn-lt"/>
+                <a:ea typeface="+mn-ea"/>
+                <a:cs typeface="+mn-cs"/>
+              </a:defRPr>
+            </a:lvl2pPr>
+            <a:lvl3pPr marL="1143000" indent="-228600" algn="l" defTabSz="914400" rtl="0" eaLnBrk="1" latinLnBrk="0" hangingPunct="1">
+              <a:lnSpc>
+                <a:spcPct val="90000"/>
+              </a:lnSpc>
+              <a:spcBef>
+                <a:spcPts val="500"/>
+              </a:spcBef>
+              <a:buFont typeface="Arial" panose="020B0604020202020204" pitchFamily="34" charset="0"/>
+              <a:buChar char="•"/>
+              <a:defRPr sz="2000" kern="1200">
+                <a:solidFill>
+                  <a:schemeClr val="tx1"/>
+                </a:solidFill>
+                <a:latin typeface="+mn-lt"/>
+                <a:ea typeface="+mn-ea"/>
+                <a:cs typeface="+mn-cs"/>
+              </a:defRPr>
+            </a:lvl3pPr>
+            <a:lvl4pPr marL="1600200" indent="-228600" algn="l" defTabSz="914400" rtl="0" eaLnBrk="1" latinLnBrk="0" hangingPunct="1">
+              <a:lnSpc>
+                <a:spcPct val="90000"/>
+              </a:lnSpc>
+              <a:spcBef>
+                <a:spcPts val="500"/>
+              </a:spcBef>
+              <a:buFont typeface="Arial" panose="020B0604020202020204" pitchFamily="34" charset="0"/>
+              <a:buChar char="•"/>
+              <a:defRPr sz="1800" kern="1200">
+                <a:solidFill>
+                  <a:schemeClr val="tx1"/>
+                </a:solidFill>
+                <a:latin typeface="+mn-lt"/>
+                <a:ea typeface="+mn-ea"/>
+                <a:cs typeface="+mn-cs"/>
+              </a:defRPr>
+            </a:lvl4pPr>
+            <a:lvl5pPr marL="2057400" indent="-228600" algn="l" defTabSz="914400" rtl="0" eaLnBrk="1" latinLnBrk="0" hangingPunct="1">
+              <a:lnSpc>
+                <a:spcPct val="90000"/>
+              </a:lnSpc>
+              <a:spcBef>
+                <a:spcPts val="500"/>
+              </a:spcBef>
+              <a:buFont typeface="Arial" panose="020B0604020202020204" pitchFamily="34" charset="0"/>
+              <a:buChar char="•"/>
+              <a:defRPr sz="1800" kern="1200">
+                <a:solidFill>
+                  <a:schemeClr val="tx1"/>
+                </a:solidFill>
+                <a:latin typeface="+mn-lt"/>
+                <a:ea typeface="+mn-ea"/>
+                <a:cs typeface="+mn-cs"/>
+              </a:defRPr>
+            </a:lvl5pPr>
+            <a:lvl6pPr marL="2514600" indent="-228600" algn="l" defTabSz="914400" rtl="0" eaLnBrk="1" latinLnBrk="0" hangingPunct="1">
+              <a:lnSpc>
+                <a:spcPct val="90000"/>
+              </a:lnSpc>
+              <a:spcBef>
+                <a:spcPts val="500"/>
+              </a:spcBef>
+              <a:buFont typeface="Arial" panose="020B0604020202020204" pitchFamily="34" charset="0"/>
+              <a:buChar char="•"/>
+              <a:defRPr sz="1800" kern="1200">
+                <a:solidFill>
+                  <a:schemeClr val="tx1"/>
+                </a:solidFill>
+                <a:latin typeface="+mn-lt"/>
+                <a:ea typeface="+mn-ea"/>
+                <a:cs typeface="+mn-cs"/>
+              </a:defRPr>
+            </a:lvl6pPr>
+            <a:lvl7pPr marL="2971800" indent="-228600" algn="l" defTabSz="914400" rtl="0" eaLnBrk="1" latinLnBrk="0" hangingPunct="1">
+              <a:lnSpc>
+                <a:spcPct val="90000"/>
+              </a:lnSpc>
+              <a:spcBef>
+                <a:spcPts val="500"/>
+              </a:spcBef>
+              <a:buFont typeface="Arial" panose="020B0604020202020204" pitchFamily="34" charset="0"/>
+              <a:buChar char="•"/>
+              <a:defRPr sz="1800" kern="1200">
+                <a:solidFill>
+                  <a:schemeClr val="tx1"/>
+                </a:solidFill>
+                <a:latin typeface="+mn-lt"/>
+                <a:ea typeface="+mn-ea"/>
+                <a:cs typeface="+mn-cs"/>
+              </a:defRPr>
+            </a:lvl7pPr>
+            <a:lvl8pPr marL="3429000" indent="-228600" algn="l" defTabSz="914400" rtl="0" eaLnBrk="1" latinLnBrk="0" hangingPunct="1">
+              <a:lnSpc>
+                <a:spcPct val="90000"/>
+              </a:lnSpc>
+              <a:spcBef>
+                <a:spcPts val="500"/>
+              </a:spcBef>
+              <a:buFont typeface="Arial" panose="020B0604020202020204" pitchFamily="34" charset="0"/>
+              <a:buChar char="•"/>
+              <a:defRPr sz="1800" kern="1200">
+                <a:solidFill>
+                  <a:schemeClr val="tx1"/>
+                </a:solidFill>
+                <a:latin typeface="+mn-lt"/>
+                <a:ea typeface="+mn-ea"/>
+                <a:cs typeface="+mn-cs"/>
+              </a:defRPr>
+            </a:lvl8pPr>
+            <a:lvl9pPr marL="3886200" indent="-228600" algn="l" defTabSz="914400" rtl="0" eaLnBrk="1" latinLnBrk="0" hangingPunct="1">
+              <a:lnSpc>
+                <a:spcPct val="90000"/>
+              </a:lnSpc>
+              <a:spcBef>
+                <a:spcPts val="500"/>
+              </a:spcBef>
+              <a:buFont typeface="Arial" panose="020B0604020202020204" pitchFamily="34" charset="0"/>
+              <a:buChar char="•"/>
+              <a:defRPr sz="1800" kern="1200">
+                <a:solidFill>
+                  <a:schemeClr val="tx1"/>
+                </a:solidFill>
+                <a:latin typeface="+mn-lt"/>
+                <a:ea typeface="+mn-ea"/>
+                <a:cs typeface="+mn-cs"/>
+              </a:defRPr>
+            </a:lvl9pPr>
+          </a:lstStyle>
+          <a:p>
+            <a:pPr marL="0" indent="0">
+              <a:lnSpc>
+                <a:spcPct val="150000"/>
+              </a:lnSpc>
+              <a:spcBef>
+                <a:spcPts val="0"/>
+              </a:spcBef>
+              <a:buNone/>
+            </a:pPr>
+            <a:r>
+              <a:rPr lang="uk-UA" dirty="0">
+                <a:solidFill>
+                  <a:srgbClr val="1D1D1D"/>
+                </a:solidFill>
+                <a:latin typeface="Segoe UI Light" panose="020B0502040204020203" pitchFamily="34" charset="0"/>
+                <a:cs typeface="Segoe UI Light" panose="020B0502040204020203" pitchFamily="34" charset="0"/>
               </a:rPr>
-              <a:t>білий</a:t>
-            </a:r>
-            <a:endParaRPr lang="ru-RU" sz="5500" dirty="0">
-              <a:solidFill>
-                <a:srgbClr val="F5F5F5"/>
-              </a:solidFill>
-              <a:latin typeface="Segoe UI Semibold" panose="020B0702040204020203" pitchFamily="34" charset="0"/>
-              <a:cs typeface="Segoe UI Semibold" panose="020B0702040204020203" pitchFamily="34" charset="0"/>
-            </a:endParaRPr>
-          </a:p>
-        </p:txBody>
-      </p:sp>
-      <p:sp>
-        <p:nvSpPr>
-          <p:cNvPr id="7" name="Овал 6"/>
-          <p:cNvSpPr/>
-          <p:nvPr/>
-        </p:nvSpPr>
-        <p:spPr>
-          <a:xfrm>
-            <a:off x="4324350" y="2371725"/>
-            <a:ext cx="3543300" cy="3543300"/>
-          </a:xfrm>
-          <a:prstGeom prst="ellipse">
-            <a:avLst/>
-          </a:prstGeom>
-          <a:noFill/>
-          <a:ln w="127000" cap="flat">
-            <a:solidFill>
-              <a:srgbClr val="7F7F7F"/>
-            </a:solidFill>
-            <a:miter lim="800000"/>
-          </a:ln>
-        </p:spPr>
-        <p:style>
-          <a:lnRef idx="2">
-            <a:schemeClr val="accent1">
-              <a:shade val="50000"/>
-            </a:schemeClr>
-          </a:lnRef>
-          <a:fillRef idx="1">
-            <a:schemeClr val="accent1"/>
-          </a:fillRef>
-          <a:effectRef idx="0">
-            <a:schemeClr val="accent1"/>
-          </a:effectRef>
-          <a:fontRef idx="minor">
-            <a:schemeClr val="lt1"/>
-          </a:fontRef>
-        </p:style>
-        <p:txBody>
-          <a:bodyPr rtlCol="0" anchor="ctr"/>
-          <a:lstStyle/>
-          <a:p>
-            <a:pPr algn="ctr"/>
-            <a:r>
-              <a:rPr lang="ru-RU" sz="5500" dirty="0" err="1">
-                <a:solidFill>
-                  <a:srgbClr val="7F7F7F"/>
-                </a:solidFill>
-                <a:latin typeface="Segoe UI Semibold" panose="020B0702040204020203" pitchFamily="34" charset="0"/>
-                <a:cs typeface="Segoe UI Semibold" panose="020B0702040204020203" pitchFamily="34" charset="0"/>
+              <a:t>Тут Ви маєте:</a:t>
+            </a:r>
+          </a:p>
+          <a:p>
+            <a:pPr marL="361950" indent="-361950">
+              <a:lnSpc>
+                <a:spcPct val="150000"/>
+              </a:lnSpc>
+              <a:spcBef>
+                <a:spcPts val="0"/>
+              </a:spcBef>
+              <a:buSzPct val="75000"/>
+            </a:pPr>
+            <a:r>
+              <a:rPr lang="uk-UA" dirty="0">
+                <a:solidFill>
+                  <a:srgbClr val="1D1D1D"/>
+                </a:solidFill>
+                <a:latin typeface="Segoe UI Light" panose="020B0502040204020203" pitchFamily="34" charset="0"/>
+                <a:cs typeface="Segoe UI Light" panose="020B0502040204020203" pitchFamily="34" charset="0"/>
               </a:rPr>
-              <a:t>сірий</a:t>
-            </a:r>
-            <a:endParaRPr lang="ru-RU" sz="5500" dirty="0">
-              <a:solidFill>
-                <a:srgbClr val="7F7F7F"/>
-              </a:solidFill>
-              <a:latin typeface="Segoe UI Semibold" panose="020B0702040204020203" pitchFamily="34" charset="0"/>
-              <a:cs typeface="Segoe UI Semibold" panose="020B0702040204020203" pitchFamily="34" charset="0"/>
-            </a:endParaRPr>
-          </a:p>
-        </p:txBody>
-      </p:sp>
-      <p:sp>
-        <p:nvSpPr>
-          <p:cNvPr id="8" name="Овал 7"/>
-          <p:cNvSpPr/>
-          <p:nvPr/>
-        </p:nvSpPr>
-        <p:spPr>
-          <a:xfrm>
-            <a:off x="7600950" y="2371725"/>
-            <a:ext cx="3543300" cy="3543300"/>
-          </a:xfrm>
-          <a:prstGeom prst="ellipse">
-            <a:avLst/>
-          </a:prstGeom>
-          <a:noFill/>
-          <a:ln w="127000" cap="flat">
-            <a:solidFill>
-              <a:srgbClr val="1D1D1D"/>
-            </a:solidFill>
-            <a:miter lim="800000"/>
-          </a:ln>
-        </p:spPr>
-        <p:style>
-          <a:lnRef idx="2">
-            <a:schemeClr val="accent1">
-              <a:shade val="50000"/>
-            </a:schemeClr>
-          </a:lnRef>
-          <a:fillRef idx="1">
-            <a:schemeClr val="accent1"/>
-          </a:fillRef>
-          <a:effectRef idx="0">
-            <a:schemeClr val="accent1"/>
-          </a:effectRef>
-          <a:fontRef idx="minor">
-            <a:schemeClr val="lt1"/>
-          </a:fontRef>
-        </p:style>
-        <p:txBody>
-          <a:bodyPr rtlCol="0" anchor="ctr"/>
-          <a:lstStyle/>
-          <a:p>
-            <a:pPr algn="ctr"/>
-            <a:r>
-              <a:rPr lang="ru-RU" sz="5500" spc="-300" dirty="0" err="1">
+              <a:t>перелік пунктів;</a:t>
+            </a:r>
+          </a:p>
+          <a:p>
+            <a:pPr marL="361950" indent="-361950">
+              <a:lnSpc>
+                <a:spcPct val="150000"/>
+              </a:lnSpc>
+              <a:spcBef>
+                <a:spcPts val="0"/>
+              </a:spcBef>
+              <a:buSzPct val="75000"/>
+            </a:pPr>
+            <a:r>
+              <a:rPr lang="uk-UA" dirty="0">
                 <a:solidFill>
                   <a:srgbClr val="1D1D1D"/>
                 </a:solidFill>
-                <a:latin typeface="Segoe UI Semibold" panose="020B0702040204020203" pitchFamily="34" charset="0"/>
-                <a:cs typeface="Segoe UI Semibold" panose="020B0702040204020203" pitchFamily="34" charset="0"/>
+                <a:latin typeface="Segoe UI Light" panose="020B0502040204020203" pitchFamily="34" charset="0"/>
+                <a:cs typeface="Segoe UI Light" panose="020B0502040204020203" pitchFamily="34" charset="0"/>
               </a:rPr>
-              <a:t>чорний</a:t>
-            </a:r>
-            <a:endParaRPr lang="ru-RU" sz="5500" spc="-300" dirty="0">
+              <a:t>деякий текст;</a:t>
+            </a:r>
+            <a:endParaRPr lang="en" dirty="0">
               <a:solidFill>
                 <a:srgbClr val="1D1D1D"/>
               </a:solidFill>
-              <a:latin typeface="Segoe UI Semibold" panose="020B0702040204020203" pitchFamily="34" charset="0"/>
-              <a:cs typeface="Segoe UI Semibold" panose="020B0702040204020203" pitchFamily="34" charset="0"/>
+              <a:latin typeface="Segoe UI Light" panose="020B0502040204020203" pitchFamily="34" charset="0"/>
+              <a:cs typeface="Segoe UI Light" panose="020B0502040204020203" pitchFamily="34" charset="0"/>
+            </a:endParaRPr>
+          </a:p>
+          <a:p>
+            <a:pPr marL="361950" indent="-361950">
+              <a:lnSpc>
+                <a:spcPct val="150000"/>
+              </a:lnSpc>
+              <a:spcBef>
+                <a:spcPts val="0"/>
+              </a:spcBef>
+              <a:buSzPct val="75000"/>
+            </a:pPr>
+            <a:r>
+              <a:rPr lang="uk-UA" dirty="0">
+                <a:solidFill>
+                  <a:srgbClr val="1D1D1D"/>
+                </a:solidFill>
+                <a:latin typeface="Segoe UI Light" panose="020B0502040204020203" pitchFamily="34" charset="0"/>
+                <a:cs typeface="Segoe UI Light" panose="020B0502040204020203" pitchFamily="34" charset="0"/>
+              </a:rPr>
+              <a:t>пам’ятайте, не перевантажуйте слайди вмістом.</a:t>
+            </a:r>
+            <a:endParaRPr lang="en" dirty="0">
+              <a:solidFill>
+                <a:srgbClr val="1D1D1D"/>
+              </a:solidFill>
+              <a:latin typeface="Segoe UI Light" panose="020B0502040204020203" pitchFamily="34" charset="0"/>
+              <a:cs typeface="Segoe UI Light" panose="020B0502040204020203" pitchFamily="34" charset="0"/>
+            </a:endParaRPr>
+          </a:p>
+          <a:p>
+            <a:pPr marL="0" indent="0">
+              <a:lnSpc>
+                <a:spcPct val="150000"/>
+              </a:lnSpc>
+              <a:spcBef>
+                <a:spcPts val="0"/>
+              </a:spcBef>
+              <a:buFont typeface="Arial" panose="020B0604020202020204" pitchFamily="34" charset="0"/>
+              <a:buNone/>
+            </a:pPr>
+            <a:r>
+              <a:rPr lang="uk-UA" dirty="0">
+                <a:solidFill>
+                  <a:srgbClr val="1D1D1D"/>
+                </a:solidFill>
+                <a:latin typeface="Segoe UI Light" panose="020B0502040204020203" pitchFamily="34" charset="0"/>
+                <a:cs typeface="Segoe UI Light" panose="020B0502040204020203" pitchFamily="34" charset="0"/>
+              </a:rPr>
+              <a:t>Ваша аудиторія буде читати вміст або слухати Вас, але не те й інше водночас.</a:t>
+            </a:r>
+            <a:endParaRPr lang="en" dirty="0">
+              <a:solidFill>
+                <a:srgbClr val="1D1D1D"/>
+              </a:solidFill>
+              <a:latin typeface="Segoe UI Light" panose="020B0502040204020203" pitchFamily="34" charset="0"/>
+              <a:cs typeface="Segoe UI Light" panose="020B0502040204020203" pitchFamily="34" charset="0"/>
             </a:endParaRPr>
           </a:p>
         </p:txBody>
       </p:sp>
       <p:pic>
         <p:nvPicPr>
-          <p:cNvPr id="10" name="Рисунок 9"/>
+          <p:cNvPr id="7" name="Рисунок 6"/>
           <p:cNvPicPr>
             <a:picLocks noChangeAspect="1"/>
           </p:cNvPicPr>
@@ -10573,7 +13271,7 @@
     </p:spTree>
     <p:extLst>
       <p:ext uri="{BB962C8B-B14F-4D97-AF65-F5344CB8AC3E}">
-        <p14:creationId xmlns:p14="http://schemas.microsoft.com/office/powerpoint/2010/main" val="3732940945"/>
+        <p14:creationId xmlns:p14="http://schemas.microsoft.com/office/powerpoint/2010/main" val="1964089364"/>
       </p:ext>
     </p:extLst>
   </p:cSld>

--- a/Presentation_easypay.pptx
+++ b/Presentation_easypay.pptx
@@ -5,7 +5,7 @@
     <p:sldMasterId id="2147483648" r:id="rId1"/>
   </p:sldMasterIdLst>
   <p:notesMasterIdLst>
-    <p:notesMasterId r:id="rId20"/>
+    <p:notesMasterId r:id="rId21"/>
   </p:notesMasterIdLst>
   <p:sldIdLst>
     <p:sldId id="257" r:id="rId2"/>
@@ -21,11 +21,12 @@
     <p:sldId id="275" r:id="rId12"/>
     <p:sldId id="278" r:id="rId13"/>
     <p:sldId id="268" r:id="rId14"/>
-    <p:sldId id="273" r:id="rId15"/>
-    <p:sldId id="279" r:id="rId16"/>
-    <p:sldId id="262" r:id="rId17"/>
-    <p:sldId id="266" r:id="rId18"/>
-    <p:sldId id="267" r:id="rId19"/>
+    <p:sldId id="280" r:id="rId15"/>
+    <p:sldId id="282" r:id="rId16"/>
+    <p:sldId id="281" r:id="rId17"/>
+    <p:sldId id="262" r:id="rId18"/>
+    <p:sldId id="266" r:id="rId19"/>
+    <p:sldId id="267" r:id="rId20"/>
   </p:sldIdLst>
   <p:sldSz cx="12192000" cy="6858000"/>
   <p:notesSz cx="6858000" cy="9144000"/>
@@ -906,7 +907,7 @@
     </p:spTree>
     <p:extLst>
       <p:ext uri="{BB962C8B-B14F-4D97-AF65-F5344CB8AC3E}">
-        <p14:creationId xmlns:p14="http://schemas.microsoft.com/office/powerpoint/2010/main" val="2535032449"/>
+        <p14:creationId xmlns:p14="http://schemas.microsoft.com/office/powerpoint/2010/main" val="3993657576"/>
       </p:ext>
     </p:extLst>
   </p:cSld>
@@ -990,7 +991,7 @@
     </p:spTree>
     <p:extLst>
       <p:ext uri="{BB962C8B-B14F-4D97-AF65-F5344CB8AC3E}">
-        <p14:creationId xmlns:p14="http://schemas.microsoft.com/office/powerpoint/2010/main" val="4226334809"/>
+        <p14:creationId xmlns:p14="http://schemas.microsoft.com/office/powerpoint/2010/main" val="2764020117"/>
       </p:ext>
     </p:extLst>
   </p:cSld>
@@ -1074,7 +1075,7 @@
     </p:spTree>
     <p:extLst>
       <p:ext uri="{BB962C8B-B14F-4D97-AF65-F5344CB8AC3E}">
-        <p14:creationId xmlns:p14="http://schemas.microsoft.com/office/powerpoint/2010/main" val="240787451"/>
+        <p14:creationId xmlns:p14="http://schemas.microsoft.com/office/powerpoint/2010/main" val="3507077439"/>
       </p:ext>
     </p:extLst>
   </p:cSld>
@@ -1150,6 +1151,90 @@
             <a:fld id="{18708D98-3156-4019-9D45-C27B744176CB}" type="slidenum">
               <a:rPr lang="ru-RU" smtClean="0"/>
               <a:t>17</a:t>
+            </a:fld>
+            <a:endParaRPr lang="ru-RU"/>
+          </a:p>
+        </p:txBody>
+      </p:sp>
+    </p:spTree>
+    <p:extLst>
+      <p:ext uri="{BB962C8B-B14F-4D97-AF65-F5344CB8AC3E}">
+        <p14:creationId xmlns:p14="http://schemas.microsoft.com/office/powerpoint/2010/main" val="240787451"/>
+      </p:ext>
+    </p:extLst>
+  </p:cSld>
+  <p:clrMapOvr>
+    <a:masterClrMapping/>
+  </p:clrMapOvr>
+</p:notes>
+</file>
+
+<file path=ppt/notesSlides/notesSlide17.xml><?xml version="1.0" encoding="utf-8"?>
+<p:notes xmlns:a="http://schemas.openxmlformats.org/drawingml/2006/main" xmlns:r="http://schemas.openxmlformats.org/officeDocument/2006/relationships" xmlns:p="http://schemas.openxmlformats.org/presentationml/2006/main">
+  <p:cSld>
+    <p:spTree>
+      <p:nvGrpSpPr>
+        <p:cNvPr id="1" name=""/>
+        <p:cNvGrpSpPr/>
+        <p:nvPr/>
+      </p:nvGrpSpPr>
+      <p:grpSpPr>
+        <a:xfrm>
+          <a:off x="0" y="0"/>
+          <a:ext cx="0" cy="0"/>
+          <a:chOff x="0" y="0"/>
+          <a:chExt cx="0" cy="0"/>
+        </a:xfrm>
+      </p:grpSpPr>
+      <p:sp>
+        <p:nvSpPr>
+          <p:cNvPr id="2" name="Образ слайда 1"/>
+          <p:cNvSpPr>
+            <a:spLocks noGrp="1" noRot="1" noChangeAspect="1"/>
+          </p:cNvSpPr>
+          <p:nvPr>
+            <p:ph type="sldImg"/>
+          </p:nvPr>
+        </p:nvSpPr>
+        <p:spPr/>
+      </p:sp>
+      <p:sp>
+        <p:nvSpPr>
+          <p:cNvPr id="3" name="Заметки 2"/>
+          <p:cNvSpPr>
+            <a:spLocks noGrp="1"/>
+          </p:cNvSpPr>
+          <p:nvPr>
+            <p:ph type="body" idx="1"/>
+          </p:nvPr>
+        </p:nvSpPr>
+        <p:spPr/>
+        <p:txBody>
+          <a:bodyPr/>
+          <a:lstStyle/>
+          <a:p>
+            <a:endParaRPr lang="ru-RU"/>
+          </a:p>
+        </p:txBody>
+      </p:sp>
+      <p:sp>
+        <p:nvSpPr>
+          <p:cNvPr id="4" name="Номер слайда 3"/>
+          <p:cNvSpPr>
+            <a:spLocks noGrp="1"/>
+          </p:cNvSpPr>
+          <p:nvPr>
+            <p:ph type="sldNum" sz="quarter" idx="10"/>
+          </p:nvPr>
+        </p:nvSpPr>
+        <p:spPr/>
+        <p:txBody>
+          <a:bodyPr/>
+          <a:lstStyle/>
+          <a:p>
+            <a:fld id="{18708D98-3156-4019-9D45-C27B744176CB}" type="slidenum">
+              <a:rPr lang="ru-RU" smtClean="0"/>
+              <a:t>18</a:t>
             </a:fld>
             <a:endParaRPr lang="ru-RU"/>
           </a:p>
@@ -6493,6 +6578,13 @@
               </a:rPr>
               <a:t>Submodules</a:t>
             </a:r>
+          </a:p>
+          <a:p>
+            <a:pPr>
+              <a:spcBef>
+                <a:spcPts val="0"/>
+              </a:spcBef>
+            </a:pPr>
             <a:endParaRPr lang="en" sz="6000" dirty="0">
               <a:solidFill>
                 <a:srgbClr val="0E6BB3"/>
@@ -6759,6 +6851,42 @@
           <a:xfrm>
             <a:off x="10469538" y="5762416"/>
             <a:ext cx="1383795" cy="548641"/>
+          </a:xfrm>
+          <a:prstGeom prst="rect">
+            <a:avLst/>
+          </a:prstGeom>
+        </p:spPr>
+      </p:pic>
+      <p:pic>
+        <p:nvPicPr>
+          <p:cNvPr id="9" name="Picture 8">
+            <a:extLst>
+              <a:ext uri="{FF2B5EF4-FFF2-40B4-BE49-F238E27FC236}">
+                <a16:creationId xmlns:a16="http://schemas.microsoft.com/office/drawing/2014/main" id="{9091968B-095B-4504-8FDA-CCBF88B93BFA}"/>
+              </a:ext>
+            </a:extLst>
+          </p:cNvPr>
+          <p:cNvPicPr>
+            <a:picLocks noChangeAspect="1"/>
+          </p:cNvPicPr>
+          <p:nvPr/>
+        </p:nvPicPr>
+        <p:blipFill>
+          <a:blip r:embed="rId5">
+            <a:extLst>
+              <a:ext uri="{28A0092B-C50C-407E-A947-70E740481C1C}">
+                <a14:useLocalDpi xmlns:a14="http://schemas.microsoft.com/office/drawing/2010/main" val="0"/>
+              </a:ext>
+            </a:extLst>
+          </a:blip>
+          <a:stretch>
+            <a:fillRect/>
+          </a:stretch>
+        </p:blipFill>
+        <p:spPr>
+          <a:xfrm>
+            <a:off x="6022818" y="3864129"/>
+            <a:ext cx="3485182" cy="2540220"/>
           </a:xfrm>
           <a:prstGeom prst="rect">
             <a:avLst/>
@@ -6994,14 +7122,14 @@
               </a:spcBef>
             </a:pPr>
             <a:r>
-              <a:rPr lang="uk-UA" sz="3000" dirty="0">
+              <a:rPr lang="en-US" sz="3000" dirty="0">
                 <a:solidFill>
                   <a:srgbClr val="FFFFFF"/>
                 </a:solidFill>
                 <a:latin typeface="Segoe UI Semibold" panose="020B0702040204020203" pitchFamily="34" charset="0"/>
                 <a:cs typeface="Segoe UI Semibold" panose="020B0702040204020203" pitchFamily="34" charset="0"/>
               </a:rPr>
-              <a:t>ЗАГОЛОВОК СЛАЙДУ</a:t>
+              <a:t>How 2 Add</a:t>
             </a:r>
             <a:endParaRPr lang="en" sz="3000" dirty="0">
               <a:solidFill>
@@ -7209,121 +7337,116 @@
               <a:buNone/>
             </a:pPr>
             <a:r>
-              <a:rPr lang="uk-UA" dirty="0">
-                <a:solidFill>
-                  <a:srgbClr val="1D1D1D"/>
-                </a:solidFill>
+              <a:rPr lang="en-US" sz="1800" b="1" dirty="0">
                 <a:latin typeface="Segoe UI Light" panose="020B0502040204020203" pitchFamily="34" charset="0"/>
                 <a:cs typeface="Segoe UI Light" panose="020B0502040204020203" pitchFamily="34" charset="0"/>
               </a:rPr>
-              <a:t>Тут Ви маєте:</a:t>
-            </a:r>
-          </a:p>
-          <a:p>
-            <a:pPr marL="361950" indent="-361950">
+              <a:t>In main project tap:</a:t>
+            </a:r>
+          </a:p>
+          <a:p>
+            <a:pPr marL="0" indent="0">
               <a:lnSpc>
                 <a:spcPct val="150000"/>
               </a:lnSpc>
               <a:spcBef>
                 <a:spcPts val="0"/>
               </a:spcBef>
-              <a:buSzPct val="75000"/>
+              <a:buNone/>
             </a:pPr>
             <a:r>
-              <a:rPr lang="uk-UA" dirty="0">
-                <a:solidFill>
-                  <a:srgbClr val="1D1D1D"/>
-                </a:solidFill>
+              <a:rPr lang="en-US" sz="1400" dirty="0">
                 <a:latin typeface="Segoe UI Light" panose="020B0502040204020203" pitchFamily="34" charset="0"/>
                 <a:cs typeface="Segoe UI Light" panose="020B0502040204020203" pitchFamily="34" charset="0"/>
               </a:rPr>
-              <a:t>перелік пунктів;</a:t>
-            </a:r>
-          </a:p>
-          <a:p>
-            <a:pPr marL="361950" indent="-361950">
-              <a:lnSpc>
-                <a:spcPct val="150000"/>
-              </a:lnSpc>
-              <a:spcBef>
-                <a:spcPts val="0"/>
-              </a:spcBef>
-              <a:buSzPct val="75000"/>
-            </a:pPr>
-            <a:r>
-              <a:rPr lang="uk-UA" dirty="0">
-                <a:solidFill>
-                  <a:srgbClr val="1D1D1D"/>
-                </a:solidFill>
+              <a:t>git submodule add git://github.com/submodulerepo/submodule.git </a:t>
+            </a:r>
+            <a:r>
+              <a:rPr lang="en-US" sz="1400" dirty="0" err="1">
                 <a:latin typeface="Segoe UI Light" panose="020B0502040204020203" pitchFamily="34" charset="0"/>
                 <a:cs typeface="Segoe UI Light" panose="020B0502040204020203" pitchFamily="34" charset="0"/>
               </a:rPr>
-              <a:t>деякий текст;</a:t>
-            </a:r>
-            <a:endParaRPr lang="en" dirty="0">
-              <a:solidFill>
-                <a:srgbClr val="1D1D1D"/>
-              </a:solidFill>
-              <a:latin typeface="Segoe UI Light" panose="020B0502040204020203" pitchFamily="34" charset="0"/>
-              <a:cs typeface="Segoe UI Light" panose="020B0502040204020203" pitchFamily="34" charset="0"/>
-            </a:endParaRPr>
-          </a:p>
-          <a:p>
-            <a:pPr marL="361950" indent="-361950">
-              <a:lnSpc>
-                <a:spcPct val="150000"/>
-              </a:lnSpc>
-              <a:spcBef>
-                <a:spcPts val="0"/>
-              </a:spcBef>
-              <a:buSzPct val="75000"/>
-            </a:pPr>
-            <a:r>
-              <a:rPr lang="uk-UA" dirty="0">
-                <a:solidFill>
-                  <a:srgbClr val="1D1D1D"/>
-                </a:solidFill>
+              <a:t>SubModuleName</a:t>
+            </a:r>
+            <a:r>
+              <a:rPr lang="en-US" sz="1400" dirty="0">
                 <a:latin typeface="Segoe UI Light" panose="020B0502040204020203" pitchFamily="34" charset="0"/>
                 <a:cs typeface="Segoe UI Light" panose="020B0502040204020203" pitchFamily="34" charset="0"/>
               </a:rPr>
-              <a:t>пам’ятайте, не перевантажуйте слайди вмістом.</a:t>
-            </a:r>
-            <a:endParaRPr lang="en" dirty="0">
-              <a:solidFill>
-                <a:srgbClr val="1D1D1D"/>
-              </a:solidFill>
-              <a:latin typeface="Segoe UI Light" panose="020B0502040204020203" pitchFamily="34" charset="0"/>
-              <a:cs typeface="Segoe UI Light" panose="020B0502040204020203" pitchFamily="34" charset="0"/>
-            </a:endParaRPr>
-          </a:p>
-          <a:p>
-            <a:pPr marL="0" indent="0">
-              <a:lnSpc>
-                <a:spcPct val="150000"/>
-              </a:lnSpc>
-              <a:spcBef>
-                <a:spcPts val="0"/>
-              </a:spcBef>
-              <a:buFont typeface="Arial" panose="020B0604020202020204" pitchFamily="34" charset="0"/>
-              <a:buNone/>
-            </a:pPr>
-            <a:r>
-              <a:rPr lang="uk-UA" dirty="0">
-                <a:solidFill>
-                  <a:srgbClr val="1D1D1D"/>
+              <a:t> </a:t>
+            </a:r>
+            <a:r>
+              <a:rPr lang="en-US" sz="1400" dirty="0">
+                <a:solidFill>
+                  <a:srgbClr val="339933"/>
                 </a:solidFill>
                 <a:latin typeface="Segoe UI Light" panose="020B0502040204020203" pitchFamily="34" charset="0"/>
                 <a:cs typeface="Segoe UI Light" panose="020B0502040204020203" pitchFamily="34" charset="0"/>
               </a:rPr>
-              <a:t>Ваша аудиторія буде читати вміст або слухати Вас, але не те й інше водночас.</a:t>
-            </a:r>
-            <a:endParaRPr lang="en" dirty="0">
-              <a:solidFill>
-                <a:srgbClr val="1D1D1D"/>
-              </a:solidFill>
-              <a:latin typeface="Segoe UI Light" panose="020B0502040204020203" pitchFamily="34" charset="0"/>
-              <a:cs typeface="Segoe UI Light" panose="020B0502040204020203" pitchFamily="34" charset="0"/>
-            </a:endParaRPr>
+              <a:t>//check  .</a:t>
+            </a:r>
+            <a:r>
+              <a:rPr lang="en-US" sz="1400" dirty="0" err="1">
+                <a:solidFill>
+                  <a:srgbClr val="339933"/>
+                </a:solidFill>
+                <a:latin typeface="Segoe UI Light" panose="020B0502040204020203" pitchFamily="34" charset="0"/>
+                <a:cs typeface="Segoe UI Light" panose="020B0502040204020203" pitchFamily="34" charset="0"/>
+              </a:rPr>
+              <a:t>gitmodules</a:t>
+            </a:r>
+            <a:r>
+              <a:rPr lang="en-US" sz="1400" dirty="0">
+                <a:solidFill>
+                  <a:srgbClr val="339933"/>
+                </a:solidFill>
+                <a:latin typeface="Segoe UI Light" panose="020B0502040204020203" pitchFamily="34" charset="0"/>
+                <a:cs typeface="Segoe UI Light" panose="020B0502040204020203" pitchFamily="34" charset="0"/>
+              </a:rPr>
+              <a:t> file</a:t>
+            </a:r>
+          </a:p>
+          <a:p>
+            <a:pPr marL="0" indent="0">
+              <a:lnSpc>
+                <a:spcPct val="150000"/>
+              </a:lnSpc>
+              <a:spcBef>
+                <a:spcPts val="0"/>
+              </a:spcBef>
+              <a:buNone/>
+            </a:pPr>
+            <a:r>
+              <a:rPr lang="en-US" sz="1400" dirty="0">
+                <a:solidFill>
+                  <a:srgbClr val="1D1D1D"/>
+                </a:solidFill>
+                <a:latin typeface="Segoe UI Light" panose="020B0502040204020203" pitchFamily="34" charset="0"/>
+                <a:cs typeface="Segoe UI Light" panose="020B0502040204020203" pitchFamily="34" charset="0"/>
+              </a:rPr>
+              <a:t>git commit -am 'Added submodules'</a:t>
+            </a:r>
+          </a:p>
+          <a:p>
+            <a:pPr marL="0" indent="0">
+              <a:lnSpc>
+                <a:spcPct val="150000"/>
+              </a:lnSpc>
+              <a:spcBef>
+                <a:spcPts val="0"/>
+              </a:spcBef>
+              <a:buNone/>
+            </a:pPr>
+            <a:r>
+              <a:rPr lang="en-US" sz="1400" dirty="0">
+                <a:solidFill>
+                  <a:srgbClr val="1D1D1D"/>
+                </a:solidFill>
+                <a:latin typeface="Segoe UI Light" panose="020B0502040204020203" pitchFamily="34" charset="0"/>
+                <a:cs typeface="Segoe UI Light" panose="020B0502040204020203" pitchFamily="34" charset="0"/>
+              </a:rPr>
+              <a:t>git push -u origin</a:t>
+            </a:r>
           </a:p>
         </p:txBody>
       </p:sp>
@@ -7357,10 +7480,40 @@
           </a:prstGeom>
         </p:spPr>
       </p:pic>
+      <p:pic>
+        <p:nvPicPr>
+          <p:cNvPr id="6" name="Picture 5">
+            <a:extLst>
+              <a:ext uri="{FF2B5EF4-FFF2-40B4-BE49-F238E27FC236}">
+                <a16:creationId xmlns:a16="http://schemas.microsoft.com/office/drawing/2014/main" id="{3D4C57B2-E586-4B8D-B52A-DF7AA7CFA11D}"/>
+              </a:ext>
+            </a:extLst>
+          </p:cNvPr>
+          <p:cNvPicPr>
+            <a:picLocks noChangeAspect="1"/>
+          </p:cNvPicPr>
+          <p:nvPr/>
+        </p:nvPicPr>
+        <p:blipFill>
+          <a:blip r:embed="rId5"/>
+          <a:stretch>
+            <a:fillRect/>
+          </a:stretch>
+        </p:blipFill>
+        <p:spPr>
+          <a:xfrm>
+            <a:off x="2293253" y="2942481"/>
+            <a:ext cx="7161140" cy="3883153"/>
+          </a:xfrm>
+          <a:prstGeom prst="rect">
+            <a:avLst/>
+          </a:prstGeom>
+        </p:spPr>
+      </p:pic>
     </p:spTree>
     <p:extLst>
       <p:ext uri="{BB962C8B-B14F-4D97-AF65-F5344CB8AC3E}">
-        <p14:creationId xmlns:p14="http://schemas.microsoft.com/office/powerpoint/2010/main" val="3505369377"/>
+        <p14:creationId xmlns:p14="http://schemas.microsoft.com/office/powerpoint/2010/main" val="206018780"/>
       </p:ext>
     </p:extLst>
   </p:cSld>
@@ -7586,14 +7739,14 @@
               </a:spcBef>
             </a:pPr>
             <a:r>
-              <a:rPr lang="uk-UA" sz="3000" dirty="0">
+              <a:rPr lang="en-US" sz="3000" dirty="0">
                 <a:solidFill>
                   <a:srgbClr val="FFFFFF"/>
                 </a:solidFill>
                 <a:latin typeface="Segoe UI Semibold" panose="020B0702040204020203" pitchFamily="34" charset="0"/>
                 <a:cs typeface="Segoe UI Semibold" panose="020B0702040204020203" pitchFamily="34" charset="0"/>
               </a:rPr>
-              <a:t>ЗАГОЛОВОК СЛАЙДУ</a:t>
+              <a:t>How 2 Use</a:t>
             </a:r>
             <a:endParaRPr lang="en" sz="3000" dirty="0">
               <a:solidFill>
@@ -7791,7 +7944,7 @@
             </a:lvl9pPr>
           </a:lstStyle>
           <a:p>
-            <a:pPr marL="0" indent="0">
+            <a:pPr marL="0" indent="0" algn="ctr">
               <a:lnSpc>
                 <a:spcPct val="150000"/>
               </a:lnSpc>
@@ -7801,58 +7954,94 @@
               <a:buNone/>
             </a:pPr>
             <a:r>
-              <a:rPr lang="uk-UA" dirty="0">
-                <a:solidFill>
-                  <a:srgbClr val="1D1D1D"/>
-                </a:solidFill>
+              <a:rPr lang="en-US" sz="1800" b="1" dirty="0">
                 <a:latin typeface="Segoe UI Light" panose="020B0502040204020203" pitchFamily="34" charset="0"/>
                 <a:cs typeface="Segoe UI Light" panose="020B0502040204020203" pitchFamily="34" charset="0"/>
               </a:rPr>
-              <a:t>Тут Ви маєте:</a:t>
-            </a:r>
-          </a:p>
-          <a:p>
-            <a:pPr marL="361950" indent="-361950">
+              <a:t>How to Use Submodule</a:t>
+            </a:r>
+          </a:p>
+          <a:p>
+            <a:pPr marL="0" indent="0">
               <a:lnSpc>
                 <a:spcPct val="150000"/>
               </a:lnSpc>
               <a:spcBef>
                 <a:spcPts val="0"/>
               </a:spcBef>
-              <a:buSzPct val="75000"/>
+              <a:buNone/>
             </a:pPr>
             <a:r>
-              <a:rPr lang="uk-UA" dirty="0">
-                <a:solidFill>
-                  <a:srgbClr val="1D1D1D"/>
-                </a:solidFill>
+              <a:rPr lang="en-US" sz="1800" b="1" dirty="0">
                 <a:latin typeface="Segoe UI Light" panose="020B0502040204020203" pitchFamily="34" charset="0"/>
                 <a:cs typeface="Segoe UI Light" panose="020B0502040204020203" pitchFamily="34" charset="0"/>
               </a:rPr>
-              <a:t>перелік пунктів;</a:t>
-            </a:r>
-          </a:p>
-          <a:p>
-            <a:pPr marL="361950" indent="-361950">
+              <a:t>Make changes in main project:</a:t>
+            </a:r>
+          </a:p>
+          <a:p>
+            <a:pPr marL="0" indent="0">
               <a:lnSpc>
                 <a:spcPct val="150000"/>
               </a:lnSpc>
               <a:spcBef>
                 <a:spcPts val="0"/>
               </a:spcBef>
-              <a:buSzPct val="75000"/>
+              <a:buNone/>
             </a:pPr>
             <a:r>
-              <a:rPr lang="uk-UA" dirty="0">
+              <a:rPr lang="en-US" sz="1400" dirty="0">
                 <a:solidFill>
                   <a:srgbClr val="1D1D1D"/>
                 </a:solidFill>
                 <a:latin typeface="Segoe UI Light" panose="020B0502040204020203" pitchFamily="34" charset="0"/>
                 <a:cs typeface="Segoe UI Light" panose="020B0502040204020203" pitchFamily="34" charset="0"/>
               </a:rPr>
-              <a:t>деякий текст;</a:t>
-            </a:r>
-            <a:endParaRPr lang="en" dirty="0">
+              <a:t>git commit -am 'Main Commit’</a:t>
+            </a:r>
+          </a:p>
+          <a:p>
+            <a:pPr marL="0" indent="0">
+              <a:lnSpc>
+                <a:spcPct val="150000"/>
+              </a:lnSpc>
+              <a:spcBef>
+                <a:spcPts val="0"/>
+              </a:spcBef>
+              <a:buNone/>
+            </a:pPr>
+            <a:r>
+              <a:rPr lang="en-US" sz="1400" dirty="0">
+                <a:latin typeface="Segoe UI Light" panose="020B0502040204020203" pitchFamily="34" charset="0"/>
+                <a:cs typeface="Segoe UI Light" panose="020B0502040204020203" pitchFamily="34" charset="0"/>
+              </a:rPr>
+              <a:t>git submodule </a:t>
+            </a:r>
+            <a:r>
+              <a:rPr lang="en-US" sz="1400" dirty="0" err="1">
+                <a:latin typeface="Segoe UI Light" panose="020B0502040204020203" pitchFamily="34" charset="0"/>
+                <a:cs typeface="Segoe UI Light" panose="020B0502040204020203" pitchFamily="34" charset="0"/>
+              </a:rPr>
+              <a:t>foreach</a:t>
+            </a:r>
+            <a:r>
+              <a:rPr lang="en-US" sz="1400" dirty="0">
+                <a:latin typeface="Segoe UI Light" panose="020B0502040204020203" pitchFamily="34" charset="0"/>
+                <a:cs typeface="Segoe UI Light" panose="020B0502040204020203" pitchFamily="34" charset="0"/>
+              </a:rPr>
+              <a:t> 'git add .’ </a:t>
+            </a:r>
+            <a:r>
+              <a:rPr lang="en-US" sz="1400" dirty="0">
+                <a:solidFill>
+                  <a:srgbClr val="339933"/>
+                </a:solidFill>
+                <a:latin typeface="Segoe UI Light" panose="020B0502040204020203" pitchFamily="34" charset="0"/>
+                <a:cs typeface="Segoe UI Light" panose="020B0502040204020203" pitchFamily="34" charset="0"/>
+              </a:rPr>
+              <a:t>//add changed files if need</a:t>
+            </a:r>
+            <a:endParaRPr lang="en-US" sz="1400" dirty="0">
               <a:solidFill>
                 <a:srgbClr val="1D1D1D"/>
               </a:solidFill>
@@ -7861,26 +8050,76 @@
             </a:endParaRPr>
           </a:p>
           <a:p>
-            <a:pPr marL="361950" indent="-361950">
+            <a:pPr marL="0" indent="0">
               <a:lnSpc>
                 <a:spcPct val="150000"/>
               </a:lnSpc>
               <a:spcBef>
                 <a:spcPts val="0"/>
               </a:spcBef>
-              <a:buSzPct val="75000"/>
+              <a:buNone/>
             </a:pPr>
             <a:r>
-              <a:rPr lang="uk-UA" dirty="0">
+              <a:rPr lang="en-US" sz="1400" dirty="0">
                 <a:solidFill>
                   <a:srgbClr val="1D1D1D"/>
                 </a:solidFill>
                 <a:latin typeface="Segoe UI Light" panose="020B0502040204020203" pitchFamily="34" charset="0"/>
                 <a:cs typeface="Segoe UI Light" panose="020B0502040204020203" pitchFamily="34" charset="0"/>
               </a:rPr>
-              <a:t>пам’ятайте, не перевантажуйте слайди вмістом.</a:t>
-            </a:r>
-            <a:endParaRPr lang="en" dirty="0">
+              <a:t>git submodule </a:t>
+            </a:r>
+            <a:r>
+              <a:rPr lang="en-US" sz="1400" dirty="0" err="1">
+                <a:solidFill>
+                  <a:srgbClr val="1D1D1D"/>
+                </a:solidFill>
+                <a:latin typeface="Segoe UI Light" panose="020B0502040204020203" pitchFamily="34" charset="0"/>
+                <a:cs typeface="Segoe UI Light" panose="020B0502040204020203" pitchFamily="34" charset="0"/>
+              </a:rPr>
+              <a:t>foreach</a:t>
+            </a:r>
+            <a:r>
+              <a:rPr lang="en-US" sz="1400" dirty="0">
+                <a:solidFill>
+                  <a:srgbClr val="1D1D1D"/>
+                </a:solidFill>
+                <a:latin typeface="Segoe UI Light" panose="020B0502040204020203" pitchFamily="34" charset="0"/>
+                <a:cs typeface="Segoe UI Light" panose="020B0502040204020203" pitchFamily="34" charset="0"/>
+              </a:rPr>
+              <a:t> "git commit -am 'Submodule commit’” </a:t>
+            </a:r>
+            <a:r>
+              <a:rPr lang="en-US" sz="1400" dirty="0">
+                <a:solidFill>
+                  <a:srgbClr val="339933"/>
+                </a:solidFill>
+                <a:latin typeface="Segoe UI Light" panose="020B0502040204020203" pitchFamily="34" charset="0"/>
+                <a:cs typeface="Segoe UI Light" panose="020B0502040204020203" pitchFamily="34" charset="0"/>
+              </a:rPr>
+              <a:t>//</a:t>
+            </a:r>
+            <a:r>
+              <a:rPr lang="en-US" sz="1400" dirty="0" err="1">
+                <a:solidFill>
+                  <a:srgbClr val="339933"/>
+                </a:solidFill>
+                <a:latin typeface="Segoe UI Light" panose="020B0502040204020203" pitchFamily="34" charset="0"/>
+                <a:cs typeface="Segoe UI Light" panose="020B0502040204020203" pitchFamily="34" charset="0"/>
+              </a:rPr>
+              <a:t>commiting</a:t>
+            </a:r>
+            <a:r>
+              <a:rPr lang="en-US" sz="1400" dirty="0">
+                <a:solidFill>
+                  <a:srgbClr val="339933"/>
+                </a:solidFill>
+                <a:latin typeface="Segoe UI Light" panose="020B0502040204020203" pitchFamily="34" charset="0"/>
+                <a:cs typeface="Segoe UI Light" panose="020B0502040204020203" pitchFamily="34" charset="0"/>
+              </a:rPr>
+              <a:t> to submodule</a:t>
+            </a:r>
+            <a:endParaRPr lang="en-US" sz="1400" dirty="0">
               <a:solidFill>
                 <a:srgbClr val="1D1D1D"/>
               </a:solidFill>
@@ -7896,20 +8135,107 @@
               <a:spcBef>
                 <a:spcPts val="0"/>
               </a:spcBef>
-              <a:buFont typeface="Arial" panose="020B0604020202020204" pitchFamily="34" charset="0"/>
               <a:buNone/>
             </a:pPr>
             <a:r>
-              <a:rPr lang="uk-UA" dirty="0">
+              <a:rPr lang="en-US" sz="1400" dirty="0">
                 <a:solidFill>
                   <a:srgbClr val="1D1D1D"/>
                 </a:solidFill>
                 <a:latin typeface="Segoe UI Light" panose="020B0502040204020203" pitchFamily="34" charset="0"/>
                 <a:cs typeface="Segoe UI Light" panose="020B0502040204020203" pitchFamily="34" charset="0"/>
               </a:rPr>
-              <a:t>Ваша аудиторія буде читати вміст або слухати Вас, але не те й інше водночас.</a:t>
-            </a:r>
-            <a:endParaRPr lang="en" dirty="0">
+              <a:t>git submodule </a:t>
+            </a:r>
+            <a:r>
+              <a:rPr lang="en-US" sz="1400" dirty="0" err="1">
+                <a:solidFill>
+                  <a:srgbClr val="1D1D1D"/>
+                </a:solidFill>
+                <a:latin typeface="Segoe UI Light" panose="020B0502040204020203" pitchFamily="34" charset="0"/>
+                <a:cs typeface="Segoe UI Light" panose="020B0502040204020203" pitchFamily="34" charset="0"/>
+              </a:rPr>
+              <a:t>foreach</a:t>
+            </a:r>
+            <a:r>
+              <a:rPr lang="en-US" sz="1400" dirty="0">
+                <a:solidFill>
+                  <a:srgbClr val="1D1D1D"/>
+                </a:solidFill>
+                <a:latin typeface="Segoe UI Light" panose="020B0502040204020203" pitchFamily="34" charset="0"/>
+                <a:cs typeface="Segoe UI Light" panose="020B0502040204020203" pitchFamily="34" charset="0"/>
+              </a:rPr>
+              <a:t> 'git push origin’ </a:t>
+            </a:r>
+            <a:r>
+              <a:rPr lang="en-US" sz="1400" dirty="0">
+                <a:solidFill>
+                  <a:srgbClr val="339933"/>
+                </a:solidFill>
+                <a:latin typeface="Segoe UI Light" panose="020B0502040204020203" pitchFamily="34" charset="0"/>
+                <a:cs typeface="Segoe UI Light" panose="020B0502040204020203" pitchFamily="34" charset="0"/>
+              </a:rPr>
+              <a:t>//pushing to submodule</a:t>
+            </a:r>
+            <a:endParaRPr lang="en-US" sz="1400" dirty="0">
+              <a:solidFill>
+                <a:srgbClr val="1D1D1D"/>
+              </a:solidFill>
+              <a:latin typeface="Segoe UI Light" panose="020B0502040204020203" pitchFamily="34" charset="0"/>
+              <a:cs typeface="Segoe UI Light" panose="020B0502040204020203" pitchFamily="34" charset="0"/>
+            </a:endParaRPr>
+          </a:p>
+          <a:p>
+            <a:pPr marL="0" indent="0">
+              <a:lnSpc>
+                <a:spcPct val="150000"/>
+              </a:lnSpc>
+              <a:spcBef>
+                <a:spcPts val="0"/>
+              </a:spcBef>
+              <a:buNone/>
+            </a:pPr>
+            <a:r>
+              <a:rPr lang="en-US" sz="1400" dirty="0">
+                <a:solidFill>
+                  <a:srgbClr val="1D1D1D"/>
+                </a:solidFill>
+                <a:latin typeface="Segoe UI Light" panose="020B0502040204020203" pitchFamily="34" charset="0"/>
+                <a:cs typeface="Segoe UI Light" panose="020B0502040204020203" pitchFamily="34" charset="0"/>
+              </a:rPr>
+              <a:t>git push --</a:t>
+            </a:r>
+            <a:r>
+              <a:rPr lang="en-US" sz="1400" dirty="0" err="1">
+                <a:solidFill>
+                  <a:srgbClr val="1D1D1D"/>
+                </a:solidFill>
+                <a:latin typeface="Segoe UI Light" panose="020B0502040204020203" pitchFamily="34" charset="0"/>
+                <a:cs typeface="Segoe UI Light" panose="020B0502040204020203" pitchFamily="34" charset="0"/>
+              </a:rPr>
+              <a:t>recurse</a:t>
+            </a:r>
+            <a:r>
+              <a:rPr lang="en-US" sz="1400" dirty="0">
+                <a:solidFill>
+                  <a:srgbClr val="1D1D1D"/>
+                </a:solidFill>
+                <a:latin typeface="Segoe UI Light" panose="020B0502040204020203" pitchFamily="34" charset="0"/>
+                <a:cs typeface="Segoe UI Light" panose="020B0502040204020203" pitchFamily="34" charset="0"/>
+              </a:rPr>
+              <a:t>-submodules=check </a:t>
+            </a:r>
+            <a:r>
+              <a:rPr lang="en-US" sz="1400" dirty="0">
+                <a:solidFill>
+                  <a:srgbClr val="339933"/>
+                </a:solidFill>
+                <a:latin typeface="Segoe UI Light" panose="020B0502040204020203" pitchFamily="34" charset="0"/>
+                <a:cs typeface="Segoe UI Light" panose="020B0502040204020203" pitchFamily="34" charset="0"/>
+              </a:rPr>
+              <a:t>//push main</a:t>
+            </a:r>
+            <a:endParaRPr lang="en-US" sz="1400" dirty="0">
               <a:solidFill>
                 <a:srgbClr val="1D1D1D"/>
               </a:solidFill>
@@ -7952,7 +8278,7 @@
     </p:spTree>
     <p:extLst>
       <p:ext uri="{BB962C8B-B14F-4D97-AF65-F5344CB8AC3E}">
-        <p14:creationId xmlns:p14="http://schemas.microsoft.com/office/powerpoint/2010/main" val="1025243925"/>
+        <p14:creationId xmlns:p14="http://schemas.microsoft.com/office/powerpoint/2010/main" val="2297870335"/>
       </p:ext>
     </p:extLst>
   </p:cSld>
@@ -7993,36 +8319,6 @@
           <a:chExt cx="0" cy="0"/>
         </a:xfrm>
       </p:grpSpPr>
-      <p:pic>
-        <p:nvPicPr>
-          <p:cNvPr id="2" name="Рисунок 1"/>
-          <p:cNvPicPr>
-            <a:picLocks noChangeAspect="1"/>
-          </p:cNvPicPr>
-          <p:nvPr/>
-        </p:nvPicPr>
-        <p:blipFill>
-          <a:blip r:embed="rId4">
-            <a:extLst>
-              <a:ext uri="{28A0092B-C50C-407E-A947-70E740481C1C}">
-                <a14:useLocalDpi xmlns:a14="http://schemas.microsoft.com/office/drawing/2010/main" val="0"/>
-              </a:ext>
-            </a:extLst>
-          </a:blip>
-          <a:stretch>
-            <a:fillRect/>
-          </a:stretch>
-        </p:blipFill>
-        <p:spPr>
-          <a:xfrm>
-            <a:off x="6000750" y="2000250"/>
-            <a:ext cx="6057900" cy="4381500"/>
-          </a:xfrm>
-          <a:prstGeom prst="rect">
-            <a:avLst/>
-          </a:prstGeom>
-        </p:spPr>
-      </p:pic>
       <p:sp>
         <p:nvSpPr>
           <p:cNvPr id="3" name="Номер слайда 2"/>
@@ -8215,7 +8511,7 @@
                 <a:latin typeface="Segoe UI Semibold" panose="020B0702040204020203" pitchFamily="34" charset="0"/>
                 <a:cs typeface="Segoe UI Semibold" panose="020B0702040204020203" pitchFamily="34" charset="0"/>
               </a:rPr>
-              <a:t>Summary</a:t>
+              <a:t>How 2 get changes?</a:t>
             </a:r>
             <a:endParaRPr lang="en" sz="3000" dirty="0">
               <a:solidFill>
@@ -8237,8 +8533,8 @@
         </p:nvSpPr>
         <p:spPr>
           <a:xfrm>
-            <a:off x="655636" y="1851815"/>
-            <a:ext cx="6911234" cy="4444210"/>
+            <a:off x="412964" y="1866847"/>
+            <a:ext cx="8370309" cy="3736999"/>
           </a:xfrm>
           <a:prstGeom prst="rect">
             <a:avLst/>
@@ -8413,47 +8709,26 @@
             </a:lvl9pPr>
           </a:lstStyle>
           <a:p>
-            <a:pPr>
+            <a:pPr marL="0" indent="0">
               <a:lnSpc>
                 <a:spcPct val="150000"/>
               </a:lnSpc>
               <a:spcBef>
                 <a:spcPts val="0"/>
               </a:spcBef>
-              <a:buFontTx/>
-              <a:buChar char="-"/>
+              <a:buNone/>
             </a:pPr>
             <a:r>
-              <a:rPr lang="en-US" dirty="0" err="1">
+              <a:rPr lang="en-US" sz="1400" dirty="0">
                 <a:solidFill>
                   <a:srgbClr val="1D1D1D"/>
                 </a:solidFill>
                 <a:latin typeface="Segoe UI Light" panose="020B0502040204020203" pitchFamily="34" charset="0"/>
                 <a:cs typeface="Segoe UI Light" panose="020B0502040204020203" pitchFamily="34" charset="0"/>
               </a:rPr>
-              <a:t>Github</a:t>
-            </a:r>
-            <a:r>
-              <a:rPr lang="en-US" dirty="0">
-                <a:solidFill>
-                  <a:srgbClr val="1D1D1D"/>
-                </a:solidFill>
-                <a:latin typeface="Segoe UI Light" panose="020B0502040204020203" pitchFamily="34" charset="0"/>
-                <a:cs typeface="Segoe UI Light" panose="020B0502040204020203" pitchFamily="34" charset="0"/>
-              </a:rPr>
-              <a:t> is awesome, let’s </a:t>
-            </a:r>
-            <a:r>
-              <a:rPr lang="en-US" dirty="0" err="1">
-                <a:solidFill>
-                  <a:srgbClr val="1D1D1D"/>
-                </a:solidFill>
-                <a:latin typeface="Segoe UI Light" panose="020B0502040204020203" pitchFamily="34" charset="0"/>
-                <a:cs typeface="Segoe UI Light" panose="020B0502040204020203" pitchFamily="34" charset="0"/>
-              </a:rPr>
-              <a:t>migate</a:t>
-            </a:r>
-            <a:endParaRPr lang="en-US" dirty="0">
+              <a:t>git clone git://github.com/schacon/myproject.git  </a:t>
+            </a:r>
+            <a:endParaRPr lang="uk-UA" sz="1400" dirty="0">
               <a:solidFill>
                 <a:srgbClr val="1D1D1D"/>
               </a:solidFill>
@@ -8462,143 +8737,94 @@
             </a:endParaRPr>
           </a:p>
           <a:p>
-            <a:pPr>
+            <a:pPr marL="0" indent="0">
               <a:lnSpc>
                 <a:spcPct val="150000"/>
               </a:lnSpc>
               <a:spcBef>
                 <a:spcPts val="0"/>
               </a:spcBef>
-              <a:buFontTx/>
-              <a:buChar char="-"/>
+              <a:buNone/>
             </a:pPr>
             <a:r>
-              <a:rPr lang="en-US" dirty="0">
-                <a:solidFill>
-                  <a:srgbClr val="1D1D1D"/>
-                </a:solidFill>
+              <a:rPr lang="en-US" sz="1600" b="1" dirty="0">
                 <a:latin typeface="Segoe UI Light" panose="020B0502040204020203" pitchFamily="34" charset="0"/>
                 <a:cs typeface="Segoe UI Light" panose="020B0502040204020203" pitchFamily="34" charset="0"/>
               </a:rPr>
-              <a:t>Always use forks</a:t>
-            </a:r>
-          </a:p>
-          <a:p>
-            <a:pPr>
+              <a:t>Go to project folder</a:t>
+            </a:r>
+          </a:p>
+          <a:p>
+            <a:pPr marL="0" indent="0">
               <a:lnSpc>
                 <a:spcPct val="150000"/>
               </a:lnSpc>
               <a:spcBef>
                 <a:spcPts val="0"/>
               </a:spcBef>
-              <a:buFontTx/>
-              <a:buChar char="-"/>
+              <a:buNone/>
             </a:pPr>
             <a:r>
-              <a:rPr lang="en-US" dirty="0">
+              <a:rPr lang="en-US" sz="1400" dirty="0">
                 <a:solidFill>
                   <a:srgbClr val="1D1D1D"/>
                 </a:solidFill>
                 <a:latin typeface="Segoe UI Light" panose="020B0502040204020203" pitchFamily="34" charset="0"/>
                 <a:cs typeface="Segoe UI Light" panose="020B0502040204020203" pitchFamily="34" charset="0"/>
               </a:rPr>
-              <a:t>Use setting for branches</a:t>
-            </a:r>
-          </a:p>
-          <a:p>
-            <a:pPr>
-              <a:lnSpc>
-                <a:spcPct val="150000"/>
-              </a:lnSpc>
-              <a:spcBef>
-                <a:spcPts val="0"/>
-              </a:spcBef>
-              <a:buFontTx/>
-              <a:buChar char="-"/>
-            </a:pPr>
-            <a:r>
-              <a:rPr lang="en-US" dirty="0" err="1">
+              <a:t>Git submodule </a:t>
+            </a:r>
+            <a:r>
+              <a:rPr lang="en-US" sz="1400" dirty="0" err="1">
                 <a:solidFill>
                   <a:srgbClr val="1D1D1D"/>
                 </a:solidFill>
                 <a:latin typeface="Segoe UI Light" panose="020B0502040204020203" pitchFamily="34" charset="0"/>
                 <a:cs typeface="Segoe UI Light" panose="020B0502040204020203" pitchFamily="34" charset="0"/>
               </a:rPr>
-              <a:t>PullRequest</a:t>
-            </a:r>
-            <a:r>
-              <a:rPr lang="en-US" dirty="0">
+              <a:t>init</a:t>
+            </a:r>
+            <a:r>
+              <a:rPr lang="en-US" sz="1400" dirty="0">
                 <a:solidFill>
                   <a:srgbClr val="1D1D1D"/>
                 </a:solidFill>
                 <a:latin typeface="Segoe UI Light" panose="020B0502040204020203" pitchFamily="34" charset="0"/>
                 <a:cs typeface="Segoe UI Light" panose="020B0502040204020203" pitchFamily="34" charset="0"/>
               </a:rPr>
-              <a:t> before merging with central repository</a:t>
-            </a:r>
-          </a:p>
-          <a:p>
-            <a:pPr>
-              <a:lnSpc>
-                <a:spcPct val="150000"/>
-              </a:lnSpc>
-              <a:spcBef>
-                <a:spcPts val="0"/>
-              </a:spcBef>
-              <a:buFontTx/>
-              <a:buChar char="-"/>
-            </a:pPr>
-            <a:r>
-              <a:rPr lang="en-US" dirty="0">
-                <a:solidFill>
-                  <a:srgbClr val="1D1D1D"/>
+              <a:t> --recursive  </a:t>
+            </a:r>
+            <a:r>
+              <a:rPr lang="en-US" sz="1400" dirty="0">
+                <a:solidFill>
+                  <a:srgbClr val="339933"/>
                 </a:solidFill>
                 <a:latin typeface="Segoe UI Light" panose="020B0502040204020203" pitchFamily="34" charset="0"/>
                 <a:cs typeface="Segoe UI Light" panose="020B0502040204020203" pitchFamily="34" charset="0"/>
               </a:rPr>
-              <a:t>Submodules for huge projects</a:t>
-            </a:r>
-          </a:p>
-          <a:p>
-            <a:pPr>
+              <a:t>//Let Git know about submodules </a:t>
+            </a:r>
+          </a:p>
+          <a:p>
+            <a:pPr marL="0" indent="0">
               <a:lnSpc>
                 <a:spcPct val="150000"/>
               </a:lnSpc>
               <a:spcBef>
                 <a:spcPts val="0"/>
               </a:spcBef>
-              <a:buFontTx/>
-              <a:buChar char="-"/>
+              <a:buNone/>
             </a:pPr>
             <a:r>
-              <a:rPr lang="en-US" dirty="0">
+              <a:rPr lang="en-US" sz="1400" dirty="0">
                 <a:solidFill>
                   <a:srgbClr val="1D1D1D"/>
                 </a:solidFill>
                 <a:latin typeface="Segoe UI Light" panose="020B0502040204020203" pitchFamily="34" charset="0"/>
                 <a:cs typeface="Segoe UI Light" panose="020B0502040204020203" pitchFamily="34" charset="0"/>
               </a:rPr>
-              <a:t>GitLab is coming…</a:t>
-            </a:r>
-          </a:p>
-          <a:p>
-            <a:pPr>
-              <a:lnSpc>
-                <a:spcPct val="150000"/>
-              </a:lnSpc>
-              <a:spcBef>
-                <a:spcPts val="0"/>
-              </a:spcBef>
-              <a:buFontTx/>
-              <a:buChar char="-"/>
-            </a:pPr>
-            <a:endParaRPr lang="en" dirty="0">
-              <a:solidFill>
-                <a:srgbClr val="1D1D1D"/>
-              </a:solidFill>
-              <a:latin typeface="Segoe UI Light" panose="020B0502040204020203" pitchFamily="34" charset="0"/>
-              <a:cs typeface="Segoe UI Light" panose="020B0502040204020203" pitchFamily="34" charset="0"/>
-            </a:endParaRPr>
+              <a:t>git submodule update --recursive</a:t>
+            </a:r>
           </a:p>
         </p:txBody>
       </p:sp>
@@ -8611,7 +8837,7 @@
           <p:nvPr/>
         </p:nvPicPr>
         <p:blipFill>
-          <a:blip r:embed="rId5" cstate="print">
+          <a:blip r:embed="rId4" cstate="print">
             <a:extLst>
               <a:ext uri="{28A0092B-C50C-407E-A947-70E740481C1C}">
                 <a14:useLocalDpi xmlns:a14="http://schemas.microsoft.com/office/drawing/2010/main" val="0"/>
@@ -8635,7 +8861,7 @@
     </p:spTree>
     <p:extLst>
       <p:ext uri="{BB962C8B-B14F-4D97-AF65-F5344CB8AC3E}">
-        <p14:creationId xmlns:p14="http://schemas.microsoft.com/office/powerpoint/2010/main" val="1241848334"/>
+        <p14:creationId xmlns:p14="http://schemas.microsoft.com/office/powerpoint/2010/main" val="918925721"/>
       </p:ext>
     </p:extLst>
   </p:cSld>
@@ -8676,6 +8902,72 @@
           <a:chExt cx="0" cy="0"/>
         </a:xfrm>
       </p:grpSpPr>
+      <p:pic>
+        <p:nvPicPr>
+          <p:cNvPr id="10" name="Picture 9">
+            <a:extLst>
+              <a:ext uri="{FF2B5EF4-FFF2-40B4-BE49-F238E27FC236}">
+                <a16:creationId xmlns:a16="http://schemas.microsoft.com/office/drawing/2014/main" id="{31E354FD-5D5B-4F9E-A7DB-BDCEF4AB1985}"/>
+              </a:ext>
+            </a:extLst>
+          </p:cNvPr>
+          <p:cNvPicPr>
+            <a:picLocks noChangeAspect="1"/>
+          </p:cNvPicPr>
+          <p:nvPr/>
+        </p:nvPicPr>
+        <p:blipFill>
+          <a:blip r:embed="rId4">
+            <a:extLst>
+              <a:ext uri="{28A0092B-C50C-407E-A947-70E740481C1C}">
+                <a14:useLocalDpi xmlns:a14="http://schemas.microsoft.com/office/drawing/2010/main" val="0"/>
+              </a:ext>
+            </a:extLst>
+          </a:blip>
+          <a:stretch>
+            <a:fillRect/>
+          </a:stretch>
+        </p:blipFill>
+        <p:spPr>
+          <a:xfrm>
+            <a:off x="849911" y="1766090"/>
+            <a:ext cx="2765744" cy="921915"/>
+          </a:xfrm>
+          <a:prstGeom prst="rect">
+            <a:avLst/>
+          </a:prstGeom>
+        </p:spPr>
+      </p:pic>
+      <p:pic>
+        <p:nvPicPr>
+          <p:cNvPr id="2" name="Рисунок 1"/>
+          <p:cNvPicPr>
+            <a:picLocks noChangeAspect="1"/>
+          </p:cNvPicPr>
+          <p:nvPr/>
+        </p:nvPicPr>
+        <p:blipFill>
+          <a:blip r:embed="rId5">
+            <a:extLst>
+              <a:ext uri="{28A0092B-C50C-407E-A947-70E740481C1C}">
+                <a14:useLocalDpi xmlns:a14="http://schemas.microsoft.com/office/drawing/2010/main" val="0"/>
+              </a:ext>
+            </a:extLst>
+          </a:blip>
+          <a:stretch>
+            <a:fillRect/>
+          </a:stretch>
+        </p:blipFill>
+        <p:spPr>
+          <a:xfrm>
+            <a:off x="6000750" y="2000250"/>
+            <a:ext cx="6057900" cy="4381500"/>
+          </a:xfrm>
+          <a:prstGeom prst="rect">
+            <a:avLst/>
+          </a:prstGeom>
+        </p:spPr>
+      </p:pic>
       <p:sp>
         <p:nvSpPr>
           <p:cNvPr id="3" name="Номер слайда 2"/>
@@ -8803,6 +9095,668 @@
                 <a:cs typeface="Segoe UI Semibold" panose="020B0702040204020203" pitchFamily="34" charset="0"/>
               </a:rPr>
               <a:t>17</a:t>
+            </a:fld>
+            <a:endParaRPr lang="ru-RU" sz="3000" dirty="0">
+              <a:solidFill>
+                <a:schemeClr val="bg1"/>
+              </a:solidFill>
+              <a:latin typeface="Segoe UI Semibold" panose="020B0702040204020203" pitchFamily="34" charset="0"/>
+              <a:cs typeface="Segoe UI Semibold" panose="020B0702040204020203" pitchFamily="34" charset="0"/>
+            </a:endParaRPr>
+          </a:p>
+        </p:txBody>
+      </p:sp>
+      <p:sp>
+        <p:nvSpPr>
+          <p:cNvPr id="4" name="Shape 113"/>
+          <p:cNvSpPr txBox="1">
+            <a:spLocks/>
+          </p:cNvSpPr>
+          <p:nvPr/>
+        </p:nvSpPr>
+        <p:spPr>
+          <a:xfrm>
+            <a:off x="638175" y="552451"/>
+            <a:ext cx="10506075" cy="542782"/>
+          </a:xfrm>
+          <a:prstGeom prst="rect">
+            <a:avLst/>
+          </a:prstGeom>
+        </p:spPr>
+        <p:txBody>
+          <a:bodyPr lIns="91425" tIns="91425" rIns="91425" bIns="91425" anchor="b" anchorCtr="0">
+            <a:noAutofit/>
+          </a:bodyPr>
+          <a:lstStyle>
+            <a:lvl1pPr algn="l" defTabSz="914400" rtl="0" eaLnBrk="1" latinLnBrk="0" hangingPunct="1">
+              <a:lnSpc>
+                <a:spcPct val="90000"/>
+              </a:lnSpc>
+              <a:spcBef>
+                <a:spcPct val="0"/>
+              </a:spcBef>
+              <a:buNone/>
+              <a:defRPr sz="4400" kern="1200">
+                <a:solidFill>
+                  <a:schemeClr val="tx1"/>
+                </a:solidFill>
+                <a:latin typeface="+mj-lt"/>
+                <a:ea typeface="+mj-ea"/>
+                <a:cs typeface="+mj-cs"/>
+              </a:defRPr>
+            </a:lvl1pPr>
+          </a:lstStyle>
+          <a:p>
+            <a:pPr>
+              <a:spcBef>
+                <a:spcPts val="0"/>
+              </a:spcBef>
+            </a:pPr>
+            <a:r>
+              <a:rPr lang="en-US" sz="3000" dirty="0">
+                <a:solidFill>
+                  <a:srgbClr val="FFFFFF"/>
+                </a:solidFill>
+                <a:latin typeface="Segoe UI Semibold" panose="020B0702040204020203" pitchFamily="34" charset="0"/>
+                <a:cs typeface="Segoe UI Semibold" panose="020B0702040204020203" pitchFamily="34" charset="0"/>
+              </a:rPr>
+              <a:t>Summary</a:t>
+            </a:r>
+            <a:endParaRPr lang="en" sz="3000" dirty="0">
+              <a:solidFill>
+                <a:srgbClr val="FFFFFF"/>
+              </a:solidFill>
+              <a:latin typeface="Segoe UI Semibold" panose="020B0702040204020203" pitchFamily="34" charset="0"/>
+              <a:cs typeface="Segoe UI Semibold" panose="020B0702040204020203" pitchFamily="34" charset="0"/>
+            </a:endParaRPr>
+          </a:p>
+        </p:txBody>
+      </p:sp>
+      <p:sp>
+        <p:nvSpPr>
+          <p:cNvPr id="5" name="Shape 114"/>
+          <p:cNvSpPr txBox="1">
+            <a:spLocks/>
+          </p:cNvSpPr>
+          <p:nvPr/>
+        </p:nvSpPr>
+        <p:spPr>
+          <a:xfrm>
+            <a:off x="655636" y="1851815"/>
+            <a:ext cx="6911234" cy="4444210"/>
+          </a:xfrm>
+          <a:prstGeom prst="rect">
+            <a:avLst/>
+          </a:prstGeom>
+        </p:spPr>
+        <p:txBody>
+          <a:bodyPr lIns="91425" tIns="91425" rIns="91425" bIns="91425" anchor="t" anchorCtr="0">
+            <a:noAutofit/>
+          </a:bodyPr>
+          <a:lstStyle>
+            <a:lvl1pPr marL="228600" indent="-228600" algn="l" defTabSz="914400" rtl="0" eaLnBrk="1" latinLnBrk="0" hangingPunct="1">
+              <a:lnSpc>
+                <a:spcPct val="90000"/>
+              </a:lnSpc>
+              <a:spcBef>
+                <a:spcPts val="1000"/>
+              </a:spcBef>
+              <a:buFont typeface="Arial" panose="020B0604020202020204" pitchFamily="34" charset="0"/>
+              <a:buChar char="•"/>
+              <a:defRPr sz="2800" kern="1200">
+                <a:solidFill>
+                  <a:schemeClr val="tx1"/>
+                </a:solidFill>
+                <a:latin typeface="+mn-lt"/>
+                <a:ea typeface="+mn-ea"/>
+                <a:cs typeface="+mn-cs"/>
+              </a:defRPr>
+            </a:lvl1pPr>
+            <a:lvl2pPr marL="685800" indent="-228600" algn="l" defTabSz="914400" rtl="0" eaLnBrk="1" latinLnBrk="0" hangingPunct="1">
+              <a:lnSpc>
+                <a:spcPct val="90000"/>
+              </a:lnSpc>
+              <a:spcBef>
+                <a:spcPts val="500"/>
+              </a:spcBef>
+              <a:buFont typeface="Arial" panose="020B0604020202020204" pitchFamily="34" charset="0"/>
+              <a:buChar char="•"/>
+              <a:defRPr sz="2400" kern="1200">
+                <a:solidFill>
+                  <a:schemeClr val="tx1"/>
+                </a:solidFill>
+                <a:latin typeface="+mn-lt"/>
+                <a:ea typeface="+mn-ea"/>
+                <a:cs typeface="+mn-cs"/>
+              </a:defRPr>
+            </a:lvl2pPr>
+            <a:lvl3pPr marL="1143000" indent="-228600" algn="l" defTabSz="914400" rtl="0" eaLnBrk="1" latinLnBrk="0" hangingPunct="1">
+              <a:lnSpc>
+                <a:spcPct val="90000"/>
+              </a:lnSpc>
+              <a:spcBef>
+                <a:spcPts val="500"/>
+              </a:spcBef>
+              <a:buFont typeface="Arial" panose="020B0604020202020204" pitchFamily="34" charset="0"/>
+              <a:buChar char="•"/>
+              <a:defRPr sz="2000" kern="1200">
+                <a:solidFill>
+                  <a:schemeClr val="tx1"/>
+                </a:solidFill>
+                <a:latin typeface="+mn-lt"/>
+                <a:ea typeface="+mn-ea"/>
+                <a:cs typeface="+mn-cs"/>
+              </a:defRPr>
+            </a:lvl3pPr>
+            <a:lvl4pPr marL="1600200" indent="-228600" algn="l" defTabSz="914400" rtl="0" eaLnBrk="1" latinLnBrk="0" hangingPunct="1">
+              <a:lnSpc>
+                <a:spcPct val="90000"/>
+              </a:lnSpc>
+              <a:spcBef>
+                <a:spcPts val="500"/>
+              </a:spcBef>
+              <a:buFont typeface="Arial" panose="020B0604020202020204" pitchFamily="34" charset="0"/>
+              <a:buChar char="•"/>
+              <a:defRPr sz="1800" kern="1200">
+                <a:solidFill>
+                  <a:schemeClr val="tx1"/>
+                </a:solidFill>
+                <a:latin typeface="+mn-lt"/>
+                <a:ea typeface="+mn-ea"/>
+                <a:cs typeface="+mn-cs"/>
+              </a:defRPr>
+            </a:lvl4pPr>
+            <a:lvl5pPr marL="2057400" indent="-228600" algn="l" defTabSz="914400" rtl="0" eaLnBrk="1" latinLnBrk="0" hangingPunct="1">
+              <a:lnSpc>
+                <a:spcPct val="90000"/>
+              </a:lnSpc>
+              <a:spcBef>
+                <a:spcPts val="500"/>
+              </a:spcBef>
+              <a:buFont typeface="Arial" panose="020B0604020202020204" pitchFamily="34" charset="0"/>
+              <a:buChar char="•"/>
+              <a:defRPr sz="1800" kern="1200">
+                <a:solidFill>
+                  <a:schemeClr val="tx1"/>
+                </a:solidFill>
+                <a:latin typeface="+mn-lt"/>
+                <a:ea typeface="+mn-ea"/>
+                <a:cs typeface="+mn-cs"/>
+              </a:defRPr>
+            </a:lvl5pPr>
+            <a:lvl6pPr marL="2514600" indent="-228600" algn="l" defTabSz="914400" rtl="0" eaLnBrk="1" latinLnBrk="0" hangingPunct="1">
+              <a:lnSpc>
+                <a:spcPct val="90000"/>
+              </a:lnSpc>
+              <a:spcBef>
+                <a:spcPts val="500"/>
+              </a:spcBef>
+              <a:buFont typeface="Arial" panose="020B0604020202020204" pitchFamily="34" charset="0"/>
+              <a:buChar char="•"/>
+              <a:defRPr sz="1800" kern="1200">
+                <a:solidFill>
+                  <a:schemeClr val="tx1"/>
+                </a:solidFill>
+                <a:latin typeface="+mn-lt"/>
+                <a:ea typeface="+mn-ea"/>
+                <a:cs typeface="+mn-cs"/>
+              </a:defRPr>
+            </a:lvl6pPr>
+            <a:lvl7pPr marL="2971800" indent="-228600" algn="l" defTabSz="914400" rtl="0" eaLnBrk="1" latinLnBrk="0" hangingPunct="1">
+              <a:lnSpc>
+                <a:spcPct val="90000"/>
+              </a:lnSpc>
+              <a:spcBef>
+                <a:spcPts val="500"/>
+              </a:spcBef>
+              <a:buFont typeface="Arial" panose="020B0604020202020204" pitchFamily="34" charset="0"/>
+              <a:buChar char="•"/>
+              <a:defRPr sz="1800" kern="1200">
+                <a:solidFill>
+                  <a:schemeClr val="tx1"/>
+                </a:solidFill>
+                <a:latin typeface="+mn-lt"/>
+                <a:ea typeface="+mn-ea"/>
+                <a:cs typeface="+mn-cs"/>
+              </a:defRPr>
+            </a:lvl7pPr>
+            <a:lvl8pPr marL="3429000" indent="-228600" algn="l" defTabSz="914400" rtl="0" eaLnBrk="1" latinLnBrk="0" hangingPunct="1">
+              <a:lnSpc>
+                <a:spcPct val="90000"/>
+              </a:lnSpc>
+              <a:spcBef>
+                <a:spcPts val="500"/>
+              </a:spcBef>
+              <a:buFont typeface="Arial" panose="020B0604020202020204" pitchFamily="34" charset="0"/>
+              <a:buChar char="•"/>
+              <a:defRPr sz="1800" kern="1200">
+                <a:solidFill>
+                  <a:schemeClr val="tx1"/>
+                </a:solidFill>
+                <a:latin typeface="+mn-lt"/>
+                <a:ea typeface="+mn-ea"/>
+                <a:cs typeface="+mn-cs"/>
+              </a:defRPr>
+            </a:lvl8pPr>
+            <a:lvl9pPr marL="3886200" indent="-228600" algn="l" defTabSz="914400" rtl="0" eaLnBrk="1" latinLnBrk="0" hangingPunct="1">
+              <a:lnSpc>
+                <a:spcPct val="90000"/>
+              </a:lnSpc>
+              <a:spcBef>
+                <a:spcPts val="500"/>
+              </a:spcBef>
+              <a:buFont typeface="Arial" panose="020B0604020202020204" pitchFamily="34" charset="0"/>
+              <a:buChar char="•"/>
+              <a:defRPr sz="1800" kern="1200">
+                <a:solidFill>
+                  <a:schemeClr val="tx1"/>
+                </a:solidFill>
+                <a:latin typeface="+mn-lt"/>
+                <a:ea typeface="+mn-ea"/>
+                <a:cs typeface="+mn-cs"/>
+              </a:defRPr>
+            </a:lvl9pPr>
+          </a:lstStyle>
+          <a:p>
+            <a:pPr>
+              <a:lnSpc>
+                <a:spcPct val="150000"/>
+              </a:lnSpc>
+              <a:spcBef>
+                <a:spcPts val="0"/>
+              </a:spcBef>
+              <a:buFontTx/>
+              <a:buChar char="-"/>
+            </a:pPr>
+            <a:r>
+              <a:rPr lang="en-US" dirty="0">
+                <a:solidFill>
+                  <a:srgbClr val="1D1D1D"/>
+                </a:solidFill>
+                <a:latin typeface="Segoe UI Light" panose="020B0502040204020203" pitchFamily="34" charset="0"/>
+                <a:cs typeface="Segoe UI Light" panose="020B0502040204020203" pitchFamily="34" charset="0"/>
+              </a:rPr>
+              <a:t>                        is awesome, let’s migrate</a:t>
+            </a:r>
+          </a:p>
+          <a:p>
+            <a:pPr>
+              <a:lnSpc>
+                <a:spcPct val="150000"/>
+              </a:lnSpc>
+              <a:spcBef>
+                <a:spcPts val="0"/>
+              </a:spcBef>
+              <a:buFontTx/>
+              <a:buChar char="-"/>
+            </a:pPr>
+            <a:r>
+              <a:rPr lang="en-US" dirty="0">
+                <a:solidFill>
+                  <a:srgbClr val="1D1D1D"/>
+                </a:solidFill>
+                <a:latin typeface="Segoe UI Light" panose="020B0502040204020203" pitchFamily="34" charset="0"/>
+                <a:cs typeface="Segoe UI Light" panose="020B0502040204020203" pitchFamily="34" charset="0"/>
+              </a:rPr>
+              <a:t>Always use forks</a:t>
+            </a:r>
+          </a:p>
+          <a:p>
+            <a:pPr>
+              <a:lnSpc>
+                <a:spcPct val="150000"/>
+              </a:lnSpc>
+              <a:spcBef>
+                <a:spcPts val="0"/>
+              </a:spcBef>
+              <a:buFontTx/>
+              <a:buChar char="-"/>
+            </a:pPr>
+            <a:r>
+              <a:rPr lang="en-US" dirty="0">
+                <a:solidFill>
+                  <a:srgbClr val="1D1D1D"/>
+                </a:solidFill>
+                <a:latin typeface="Segoe UI Light" panose="020B0502040204020203" pitchFamily="34" charset="0"/>
+                <a:cs typeface="Segoe UI Light" panose="020B0502040204020203" pitchFamily="34" charset="0"/>
+              </a:rPr>
+              <a:t>Use setting for branches</a:t>
+            </a:r>
+          </a:p>
+          <a:p>
+            <a:pPr>
+              <a:lnSpc>
+                <a:spcPct val="150000"/>
+              </a:lnSpc>
+              <a:spcBef>
+                <a:spcPts val="0"/>
+              </a:spcBef>
+              <a:buFontTx/>
+              <a:buChar char="-"/>
+            </a:pPr>
+            <a:r>
+              <a:rPr lang="en-US" dirty="0" err="1">
+                <a:solidFill>
+                  <a:srgbClr val="1D1D1D"/>
+                </a:solidFill>
+                <a:latin typeface="Segoe UI Light" panose="020B0502040204020203" pitchFamily="34" charset="0"/>
+                <a:cs typeface="Segoe UI Light" panose="020B0502040204020203" pitchFamily="34" charset="0"/>
+              </a:rPr>
+              <a:t>PullRequest</a:t>
+            </a:r>
+            <a:r>
+              <a:rPr lang="en-US" dirty="0">
+                <a:solidFill>
+                  <a:srgbClr val="1D1D1D"/>
+                </a:solidFill>
+                <a:latin typeface="Segoe UI Light" panose="020B0502040204020203" pitchFamily="34" charset="0"/>
+                <a:cs typeface="Segoe UI Light" panose="020B0502040204020203" pitchFamily="34" charset="0"/>
+              </a:rPr>
+              <a:t> before merging with central repository</a:t>
+            </a:r>
+          </a:p>
+          <a:p>
+            <a:pPr>
+              <a:lnSpc>
+                <a:spcPct val="150000"/>
+              </a:lnSpc>
+              <a:spcBef>
+                <a:spcPts val="0"/>
+              </a:spcBef>
+              <a:buFontTx/>
+              <a:buChar char="-"/>
+            </a:pPr>
+            <a:r>
+              <a:rPr lang="en-US" dirty="0">
+                <a:solidFill>
+                  <a:srgbClr val="1D1D1D"/>
+                </a:solidFill>
+                <a:latin typeface="Segoe UI Light" panose="020B0502040204020203" pitchFamily="34" charset="0"/>
+                <a:cs typeface="Segoe UI Light" panose="020B0502040204020203" pitchFamily="34" charset="0"/>
+              </a:rPr>
+              <a:t>Use submodules for huge projects</a:t>
+            </a:r>
+          </a:p>
+          <a:p>
+            <a:pPr>
+              <a:lnSpc>
+                <a:spcPct val="150000"/>
+              </a:lnSpc>
+              <a:spcBef>
+                <a:spcPts val="0"/>
+              </a:spcBef>
+              <a:buFontTx/>
+              <a:buChar char="-"/>
+            </a:pPr>
+            <a:r>
+              <a:rPr lang="en-US" dirty="0">
+                <a:solidFill>
+                  <a:srgbClr val="1D1D1D"/>
+                </a:solidFill>
+                <a:latin typeface="Segoe UI Light" panose="020B0502040204020203" pitchFamily="34" charset="0"/>
+                <a:cs typeface="Segoe UI Light" panose="020B0502040204020203" pitchFamily="34" charset="0"/>
+              </a:rPr>
+              <a:t>                             is coming…</a:t>
+            </a:r>
+          </a:p>
+          <a:p>
+            <a:pPr>
+              <a:lnSpc>
+                <a:spcPct val="150000"/>
+              </a:lnSpc>
+              <a:spcBef>
+                <a:spcPts val="0"/>
+              </a:spcBef>
+              <a:buFontTx/>
+              <a:buChar char="-"/>
+            </a:pPr>
+            <a:endParaRPr lang="en" dirty="0">
+              <a:solidFill>
+                <a:srgbClr val="1D1D1D"/>
+              </a:solidFill>
+              <a:latin typeface="Segoe UI Light" panose="020B0502040204020203" pitchFamily="34" charset="0"/>
+              <a:cs typeface="Segoe UI Light" panose="020B0502040204020203" pitchFamily="34" charset="0"/>
+            </a:endParaRPr>
+          </a:p>
+        </p:txBody>
+      </p:sp>
+      <p:pic>
+        <p:nvPicPr>
+          <p:cNvPr id="7" name="Рисунок 6"/>
+          <p:cNvPicPr>
+            <a:picLocks noChangeAspect="1"/>
+          </p:cNvPicPr>
+          <p:nvPr/>
+        </p:nvPicPr>
+        <p:blipFill>
+          <a:blip r:embed="rId6" cstate="print">
+            <a:extLst>
+              <a:ext uri="{28A0092B-C50C-407E-A947-70E740481C1C}">
+                <a14:useLocalDpi xmlns:a14="http://schemas.microsoft.com/office/drawing/2010/main" val="0"/>
+              </a:ext>
+            </a:extLst>
+          </a:blip>
+          <a:stretch>
+            <a:fillRect/>
+          </a:stretch>
+        </p:blipFill>
+        <p:spPr>
+          <a:xfrm>
+            <a:off x="10469538" y="5762416"/>
+            <a:ext cx="1383795" cy="548641"/>
+          </a:xfrm>
+          <a:prstGeom prst="rect">
+            <a:avLst/>
+          </a:prstGeom>
+        </p:spPr>
+      </p:pic>
+      <p:pic>
+        <p:nvPicPr>
+          <p:cNvPr id="8" name="Picture 7">
+            <a:extLst>
+              <a:ext uri="{FF2B5EF4-FFF2-40B4-BE49-F238E27FC236}">
+                <a16:creationId xmlns:a16="http://schemas.microsoft.com/office/drawing/2014/main" id="{DA91EBB8-C8D1-4432-A6FB-C417C69EEA33}"/>
+              </a:ext>
+            </a:extLst>
+          </p:cNvPr>
+          <p:cNvPicPr>
+            <a:picLocks noChangeAspect="1"/>
+          </p:cNvPicPr>
+          <p:nvPr/>
+        </p:nvPicPr>
+        <p:blipFill>
+          <a:blip r:embed="rId7" cstate="print">
+            <a:extLst>
+              <a:ext uri="{28A0092B-C50C-407E-A947-70E740481C1C}">
+                <a14:useLocalDpi xmlns:a14="http://schemas.microsoft.com/office/drawing/2010/main" val="0"/>
+              </a:ext>
+            </a:extLst>
+          </a:blip>
+          <a:stretch>
+            <a:fillRect/>
+          </a:stretch>
+        </p:blipFill>
+        <p:spPr>
+          <a:xfrm>
+            <a:off x="1140904" y="5762417"/>
+            <a:ext cx="2306972" cy="820150"/>
+          </a:xfrm>
+          <a:prstGeom prst="rect">
+            <a:avLst/>
+          </a:prstGeom>
+        </p:spPr>
+      </p:pic>
+    </p:spTree>
+    <p:extLst>
+      <p:ext uri="{BB962C8B-B14F-4D97-AF65-F5344CB8AC3E}">
+        <p14:creationId xmlns:p14="http://schemas.microsoft.com/office/powerpoint/2010/main" val="1241848334"/>
+      </p:ext>
+    </p:extLst>
+  </p:cSld>
+  <p:clrMapOvr>
+    <a:masterClrMapping/>
+  </p:clrMapOvr>
+</p:sld>
+</file>
+
+<file path=ppt/slides/slide18.xml><?xml version="1.0" encoding="utf-8"?>
+<p:sld xmlns:a="http://schemas.openxmlformats.org/drawingml/2006/main" xmlns:r="http://schemas.openxmlformats.org/officeDocument/2006/relationships" xmlns:p="http://schemas.openxmlformats.org/presentationml/2006/main">
+  <p:cSld>
+    <p:bg>
+      <p:bgPr>
+        <a:blipFill dpi="0" rotWithShape="1">
+          <a:blip r:embed="rId3">
+            <a:lum/>
+          </a:blip>
+          <a:srcRect/>
+          <a:stretch>
+            <a:fillRect/>
+          </a:stretch>
+        </a:blipFill>
+        <a:effectLst/>
+      </p:bgPr>
+    </p:bg>
+    <p:spTree>
+      <p:nvGrpSpPr>
+        <p:cNvPr id="1" name=""/>
+        <p:cNvGrpSpPr/>
+        <p:nvPr/>
+      </p:nvGrpSpPr>
+      <p:grpSpPr>
+        <a:xfrm>
+          <a:off x="0" y="0"/>
+          <a:ext cx="0" cy="0"/>
+          <a:chOff x="0" y="0"/>
+          <a:chExt cx="0" cy="0"/>
+        </a:xfrm>
+      </p:grpSpPr>
+      <p:sp>
+        <p:nvSpPr>
+          <p:cNvPr id="3" name="Номер слайда 2"/>
+          <p:cNvSpPr txBox="1">
+            <a:spLocks/>
+          </p:cNvSpPr>
+          <p:nvPr/>
+        </p:nvSpPr>
+        <p:spPr>
+          <a:xfrm>
+            <a:off x="11269639" y="399197"/>
+            <a:ext cx="692624" cy="696035"/>
+          </a:xfrm>
+          <a:prstGeom prst="rect">
+            <a:avLst/>
+          </a:prstGeom>
+        </p:spPr>
+        <p:txBody>
+          <a:bodyPr vert="horz" lIns="91440" tIns="45720" rIns="91440" bIns="45720" rtlCol="0" anchor="ctr"/>
+          <a:lstStyle>
+            <a:defPPr>
+              <a:defRPr lang="ru-RU"/>
+            </a:defPPr>
+            <a:lvl1pPr marL="0" algn="r" defTabSz="914400" rtl="0" eaLnBrk="1" latinLnBrk="0" hangingPunct="1">
+              <a:defRPr sz="1200" kern="1200">
+                <a:solidFill>
+                  <a:schemeClr val="tx1">
+                    <a:tint val="75000"/>
+                  </a:schemeClr>
+                </a:solidFill>
+                <a:latin typeface="+mn-lt"/>
+                <a:ea typeface="+mn-ea"/>
+                <a:cs typeface="+mn-cs"/>
+              </a:defRPr>
+            </a:lvl1pPr>
+            <a:lvl2pPr marL="457200" algn="l" defTabSz="914400" rtl="0" eaLnBrk="1" latinLnBrk="0" hangingPunct="1">
+              <a:defRPr sz="1800" kern="1200">
+                <a:solidFill>
+                  <a:schemeClr val="tx1"/>
+                </a:solidFill>
+                <a:latin typeface="+mn-lt"/>
+                <a:ea typeface="+mn-ea"/>
+                <a:cs typeface="+mn-cs"/>
+              </a:defRPr>
+            </a:lvl2pPr>
+            <a:lvl3pPr marL="914400" algn="l" defTabSz="914400" rtl="0" eaLnBrk="1" latinLnBrk="0" hangingPunct="1">
+              <a:defRPr sz="1800" kern="1200">
+                <a:solidFill>
+                  <a:schemeClr val="tx1"/>
+                </a:solidFill>
+                <a:latin typeface="+mn-lt"/>
+                <a:ea typeface="+mn-ea"/>
+                <a:cs typeface="+mn-cs"/>
+              </a:defRPr>
+            </a:lvl3pPr>
+            <a:lvl4pPr marL="1371600" algn="l" defTabSz="914400" rtl="0" eaLnBrk="1" latinLnBrk="0" hangingPunct="1">
+              <a:defRPr sz="1800" kern="1200">
+                <a:solidFill>
+                  <a:schemeClr val="tx1"/>
+                </a:solidFill>
+                <a:latin typeface="+mn-lt"/>
+                <a:ea typeface="+mn-ea"/>
+                <a:cs typeface="+mn-cs"/>
+              </a:defRPr>
+            </a:lvl4pPr>
+            <a:lvl5pPr marL="1828800" algn="l" defTabSz="914400" rtl="0" eaLnBrk="1" latinLnBrk="0" hangingPunct="1">
+              <a:defRPr sz="1800" kern="1200">
+                <a:solidFill>
+                  <a:schemeClr val="tx1"/>
+                </a:solidFill>
+                <a:latin typeface="+mn-lt"/>
+                <a:ea typeface="+mn-ea"/>
+                <a:cs typeface="+mn-cs"/>
+              </a:defRPr>
+            </a:lvl5pPr>
+            <a:lvl6pPr marL="2286000" algn="l" defTabSz="914400" rtl="0" eaLnBrk="1" latinLnBrk="0" hangingPunct="1">
+              <a:defRPr sz="1800" kern="1200">
+                <a:solidFill>
+                  <a:schemeClr val="tx1"/>
+                </a:solidFill>
+                <a:latin typeface="+mn-lt"/>
+                <a:ea typeface="+mn-ea"/>
+                <a:cs typeface="+mn-cs"/>
+              </a:defRPr>
+            </a:lvl6pPr>
+            <a:lvl7pPr marL="2743200" algn="l" defTabSz="914400" rtl="0" eaLnBrk="1" latinLnBrk="0" hangingPunct="1">
+              <a:defRPr sz="1800" kern="1200">
+                <a:solidFill>
+                  <a:schemeClr val="tx1"/>
+                </a:solidFill>
+                <a:latin typeface="+mn-lt"/>
+                <a:ea typeface="+mn-ea"/>
+                <a:cs typeface="+mn-cs"/>
+              </a:defRPr>
+            </a:lvl7pPr>
+            <a:lvl8pPr marL="3200400" algn="l" defTabSz="914400" rtl="0" eaLnBrk="1" latinLnBrk="0" hangingPunct="1">
+              <a:defRPr sz="1800" kern="1200">
+                <a:solidFill>
+                  <a:schemeClr val="tx1"/>
+                </a:solidFill>
+                <a:latin typeface="+mn-lt"/>
+                <a:ea typeface="+mn-ea"/>
+                <a:cs typeface="+mn-cs"/>
+              </a:defRPr>
+            </a:lvl8pPr>
+            <a:lvl9pPr marL="3657600" algn="l" defTabSz="914400" rtl="0" eaLnBrk="1" latinLnBrk="0" hangingPunct="1">
+              <a:defRPr sz="1800" kern="1200">
+                <a:solidFill>
+                  <a:schemeClr val="tx1"/>
+                </a:solidFill>
+                <a:latin typeface="+mn-lt"/>
+                <a:ea typeface="+mn-ea"/>
+                <a:cs typeface="+mn-cs"/>
+              </a:defRPr>
+            </a:lvl9pPr>
+          </a:lstStyle>
+          <a:p>
+            <a:pPr algn="ctr"/>
+            <a:fld id="{19BBE8A3-314A-4B6D-9019-9FDD4FC5871A}" type="slidenum">
+              <a:rPr lang="ru-RU" sz="3000" smtClean="0">
+                <a:solidFill>
+                  <a:schemeClr val="bg1"/>
+                </a:solidFill>
+                <a:latin typeface="Segoe UI Semibold" panose="020B0702040204020203" pitchFamily="34" charset="0"/>
+                <a:cs typeface="Segoe UI Semibold" panose="020B0702040204020203" pitchFamily="34" charset="0"/>
+              </a:rPr>
+              <a:t>18</a:t>
             </a:fld>
             <a:endParaRPr lang="ru-RU" sz="3000" dirty="0">
               <a:solidFill>
@@ -8923,7 +9877,7 @@
 </p:sld>
 </file>
 
-<file path=ppt/slides/slide18.xml><?xml version="1.0" encoding="utf-8"?>
+<file path=ppt/slides/slide19.xml><?xml version="1.0" encoding="utf-8"?>
 <p:sld xmlns:a="http://schemas.openxmlformats.org/drawingml/2006/main" xmlns:r="http://schemas.openxmlformats.org/officeDocument/2006/relationships" xmlns:p="http://schemas.openxmlformats.org/presentationml/2006/main">
   <p:cSld>
     <p:bg>
@@ -9128,7 +10082,7 @@
                 <a:latin typeface="Segoe UI Semibold" panose="020B0702040204020203" pitchFamily="34" charset="0"/>
                 <a:cs typeface="Segoe UI Semibold" panose="020B0702040204020203" pitchFamily="34" charset="0"/>
               </a:rPr>
-              <a:t>18</a:t>
+              <a:t>19</a:t>
             </a:fld>
             <a:endParaRPr lang="ru-RU" sz="3000" dirty="0">
               <a:solidFill>
